--- a/Documents/ClientPresent2.pptx
+++ b/Documents/ClientPresent2.pptx
@@ -4,17 +4,23 @@
   <p:sldMasterIdLst>
     <p:sldMasterId id="2147483660" r:id="rId1"/>
   </p:sldMasterIdLst>
+  <p:notesMasterIdLst>
+    <p:notesMasterId r:id="rId15"/>
+  </p:notesMasterIdLst>
   <p:sldIdLst>
     <p:sldId id="256" r:id="rId2"/>
     <p:sldId id="257" r:id="rId3"/>
     <p:sldId id="258" r:id="rId4"/>
     <p:sldId id="259" r:id="rId5"/>
     <p:sldId id="264" r:id="rId6"/>
-    <p:sldId id="260" r:id="rId7"/>
-    <p:sldId id="265" r:id="rId8"/>
-    <p:sldId id="261" r:id="rId9"/>
-    <p:sldId id="262" r:id="rId10"/>
-    <p:sldId id="263" r:id="rId11"/>
+    <p:sldId id="268" r:id="rId7"/>
+    <p:sldId id="260" r:id="rId8"/>
+    <p:sldId id="265" r:id="rId9"/>
+    <p:sldId id="261" r:id="rId10"/>
+    <p:sldId id="267" r:id="rId11"/>
+    <p:sldId id="266" r:id="rId12"/>
+    <p:sldId id="262" r:id="rId13"/>
+    <p:sldId id="263" r:id="rId14"/>
   </p:sldIdLst>
   <p:sldSz cx="12192000" cy="6858000"/>
   <p:notesSz cx="6858000" cy="9144000"/>
@@ -113,7 +119,1418 @@
       </a:defRPr>
     </a:lvl9pPr>
   </p:defaultTextStyle>
+  <p:extLst>
+    <p:ext uri="{EFAFB233-063F-42B5-8137-9DF3F51BA10A}">
+      <p15:sldGuideLst xmlns:p15="http://schemas.microsoft.com/office/powerpoint/2012/main"/>
+    </p:ext>
+  </p:extLst>
 </p:presentation>
+</file>
+
+<file path=ppt/notesMasters/notesMaster1.xml><?xml version="1.0" encoding="utf-8"?>
+<p:notesMaster xmlns:a="http://schemas.openxmlformats.org/drawingml/2006/main" xmlns:r="http://schemas.openxmlformats.org/officeDocument/2006/relationships" xmlns:p="http://schemas.openxmlformats.org/presentationml/2006/main">
+  <p:cSld>
+    <p:bg>
+      <p:bgRef idx="1001">
+        <a:schemeClr val="bg1"/>
+      </p:bgRef>
+    </p:bg>
+    <p:spTree>
+      <p:nvGrpSpPr>
+        <p:cNvPr id="1" name=""/>
+        <p:cNvGrpSpPr/>
+        <p:nvPr/>
+      </p:nvGrpSpPr>
+      <p:grpSpPr>
+        <a:xfrm>
+          <a:off x="0" y="0"/>
+          <a:ext cx="0" cy="0"/>
+          <a:chOff x="0" y="0"/>
+          <a:chExt cx="0" cy="0"/>
+        </a:xfrm>
+      </p:grpSpPr>
+      <p:sp>
+        <p:nvSpPr>
+          <p:cNvPr id="2" name="Header Placeholder 1"/>
+          <p:cNvSpPr>
+            <a:spLocks noGrp="1"/>
+          </p:cNvSpPr>
+          <p:nvPr>
+            <p:ph type="hdr" sz="quarter"/>
+          </p:nvPr>
+        </p:nvSpPr>
+        <p:spPr>
+          <a:xfrm>
+            <a:off x="0" y="0"/>
+            <a:ext cx="2971800" cy="458788"/>
+          </a:xfrm>
+          <a:prstGeom prst="rect">
+            <a:avLst/>
+          </a:prstGeom>
+        </p:spPr>
+        <p:txBody>
+          <a:bodyPr vert="horz" lIns="91440" tIns="45720" rIns="91440" bIns="45720" rtlCol="0"/>
+          <a:lstStyle>
+            <a:lvl1pPr algn="l">
+              <a:defRPr sz="1200"/>
+            </a:lvl1pPr>
+          </a:lstStyle>
+          <a:p>
+            <a:endParaRPr lang="en-US"/>
+          </a:p>
+        </p:txBody>
+      </p:sp>
+      <p:sp>
+        <p:nvSpPr>
+          <p:cNvPr id="3" name="Date Placeholder 2"/>
+          <p:cNvSpPr>
+            <a:spLocks noGrp="1"/>
+          </p:cNvSpPr>
+          <p:nvPr>
+            <p:ph type="dt" idx="1"/>
+          </p:nvPr>
+        </p:nvSpPr>
+        <p:spPr>
+          <a:xfrm>
+            <a:off x="3884613" y="0"/>
+            <a:ext cx="2971800" cy="458788"/>
+          </a:xfrm>
+          <a:prstGeom prst="rect">
+            <a:avLst/>
+          </a:prstGeom>
+        </p:spPr>
+        <p:txBody>
+          <a:bodyPr vert="horz" lIns="91440" tIns="45720" rIns="91440" bIns="45720" rtlCol="0"/>
+          <a:lstStyle>
+            <a:lvl1pPr algn="r">
+              <a:defRPr sz="1200"/>
+            </a:lvl1pPr>
+          </a:lstStyle>
+          <a:p>
+            <a:fld id="{6FB66DF6-752B-44A8-85EB-BCFB4BEA1546}" type="datetimeFigureOut">
+              <a:rPr lang="en-US" smtClean="0"/>
+              <a:t>12/3/2015</a:t>
+            </a:fld>
+            <a:endParaRPr lang="en-US"/>
+          </a:p>
+        </p:txBody>
+      </p:sp>
+      <p:sp>
+        <p:nvSpPr>
+          <p:cNvPr id="4" name="Slide Image Placeholder 3"/>
+          <p:cNvSpPr>
+            <a:spLocks noGrp="1" noRot="1" noChangeAspect="1"/>
+          </p:cNvSpPr>
+          <p:nvPr>
+            <p:ph type="sldImg" idx="2"/>
+          </p:nvPr>
+        </p:nvSpPr>
+        <p:spPr>
+          <a:xfrm>
+            <a:off x="685800" y="1143000"/>
+            <a:ext cx="5486400" cy="3086100"/>
+          </a:xfrm>
+          <a:prstGeom prst="rect">
+            <a:avLst/>
+          </a:prstGeom>
+          <a:noFill/>
+          <a:ln w="12700">
+            <a:solidFill>
+              <a:prstClr val="black"/>
+            </a:solidFill>
+          </a:ln>
+        </p:spPr>
+        <p:txBody>
+          <a:bodyPr vert="horz" lIns="91440" tIns="45720" rIns="91440" bIns="45720" rtlCol="0" anchor="ctr"/>
+          <a:lstStyle/>
+          <a:p>
+            <a:endParaRPr lang="en-US"/>
+          </a:p>
+        </p:txBody>
+      </p:sp>
+      <p:sp>
+        <p:nvSpPr>
+          <p:cNvPr id="5" name="Notes Placeholder 4"/>
+          <p:cNvSpPr>
+            <a:spLocks noGrp="1"/>
+          </p:cNvSpPr>
+          <p:nvPr>
+            <p:ph type="body" sz="quarter" idx="3"/>
+          </p:nvPr>
+        </p:nvSpPr>
+        <p:spPr>
+          <a:xfrm>
+            <a:off x="685800" y="4400550"/>
+            <a:ext cx="5486400" cy="3600450"/>
+          </a:xfrm>
+          <a:prstGeom prst="rect">
+            <a:avLst/>
+          </a:prstGeom>
+        </p:spPr>
+        <p:txBody>
+          <a:bodyPr vert="horz" lIns="91440" tIns="45720" rIns="91440" bIns="45720" rtlCol="0"/>
+          <a:lstStyle/>
+          <a:p>
+            <a:pPr lvl="0"/>
+            <a:r>
+              <a:rPr lang="en-US" smtClean="0"/>
+              <a:t>Click to edit Master text styles</a:t>
+            </a:r>
+          </a:p>
+          <a:p>
+            <a:pPr lvl="1"/>
+            <a:r>
+              <a:rPr lang="en-US" smtClean="0"/>
+              <a:t>Second level</a:t>
+            </a:r>
+          </a:p>
+          <a:p>
+            <a:pPr lvl="2"/>
+            <a:r>
+              <a:rPr lang="en-US" smtClean="0"/>
+              <a:t>Third level</a:t>
+            </a:r>
+          </a:p>
+          <a:p>
+            <a:pPr lvl="3"/>
+            <a:r>
+              <a:rPr lang="en-US" smtClean="0"/>
+              <a:t>Fourth level</a:t>
+            </a:r>
+          </a:p>
+          <a:p>
+            <a:pPr lvl="4"/>
+            <a:r>
+              <a:rPr lang="en-US" smtClean="0"/>
+              <a:t>Fifth level</a:t>
+            </a:r>
+            <a:endParaRPr lang="en-US"/>
+          </a:p>
+        </p:txBody>
+      </p:sp>
+      <p:sp>
+        <p:nvSpPr>
+          <p:cNvPr id="6" name="Footer Placeholder 5"/>
+          <p:cNvSpPr>
+            <a:spLocks noGrp="1"/>
+          </p:cNvSpPr>
+          <p:nvPr>
+            <p:ph type="ftr" sz="quarter" idx="4"/>
+          </p:nvPr>
+        </p:nvSpPr>
+        <p:spPr>
+          <a:xfrm>
+            <a:off x="0" y="8685213"/>
+            <a:ext cx="2971800" cy="458787"/>
+          </a:xfrm>
+          <a:prstGeom prst="rect">
+            <a:avLst/>
+          </a:prstGeom>
+        </p:spPr>
+        <p:txBody>
+          <a:bodyPr vert="horz" lIns="91440" tIns="45720" rIns="91440" bIns="45720" rtlCol="0" anchor="b"/>
+          <a:lstStyle>
+            <a:lvl1pPr algn="l">
+              <a:defRPr sz="1200"/>
+            </a:lvl1pPr>
+          </a:lstStyle>
+          <a:p>
+            <a:endParaRPr lang="en-US"/>
+          </a:p>
+        </p:txBody>
+      </p:sp>
+      <p:sp>
+        <p:nvSpPr>
+          <p:cNvPr id="7" name="Slide Number Placeholder 6"/>
+          <p:cNvSpPr>
+            <a:spLocks noGrp="1"/>
+          </p:cNvSpPr>
+          <p:nvPr>
+            <p:ph type="sldNum" sz="quarter" idx="5"/>
+          </p:nvPr>
+        </p:nvSpPr>
+        <p:spPr>
+          <a:xfrm>
+            <a:off x="3884613" y="8685213"/>
+            <a:ext cx="2971800" cy="458787"/>
+          </a:xfrm>
+          <a:prstGeom prst="rect">
+            <a:avLst/>
+          </a:prstGeom>
+        </p:spPr>
+        <p:txBody>
+          <a:bodyPr vert="horz" lIns="91440" tIns="45720" rIns="91440" bIns="45720" rtlCol="0" anchor="b"/>
+          <a:lstStyle>
+            <a:lvl1pPr algn="r">
+              <a:defRPr sz="1200"/>
+            </a:lvl1pPr>
+          </a:lstStyle>
+          <a:p>
+            <a:fld id="{A155AD77-3793-444C-8E1E-C84243EEBDA1}" type="slidenum">
+              <a:rPr lang="en-US" smtClean="0"/>
+              <a:t>‹#›</a:t>
+            </a:fld>
+            <a:endParaRPr lang="en-US"/>
+          </a:p>
+        </p:txBody>
+      </p:sp>
+    </p:spTree>
+    <p:extLst>
+      <p:ext uri="{BB962C8B-B14F-4D97-AF65-F5344CB8AC3E}">
+        <p14:creationId xmlns:p14="http://schemas.microsoft.com/office/powerpoint/2010/main" val="746781403"/>
+      </p:ext>
+    </p:extLst>
+  </p:cSld>
+  <p:clrMap bg1="lt1" tx1="dk1" bg2="lt2" tx2="dk2" accent1="accent1" accent2="accent2" accent3="accent3" accent4="accent4" accent5="accent5" accent6="accent6" hlink="hlink" folHlink="folHlink"/>
+  <p:notesStyle>
+    <a:lvl1pPr marL="0" algn="l" defTabSz="914400" rtl="0" eaLnBrk="1" latinLnBrk="0" hangingPunct="1">
+      <a:defRPr sz="1200" kern="1200">
+        <a:solidFill>
+          <a:schemeClr val="tx1"/>
+        </a:solidFill>
+        <a:latin typeface="+mn-lt"/>
+        <a:ea typeface="+mn-ea"/>
+        <a:cs typeface="+mn-cs"/>
+      </a:defRPr>
+    </a:lvl1pPr>
+    <a:lvl2pPr marL="457200" algn="l" defTabSz="914400" rtl="0" eaLnBrk="1" latinLnBrk="0" hangingPunct="1">
+      <a:defRPr sz="1200" kern="1200">
+        <a:solidFill>
+          <a:schemeClr val="tx1"/>
+        </a:solidFill>
+        <a:latin typeface="+mn-lt"/>
+        <a:ea typeface="+mn-ea"/>
+        <a:cs typeface="+mn-cs"/>
+      </a:defRPr>
+    </a:lvl2pPr>
+    <a:lvl3pPr marL="914400" algn="l" defTabSz="914400" rtl="0" eaLnBrk="1" latinLnBrk="0" hangingPunct="1">
+      <a:defRPr sz="1200" kern="1200">
+        <a:solidFill>
+          <a:schemeClr val="tx1"/>
+        </a:solidFill>
+        <a:latin typeface="+mn-lt"/>
+        <a:ea typeface="+mn-ea"/>
+        <a:cs typeface="+mn-cs"/>
+      </a:defRPr>
+    </a:lvl3pPr>
+    <a:lvl4pPr marL="1371600" algn="l" defTabSz="914400" rtl="0" eaLnBrk="1" latinLnBrk="0" hangingPunct="1">
+      <a:defRPr sz="1200" kern="1200">
+        <a:solidFill>
+          <a:schemeClr val="tx1"/>
+        </a:solidFill>
+        <a:latin typeface="+mn-lt"/>
+        <a:ea typeface="+mn-ea"/>
+        <a:cs typeface="+mn-cs"/>
+      </a:defRPr>
+    </a:lvl4pPr>
+    <a:lvl5pPr marL="1828800" algn="l" defTabSz="914400" rtl="0" eaLnBrk="1" latinLnBrk="0" hangingPunct="1">
+      <a:defRPr sz="1200" kern="1200">
+        <a:solidFill>
+          <a:schemeClr val="tx1"/>
+        </a:solidFill>
+        <a:latin typeface="+mn-lt"/>
+        <a:ea typeface="+mn-ea"/>
+        <a:cs typeface="+mn-cs"/>
+      </a:defRPr>
+    </a:lvl5pPr>
+    <a:lvl6pPr marL="2286000" algn="l" defTabSz="914400" rtl="0" eaLnBrk="1" latinLnBrk="0" hangingPunct="1">
+      <a:defRPr sz="1200" kern="1200">
+        <a:solidFill>
+          <a:schemeClr val="tx1"/>
+        </a:solidFill>
+        <a:latin typeface="+mn-lt"/>
+        <a:ea typeface="+mn-ea"/>
+        <a:cs typeface="+mn-cs"/>
+      </a:defRPr>
+    </a:lvl6pPr>
+    <a:lvl7pPr marL="2743200" algn="l" defTabSz="914400" rtl="0" eaLnBrk="1" latinLnBrk="0" hangingPunct="1">
+      <a:defRPr sz="1200" kern="1200">
+        <a:solidFill>
+          <a:schemeClr val="tx1"/>
+        </a:solidFill>
+        <a:latin typeface="+mn-lt"/>
+        <a:ea typeface="+mn-ea"/>
+        <a:cs typeface="+mn-cs"/>
+      </a:defRPr>
+    </a:lvl7pPr>
+    <a:lvl8pPr marL="3200400" algn="l" defTabSz="914400" rtl="0" eaLnBrk="1" latinLnBrk="0" hangingPunct="1">
+      <a:defRPr sz="1200" kern="1200">
+        <a:solidFill>
+          <a:schemeClr val="tx1"/>
+        </a:solidFill>
+        <a:latin typeface="+mn-lt"/>
+        <a:ea typeface="+mn-ea"/>
+        <a:cs typeface="+mn-cs"/>
+      </a:defRPr>
+    </a:lvl8pPr>
+    <a:lvl9pPr marL="3657600" algn="l" defTabSz="914400" rtl="0" eaLnBrk="1" latinLnBrk="0" hangingPunct="1">
+      <a:defRPr sz="1200" kern="1200">
+        <a:solidFill>
+          <a:schemeClr val="tx1"/>
+        </a:solidFill>
+        <a:latin typeface="+mn-lt"/>
+        <a:ea typeface="+mn-ea"/>
+        <a:cs typeface="+mn-cs"/>
+      </a:defRPr>
+    </a:lvl9pPr>
+  </p:notesStyle>
+</p:notesMaster>
+</file>
+
+<file path=ppt/notesSlides/notesSlide1.xml><?xml version="1.0" encoding="utf-8"?>
+<p:notes xmlns:a="http://schemas.openxmlformats.org/drawingml/2006/main" xmlns:r="http://schemas.openxmlformats.org/officeDocument/2006/relationships" xmlns:p="http://schemas.openxmlformats.org/presentationml/2006/main">
+  <p:cSld>
+    <p:spTree>
+      <p:nvGrpSpPr>
+        <p:cNvPr id="1" name=""/>
+        <p:cNvGrpSpPr/>
+        <p:nvPr/>
+      </p:nvGrpSpPr>
+      <p:grpSpPr>
+        <a:xfrm>
+          <a:off x="0" y="0"/>
+          <a:ext cx="0" cy="0"/>
+          <a:chOff x="0" y="0"/>
+          <a:chExt cx="0" cy="0"/>
+        </a:xfrm>
+      </p:grpSpPr>
+      <p:sp>
+        <p:nvSpPr>
+          <p:cNvPr id="2" name="Slide Image Placeholder 1"/>
+          <p:cNvSpPr>
+            <a:spLocks noGrp="1" noRot="1" noChangeAspect="1"/>
+          </p:cNvSpPr>
+          <p:nvPr>
+            <p:ph type="sldImg"/>
+          </p:nvPr>
+        </p:nvSpPr>
+        <p:spPr/>
+      </p:sp>
+      <p:sp>
+        <p:nvSpPr>
+          <p:cNvPr id="3" name="Notes Placeholder 2"/>
+          <p:cNvSpPr>
+            <a:spLocks noGrp="1"/>
+          </p:cNvSpPr>
+          <p:nvPr>
+            <p:ph type="body" idx="1"/>
+          </p:nvPr>
+        </p:nvSpPr>
+        <p:spPr/>
+        <p:txBody>
+          <a:bodyPr/>
+          <a:lstStyle/>
+          <a:p>
+            <a:r>
+              <a:rPr lang="en-US" dirty="0" smtClean="0"/>
+              <a:t>Sam</a:t>
+            </a:r>
+            <a:endParaRPr lang="en-US" dirty="0"/>
+          </a:p>
+        </p:txBody>
+      </p:sp>
+      <p:sp>
+        <p:nvSpPr>
+          <p:cNvPr id="4" name="Slide Number Placeholder 3"/>
+          <p:cNvSpPr>
+            <a:spLocks noGrp="1"/>
+          </p:cNvSpPr>
+          <p:nvPr>
+            <p:ph type="sldNum" sz="quarter" idx="10"/>
+          </p:nvPr>
+        </p:nvSpPr>
+        <p:spPr/>
+        <p:txBody>
+          <a:bodyPr/>
+          <a:lstStyle/>
+          <a:p>
+            <a:fld id="{A155AD77-3793-444C-8E1E-C84243EEBDA1}" type="slidenum">
+              <a:rPr lang="en-US" smtClean="0"/>
+              <a:t>2</a:t>
+            </a:fld>
+            <a:endParaRPr lang="en-US"/>
+          </a:p>
+        </p:txBody>
+      </p:sp>
+    </p:spTree>
+    <p:extLst>
+      <p:ext uri="{BB962C8B-B14F-4D97-AF65-F5344CB8AC3E}">
+        <p14:creationId xmlns:p14="http://schemas.microsoft.com/office/powerpoint/2010/main" val="3287991378"/>
+      </p:ext>
+    </p:extLst>
+  </p:cSld>
+  <p:clrMapOvr>
+    <a:masterClrMapping/>
+  </p:clrMapOvr>
+</p:notes>
+</file>
+
+<file path=ppt/notesSlides/notesSlide10.xml><?xml version="1.0" encoding="utf-8"?>
+<p:notes xmlns:a="http://schemas.openxmlformats.org/drawingml/2006/main" xmlns:r="http://schemas.openxmlformats.org/officeDocument/2006/relationships" xmlns:p="http://schemas.openxmlformats.org/presentationml/2006/main">
+  <p:cSld>
+    <p:spTree>
+      <p:nvGrpSpPr>
+        <p:cNvPr id="1" name=""/>
+        <p:cNvGrpSpPr/>
+        <p:nvPr/>
+      </p:nvGrpSpPr>
+      <p:grpSpPr>
+        <a:xfrm>
+          <a:off x="0" y="0"/>
+          <a:ext cx="0" cy="0"/>
+          <a:chOff x="0" y="0"/>
+          <a:chExt cx="0" cy="0"/>
+        </a:xfrm>
+      </p:grpSpPr>
+      <p:sp>
+        <p:nvSpPr>
+          <p:cNvPr id="2" name="Slide Image Placeholder 1"/>
+          <p:cNvSpPr>
+            <a:spLocks noGrp="1" noRot="1" noChangeAspect="1"/>
+          </p:cNvSpPr>
+          <p:nvPr>
+            <p:ph type="sldImg"/>
+          </p:nvPr>
+        </p:nvSpPr>
+        <p:spPr/>
+      </p:sp>
+      <p:sp>
+        <p:nvSpPr>
+          <p:cNvPr id="3" name="Notes Placeholder 2"/>
+          <p:cNvSpPr>
+            <a:spLocks noGrp="1"/>
+          </p:cNvSpPr>
+          <p:nvPr>
+            <p:ph type="body" idx="1"/>
+          </p:nvPr>
+        </p:nvSpPr>
+        <p:spPr/>
+        <p:txBody>
+          <a:bodyPr/>
+          <a:lstStyle/>
+          <a:p>
+            <a:r>
+              <a:rPr lang="en-US" dirty="0" smtClean="0"/>
+              <a:t>Sam</a:t>
+            </a:r>
+            <a:endParaRPr lang="en-US" dirty="0"/>
+          </a:p>
+        </p:txBody>
+      </p:sp>
+      <p:sp>
+        <p:nvSpPr>
+          <p:cNvPr id="4" name="Slide Number Placeholder 3"/>
+          <p:cNvSpPr>
+            <a:spLocks noGrp="1"/>
+          </p:cNvSpPr>
+          <p:nvPr>
+            <p:ph type="sldNum" sz="quarter" idx="10"/>
+          </p:nvPr>
+        </p:nvSpPr>
+        <p:spPr/>
+        <p:txBody>
+          <a:bodyPr/>
+          <a:lstStyle/>
+          <a:p>
+            <a:fld id="{A155AD77-3793-444C-8E1E-C84243EEBDA1}" type="slidenum">
+              <a:rPr lang="en-US" smtClean="0"/>
+              <a:t>11</a:t>
+            </a:fld>
+            <a:endParaRPr lang="en-US"/>
+          </a:p>
+        </p:txBody>
+      </p:sp>
+    </p:spTree>
+    <p:extLst>
+      <p:ext uri="{BB962C8B-B14F-4D97-AF65-F5344CB8AC3E}">
+        <p14:creationId xmlns:p14="http://schemas.microsoft.com/office/powerpoint/2010/main" val="3380685306"/>
+      </p:ext>
+    </p:extLst>
+  </p:cSld>
+  <p:clrMapOvr>
+    <a:masterClrMapping/>
+  </p:clrMapOvr>
+</p:notes>
+</file>
+
+<file path=ppt/notesSlides/notesSlide11.xml><?xml version="1.0" encoding="utf-8"?>
+<p:notes xmlns:a="http://schemas.openxmlformats.org/drawingml/2006/main" xmlns:r="http://schemas.openxmlformats.org/officeDocument/2006/relationships" xmlns:p="http://schemas.openxmlformats.org/presentationml/2006/main">
+  <p:cSld>
+    <p:spTree>
+      <p:nvGrpSpPr>
+        <p:cNvPr id="1" name=""/>
+        <p:cNvGrpSpPr/>
+        <p:nvPr/>
+      </p:nvGrpSpPr>
+      <p:grpSpPr>
+        <a:xfrm>
+          <a:off x="0" y="0"/>
+          <a:ext cx="0" cy="0"/>
+          <a:chOff x="0" y="0"/>
+          <a:chExt cx="0" cy="0"/>
+        </a:xfrm>
+      </p:grpSpPr>
+      <p:sp>
+        <p:nvSpPr>
+          <p:cNvPr id="2" name="Slide Image Placeholder 1"/>
+          <p:cNvSpPr>
+            <a:spLocks noGrp="1" noRot="1" noChangeAspect="1"/>
+          </p:cNvSpPr>
+          <p:nvPr>
+            <p:ph type="sldImg"/>
+          </p:nvPr>
+        </p:nvSpPr>
+        <p:spPr/>
+      </p:sp>
+      <p:sp>
+        <p:nvSpPr>
+          <p:cNvPr id="3" name="Notes Placeholder 2"/>
+          <p:cNvSpPr>
+            <a:spLocks noGrp="1"/>
+          </p:cNvSpPr>
+          <p:nvPr>
+            <p:ph type="body" idx="1"/>
+          </p:nvPr>
+        </p:nvSpPr>
+        <p:spPr/>
+        <p:txBody>
+          <a:bodyPr/>
+          <a:lstStyle/>
+          <a:p>
+            <a:r>
+              <a:rPr lang="en-US" dirty="0" smtClean="0"/>
+              <a:t>Christine</a:t>
+            </a:r>
+            <a:endParaRPr lang="en-US" dirty="0"/>
+          </a:p>
+        </p:txBody>
+      </p:sp>
+      <p:sp>
+        <p:nvSpPr>
+          <p:cNvPr id="4" name="Slide Number Placeholder 3"/>
+          <p:cNvSpPr>
+            <a:spLocks noGrp="1"/>
+          </p:cNvSpPr>
+          <p:nvPr>
+            <p:ph type="sldNum" sz="quarter" idx="10"/>
+          </p:nvPr>
+        </p:nvSpPr>
+        <p:spPr/>
+        <p:txBody>
+          <a:bodyPr/>
+          <a:lstStyle/>
+          <a:p>
+            <a:fld id="{A155AD77-3793-444C-8E1E-C84243EEBDA1}" type="slidenum">
+              <a:rPr lang="en-US" smtClean="0"/>
+              <a:t>12</a:t>
+            </a:fld>
+            <a:endParaRPr lang="en-US"/>
+          </a:p>
+        </p:txBody>
+      </p:sp>
+    </p:spTree>
+    <p:extLst>
+      <p:ext uri="{BB962C8B-B14F-4D97-AF65-F5344CB8AC3E}">
+        <p14:creationId xmlns:p14="http://schemas.microsoft.com/office/powerpoint/2010/main" val="15196142"/>
+      </p:ext>
+    </p:extLst>
+  </p:cSld>
+  <p:clrMapOvr>
+    <a:masterClrMapping/>
+  </p:clrMapOvr>
+</p:notes>
+</file>
+
+<file path=ppt/notesSlides/notesSlide12.xml><?xml version="1.0" encoding="utf-8"?>
+<p:notes xmlns:a="http://schemas.openxmlformats.org/drawingml/2006/main" xmlns:r="http://schemas.openxmlformats.org/officeDocument/2006/relationships" xmlns:p="http://schemas.openxmlformats.org/presentationml/2006/main">
+  <p:cSld>
+    <p:spTree>
+      <p:nvGrpSpPr>
+        <p:cNvPr id="1" name=""/>
+        <p:cNvGrpSpPr/>
+        <p:nvPr/>
+      </p:nvGrpSpPr>
+      <p:grpSpPr>
+        <a:xfrm>
+          <a:off x="0" y="0"/>
+          <a:ext cx="0" cy="0"/>
+          <a:chOff x="0" y="0"/>
+          <a:chExt cx="0" cy="0"/>
+        </a:xfrm>
+      </p:grpSpPr>
+      <p:sp>
+        <p:nvSpPr>
+          <p:cNvPr id="2" name="Slide Image Placeholder 1"/>
+          <p:cNvSpPr>
+            <a:spLocks noGrp="1" noRot="1" noChangeAspect="1"/>
+          </p:cNvSpPr>
+          <p:nvPr>
+            <p:ph type="sldImg"/>
+          </p:nvPr>
+        </p:nvSpPr>
+        <p:spPr/>
+      </p:sp>
+      <p:sp>
+        <p:nvSpPr>
+          <p:cNvPr id="3" name="Notes Placeholder 2"/>
+          <p:cNvSpPr>
+            <a:spLocks noGrp="1"/>
+          </p:cNvSpPr>
+          <p:nvPr>
+            <p:ph type="body" idx="1"/>
+          </p:nvPr>
+        </p:nvSpPr>
+        <p:spPr/>
+        <p:txBody>
+          <a:bodyPr/>
+          <a:lstStyle/>
+          <a:p>
+            <a:r>
+              <a:rPr lang="en-US" dirty="0" smtClean="0"/>
+              <a:t>Christine</a:t>
+            </a:r>
+            <a:endParaRPr lang="en-US" dirty="0"/>
+          </a:p>
+        </p:txBody>
+      </p:sp>
+      <p:sp>
+        <p:nvSpPr>
+          <p:cNvPr id="4" name="Slide Number Placeholder 3"/>
+          <p:cNvSpPr>
+            <a:spLocks noGrp="1"/>
+          </p:cNvSpPr>
+          <p:nvPr>
+            <p:ph type="sldNum" sz="quarter" idx="10"/>
+          </p:nvPr>
+        </p:nvSpPr>
+        <p:spPr/>
+        <p:txBody>
+          <a:bodyPr/>
+          <a:lstStyle/>
+          <a:p>
+            <a:fld id="{A155AD77-3793-444C-8E1E-C84243EEBDA1}" type="slidenum">
+              <a:rPr lang="en-US" smtClean="0"/>
+              <a:t>13</a:t>
+            </a:fld>
+            <a:endParaRPr lang="en-US"/>
+          </a:p>
+        </p:txBody>
+      </p:sp>
+    </p:spTree>
+    <p:extLst>
+      <p:ext uri="{BB962C8B-B14F-4D97-AF65-F5344CB8AC3E}">
+        <p14:creationId xmlns:p14="http://schemas.microsoft.com/office/powerpoint/2010/main" val="1048952900"/>
+      </p:ext>
+    </p:extLst>
+  </p:cSld>
+  <p:clrMapOvr>
+    <a:masterClrMapping/>
+  </p:clrMapOvr>
+</p:notes>
+</file>
+
+<file path=ppt/notesSlides/notesSlide2.xml><?xml version="1.0" encoding="utf-8"?>
+<p:notes xmlns:a="http://schemas.openxmlformats.org/drawingml/2006/main" xmlns:r="http://schemas.openxmlformats.org/officeDocument/2006/relationships" xmlns:p="http://schemas.openxmlformats.org/presentationml/2006/main">
+  <p:cSld>
+    <p:spTree>
+      <p:nvGrpSpPr>
+        <p:cNvPr id="1" name=""/>
+        <p:cNvGrpSpPr/>
+        <p:nvPr/>
+      </p:nvGrpSpPr>
+      <p:grpSpPr>
+        <a:xfrm>
+          <a:off x="0" y="0"/>
+          <a:ext cx="0" cy="0"/>
+          <a:chOff x="0" y="0"/>
+          <a:chExt cx="0" cy="0"/>
+        </a:xfrm>
+      </p:grpSpPr>
+      <p:sp>
+        <p:nvSpPr>
+          <p:cNvPr id="2" name="Slide Image Placeholder 1"/>
+          <p:cNvSpPr>
+            <a:spLocks noGrp="1" noRot="1" noChangeAspect="1"/>
+          </p:cNvSpPr>
+          <p:nvPr>
+            <p:ph type="sldImg"/>
+          </p:nvPr>
+        </p:nvSpPr>
+        <p:spPr/>
+      </p:sp>
+      <p:sp>
+        <p:nvSpPr>
+          <p:cNvPr id="3" name="Notes Placeholder 2"/>
+          <p:cNvSpPr>
+            <a:spLocks noGrp="1"/>
+          </p:cNvSpPr>
+          <p:nvPr>
+            <p:ph type="body" idx="1"/>
+          </p:nvPr>
+        </p:nvSpPr>
+        <p:spPr/>
+        <p:txBody>
+          <a:bodyPr/>
+          <a:lstStyle/>
+          <a:p>
+            <a:r>
+              <a:rPr lang="en-US" dirty="0" smtClean="0"/>
+              <a:t>Sam</a:t>
+            </a:r>
+            <a:endParaRPr lang="en-US" dirty="0"/>
+          </a:p>
+        </p:txBody>
+      </p:sp>
+      <p:sp>
+        <p:nvSpPr>
+          <p:cNvPr id="4" name="Slide Number Placeholder 3"/>
+          <p:cNvSpPr>
+            <a:spLocks noGrp="1"/>
+          </p:cNvSpPr>
+          <p:nvPr>
+            <p:ph type="sldNum" sz="quarter" idx="10"/>
+          </p:nvPr>
+        </p:nvSpPr>
+        <p:spPr/>
+        <p:txBody>
+          <a:bodyPr/>
+          <a:lstStyle/>
+          <a:p>
+            <a:fld id="{A155AD77-3793-444C-8E1E-C84243EEBDA1}" type="slidenum">
+              <a:rPr lang="en-US" smtClean="0"/>
+              <a:t>3</a:t>
+            </a:fld>
+            <a:endParaRPr lang="en-US"/>
+          </a:p>
+        </p:txBody>
+      </p:sp>
+    </p:spTree>
+    <p:extLst>
+      <p:ext uri="{BB962C8B-B14F-4D97-AF65-F5344CB8AC3E}">
+        <p14:creationId xmlns:p14="http://schemas.microsoft.com/office/powerpoint/2010/main" val="1835732115"/>
+      </p:ext>
+    </p:extLst>
+  </p:cSld>
+  <p:clrMapOvr>
+    <a:masterClrMapping/>
+  </p:clrMapOvr>
+</p:notes>
+</file>
+
+<file path=ppt/notesSlides/notesSlide3.xml><?xml version="1.0" encoding="utf-8"?>
+<p:notes xmlns:a="http://schemas.openxmlformats.org/drawingml/2006/main" xmlns:r="http://schemas.openxmlformats.org/officeDocument/2006/relationships" xmlns:p="http://schemas.openxmlformats.org/presentationml/2006/main">
+  <p:cSld>
+    <p:spTree>
+      <p:nvGrpSpPr>
+        <p:cNvPr id="1" name=""/>
+        <p:cNvGrpSpPr/>
+        <p:nvPr/>
+      </p:nvGrpSpPr>
+      <p:grpSpPr>
+        <a:xfrm>
+          <a:off x="0" y="0"/>
+          <a:ext cx="0" cy="0"/>
+          <a:chOff x="0" y="0"/>
+          <a:chExt cx="0" cy="0"/>
+        </a:xfrm>
+      </p:grpSpPr>
+      <p:sp>
+        <p:nvSpPr>
+          <p:cNvPr id="2" name="Slide Image Placeholder 1"/>
+          <p:cNvSpPr>
+            <a:spLocks noGrp="1" noRot="1" noChangeAspect="1"/>
+          </p:cNvSpPr>
+          <p:nvPr>
+            <p:ph type="sldImg"/>
+          </p:nvPr>
+        </p:nvSpPr>
+        <p:spPr/>
+      </p:sp>
+      <p:sp>
+        <p:nvSpPr>
+          <p:cNvPr id="3" name="Notes Placeholder 2"/>
+          <p:cNvSpPr>
+            <a:spLocks noGrp="1"/>
+          </p:cNvSpPr>
+          <p:nvPr>
+            <p:ph type="body" idx="1"/>
+          </p:nvPr>
+        </p:nvSpPr>
+        <p:spPr/>
+        <p:txBody>
+          <a:bodyPr/>
+          <a:lstStyle/>
+          <a:p>
+            <a:r>
+              <a:rPr lang="en-US" dirty="0" smtClean="0"/>
+              <a:t>Sam</a:t>
+            </a:r>
+            <a:endParaRPr lang="en-US" dirty="0"/>
+          </a:p>
+        </p:txBody>
+      </p:sp>
+      <p:sp>
+        <p:nvSpPr>
+          <p:cNvPr id="4" name="Slide Number Placeholder 3"/>
+          <p:cNvSpPr>
+            <a:spLocks noGrp="1"/>
+          </p:cNvSpPr>
+          <p:nvPr>
+            <p:ph type="sldNum" sz="quarter" idx="10"/>
+          </p:nvPr>
+        </p:nvSpPr>
+        <p:spPr/>
+        <p:txBody>
+          <a:bodyPr/>
+          <a:lstStyle/>
+          <a:p>
+            <a:fld id="{A155AD77-3793-444C-8E1E-C84243EEBDA1}" type="slidenum">
+              <a:rPr lang="en-US" smtClean="0"/>
+              <a:t>4</a:t>
+            </a:fld>
+            <a:endParaRPr lang="en-US"/>
+          </a:p>
+        </p:txBody>
+      </p:sp>
+    </p:spTree>
+    <p:extLst>
+      <p:ext uri="{BB962C8B-B14F-4D97-AF65-F5344CB8AC3E}">
+        <p14:creationId xmlns:p14="http://schemas.microsoft.com/office/powerpoint/2010/main" val="3110844033"/>
+      </p:ext>
+    </p:extLst>
+  </p:cSld>
+  <p:clrMapOvr>
+    <a:masterClrMapping/>
+  </p:clrMapOvr>
+</p:notes>
+</file>
+
+<file path=ppt/notesSlides/notesSlide4.xml><?xml version="1.0" encoding="utf-8"?>
+<p:notes xmlns:a="http://schemas.openxmlformats.org/drawingml/2006/main" xmlns:r="http://schemas.openxmlformats.org/officeDocument/2006/relationships" xmlns:p="http://schemas.openxmlformats.org/presentationml/2006/main">
+  <p:cSld>
+    <p:spTree>
+      <p:nvGrpSpPr>
+        <p:cNvPr id="1" name=""/>
+        <p:cNvGrpSpPr/>
+        <p:nvPr/>
+      </p:nvGrpSpPr>
+      <p:grpSpPr>
+        <a:xfrm>
+          <a:off x="0" y="0"/>
+          <a:ext cx="0" cy="0"/>
+          <a:chOff x="0" y="0"/>
+          <a:chExt cx="0" cy="0"/>
+        </a:xfrm>
+      </p:grpSpPr>
+      <p:sp>
+        <p:nvSpPr>
+          <p:cNvPr id="2" name="Slide Image Placeholder 1"/>
+          <p:cNvSpPr>
+            <a:spLocks noGrp="1" noRot="1" noChangeAspect="1"/>
+          </p:cNvSpPr>
+          <p:nvPr>
+            <p:ph type="sldImg"/>
+          </p:nvPr>
+        </p:nvSpPr>
+        <p:spPr/>
+      </p:sp>
+      <p:sp>
+        <p:nvSpPr>
+          <p:cNvPr id="3" name="Notes Placeholder 2"/>
+          <p:cNvSpPr>
+            <a:spLocks noGrp="1"/>
+          </p:cNvSpPr>
+          <p:nvPr>
+            <p:ph type="body" idx="1"/>
+          </p:nvPr>
+        </p:nvSpPr>
+        <p:spPr/>
+        <p:txBody>
+          <a:bodyPr/>
+          <a:lstStyle/>
+          <a:p>
+            <a:r>
+              <a:rPr lang="en-US" dirty="0" smtClean="0"/>
+              <a:t>Christine</a:t>
+            </a:r>
+            <a:endParaRPr lang="en-US" dirty="0"/>
+          </a:p>
+        </p:txBody>
+      </p:sp>
+      <p:sp>
+        <p:nvSpPr>
+          <p:cNvPr id="4" name="Slide Number Placeholder 3"/>
+          <p:cNvSpPr>
+            <a:spLocks noGrp="1"/>
+          </p:cNvSpPr>
+          <p:nvPr>
+            <p:ph type="sldNum" sz="quarter" idx="10"/>
+          </p:nvPr>
+        </p:nvSpPr>
+        <p:spPr/>
+        <p:txBody>
+          <a:bodyPr/>
+          <a:lstStyle/>
+          <a:p>
+            <a:fld id="{A155AD77-3793-444C-8E1E-C84243EEBDA1}" type="slidenum">
+              <a:rPr lang="en-US" smtClean="0"/>
+              <a:t>5</a:t>
+            </a:fld>
+            <a:endParaRPr lang="en-US"/>
+          </a:p>
+        </p:txBody>
+      </p:sp>
+    </p:spTree>
+    <p:extLst>
+      <p:ext uri="{BB962C8B-B14F-4D97-AF65-F5344CB8AC3E}">
+        <p14:creationId xmlns:p14="http://schemas.microsoft.com/office/powerpoint/2010/main" val="580575890"/>
+      </p:ext>
+    </p:extLst>
+  </p:cSld>
+  <p:clrMapOvr>
+    <a:masterClrMapping/>
+  </p:clrMapOvr>
+</p:notes>
+</file>
+
+<file path=ppt/notesSlides/notesSlide5.xml><?xml version="1.0" encoding="utf-8"?>
+<p:notes xmlns:a="http://schemas.openxmlformats.org/drawingml/2006/main" xmlns:r="http://schemas.openxmlformats.org/officeDocument/2006/relationships" xmlns:p="http://schemas.openxmlformats.org/presentationml/2006/main">
+  <p:cSld>
+    <p:spTree>
+      <p:nvGrpSpPr>
+        <p:cNvPr id="1" name=""/>
+        <p:cNvGrpSpPr/>
+        <p:nvPr/>
+      </p:nvGrpSpPr>
+      <p:grpSpPr>
+        <a:xfrm>
+          <a:off x="0" y="0"/>
+          <a:ext cx="0" cy="0"/>
+          <a:chOff x="0" y="0"/>
+          <a:chExt cx="0" cy="0"/>
+        </a:xfrm>
+      </p:grpSpPr>
+      <p:sp>
+        <p:nvSpPr>
+          <p:cNvPr id="2" name="Slide Image Placeholder 1"/>
+          <p:cNvSpPr>
+            <a:spLocks noGrp="1" noRot="1" noChangeAspect="1"/>
+          </p:cNvSpPr>
+          <p:nvPr>
+            <p:ph type="sldImg"/>
+          </p:nvPr>
+        </p:nvSpPr>
+        <p:spPr/>
+      </p:sp>
+      <p:sp>
+        <p:nvSpPr>
+          <p:cNvPr id="3" name="Notes Placeholder 2"/>
+          <p:cNvSpPr>
+            <a:spLocks noGrp="1"/>
+          </p:cNvSpPr>
+          <p:nvPr>
+            <p:ph type="body" idx="1"/>
+          </p:nvPr>
+        </p:nvSpPr>
+        <p:spPr/>
+        <p:txBody>
+          <a:bodyPr/>
+          <a:lstStyle/>
+          <a:p>
+            <a:r>
+              <a:rPr lang="en-US" dirty="0" smtClean="0"/>
+              <a:t>Christine</a:t>
+            </a:r>
+            <a:endParaRPr lang="en-US" dirty="0"/>
+          </a:p>
+        </p:txBody>
+      </p:sp>
+      <p:sp>
+        <p:nvSpPr>
+          <p:cNvPr id="4" name="Slide Number Placeholder 3"/>
+          <p:cNvSpPr>
+            <a:spLocks noGrp="1"/>
+          </p:cNvSpPr>
+          <p:nvPr>
+            <p:ph type="sldNum" sz="quarter" idx="10"/>
+          </p:nvPr>
+        </p:nvSpPr>
+        <p:spPr/>
+        <p:txBody>
+          <a:bodyPr/>
+          <a:lstStyle/>
+          <a:p>
+            <a:fld id="{A155AD77-3793-444C-8E1E-C84243EEBDA1}" type="slidenum">
+              <a:rPr lang="en-US" smtClean="0"/>
+              <a:t>6</a:t>
+            </a:fld>
+            <a:endParaRPr lang="en-US"/>
+          </a:p>
+        </p:txBody>
+      </p:sp>
+    </p:spTree>
+    <p:extLst>
+      <p:ext uri="{BB962C8B-B14F-4D97-AF65-F5344CB8AC3E}">
+        <p14:creationId xmlns:p14="http://schemas.microsoft.com/office/powerpoint/2010/main" val="3822234577"/>
+      </p:ext>
+    </p:extLst>
+  </p:cSld>
+  <p:clrMapOvr>
+    <a:masterClrMapping/>
+  </p:clrMapOvr>
+</p:notes>
+</file>
+
+<file path=ppt/notesSlides/notesSlide6.xml><?xml version="1.0" encoding="utf-8"?>
+<p:notes xmlns:a="http://schemas.openxmlformats.org/drawingml/2006/main" xmlns:r="http://schemas.openxmlformats.org/officeDocument/2006/relationships" xmlns:p="http://schemas.openxmlformats.org/presentationml/2006/main">
+  <p:cSld>
+    <p:spTree>
+      <p:nvGrpSpPr>
+        <p:cNvPr id="1" name=""/>
+        <p:cNvGrpSpPr/>
+        <p:nvPr/>
+      </p:nvGrpSpPr>
+      <p:grpSpPr>
+        <a:xfrm>
+          <a:off x="0" y="0"/>
+          <a:ext cx="0" cy="0"/>
+          <a:chOff x="0" y="0"/>
+          <a:chExt cx="0" cy="0"/>
+        </a:xfrm>
+      </p:grpSpPr>
+      <p:sp>
+        <p:nvSpPr>
+          <p:cNvPr id="2" name="Slide Image Placeholder 1"/>
+          <p:cNvSpPr>
+            <a:spLocks noGrp="1" noRot="1" noChangeAspect="1"/>
+          </p:cNvSpPr>
+          <p:nvPr>
+            <p:ph type="sldImg"/>
+          </p:nvPr>
+        </p:nvSpPr>
+        <p:spPr/>
+      </p:sp>
+      <p:sp>
+        <p:nvSpPr>
+          <p:cNvPr id="3" name="Notes Placeholder 2"/>
+          <p:cNvSpPr>
+            <a:spLocks noGrp="1"/>
+          </p:cNvSpPr>
+          <p:nvPr>
+            <p:ph type="body" idx="1"/>
+          </p:nvPr>
+        </p:nvSpPr>
+        <p:spPr/>
+        <p:txBody>
+          <a:bodyPr/>
+          <a:lstStyle/>
+          <a:p>
+            <a:r>
+              <a:rPr lang="en-US" dirty="0" smtClean="0"/>
+              <a:t>Christine</a:t>
+            </a:r>
+            <a:endParaRPr lang="en-US" dirty="0"/>
+          </a:p>
+        </p:txBody>
+      </p:sp>
+      <p:sp>
+        <p:nvSpPr>
+          <p:cNvPr id="4" name="Slide Number Placeholder 3"/>
+          <p:cNvSpPr>
+            <a:spLocks noGrp="1"/>
+          </p:cNvSpPr>
+          <p:nvPr>
+            <p:ph type="sldNum" sz="quarter" idx="10"/>
+          </p:nvPr>
+        </p:nvSpPr>
+        <p:spPr/>
+        <p:txBody>
+          <a:bodyPr/>
+          <a:lstStyle/>
+          <a:p>
+            <a:fld id="{A155AD77-3793-444C-8E1E-C84243EEBDA1}" type="slidenum">
+              <a:rPr lang="en-US" smtClean="0"/>
+              <a:t>7</a:t>
+            </a:fld>
+            <a:endParaRPr lang="en-US"/>
+          </a:p>
+        </p:txBody>
+      </p:sp>
+    </p:spTree>
+    <p:extLst>
+      <p:ext uri="{BB962C8B-B14F-4D97-AF65-F5344CB8AC3E}">
+        <p14:creationId xmlns:p14="http://schemas.microsoft.com/office/powerpoint/2010/main" val="2661785106"/>
+      </p:ext>
+    </p:extLst>
+  </p:cSld>
+  <p:clrMapOvr>
+    <a:masterClrMapping/>
+  </p:clrMapOvr>
+</p:notes>
+</file>
+
+<file path=ppt/notesSlides/notesSlide7.xml><?xml version="1.0" encoding="utf-8"?>
+<p:notes xmlns:a="http://schemas.openxmlformats.org/drawingml/2006/main" xmlns:r="http://schemas.openxmlformats.org/officeDocument/2006/relationships" xmlns:p="http://schemas.openxmlformats.org/presentationml/2006/main">
+  <p:cSld>
+    <p:spTree>
+      <p:nvGrpSpPr>
+        <p:cNvPr id="1" name=""/>
+        <p:cNvGrpSpPr/>
+        <p:nvPr/>
+      </p:nvGrpSpPr>
+      <p:grpSpPr>
+        <a:xfrm>
+          <a:off x="0" y="0"/>
+          <a:ext cx="0" cy="0"/>
+          <a:chOff x="0" y="0"/>
+          <a:chExt cx="0" cy="0"/>
+        </a:xfrm>
+      </p:grpSpPr>
+      <p:sp>
+        <p:nvSpPr>
+          <p:cNvPr id="2" name="Slide Image Placeholder 1"/>
+          <p:cNvSpPr>
+            <a:spLocks noGrp="1" noRot="1" noChangeAspect="1"/>
+          </p:cNvSpPr>
+          <p:nvPr>
+            <p:ph type="sldImg"/>
+          </p:nvPr>
+        </p:nvSpPr>
+        <p:spPr/>
+      </p:sp>
+      <p:sp>
+        <p:nvSpPr>
+          <p:cNvPr id="3" name="Notes Placeholder 2"/>
+          <p:cNvSpPr>
+            <a:spLocks noGrp="1"/>
+          </p:cNvSpPr>
+          <p:nvPr>
+            <p:ph type="body" idx="1"/>
+          </p:nvPr>
+        </p:nvSpPr>
+        <p:spPr/>
+        <p:txBody>
+          <a:bodyPr/>
+          <a:lstStyle/>
+          <a:p>
+            <a:r>
+              <a:rPr lang="en-US" dirty="0" smtClean="0"/>
+              <a:t>Andrew</a:t>
+            </a:r>
+            <a:endParaRPr lang="en-US" dirty="0"/>
+          </a:p>
+        </p:txBody>
+      </p:sp>
+      <p:sp>
+        <p:nvSpPr>
+          <p:cNvPr id="4" name="Slide Number Placeholder 3"/>
+          <p:cNvSpPr>
+            <a:spLocks noGrp="1"/>
+          </p:cNvSpPr>
+          <p:nvPr>
+            <p:ph type="sldNum" sz="quarter" idx="10"/>
+          </p:nvPr>
+        </p:nvSpPr>
+        <p:spPr/>
+        <p:txBody>
+          <a:bodyPr/>
+          <a:lstStyle/>
+          <a:p>
+            <a:fld id="{A155AD77-3793-444C-8E1E-C84243EEBDA1}" type="slidenum">
+              <a:rPr lang="en-US" smtClean="0"/>
+              <a:t>8</a:t>
+            </a:fld>
+            <a:endParaRPr lang="en-US"/>
+          </a:p>
+        </p:txBody>
+      </p:sp>
+    </p:spTree>
+    <p:extLst>
+      <p:ext uri="{BB962C8B-B14F-4D97-AF65-F5344CB8AC3E}">
+        <p14:creationId xmlns:p14="http://schemas.microsoft.com/office/powerpoint/2010/main" val="2709584744"/>
+      </p:ext>
+    </p:extLst>
+  </p:cSld>
+  <p:clrMapOvr>
+    <a:masterClrMapping/>
+  </p:clrMapOvr>
+</p:notes>
+</file>
+
+<file path=ppt/notesSlides/notesSlide8.xml><?xml version="1.0" encoding="utf-8"?>
+<p:notes xmlns:a="http://schemas.openxmlformats.org/drawingml/2006/main" xmlns:r="http://schemas.openxmlformats.org/officeDocument/2006/relationships" xmlns:p="http://schemas.openxmlformats.org/presentationml/2006/main">
+  <p:cSld>
+    <p:spTree>
+      <p:nvGrpSpPr>
+        <p:cNvPr id="1" name=""/>
+        <p:cNvGrpSpPr/>
+        <p:nvPr/>
+      </p:nvGrpSpPr>
+      <p:grpSpPr>
+        <a:xfrm>
+          <a:off x="0" y="0"/>
+          <a:ext cx="0" cy="0"/>
+          <a:chOff x="0" y="0"/>
+          <a:chExt cx="0" cy="0"/>
+        </a:xfrm>
+      </p:grpSpPr>
+      <p:sp>
+        <p:nvSpPr>
+          <p:cNvPr id="2" name="Slide Image Placeholder 1"/>
+          <p:cNvSpPr>
+            <a:spLocks noGrp="1" noRot="1" noChangeAspect="1"/>
+          </p:cNvSpPr>
+          <p:nvPr>
+            <p:ph type="sldImg"/>
+          </p:nvPr>
+        </p:nvSpPr>
+        <p:spPr/>
+      </p:sp>
+      <p:sp>
+        <p:nvSpPr>
+          <p:cNvPr id="3" name="Notes Placeholder 2"/>
+          <p:cNvSpPr>
+            <a:spLocks noGrp="1"/>
+          </p:cNvSpPr>
+          <p:nvPr>
+            <p:ph type="body" idx="1"/>
+          </p:nvPr>
+        </p:nvSpPr>
+        <p:spPr/>
+        <p:txBody>
+          <a:bodyPr/>
+          <a:lstStyle/>
+          <a:p>
+            <a:r>
+              <a:rPr lang="en-US" dirty="0" smtClean="0"/>
+              <a:t>Andrew</a:t>
+            </a:r>
+            <a:endParaRPr lang="en-US" dirty="0"/>
+          </a:p>
+        </p:txBody>
+      </p:sp>
+      <p:sp>
+        <p:nvSpPr>
+          <p:cNvPr id="4" name="Slide Number Placeholder 3"/>
+          <p:cNvSpPr>
+            <a:spLocks noGrp="1"/>
+          </p:cNvSpPr>
+          <p:nvPr>
+            <p:ph type="sldNum" sz="quarter" idx="10"/>
+          </p:nvPr>
+        </p:nvSpPr>
+        <p:spPr/>
+        <p:txBody>
+          <a:bodyPr/>
+          <a:lstStyle/>
+          <a:p>
+            <a:fld id="{A155AD77-3793-444C-8E1E-C84243EEBDA1}" type="slidenum">
+              <a:rPr lang="en-US" smtClean="0"/>
+              <a:t>9</a:t>
+            </a:fld>
+            <a:endParaRPr lang="en-US"/>
+          </a:p>
+        </p:txBody>
+      </p:sp>
+    </p:spTree>
+    <p:extLst>
+      <p:ext uri="{BB962C8B-B14F-4D97-AF65-F5344CB8AC3E}">
+        <p14:creationId xmlns:p14="http://schemas.microsoft.com/office/powerpoint/2010/main" val="939349177"/>
+      </p:ext>
+    </p:extLst>
+  </p:cSld>
+  <p:clrMapOvr>
+    <a:masterClrMapping/>
+  </p:clrMapOvr>
+</p:notes>
+</file>
+
+<file path=ppt/notesSlides/notesSlide9.xml><?xml version="1.0" encoding="utf-8"?>
+<p:notes xmlns:a="http://schemas.openxmlformats.org/drawingml/2006/main" xmlns:r="http://schemas.openxmlformats.org/officeDocument/2006/relationships" xmlns:p="http://schemas.openxmlformats.org/presentationml/2006/main">
+  <p:cSld>
+    <p:spTree>
+      <p:nvGrpSpPr>
+        <p:cNvPr id="1" name=""/>
+        <p:cNvGrpSpPr/>
+        <p:nvPr/>
+      </p:nvGrpSpPr>
+      <p:grpSpPr>
+        <a:xfrm>
+          <a:off x="0" y="0"/>
+          <a:ext cx="0" cy="0"/>
+          <a:chOff x="0" y="0"/>
+          <a:chExt cx="0" cy="0"/>
+        </a:xfrm>
+      </p:grpSpPr>
+      <p:sp>
+        <p:nvSpPr>
+          <p:cNvPr id="2" name="Slide Image Placeholder 1"/>
+          <p:cNvSpPr>
+            <a:spLocks noGrp="1" noRot="1" noChangeAspect="1"/>
+          </p:cNvSpPr>
+          <p:nvPr>
+            <p:ph type="sldImg"/>
+          </p:nvPr>
+        </p:nvSpPr>
+        <p:spPr/>
+      </p:sp>
+      <p:sp>
+        <p:nvSpPr>
+          <p:cNvPr id="3" name="Notes Placeholder 2"/>
+          <p:cNvSpPr>
+            <a:spLocks noGrp="1"/>
+          </p:cNvSpPr>
+          <p:nvPr>
+            <p:ph type="body" idx="1"/>
+          </p:nvPr>
+        </p:nvSpPr>
+        <p:spPr/>
+        <p:txBody>
+          <a:bodyPr/>
+          <a:lstStyle/>
+          <a:p>
+            <a:r>
+              <a:rPr lang="en-US" dirty="0" smtClean="0"/>
+              <a:t>Andrew</a:t>
+            </a:r>
+            <a:endParaRPr lang="en-US" dirty="0"/>
+          </a:p>
+        </p:txBody>
+      </p:sp>
+      <p:sp>
+        <p:nvSpPr>
+          <p:cNvPr id="4" name="Slide Number Placeholder 3"/>
+          <p:cNvSpPr>
+            <a:spLocks noGrp="1"/>
+          </p:cNvSpPr>
+          <p:nvPr>
+            <p:ph type="sldNum" sz="quarter" idx="10"/>
+          </p:nvPr>
+        </p:nvSpPr>
+        <p:spPr/>
+        <p:txBody>
+          <a:bodyPr/>
+          <a:lstStyle/>
+          <a:p>
+            <a:fld id="{A155AD77-3793-444C-8E1E-C84243EEBDA1}" type="slidenum">
+              <a:rPr lang="en-US" smtClean="0"/>
+              <a:t>10</a:t>
+            </a:fld>
+            <a:endParaRPr lang="en-US"/>
+          </a:p>
+        </p:txBody>
+      </p:sp>
+    </p:spTree>
+    <p:extLst>
+      <p:ext uri="{BB962C8B-B14F-4D97-AF65-F5344CB8AC3E}">
+        <p14:creationId xmlns:p14="http://schemas.microsoft.com/office/powerpoint/2010/main" val="3968171630"/>
+      </p:ext>
+    </p:extLst>
+  </p:cSld>
+  <p:clrMapOvr>
+    <a:masterClrMapping/>
+  </p:clrMapOvr>
+</p:notes>
 </file>
 
 <file path=ppt/slideLayouts/slideLayout1.xml><?xml version="1.0" encoding="utf-8"?>
@@ -307,7 +1724,7 @@
           <a:p>
             <a:fld id="{1209F774-2864-49B1-8321-83A0838F6E88}" type="datetimeFigureOut">
               <a:rPr lang="en-US" smtClean="0"/>
-              <a:t>12/2/2015</a:t>
+              <a:t>12/3/2015</a:t>
             </a:fld>
             <a:endParaRPr lang="en-US"/>
           </a:p>
@@ -743,7 +2160,7 @@
           <a:p>
             <a:fld id="{1209F774-2864-49B1-8321-83A0838F6E88}" type="datetimeFigureOut">
               <a:rPr lang="en-US" smtClean="0"/>
-              <a:t>12/2/2015</a:t>
+              <a:t>12/3/2015</a:t>
             </a:fld>
             <a:endParaRPr lang="en-US"/>
           </a:p>
@@ -993,7 +2410,7 @@
           <a:p>
             <a:fld id="{1209F774-2864-49B1-8321-83A0838F6E88}" type="datetimeFigureOut">
               <a:rPr lang="en-US" smtClean="0"/>
-              <a:t>12/2/2015</a:t>
+              <a:t>12/3/2015</a:t>
             </a:fld>
             <a:endParaRPr lang="en-US"/>
           </a:p>
@@ -1301,7 +2718,7 @@
           <a:p>
             <a:fld id="{1209F774-2864-49B1-8321-83A0838F6E88}" type="datetimeFigureOut">
               <a:rPr lang="en-US" smtClean="0"/>
-              <a:t>12/2/2015</a:t>
+              <a:t>12/3/2015</a:t>
             </a:fld>
             <a:endParaRPr lang="en-US"/>
           </a:p>
@@ -1619,7 +3036,7 @@
           <a:p>
             <a:fld id="{1209F774-2864-49B1-8321-83A0838F6E88}" type="datetimeFigureOut">
               <a:rPr lang="en-US" smtClean="0"/>
-              <a:t>12/2/2015</a:t>
+              <a:t>12/3/2015</a:t>
             </a:fld>
             <a:endParaRPr lang="en-US"/>
           </a:p>
@@ -1921,7 +3338,7 @@
           <a:p>
             <a:fld id="{1209F774-2864-49B1-8321-83A0838F6E88}" type="datetimeFigureOut">
               <a:rPr lang="en-US" smtClean="0"/>
-              <a:t>12/2/2015</a:t>
+              <a:t>12/3/2015</a:t>
             </a:fld>
             <a:endParaRPr lang="en-US"/>
           </a:p>
@@ -2288,7 +3705,7 @@
           <a:p>
             <a:fld id="{1209F774-2864-49B1-8321-83A0838F6E88}" type="datetimeFigureOut">
               <a:rPr lang="en-US" smtClean="0"/>
-              <a:t>12/2/2015</a:t>
+              <a:t>12/3/2015</a:t>
             </a:fld>
             <a:endParaRPr lang="en-US"/>
           </a:p>
@@ -2462,7 +3879,7 @@
           <a:p>
             <a:fld id="{1209F774-2864-49B1-8321-83A0838F6E88}" type="datetimeFigureOut">
               <a:rPr lang="en-US" smtClean="0"/>
-              <a:t>12/2/2015</a:t>
+              <a:t>12/3/2015</a:t>
             </a:fld>
             <a:endParaRPr lang="en-US"/>
           </a:p>
@@ -2642,7 +4059,7 @@
           <a:p>
             <a:fld id="{1209F774-2864-49B1-8321-83A0838F6E88}" type="datetimeFigureOut">
               <a:rPr lang="en-US" smtClean="0"/>
-              <a:t>12/2/2015</a:t>
+              <a:t>12/3/2015</a:t>
             </a:fld>
             <a:endParaRPr lang="en-US"/>
           </a:p>
@@ -2812,7 +4229,7 @@
           <a:p>
             <a:fld id="{1209F774-2864-49B1-8321-83A0838F6E88}" type="datetimeFigureOut">
               <a:rPr lang="en-US" smtClean="0"/>
-              <a:t>12/2/2015</a:t>
+              <a:t>12/3/2015</a:t>
             </a:fld>
             <a:endParaRPr lang="en-US"/>
           </a:p>
@@ -3062,7 +4479,7 @@
           <a:p>
             <a:fld id="{1209F774-2864-49B1-8321-83A0838F6E88}" type="datetimeFigureOut">
               <a:rPr lang="en-US" smtClean="0"/>
-              <a:t>12/2/2015</a:t>
+              <a:t>12/3/2015</a:t>
             </a:fld>
             <a:endParaRPr lang="en-US"/>
           </a:p>
@@ -3298,7 +4715,7 @@
           <a:p>
             <a:fld id="{1209F774-2864-49B1-8321-83A0838F6E88}" type="datetimeFigureOut">
               <a:rPr lang="en-US" smtClean="0"/>
-              <a:t>12/2/2015</a:t>
+              <a:t>12/3/2015</a:t>
             </a:fld>
             <a:endParaRPr lang="en-US"/>
           </a:p>
@@ -3680,7 +5097,7 @@
           <a:p>
             <a:fld id="{1209F774-2864-49B1-8321-83A0838F6E88}" type="datetimeFigureOut">
               <a:rPr lang="en-US" smtClean="0"/>
-              <a:t>12/2/2015</a:t>
+              <a:t>12/3/2015</a:t>
             </a:fld>
             <a:endParaRPr lang="en-US"/>
           </a:p>
@@ -3798,7 +5215,7 @@
           <a:p>
             <a:fld id="{1209F774-2864-49B1-8321-83A0838F6E88}" type="datetimeFigureOut">
               <a:rPr lang="en-US" smtClean="0"/>
-              <a:t>12/2/2015</a:t>
+              <a:t>12/3/2015</a:t>
             </a:fld>
             <a:endParaRPr lang="en-US"/>
           </a:p>
@@ -3893,7 +5310,7 @@
           <a:p>
             <a:fld id="{1209F774-2864-49B1-8321-83A0838F6E88}" type="datetimeFigureOut">
               <a:rPr lang="en-US" smtClean="0"/>
-              <a:t>12/2/2015</a:t>
+              <a:t>12/3/2015</a:t>
             </a:fld>
             <a:endParaRPr lang="en-US"/>
           </a:p>
@@ -4148,7 +5565,7 @@
           <a:p>
             <a:fld id="{1209F774-2864-49B1-8321-83A0838F6E88}" type="datetimeFigureOut">
               <a:rPr lang="en-US" smtClean="0"/>
-              <a:t>12/2/2015</a:t>
+              <a:t>12/3/2015</a:t>
             </a:fld>
             <a:endParaRPr lang="en-US"/>
           </a:p>
@@ -4431,7 +5848,7 @@
           <a:p>
             <a:fld id="{1209F774-2864-49B1-8321-83A0838F6E88}" type="datetimeFigureOut">
               <a:rPr lang="en-US" smtClean="0"/>
-              <a:t>12/2/2015</a:t>
+              <a:t>12/3/2015</a:t>
             </a:fld>
             <a:endParaRPr lang="en-US"/>
           </a:p>
@@ -4837,7 +6254,7 @@
           <a:p>
             <a:fld id="{1209F774-2864-49B1-8321-83A0838F6E88}" type="datetimeFigureOut">
               <a:rPr lang="en-US" smtClean="0"/>
-              <a:t>12/2/2015</a:t>
+              <a:t>12/3/2015</a:t>
             </a:fld>
             <a:endParaRPr lang="en-US"/>
           </a:p>
@@ -5529,7 +6946,7 @@
           <a:p>
             <a:r>
               <a:rPr lang="en-US" dirty="0" smtClean="0"/>
-              <a:t>Schedule And deliverables</a:t>
+              <a:t>Our Results</a:t>
             </a:r>
             <a:endParaRPr lang="en-US" dirty="0"/>
           </a:p>
@@ -5543,8 +6960,8 @@
         </p:nvSpPr>
         <p:spPr>
           <a:xfrm>
-            <a:off x="636915" y="2021489"/>
-            <a:ext cx="8001247" cy="369332"/>
+            <a:off x="586935" y="1704661"/>
+            <a:ext cx="8001247" cy="2585323"/>
           </a:xfrm>
           <a:prstGeom prst="rect">
             <a:avLst/>
@@ -5569,9 +6986,899 @@
                   </a:schemeClr>
                 </a:solidFill>
               </a:rPr>
-              <a:t>Break</a:t>
-            </a:r>
+              <a:t>Cluster built and running </a:t>
+            </a:r>
+          </a:p>
+          <a:p>
+            <a:pPr marL="285750" indent="-285750">
+              <a:buFont typeface="Arial" panose="020B0604020202020204" pitchFamily="34" charset="0"/>
+              <a:buChar char="•"/>
+            </a:pPr>
             <a:endParaRPr lang="en-US" dirty="0">
+              <a:solidFill>
+                <a:schemeClr val="tx1">
+                  <a:lumMod val="85000"/>
+                </a:schemeClr>
+              </a:solidFill>
+            </a:endParaRPr>
+          </a:p>
+          <a:p>
+            <a:pPr marL="285750" indent="-285750">
+              <a:buFont typeface="Arial" panose="020B0604020202020204" pitchFamily="34" charset="0"/>
+              <a:buChar char="•"/>
+            </a:pPr>
+            <a:r>
+              <a:rPr lang="en-US" dirty="0" smtClean="0">
+                <a:solidFill>
+                  <a:schemeClr val="tx1">
+                    <a:lumMod val="85000"/>
+                  </a:schemeClr>
+                </a:solidFill>
+              </a:rPr>
+              <a:t>Running LINPACK using 8 cores on all 8 devices</a:t>
+            </a:r>
+          </a:p>
+          <a:p>
+            <a:pPr marL="742950" lvl="1" indent="-285750">
+              <a:buFont typeface="Arial" panose="020B0604020202020204" pitchFamily="34" charset="0"/>
+              <a:buChar char="•"/>
+            </a:pPr>
+            <a:r>
+              <a:rPr lang="en-US" dirty="0" smtClean="0">
+                <a:solidFill>
+                  <a:schemeClr val="tx1">
+                    <a:lumMod val="85000"/>
+                  </a:schemeClr>
+                </a:solidFill>
+              </a:rPr>
+              <a:t> 8.5 </a:t>
+            </a:r>
+            <a:r>
+              <a:rPr lang="en-US" dirty="0" err="1" smtClean="0">
+                <a:solidFill>
+                  <a:schemeClr val="tx1">
+                    <a:lumMod val="85000"/>
+                  </a:schemeClr>
+                </a:solidFill>
+              </a:rPr>
+              <a:t>GigaFlops</a:t>
+            </a:r>
+            <a:endParaRPr lang="en-US" dirty="0">
+              <a:solidFill>
+                <a:schemeClr val="tx1">
+                  <a:lumMod val="85000"/>
+                </a:schemeClr>
+              </a:solidFill>
+            </a:endParaRPr>
+          </a:p>
+          <a:p>
+            <a:pPr marL="742950" lvl="1" indent="-285750">
+              <a:buFont typeface="Arial" panose="020B0604020202020204" pitchFamily="34" charset="0"/>
+              <a:buChar char="•"/>
+            </a:pPr>
+            <a:endParaRPr lang="en-US" dirty="0" smtClean="0">
+              <a:solidFill>
+                <a:schemeClr val="tx1">
+                  <a:lumMod val="85000"/>
+                </a:schemeClr>
+              </a:solidFill>
+            </a:endParaRPr>
+          </a:p>
+          <a:p>
+            <a:pPr marL="285750" indent="-285750">
+              <a:buFont typeface="Arial" panose="020B0604020202020204" pitchFamily="34" charset="0"/>
+              <a:buChar char="•"/>
+            </a:pPr>
+            <a:r>
+              <a:rPr lang="en-US" dirty="0" smtClean="0">
+                <a:solidFill>
+                  <a:schemeClr val="tx1">
+                    <a:lumMod val="85000"/>
+                  </a:schemeClr>
+                </a:solidFill>
+              </a:rPr>
+              <a:t>Running LINPACK using 8 cores on Snow White </a:t>
+            </a:r>
+          </a:p>
+          <a:p>
+            <a:pPr marL="742950" lvl="1" indent="-285750">
+              <a:buFont typeface="Arial" panose="020B0604020202020204" pitchFamily="34" charset="0"/>
+              <a:buChar char="•"/>
+            </a:pPr>
+            <a:r>
+              <a:rPr lang="en-US" dirty="0" smtClean="0">
+                <a:solidFill>
+                  <a:schemeClr val="tx1">
+                    <a:lumMod val="85000"/>
+                  </a:schemeClr>
+                </a:solidFill>
+              </a:rPr>
+              <a:t>6.3 </a:t>
+            </a:r>
+            <a:r>
+              <a:rPr lang="en-US" dirty="0" err="1" smtClean="0">
+                <a:solidFill>
+                  <a:schemeClr val="tx1">
+                    <a:lumMod val="85000"/>
+                  </a:schemeClr>
+                </a:solidFill>
+              </a:rPr>
+              <a:t>GigaFlops</a:t>
+            </a:r>
+            <a:endParaRPr lang="en-US" dirty="0" smtClean="0">
+              <a:solidFill>
+                <a:schemeClr val="tx1">
+                  <a:lumMod val="85000"/>
+                </a:schemeClr>
+              </a:solidFill>
+            </a:endParaRPr>
+          </a:p>
+          <a:p>
+            <a:pPr marL="742950" lvl="1" indent="-285750">
+              <a:buFont typeface="Arial" panose="020B0604020202020204" pitchFamily="34" charset="0"/>
+              <a:buChar char="•"/>
+            </a:pPr>
+            <a:endParaRPr lang="en-US" dirty="0">
+              <a:solidFill>
+                <a:schemeClr val="tx1">
+                  <a:lumMod val="85000"/>
+                </a:schemeClr>
+              </a:solidFill>
+            </a:endParaRPr>
+          </a:p>
+          <a:p>
+            <a:pPr marL="285750" indent="-285750">
+              <a:buFont typeface="Arial" panose="020B0604020202020204" pitchFamily="34" charset="0"/>
+              <a:buChar char="•"/>
+            </a:pPr>
+            <a:endParaRPr lang="en-US" dirty="0" smtClean="0">
+              <a:solidFill>
+                <a:schemeClr val="tx1">
+                  <a:lumMod val="85000"/>
+                </a:schemeClr>
+              </a:solidFill>
+            </a:endParaRPr>
+          </a:p>
+        </p:txBody>
+      </p:sp>
+    </p:spTree>
+    <p:extLst>
+      <p:ext uri="{BB962C8B-B14F-4D97-AF65-F5344CB8AC3E}">
+        <p14:creationId xmlns:p14="http://schemas.microsoft.com/office/powerpoint/2010/main" val="2856850879"/>
+      </p:ext>
+    </p:extLst>
+  </p:cSld>
+  <p:clrMapOvr>
+    <a:masterClrMapping/>
+  </p:clrMapOvr>
+  <p:timing>
+    <p:tnLst>
+      <p:par>
+        <p:cTn id="1" dur="indefinite" restart="never" nodeType="tmRoot"/>
+      </p:par>
+    </p:tnLst>
+  </p:timing>
+</p:sld>
+</file>
+
+<file path=ppt/slides/slide11.xml><?xml version="1.0" encoding="utf-8"?>
+<p:sld xmlns:a="http://schemas.openxmlformats.org/drawingml/2006/main" xmlns:r="http://schemas.openxmlformats.org/officeDocument/2006/relationships" xmlns:p="http://schemas.openxmlformats.org/presentationml/2006/main">
+  <p:cSld>
+    <p:spTree>
+      <p:nvGrpSpPr>
+        <p:cNvPr id="1" name=""/>
+        <p:cNvGrpSpPr/>
+        <p:nvPr/>
+      </p:nvGrpSpPr>
+      <p:grpSpPr>
+        <a:xfrm>
+          <a:off x="0" y="0"/>
+          <a:ext cx="0" cy="0"/>
+          <a:chOff x="0" y="0"/>
+          <a:chExt cx="0" cy="0"/>
+        </a:xfrm>
+      </p:grpSpPr>
+      <p:sp>
+        <p:nvSpPr>
+          <p:cNvPr id="2" name="Title 1"/>
+          <p:cNvSpPr>
+            <a:spLocks noGrp="1"/>
+          </p:cNvSpPr>
+          <p:nvPr>
+            <p:ph type="title"/>
+          </p:nvPr>
+        </p:nvSpPr>
+        <p:spPr>
+          <a:xfrm>
+            <a:off x="586935" y="382260"/>
+            <a:ext cx="8534400" cy="1507067"/>
+          </a:xfrm>
+        </p:spPr>
+        <p:txBody>
+          <a:bodyPr/>
+          <a:lstStyle/>
+          <a:p>
+            <a:r>
+              <a:rPr lang="en-US" dirty="0" smtClean="0"/>
+              <a:t>Budget and costs</a:t>
+            </a:r>
+            <a:endParaRPr lang="en-US" dirty="0"/>
+          </a:p>
+        </p:txBody>
+      </p:sp>
+      <p:sp>
+        <p:nvSpPr>
+          <p:cNvPr id="3" name="TextBox 2"/>
+          <p:cNvSpPr txBox="1"/>
+          <p:nvPr/>
+        </p:nvSpPr>
+        <p:spPr>
+          <a:xfrm>
+            <a:off x="528569" y="1830961"/>
+            <a:ext cx="8001247" cy="4247317"/>
+          </a:xfrm>
+          <a:prstGeom prst="rect">
+            <a:avLst/>
+          </a:prstGeom>
+          <a:noFill/>
+        </p:spPr>
+        <p:txBody>
+          <a:bodyPr wrap="square" rtlCol="0">
+            <a:spAutoFit/>
+          </a:bodyPr>
+          <a:lstStyle/>
+          <a:p>
+            <a:pPr marL="285750" indent="-285750">
+              <a:buFont typeface="Arial" panose="020B0604020202020204" pitchFamily="34" charset="0"/>
+              <a:buChar char="•"/>
+            </a:pPr>
+            <a:r>
+              <a:rPr lang="en-US" dirty="0" smtClean="0">
+                <a:solidFill>
+                  <a:schemeClr val="tx1">
+                    <a:lumMod val="85000"/>
+                  </a:schemeClr>
+                </a:solidFill>
+              </a:rPr>
+              <a:t>Switch</a:t>
+            </a:r>
+          </a:p>
+          <a:p>
+            <a:pPr marL="742950" lvl="1" indent="-285750">
+              <a:buFont typeface="Arial" panose="020B0604020202020204" pitchFamily="34" charset="0"/>
+              <a:buChar char="•"/>
+            </a:pPr>
+            <a:r>
+              <a:rPr lang="en-US" dirty="0" smtClean="0">
+                <a:solidFill>
+                  <a:schemeClr val="tx1">
+                    <a:lumMod val="85000"/>
+                  </a:schemeClr>
+                </a:solidFill>
+              </a:rPr>
+              <a:t>(1) $</a:t>
+            </a:r>
+            <a:endParaRPr lang="en-US" dirty="0" smtClean="0">
+              <a:solidFill>
+                <a:schemeClr val="tx1">
+                  <a:lumMod val="85000"/>
+                </a:schemeClr>
+              </a:solidFill>
+            </a:endParaRPr>
+          </a:p>
+          <a:p>
+            <a:pPr marL="285750" indent="-285750">
+              <a:buFont typeface="Arial" panose="020B0604020202020204" pitchFamily="34" charset="0"/>
+              <a:buChar char="•"/>
+            </a:pPr>
+            <a:endParaRPr lang="en-US" dirty="0">
+              <a:solidFill>
+                <a:schemeClr val="tx1">
+                  <a:lumMod val="85000"/>
+                </a:schemeClr>
+              </a:solidFill>
+            </a:endParaRPr>
+          </a:p>
+          <a:p>
+            <a:pPr marL="285750" indent="-285750">
+              <a:buFont typeface="Arial" panose="020B0604020202020204" pitchFamily="34" charset="0"/>
+              <a:buChar char="•"/>
+            </a:pPr>
+            <a:r>
+              <a:rPr lang="en-US" dirty="0" smtClean="0">
+                <a:solidFill>
+                  <a:schemeClr val="tx1">
+                    <a:lumMod val="85000"/>
+                  </a:schemeClr>
+                </a:solidFill>
+              </a:rPr>
+              <a:t>Ethernet cables  </a:t>
+            </a:r>
+          </a:p>
+          <a:p>
+            <a:pPr marL="742950" lvl="1" indent="-285750">
+              <a:buFont typeface="Arial" panose="020B0604020202020204" pitchFamily="34" charset="0"/>
+              <a:buChar char="•"/>
+            </a:pPr>
+            <a:r>
+              <a:rPr lang="en-US" dirty="0" smtClean="0">
+                <a:solidFill>
+                  <a:schemeClr val="tx1">
+                    <a:lumMod val="85000"/>
+                  </a:schemeClr>
+                </a:solidFill>
+              </a:rPr>
+              <a:t>(8) 1’  $2.99 each </a:t>
+            </a:r>
+          </a:p>
+          <a:p>
+            <a:pPr marL="742950" lvl="1" indent="-285750">
+              <a:buFont typeface="Arial" panose="020B0604020202020204" pitchFamily="34" charset="0"/>
+              <a:buChar char="•"/>
+            </a:pPr>
+            <a:r>
+              <a:rPr lang="en-US" dirty="0" smtClean="0">
+                <a:solidFill>
+                  <a:schemeClr val="tx1">
+                    <a:lumMod val="85000"/>
+                  </a:schemeClr>
+                </a:solidFill>
+              </a:rPr>
+              <a:t>3’  $4.99 each</a:t>
+            </a:r>
+          </a:p>
+          <a:p>
+            <a:pPr marL="742950" lvl="1" indent="-285750">
+              <a:buFont typeface="Arial" panose="020B0604020202020204" pitchFamily="34" charset="0"/>
+              <a:buChar char="•"/>
+            </a:pPr>
+            <a:endParaRPr lang="en-US" dirty="0">
+              <a:solidFill>
+                <a:schemeClr val="tx1">
+                  <a:lumMod val="85000"/>
+                </a:schemeClr>
+              </a:solidFill>
+            </a:endParaRPr>
+          </a:p>
+          <a:p>
+            <a:pPr marL="285750" indent="-285750">
+              <a:buFont typeface="Arial" panose="020B0604020202020204" pitchFamily="34" charset="0"/>
+              <a:buChar char="•"/>
+            </a:pPr>
+            <a:r>
+              <a:rPr lang="en-US" dirty="0" smtClean="0">
+                <a:solidFill>
+                  <a:schemeClr val="tx1">
+                    <a:lumMod val="85000"/>
+                  </a:schemeClr>
+                </a:solidFill>
+              </a:rPr>
+              <a:t>Power Unit</a:t>
+            </a:r>
+          </a:p>
+          <a:p>
+            <a:pPr marL="742950" lvl="1" indent="-285750">
+              <a:buFont typeface="Arial" panose="020B0604020202020204" pitchFamily="34" charset="0"/>
+              <a:buChar char="•"/>
+            </a:pPr>
+            <a:r>
+              <a:rPr lang="en-US" dirty="0" smtClean="0">
+                <a:solidFill>
+                  <a:schemeClr val="tx1">
+                    <a:lumMod val="85000"/>
+                  </a:schemeClr>
+                </a:solidFill>
+              </a:rPr>
+              <a:t>(1) $</a:t>
+            </a:r>
+            <a:endParaRPr lang="en-US" dirty="0" smtClean="0">
+              <a:solidFill>
+                <a:schemeClr val="tx1">
+                  <a:lumMod val="85000"/>
+                </a:schemeClr>
+              </a:solidFill>
+            </a:endParaRPr>
+          </a:p>
+          <a:p>
+            <a:pPr lvl="1"/>
+            <a:endParaRPr lang="en-US" dirty="0">
+              <a:solidFill>
+                <a:schemeClr val="tx1">
+                  <a:lumMod val="85000"/>
+                </a:schemeClr>
+              </a:solidFill>
+            </a:endParaRPr>
+          </a:p>
+          <a:p>
+            <a:pPr marL="285750" indent="-285750">
+              <a:buFont typeface="Arial" panose="020B0604020202020204" pitchFamily="34" charset="0"/>
+              <a:buChar char="•"/>
+            </a:pPr>
+            <a:r>
+              <a:rPr lang="en-US" dirty="0" smtClean="0">
+                <a:solidFill>
+                  <a:schemeClr val="tx1">
+                    <a:lumMod val="85000"/>
+                  </a:schemeClr>
+                </a:solidFill>
+              </a:rPr>
+              <a:t>Memory</a:t>
+            </a:r>
+          </a:p>
+          <a:p>
+            <a:pPr marL="742950" lvl="1" indent="-285750">
+              <a:buFont typeface="Arial" panose="020B0604020202020204" pitchFamily="34" charset="0"/>
+              <a:buChar char="•"/>
+            </a:pPr>
+            <a:r>
+              <a:rPr lang="en-US" dirty="0" smtClean="0">
+                <a:solidFill>
+                  <a:schemeClr val="tx1">
+                    <a:lumMod val="85000"/>
+                  </a:schemeClr>
+                </a:solidFill>
+              </a:rPr>
+              <a:t>(8) </a:t>
+            </a:r>
+            <a:r>
+              <a:rPr lang="en-US" dirty="0" smtClean="0">
+                <a:solidFill>
+                  <a:schemeClr val="tx1">
+                    <a:lumMod val="85000"/>
+                  </a:schemeClr>
+                </a:solidFill>
+              </a:rPr>
+              <a:t>16 GB  $38.00 each </a:t>
+            </a:r>
+          </a:p>
+          <a:p>
+            <a:pPr marL="742950" lvl="1" indent="-285750">
+              <a:buFont typeface="Arial" panose="020B0604020202020204" pitchFamily="34" charset="0"/>
+              <a:buChar char="•"/>
+            </a:pPr>
+            <a:endParaRPr lang="en-US" dirty="0">
+              <a:solidFill>
+                <a:schemeClr val="tx1">
+                  <a:lumMod val="85000"/>
+                </a:schemeClr>
+              </a:solidFill>
+            </a:endParaRPr>
+          </a:p>
+          <a:p>
+            <a:pPr marL="285750" indent="-285750">
+              <a:buFont typeface="Arial" panose="020B0604020202020204" pitchFamily="34" charset="0"/>
+              <a:buChar char="•"/>
+            </a:pPr>
+            <a:r>
+              <a:rPr lang="en-US" dirty="0" smtClean="0">
+                <a:solidFill>
+                  <a:schemeClr val="tx1">
+                    <a:lumMod val="85000"/>
+                  </a:schemeClr>
+                </a:solidFill>
+              </a:rPr>
+              <a:t>ODROID Ux</a:t>
+            </a:r>
+            <a:r>
+              <a:rPr lang="en-US" dirty="0">
+                <a:solidFill>
+                  <a:schemeClr val="tx1">
+                    <a:lumMod val="85000"/>
+                  </a:schemeClr>
+                </a:solidFill>
+              </a:rPr>
+              <a:t>4</a:t>
+            </a:r>
+            <a:endParaRPr lang="en-US" dirty="0" smtClean="0">
+              <a:solidFill>
+                <a:schemeClr val="tx1">
+                  <a:lumMod val="85000"/>
+                </a:schemeClr>
+              </a:solidFill>
+            </a:endParaRPr>
+          </a:p>
+          <a:p>
+            <a:pPr marL="742950" lvl="1" indent="-285750">
+              <a:buFont typeface="Arial" panose="020B0604020202020204" pitchFamily="34" charset="0"/>
+              <a:buChar char="•"/>
+            </a:pPr>
+            <a:r>
+              <a:rPr lang="en-US" dirty="0" smtClean="0">
+                <a:solidFill>
+                  <a:schemeClr val="tx1">
+                    <a:lumMod val="85000"/>
+                  </a:schemeClr>
+                </a:solidFill>
+              </a:rPr>
+              <a:t>(8) $76.00 each</a:t>
+            </a:r>
+            <a:endParaRPr lang="en-US" dirty="0">
+              <a:solidFill>
+                <a:schemeClr val="tx1">
+                  <a:lumMod val="85000"/>
+                </a:schemeClr>
+              </a:solidFill>
+            </a:endParaRPr>
+          </a:p>
+        </p:txBody>
+      </p:sp>
+    </p:spTree>
+    <p:extLst>
+      <p:ext uri="{BB962C8B-B14F-4D97-AF65-F5344CB8AC3E}">
+        <p14:creationId xmlns:p14="http://schemas.microsoft.com/office/powerpoint/2010/main" val="136010198"/>
+      </p:ext>
+    </p:extLst>
+  </p:cSld>
+  <p:clrMapOvr>
+    <a:masterClrMapping/>
+  </p:clrMapOvr>
+  <p:timing>
+    <p:tnLst>
+      <p:par>
+        <p:cTn id="1" dur="indefinite" restart="never" nodeType="tmRoot"/>
+      </p:par>
+    </p:tnLst>
+  </p:timing>
+</p:sld>
+</file>
+
+<file path=ppt/slides/slide12.xml><?xml version="1.0" encoding="utf-8"?>
+<p:sld xmlns:a="http://schemas.openxmlformats.org/drawingml/2006/main" xmlns:r="http://schemas.openxmlformats.org/officeDocument/2006/relationships" xmlns:p="http://schemas.openxmlformats.org/presentationml/2006/main">
+  <p:cSld>
+    <p:spTree>
+      <p:nvGrpSpPr>
+        <p:cNvPr id="1" name=""/>
+        <p:cNvGrpSpPr/>
+        <p:nvPr/>
+      </p:nvGrpSpPr>
+      <p:grpSpPr>
+        <a:xfrm>
+          <a:off x="0" y="0"/>
+          <a:ext cx="0" cy="0"/>
+          <a:chOff x="0" y="0"/>
+          <a:chExt cx="0" cy="0"/>
+        </a:xfrm>
+      </p:grpSpPr>
+      <p:sp>
+        <p:nvSpPr>
+          <p:cNvPr id="2" name="Title 1"/>
+          <p:cNvSpPr>
+            <a:spLocks noGrp="1"/>
+          </p:cNvSpPr>
+          <p:nvPr>
+            <p:ph type="title"/>
+          </p:nvPr>
+        </p:nvSpPr>
+        <p:spPr>
+          <a:xfrm>
+            <a:off x="586935" y="382260"/>
+            <a:ext cx="8534400" cy="1507067"/>
+          </a:xfrm>
+        </p:spPr>
+        <p:txBody>
+          <a:bodyPr/>
+          <a:lstStyle/>
+          <a:p>
+            <a:r>
+              <a:rPr lang="en-US" dirty="0" smtClean="0"/>
+              <a:t>Remaining Backlog</a:t>
+            </a:r>
+            <a:endParaRPr lang="en-US" dirty="0"/>
+          </a:p>
+        </p:txBody>
+      </p:sp>
+      <p:sp>
+        <p:nvSpPr>
+          <p:cNvPr id="3" name="TextBox 2"/>
+          <p:cNvSpPr txBox="1"/>
+          <p:nvPr/>
+        </p:nvSpPr>
+        <p:spPr>
+          <a:xfrm>
+            <a:off x="636915" y="2021489"/>
+            <a:ext cx="8001247" cy="923330"/>
+          </a:xfrm>
+          <a:prstGeom prst="rect">
+            <a:avLst/>
+          </a:prstGeom>
+          <a:noFill/>
+        </p:spPr>
+        <p:txBody>
+          <a:bodyPr wrap="square" rtlCol="0">
+            <a:spAutoFit/>
+          </a:bodyPr>
+          <a:lstStyle/>
+          <a:p>
+            <a:pPr marL="285750" indent="-285750">
+              <a:buFont typeface="Arial" panose="020B0604020202020204" pitchFamily="34" charset="0"/>
+              <a:buChar char="•"/>
+            </a:pPr>
+            <a:r>
+              <a:rPr lang="en-US" dirty="0" smtClean="0">
+                <a:solidFill>
+                  <a:schemeClr val="tx1">
+                    <a:lumMod val="85000"/>
+                  </a:schemeClr>
+                </a:solidFill>
+              </a:rPr>
+              <a:t>Explore other communication methods</a:t>
+            </a:r>
+          </a:p>
+          <a:p>
+            <a:pPr marL="285750" indent="-285750">
+              <a:buFont typeface="Arial" panose="020B0604020202020204" pitchFamily="34" charset="0"/>
+              <a:buChar char="•"/>
+            </a:pPr>
+            <a:endParaRPr lang="en-US" dirty="0">
+              <a:solidFill>
+                <a:schemeClr val="tx1">
+                  <a:lumMod val="85000"/>
+                </a:schemeClr>
+              </a:solidFill>
+            </a:endParaRPr>
+          </a:p>
+          <a:p>
+            <a:pPr marL="285750" indent="-285750">
+              <a:buFont typeface="Arial" panose="020B0604020202020204" pitchFamily="34" charset="0"/>
+              <a:buChar char="•"/>
+            </a:pPr>
+            <a:r>
+              <a:rPr lang="en-US" dirty="0" smtClean="0">
+                <a:solidFill>
+                  <a:schemeClr val="tx1">
+                    <a:lumMod val="85000"/>
+                  </a:schemeClr>
+                </a:solidFill>
+              </a:rPr>
+              <a:t>Develop and benchmark a new communication</a:t>
+            </a:r>
+            <a:endParaRPr lang="en-US" dirty="0">
+              <a:solidFill>
+                <a:schemeClr val="tx1">
+                  <a:lumMod val="85000"/>
+                </a:schemeClr>
+              </a:solidFill>
+            </a:endParaRPr>
+          </a:p>
+        </p:txBody>
+      </p:sp>
+    </p:spTree>
+    <p:extLst>
+      <p:ext uri="{BB962C8B-B14F-4D97-AF65-F5344CB8AC3E}">
+        <p14:creationId xmlns:p14="http://schemas.microsoft.com/office/powerpoint/2010/main" val="754287801"/>
+      </p:ext>
+    </p:extLst>
+  </p:cSld>
+  <p:clrMapOvr>
+    <a:masterClrMapping/>
+  </p:clrMapOvr>
+  <p:timing>
+    <p:tnLst>
+      <p:par>
+        <p:cTn id="1" dur="indefinite" restart="never" nodeType="tmRoot"/>
+      </p:par>
+    </p:tnLst>
+  </p:timing>
+</p:sld>
+</file>
+
+<file path=ppt/slides/slide13.xml><?xml version="1.0" encoding="utf-8"?>
+<p:sld xmlns:a="http://schemas.openxmlformats.org/drawingml/2006/main" xmlns:r="http://schemas.openxmlformats.org/officeDocument/2006/relationships" xmlns:p="http://schemas.openxmlformats.org/presentationml/2006/main">
+  <p:cSld>
+    <p:spTree>
+      <p:nvGrpSpPr>
+        <p:cNvPr id="1" name=""/>
+        <p:cNvGrpSpPr/>
+        <p:nvPr/>
+      </p:nvGrpSpPr>
+      <p:grpSpPr>
+        <a:xfrm>
+          <a:off x="0" y="0"/>
+          <a:ext cx="0" cy="0"/>
+          <a:chOff x="0" y="0"/>
+          <a:chExt cx="0" cy="0"/>
+        </a:xfrm>
+      </p:grpSpPr>
+      <p:sp>
+        <p:nvSpPr>
+          <p:cNvPr id="2" name="Title 1"/>
+          <p:cNvSpPr>
+            <a:spLocks noGrp="1"/>
+          </p:cNvSpPr>
+          <p:nvPr>
+            <p:ph type="title"/>
+          </p:nvPr>
+        </p:nvSpPr>
+        <p:spPr>
+          <a:xfrm>
+            <a:off x="586935" y="382260"/>
+            <a:ext cx="8534400" cy="1507067"/>
+          </a:xfrm>
+        </p:spPr>
+        <p:txBody>
+          <a:bodyPr/>
+          <a:lstStyle/>
+          <a:p>
+            <a:r>
+              <a:rPr lang="en-US" dirty="0" smtClean="0"/>
+              <a:t>Schedule And deliverables</a:t>
+            </a:r>
+            <a:endParaRPr lang="en-US" dirty="0"/>
+          </a:p>
+        </p:txBody>
+      </p:sp>
+      <p:sp>
+        <p:nvSpPr>
+          <p:cNvPr id="3" name="TextBox 2"/>
+          <p:cNvSpPr txBox="1"/>
+          <p:nvPr/>
+        </p:nvSpPr>
+        <p:spPr>
+          <a:xfrm>
+            <a:off x="636915" y="2021489"/>
+            <a:ext cx="8001247" cy="2862322"/>
+          </a:xfrm>
+          <a:prstGeom prst="rect">
+            <a:avLst/>
+          </a:prstGeom>
+          <a:noFill/>
+        </p:spPr>
+        <p:txBody>
+          <a:bodyPr wrap="square" rtlCol="0">
+            <a:spAutoFit/>
+          </a:bodyPr>
+          <a:lstStyle/>
+          <a:p>
+            <a:pPr marL="285750" indent="-285750">
+              <a:buFont typeface="Arial" panose="020B0604020202020204" pitchFamily="34" charset="0"/>
+              <a:buChar char="•"/>
+            </a:pPr>
+            <a:r>
+              <a:rPr lang="en-US" dirty="0" smtClean="0">
+                <a:solidFill>
+                  <a:schemeClr val="tx1">
+                    <a:lumMod val="85000"/>
+                  </a:schemeClr>
+                </a:solidFill>
+              </a:rPr>
+              <a:t>Sprint 4: 1/18/15-2/5/15</a:t>
+            </a:r>
+          </a:p>
+          <a:p>
+            <a:pPr marL="742950" lvl="1" indent="-285750">
+              <a:buFont typeface="Arial" panose="020B0604020202020204" pitchFamily="34" charset="0"/>
+              <a:buChar char="•"/>
+            </a:pPr>
+            <a:r>
+              <a:rPr lang="en-US" dirty="0" smtClean="0">
+                <a:solidFill>
+                  <a:schemeClr val="tx1">
+                    <a:lumMod val="85000"/>
+                  </a:schemeClr>
+                </a:solidFill>
+              </a:rPr>
+              <a:t>Prototype</a:t>
+            </a:r>
+          </a:p>
+          <a:p>
+            <a:pPr marL="285750" indent="-285750">
+              <a:buFont typeface="Arial" panose="020B0604020202020204" pitchFamily="34" charset="0"/>
+              <a:buChar char="•"/>
+            </a:pPr>
+            <a:endParaRPr lang="en-US" dirty="0">
+              <a:solidFill>
+                <a:schemeClr val="tx1">
+                  <a:lumMod val="85000"/>
+                </a:schemeClr>
+              </a:solidFill>
+            </a:endParaRPr>
+          </a:p>
+          <a:p>
+            <a:pPr marL="285750" indent="-285750">
+              <a:buFont typeface="Arial" panose="020B0604020202020204" pitchFamily="34" charset="0"/>
+              <a:buChar char="•"/>
+            </a:pPr>
+            <a:r>
+              <a:rPr lang="en-US" dirty="0" smtClean="0">
+                <a:solidFill>
+                  <a:schemeClr val="tx1">
+                    <a:lumMod val="85000"/>
+                  </a:schemeClr>
+                </a:solidFill>
+              </a:rPr>
+              <a:t>Sprint 5: 2/15/16-3/4/16</a:t>
+            </a:r>
+          </a:p>
+          <a:p>
+            <a:pPr marL="742950" lvl="1" indent="-285750">
+              <a:buFont typeface="Arial" panose="020B0604020202020204" pitchFamily="34" charset="0"/>
+              <a:buChar char="•"/>
+            </a:pPr>
+            <a:r>
+              <a:rPr lang="en-US" dirty="0" smtClean="0">
+                <a:solidFill>
+                  <a:schemeClr val="tx1">
+                    <a:lumMod val="85000"/>
+                  </a:schemeClr>
+                </a:solidFill>
+              </a:rPr>
+              <a:t>Presentation</a:t>
+            </a:r>
+          </a:p>
+          <a:p>
+            <a:pPr marL="742950" lvl="1" indent="-285750">
+              <a:buFont typeface="Arial" panose="020B0604020202020204" pitchFamily="34" charset="0"/>
+              <a:buChar char="•"/>
+            </a:pPr>
+            <a:endParaRPr lang="en-US" dirty="0">
+              <a:solidFill>
+                <a:schemeClr val="tx1">
+                  <a:lumMod val="85000"/>
+                </a:schemeClr>
+              </a:solidFill>
+            </a:endParaRPr>
+          </a:p>
+          <a:p>
+            <a:pPr marL="285750" indent="-285750">
+              <a:buFont typeface="Arial" panose="020B0604020202020204" pitchFamily="34" charset="0"/>
+              <a:buChar char="•"/>
+            </a:pPr>
+            <a:r>
+              <a:rPr lang="en-US" dirty="0" smtClean="0">
+                <a:solidFill>
+                  <a:schemeClr val="tx1">
+                    <a:lumMod val="85000"/>
+                  </a:schemeClr>
+                </a:solidFill>
+              </a:rPr>
+              <a:t>Sprint 6: 3/21/16-4/15/16</a:t>
+            </a:r>
+          </a:p>
+          <a:p>
+            <a:pPr marL="742950" lvl="1" indent="-285750">
+              <a:buFont typeface="Arial" panose="020B0604020202020204" pitchFamily="34" charset="0"/>
+              <a:buChar char="•"/>
+            </a:pPr>
+            <a:r>
+              <a:rPr lang="en-US" dirty="0" smtClean="0">
+                <a:solidFill>
+                  <a:schemeClr val="tx1">
+                    <a:lumMod val="85000"/>
+                  </a:schemeClr>
+                </a:solidFill>
+              </a:rPr>
+              <a:t>Product</a:t>
+            </a:r>
+          </a:p>
+          <a:p>
+            <a:pPr marL="742950" lvl="1" indent="-285750">
+              <a:buFont typeface="Arial" panose="020B0604020202020204" pitchFamily="34" charset="0"/>
+              <a:buChar char="•"/>
+            </a:pPr>
+            <a:endParaRPr lang="en-US" dirty="0">
+              <a:solidFill>
+                <a:schemeClr val="tx1">
+                  <a:lumMod val="85000"/>
+                </a:schemeClr>
+              </a:solidFill>
+            </a:endParaRPr>
+          </a:p>
+          <a:p>
+            <a:pPr marL="285750" indent="-285750">
+              <a:buFont typeface="Arial" panose="020B0604020202020204" pitchFamily="34" charset="0"/>
+              <a:buChar char="•"/>
+            </a:pPr>
+            <a:r>
+              <a:rPr lang="en-US" dirty="0" smtClean="0">
+                <a:solidFill>
+                  <a:schemeClr val="tx1">
+                    <a:lumMod val="85000"/>
+                  </a:schemeClr>
+                </a:solidFill>
+              </a:rPr>
+              <a:t>Design Fair: 4/19/16</a:t>
+            </a:r>
+            <a:endParaRPr lang="en-US" dirty="0" smtClean="0">
               <a:solidFill>
                 <a:schemeClr val="tx1">
                   <a:lumMod val="85000"/>
@@ -5818,7 +8125,7 @@
         <p:spPr>
           <a:xfrm>
             <a:off x="636914" y="4508527"/>
-            <a:ext cx="8001247" cy="369332"/>
+            <a:ext cx="8001247" cy="923330"/>
           </a:xfrm>
           <a:prstGeom prst="rect">
             <a:avLst/>
@@ -5843,7 +8150,39 @@
                   </a:schemeClr>
                 </a:solidFill>
               </a:rPr>
-              <a:t>Cluster</a:t>
+              <a:t>A cluster of 6-12 single-board computers</a:t>
+            </a:r>
+          </a:p>
+          <a:p>
+            <a:pPr marL="285750" indent="-285750">
+              <a:buFont typeface="Arial" panose="020B0604020202020204" pitchFamily="34" charset="0"/>
+              <a:buChar char="•"/>
+            </a:pPr>
+            <a:r>
+              <a:rPr lang="en-US" dirty="0" smtClean="0">
+                <a:solidFill>
+                  <a:schemeClr val="tx1">
+                    <a:lumMod val="85000"/>
+                  </a:schemeClr>
+                </a:solidFill>
+              </a:rPr>
+              <a:t>Benchmarked</a:t>
+            </a:r>
+          </a:p>
+          <a:p>
+            <a:pPr marL="285750" indent="-285750">
+              <a:buFont typeface="Arial" panose="020B0604020202020204" pitchFamily="34" charset="0"/>
+              <a:buChar char="•"/>
+            </a:pPr>
+            <a:r>
+              <a:rPr lang="en-US" dirty="0" smtClean="0">
+                <a:solidFill>
+                  <a:schemeClr val="tx1">
+                    <a:lumMod val="85000"/>
+                  </a:schemeClr>
+                </a:solidFill>
+              </a:rPr>
+              <a:t>Fastest and most efficient</a:t>
             </a:r>
             <a:endParaRPr lang="en-US" dirty="0">
               <a:solidFill>
@@ -5929,7 +8268,7 @@
         <p:spPr>
           <a:xfrm>
             <a:off x="528569" y="1830961"/>
-            <a:ext cx="8001247" cy="369332"/>
+            <a:ext cx="8001247" cy="1477328"/>
           </a:xfrm>
           <a:prstGeom prst="rect">
             <a:avLst/>
@@ -5946,6 +8285,19 @@
               <a:buFont typeface="Arial" panose="020B0604020202020204" pitchFamily="34" charset="0"/>
               <a:buChar char="•"/>
             </a:pPr>
+            <a:endParaRPr lang="en-US" dirty="0" smtClean="0">
+              <a:solidFill>
+                <a:schemeClr val="tx1">
+                  <a:lumMod val="85000"/>
+                </a:schemeClr>
+              </a:solidFill>
+            </a:endParaRPr>
+          </a:p>
+          <a:p>
+            <a:pPr marL="285750" indent="-285750">
+              <a:buFont typeface="Arial" panose="020B0604020202020204" pitchFamily="34" charset="0"/>
+              <a:buChar char="•"/>
+            </a:pPr>
             <a:r>
               <a:rPr lang="en-US" dirty="0" smtClean="0">
                 <a:solidFill>
@@ -5956,6 +8308,41 @@
               </a:rPr>
               <a:t>Research</a:t>
             </a:r>
+          </a:p>
+          <a:p>
+            <a:pPr marL="285750" indent="-285750">
+              <a:buFont typeface="Arial" panose="020B0604020202020204" pitchFamily="34" charset="0"/>
+              <a:buChar char="•"/>
+            </a:pPr>
+            <a:endParaRPr lang="en-US" dirty="0">
+              <a:solidFill>
+                <a:schemeClr val="tx1">
+                  <a:lumMod val="85000"/>
+                </a:schemeClr>
+              </a:solidFill>
+            </a:endParaRPr>
+          </a:p>
+          <a:p>
+            <a:pPr marL="285750" indent="-285750">
+              <a:buFont typeface="Arial" panose="020B0604020202020204" pitchFamily="34" charset="0"/>
+              <a:buChar char="•"/>
+            </a:pPr>
+            <a:r>
+              <a:rPr lang="en-US" dirty="0" smtClean="0">
+                <a:solidFill>
+                  <a:schemeClr val="tx1">
+                    <a:lumMod val="85000"/>
+                  </a:schemeClr>
+                </a:solidFill>
+              </a:rPr>
+              <a:t>Establish proof of Concept</a:t>
+            </a:r>
+          </a:p>
+          <a:p>
+            <a:pPr marL="285750" indent="-285750">
+              <a:buFont typeface="Arial" panose="020B0604020202020204" pitchFamily="34" charset="0"/>
+              <a:buChar char="•"/>
+            </a:pPr>
             <a:endParaRPr lang="en-US" dirty="0">
               <a:solidFill>
                 <a:schemeClr val="tx1">
@@ -6040,7 +8427,7 @@
         <p:spPr>
           <a:xfrm>
             <a:off x="636915" y="2021489"/>
-            <a:ext cx="8001247" cy="369332"/>
+            <a:ext cx="8001247" cy="646331"/>
           </a:xfrm>
           <a:prstGeom prst="rect">
             <a:avLst/>
@@ -6065,7 +8452,43 @@
                   </a:schemeClr>
                 </a:solidFill>
               </a:rPr>
-              <a:t>Snow White</a:t>
+              <a:t>Snow White and the seven dwarves</a:t>
+            </a:r>
+          </a:p>
+          <a:p>
+            <a:pPr marL="285750" indent="-285750">
+              <a:buFont typeface="Arial" panose="020B0604020202020204" pitchFamily="34" charset="0"/>
+              <a:buChar char="•"/>
+            </a:pPr>
+            <a:r>
+              <a:rPr lang="en-US" dirty="0" smtClean="0">
+                <a:solidFill>
+                  <a:schemeClr val="tx1">
+                    <a:lumMod val="85000"/>
+                  </a:schemeClr>
+                </a:solidFill>
+              </a:rPr>
+              <a:t>ODROID Ux</a:t>
+            </a:r>
+            <a:r>
+              <a:rPr lang="en-US" dirty="0">
+                <a:solidFill>
+                  <a:schemeClr val="tx1">
+                    <a:lumMod val="85000"/>
+                  </a:schemeClr>
+                </a:solidFill>
+              </a:rPr>
+              <a:t>4</a:t>
+            </a:r>
+            <a:r>
+              <a:rPr lang="en-US" dirty="0" smtClean="0">
+                <a:solidFill>
+                  <a:schemeClr val="tx1">
+                    <a:lumMod val="85000"/>
+                  </a:schemeClr>
+                </a:solidFill>
+              </a:rPr>
+              <a:t> </a:t>
             </a:r>
             <a:endParaRPr lang="en-US" dirty="0">
               <a:solidFill>
@@ -6077,6 +8500,64 @@
           </a:p>
         </p:txBody>
       </p:sp>
+      <p:pic>
+        <p:nvPicPr>
+          <p:cNvPr id="7" name="Picture 6"/>
+          <p:cNvPicPr>
+            <a:picLocks noChangeAspect="1"/>
+          </p:cNvPicPr>
+          <p:nvPr/>
+        </p:nvPicPr>
+        <p:blipFill rotWithShape="1">
+          <a:blip r:embed="rId3" cstate="print">
+            <a:extLst>
+              <a:ext uri="{28A0092B-C50C-407E-A947-70E740481C1C}">
+                <a14:useLocalDpi xmlns:a14="http://schemas.microsoft.com/office/drawing/2010/main" val="0"/>
+              </a:ext>
+            </a:extLst>
+          </a:blip>
+          <a:srcRect l="46970" t="10097" r="11061"/>
+          <a:stretch/>
+        </p:blipFill>
+        <p:spPr>
+          <a:xfrm rot="5400000">
+            <a:off x="1341909" y="2816295"/>
+            <a:ext cx="2878282" cy="4624151"/>
+          </a:xfrm>
+          <a:prstGeom prst="rect">
+            <a:avLst/>
+          </a:prstGeom>
+        </p:spPr>
+      </p:pic>
+      <p:pic>
+        <p:nvPicPr>
+          <p:cNvPr id="8" name="Picture 7"/>
+          <p:cNvPicPr>
+            <a:picLocks noChangeAspect="1"/>
+          </p:cNvPicPr>
+          <p:nvPr/>
+        </p:nvPicPr>
+        <p:blipFill rotWithShape="1">
+          <a:blip r:embed="rId4" cstate="print">
+            <a:extLst>
+              <a:ext uri="{28A0092B-C50C-407E-A947-70E740481C1C}">
+                <a14:useLocalDpi xmlns:a14="http://schemas.microsoft.com/office/drawing/2010/main" val="0"/>
+              </a:ext>
+            </a:extLst>
+          </a:blip>
+          <a:srcRect t="-101" r="7070" b="-1"/>
+          <a:stretch/>
+        </p:blipFill>
+        <p:spPr>
+          <a:xfrm>
+            <a:off x="5254336" y="950768"/>
+            <a:ext cx="6373091" cy="5148696"/>
+          </a:xfrm>
+          <a:prstGeom prst="rect">
+            <a:avLst/>
+          </a:prstGeom>
+        </p:spPr>
+      </p:pic>
     </p:spTree>
     <p:extLst>
       <p:ext uri="{BB962C8B-B14F-4D97-AF65-F5344CB8AC3E}">
@@ -6134,7 +8615,244 @@
           <a:bodyPr/>
           <a:lstStyle/>
           <a:p>
+            <a:r>
+              <a:rPr lang="en-US" dirty="0" smtClean="0"/>
+              <a:t>The process</a:t>
+            </a:r>
             <a:endParaRPr lang="en-US" dirty="0"/>
+          </a:p>
+        </p:txBody>
+      </p:sp>
+      <p:sp>
+        <p:nvSpPr>
+          <p:cNvPr id="3" name="TextBox 2"/>
+          <p:cNvSpPr txBox="1"/>
+          <p:nvPr/>
+        </p:nvSpPr>
+        <p:spPr>
+          <a:xfrm>
+            <a:off x="586935" y="1539132"/>
+            <a:ext cx="8001247" cy="3693319"/>
+          </a:xfrm>
+          <a:prstGeom prst="rect">
+            <a:avLst/>
+          </a:prstGeom>
+          <a:noFill/>
+        </p:spPr>
+        <p:txBody>
+          <a:bodyPr wrap="square" rtlCol="0">
+            <a:spAutoFit/>
+          </a:bodyPr>
+          <a:lstStyle/>
+          <a:p>
+            <a:pPr marL="285750" indent="-285750">
+              <a:buFont typeface="Arial" panose="020B0604020202020204" pitchFamily="34" charset="0"/>
+              <a:buChar char="•"/>
+            </a:pPr>
+            <a:endParaRPr lang="en-US" dirty="0" smtClean="0">
+              <a:solidFill>
+                <a:schemeClr val="tx1">
+                  <a:lumMod val="85000"/>
+                </a:schemeClr>
+              </a:solidFill>
+            </a:endParaRPr>
+          </a:p>
+          <a:p>
+            <a:pPr marL="285750" indent="-285750">
+              <a:buFont typeface="Arial" panose="020B0604020202020204" pitchFamily="34" charset="0"/>
+              <a:buChar char="•"/>
+            </a:pPr>
+            <a:endParaRPr lang="en-US" dirty="0" smtClean="0">
+              <a:solidFill>
+                <a:schemeClr val="tx1">
+                  <a:lumMod val="85000"/>
+                </a:schemeClr>
+              </a:solidFill>
+            </a:endParaRPr>
+          </a:p>
+          <a:p>
+            <a:pPr marL="285750" indent="-285750">
+              <a:buFont typeface="Arial" panose="020B0604020202020204" pitchFamily="34" charset="0"/>
+              <a:buChar char="•"/>
+            </a:pPr>
+            <a:r>
+              <a:rPr lang="en-US" dirty="0" smtClean="0">
+                <a:solidFill>
+                  <a:schemeClr val="tx1">
+                    <a:lumMod val="85000"/>
+                  </a:schemeClr>
+                </a:solidFill>
+              </a:rPr>
+              <a:t>Configure network</a:t>
+            </a:r>
+          </a:p>
+          <a:p>
+            <a:pPr marL="285750" indent="-285750">
+              <a:buFont typeface="Arial" panose="020B0604020202020204" pitchFamily="34" charset="0"/>
+              <a:buChar char="•"/>
+            </a:pPr>
+            <a:endParaRPr lang="en-US" dirty="0" smtClean="0">
+              <a:solidFill>
+                <a:schemeClr val="tx1">
+                  <a:lumMod val="85000"/>
+                </a:schemeClr>
+              </a:solidFill>
+            </a:endParaRPr>
+          </a:p>
+          <a:p>
+            <a:pPr marL="285750" indent="-285750">
+              <a:buFont typeface="Arial" panose="020B0604020202020204" pitchFamily="34" charset="0"/>
+              <a:buChar char="•"/>
+            </a:pPr>
+            <a:r>
+              <a:rPr lang="en-US" dirty="0" smtClean="0">
+                <a:solidFill>
+                  <a:schemeClr val="tx1">
+                    <a:lumMod val="85000"/>
+                  </a:schemeClr>
+                </a:solidFill>
+              </a:rPr>
+              <a:t>NFS share</a:t>
+            </a:r>
+          </a:p>
+          <a:p>
+            <a:pPr marL="285750" indent="-285750">
+              <a:buFont typeface="Arial" panose="020B0604020202020204" pitchFamily="34" charset="0"/>
+              <a:buChar char="•"/>
+            </a:pPr>
+            <a:endParaRPr lang="en-US" dirty="0">
+              <a:solidFill>
+                <a:schemeClr val="tx1">
+                  <a:lumMod val="85000"/>
+                </a:schemeClr>
+              </a:solidFill>
+            </a:endParaRPr>
+          </a:p>
+          <a:p>
+            <a:pPr marL="285750" indent="-285750">
+              <a:buFont typeface="Arial" panose="020B0604020202020204" pitchFamily="34" charset="0"/>
+              <a:buChar char="•"/>
+            </a:pPr>
+            <a:r>
+              <a:rPr lang="en-US" dirty="0" smtClean="0">
+                <a:solidFill>
+                  <a:schemeClr val="tx1">
+                    <a:lumMod val="85000"/>
+                  </a:schemeClr>
+                </a:solidFill>
+              </a:rPr>
+              <a:t>Configure </a:t>
+            </a:r>
+            <a:r>
+              <a:rPr lang="en-US" dirty="0" err="1" smtClean="0">
+                <a:solidFill>
+                  <a:schemeClr val="tx1">
+                    <a:lumMod val="85000"/>
+                  </a:schemeClr>
+                </a:solidFill>
+              </a:rPr>
+              <a:t>sudo</a:t>
+            </a:r>
+            <a:r>
+              <a:rPr lang="en-US" dirty="0" smtClean="0">
+                <a:solidFill>
+                  <a:schemeClr val="tx1">
+                    <a:lumMod val="85000"/>
+                  </a:schemeClr>
+                </a:solidFill>
+              </a:rPr>
+              <a:t> </a:t>
+            </a:r>
+          </a:p>
+          <a:p>
+            <a:endParaRPr lang="en-US" dirty="0">
+              <a:solidFill>
+                <a:schemeClr val="tx1">
+                  <a:lumMod val="85000"/>
+                </a:schemeClr>
+              </a:solidFill>
+            </a:endParaRPr>
+          </a:p>
+          <a:p>
+            <a:pPr marL="285750" indent="-285750">
+              <a:buFont typeface="Arial" panose="020B0604020202020204" pitchFamily="34" charset="0"/>
+              <a:buChar char="•"/>
+            </a:pPr>
+            <a:r>
+              <a:rPr lang="en-US" dirty="0" smtClean="0">
+                <a:solidFill>
+                  <a:schemeClr val="tx1">
+                    <a:lumMod val="85000"/>
+                  </a:schemeClr>
+                </a:solidFill>
+              </a:rPr>
+              <a:t>Host name</a:t>
+            </a:r>
+          </a:p>
+          <a:p>
+            <a:pPr marL="285750" indent="-285750">
+              <a:buFont typeface="Arial" panose="020B0604020202020204" pitchFamily="34" charset="0"/>
+              <a:buChar char="•"/>
+            </a:pPr>
+            <a:endParaRPr lang="en-US" dirty="0" smtClean="0">
+              <a:solidFill>
+                <a:schemeClr val="tx1">
+                  <a:lumMod val="85000"/>
+                </a:schemeClr>
+              </a:solidFill>
+            </a:endParaRPr>
+          </a:p>
+          <a:p>
+            <a:pPr marL="285750" indent="-285750">
+              <a:buFont typeface="Arial" panose="020B0604020202020204" pitchFamily="34" charset="0"/>
+              <a:buChar char="•"/>
+            </a:pPr>
+            <a:r>
+              <a:rPr lang="en-US" dirty="0" err="1" smtClean="0">
+                <a:solidFill>
+                  <a:schemeClr val="tx1">
+                    <a:lumMod val="85000"/>
+                  </a:schemeClr>
+                </a:solidFill>
+              </a:rPr>
+              <a:t>ssh</a:t>
+            </a:r>
+            <a:r>
+              <a:rPr lang="en-US" dirty="0" smtClean="0">
+                <a:solidFill>
+                  <a:schemeClr val="tx1">
+                    <a:lumMod val="85000"/>
+                  </a:schemeClr>
+                </a:solidFill>
+              </a:rPr>
+              <a:t> configure</a:t>
+            </a:r>
+          </a:p>
+          <a:p>
+            <a:pPr marL="285750" indent="-285750">
+              <a:buFont typeface="Arial" panose="020B0604020202020204" pitchFamily="34" charset="0"/>
+              <a:buChar char="•"/>
+            </a:pPr>
+            <a:endParaRPr lang="en-US" dirty="0" smtClean="0">
+              <a:solidFill>
+                <a:schemeClr val="tx1">
+                  <a:lumMod val="85000"/>
+                </a:schemeClr>
+              </a:solidFill>
+            </a:endParaRPr>
+          </a:p>
+          <a:p>
+            <a:pPr marL="285750" indent="-285750">
+              <a:buFont typeface="Arial" panose="020B0604020202020204" pitchFamily="34" charset="0"/>
+              <a:buChar char="•"/>
+            </a:pPr>
+            <a:endParaRPr lang="en-US" dirty="0">
+              <a:solidFill>
+                <a:schemeClr val="tx1">
+                  <a:lumMod val="85000"/>
+                </a:schemeClr>
+              </a:solidFill>
+            </a:endParaRPr>
           </a:p>
         </p:txBody>
       </p:sp>
@@ -6187,7 +8905,7 @@
         </p:nvSpPr>
         <p:spPr>
           <a:xfrm>
-            <a:off x="586935" y="382260"/>
+            <a:off x="528569" y="323894"/>
             <a:ext cx="8534400" cy="1507067"/>
           </a:xfrm>
         </p:spPr>
@@ -6197,7 +8915,7 @@
           <a:p>
             <a:r>
               <a:rPr lang="en-US" dirty="0" smtClean="0"/>
-              <a:t>Testing</a:t>
+              <a:t>Tools</a:t>
             </a:r>
             <a:endParaRPr lang="en-US" dirty="0"/>
           </a:p>
@@ -6211,8 +8929,8 @@
         </p:nvSpPr>
         <p:spPr>
           <a:xfrm>
-            <a:off x="636915" y="2021489"/>
-            <a:ext cx="8001247" cy="369332"/>
+            <a:off x="528569" y="1519676"/>
+            <a:ext cx="8001247" cy="4524315"/>
           </a:xfrm>
           <a:prstGeom prst="rect">
             <a:avLst/>
@@ -6220,7 +8938,7 @@
           <a:noFill/>
         </p:spPr>
         <p:txBody>
-          <a:bodyPr wrap="square" rtlCol="0">
+          <a:bodyPr wrap="square" numCol="2" rtlCol="0">
             <a:spAutoFit/>
           </a:bodyPr>
           <a:lstStyle/>
@@ -6237,8 +8955,50 @@
                   </a:schemeClr>
                 </a:solidFill>
               </a:rPr>
-              <a:t>Pinging</a:t>
-            </a:r>
+              <a:t>Trello</a:t>
+            </a:r>
+          </a:p>
+          <a:p>
+            <a:pPr marL="285750" indent="-285750">
+              <a:buFont typeface="Arial" panose="020B0604020202020204" pitchFamily="34" charset="0"/>
+              <a:buChar char="•"/>
+            </a:pPr>
+            <a:endParaRPr lang="en-US" dirty="0" smtClean="0">
+              <a:solidFill>
+                <a:schemeClr val="tx1">
+                  <a:lumMod val="85000"/>
+                </a:schemeClr>
+              </a:solidFill>
+            </a:endParaRPr>
+          </a:p>
+          <a:p>
+            <a:pPr marL="285750" indent="-285750">
+              <a:buFont typeface="Arial" panose="020B0604020202020204" pitchFamily="34" charset="0"/>
+              <a:buChar char="•"/>
+            </a:pPr>
+            <a:r>
+              <a:rPr lang="en-US" dirty="0" err="1" smtClean="0">
+                <a:solidFill>
+                  <a:schemeClr val="tx1">
+                    <a:lumMod val="85000"/>
+                  </a:schemeClr>
+                </a:solidFill>
+              </a:rPr>
+              <a:t>Github</a:t>
+            </a:r>
+            <a:endParaRPr lang="en-US" dirty="0" smtClean="0">
+              <a:solidFill>
+                <a:schemeClr val="tx1">
+                  <a:lumMod val="85000"/>
+                </a:schemeClr>
+              </a:solidFill>
+            </a:endParaRPr>
+          </a:p>
+          <a:p>
+            <a:pPr marL="285750" indent="-285750">
+              <a:buFont typeface="Arial" panose="020B0604020202020204" pitchFamily="34" charset="0"/>
+              <a:buChar char="•"/>
+            </a:pPr>
             <a:endParaRPr lang="en-US" dirty="0">
               <a:solidFill>
                 <a:schemeClr val="tx1">
@@ -6247,12 +9007,307 @@
               </a:solidFill>
             </a:endParaRPr>
           </a:p>
+          <a:p>
+            <a:pPr marL="285750" indent="-285750">
+              <a:buFont typeface="Arial" panose="020B0604020202020204" pitchFamily="34" charset="0"/>
+              <a:buChar char="•"/>
+            </a:pPr>
+            <a:r>
+              <a:rPr lang="en-US" dirty="0" err="1" smtClean="0">
+                <a:solidFill>
+                  <a:schemeClr val="tx1">
+                    <a:lumMod val="85000"/>
+                  </a:schemeClr>
+                </a:solidFill>
+              </a:rPr>
+              <a:t>Linpack</a:t>
+            </a:r>
+            <a:endParaRPr lang="en-US" dirty="0" smtClean="0">
+              <a:solidFill>
+                <a:schemeClr val="tx1">
+                  <a:lumMod val="85000"/>
+                </a:schemeClr>
+              </a:solidFill>
+            </a:endParaRPr>
+          </a:p>
+          <a:p>
+            <a:pPr marL="285750" indent="-285750">
+              <a:buFont typeface="Arial" panose="020B0604020202020204" pitchFamily="34" charset="0"/>
+              <a:buChar char="•"/>
+            </a:pPr>
+            <a:endParaRPr lang="en-US" dirty="0" smtClean="0">
+              <a:solidFill>
+                <a:schemeClr val="tx1">
+                  <a:lumMod val="85000"/>
+                </a:schemeClr>
+              </a:solidFill>
+            </a:endParaRPr>
+          </a:p>
+          <a:p>
+            <a:pPr marL="285750" indent="-285750">
+              <a:buFont typeface="Arial" panose="020B0604020202020204" pitchFamily="34" charset="0"/>
+              <a:buChar char="•"/>
+            </a:pPr>
+            <a:r>
+              <a:rPr lang="en-US" dirty="0" smtClean="0">
+                <a:solidFill>
+                  <a:schemeClr val="tx1">
+                    <a:lumMod val="85000"/>
+                  </a:schemeClr>
+                </a:solidFill>
+              </a:rPr>
+              <a:t>Screwdriver</a:t>
+            </a:r>
+          </a:p>
+          <a:p>
+            <a:pPr marL="285750" indent="-285750">
+              <a:buFont typeface="Arial" panose="020B0604020202020204" pitchFamily="34" charset="0"/>
+              <a:buChar char="•"/>
+            </a:pPr>
+            <a:endParaRPr lang="en-US" dirty="0">
+              <a:solidFill>
+                <a:schemeClr val="tx1">
+                  <a:lumMod val="85000"/>
+                </a:schemeClr>
+              </a:solidFill>
+            </a:endParaRPr>
+          </a:p>
+          <a:p>
+            <a:pPr marL="285750" indent="-285750">
+              <a:buFont typeface="Arial" panose="020B0604020202020204" pitchFamily="34" charset="0"/>
+              <a:buChar char="•"/>
+            </a:pPr>
+            <a:r>
+              <a:rPr lang="en-US" dirty="0" smtClean="0">
+                <a:solidFill>
+                  <a:schemeClr val="tx1">
+                    <a:lumMod val="85000"/>
+                  </a:schemeClr>
+                </a:solidFill>
+              </a:rPr>
+              <a:t>MPI</a:t>
+            </a:r>
+            <a:endParaRPr lang="en-US" dirty="0" smtClean="0">
+              <a:solidFill>
+                <a:schemeClr val="tx1">
+                  <a:lumMod val="85000"/>
+                </a:schemeClr>
+              </a:solidFill>
+            </a:endParaRPr>
+          </a:p>
+          <a:p>
+            <a:pPr marL="285750" indent="-285750">
+              <a:buFont typeface="Arial" panose="020B0604020202020204" pitchFamily="34" charset="0"/>
+              <a:buChar char="•"/>
+            </a:pPr>
+            <a:endParaRPr lang="en-US" dirty="0" smtClean="0">
+              <a:solidFill>
+                <a:schemeClr val="tx1">
+                  <a:lumMod val="85000"/>
+                </a:schemeClr>
+              </a:solidFill>
+            </a:endParaRPr>
+          </a:p>
+          <a:p>
+            <a:pPr marL="285750" indent="-285750">
+              <a:buFont typeface="Arial" panose="020B0604020202020204" pitchFamily="34" charset="0"/>
+              <a:buChar char="•"/>
+            </a:pPr>
+            <a:endParaRPr lang="en-US" dirty="0">
+              <a:solidFill>
+                <a:schemeClr val="tx1">
+                  <a:lumMod val="85000"/>
+                </a:schemeClr>
+              </a:solidFill>
+            </a:endParaRPr>
+          </a:p>
+          <a:p>
+            <a:pPr marL="285750" indent="-285750">
+              <a:buFont typeface="Arial" panose="020B0604020202020204" pitchFamily="34" charset="0"/>
+              <a:buChar char="•"/>
+            </a:pPr>
+            <a:endParaRPr lang="en-US" dirty="0" smtClean="0">
+              <a:solidFill>
+                <a:schemeClr val="tx1">
+                  <a:lumMod val="85000"/>
+                </a:schemeClr>
+              </a:solidFill>
+            </a:endParaRPr>
+          </a:p>
+          <a:p>
+            <a:pPr marL="285750" indent="-285750">
+              <a:buFont typeface="Arial" panose="020B0604020202020204" pitchFamily="34" charset="0"/>
+              <a:buChar char="•"/>
+            </a:pPr>
+            <a:endParaRPr lang="en-US" dirty="0">
+              <a:solidFill>
+                <a:schemeClr val="tx1">
+                  <a:lumMod val="85000"/>
+                </a:schemeClr>
+              </a:solidFill>
+            </a:endParaRPr>
+          </a:p>
+          <a:p>
+            <a:pPr marL="285750" indent="-285750">
+              <a:buFont typeface="Arial" panose="020B0604020202020204" pitchFamily="34" charset="0"/>
+              <a:buChar char="•"/>
+            </a:pPr>
+            <a:endParaRPr lang="en-US" dirty="0" smtClean="0">
+              <a:solidFill>
+                <a:schemeClr val="tx1">
+                  <a:lumMod val="85000"/>
+                </a:schemeClr>
+              </a:solidFill>
+            </a:endParaRPr>
+          </a:p>
+          <a:p>
+            <a:pPr marL="285750" indent="-285750">
+              <a:buFont typeface="Arial" panose="020B0604020202020204" pitchFamily="34" charset="0"/>
+              <a:buChar char="•"/>
+            </a:pPr>
+            <a:endParaRPr lang="en-US" dirty="0">
+              <a:solidFill>
+                <a:schemeClr val="tx1">
+                  <a:lumMod val="85000"/>
+                </a:schemeClr>
+              </a:solidFill>
+            </a:endParaRPr>
+          </a:p>
+          <a:p>
+            <a:pPr marL="285750" indent="-285750">
+              <a:buFont typeface="Arial" panose="020B0604020202020204" pitchFamily="34" charset="0"/>
+              <a:buChar char="•"/>
+            </a:pPr>
+            <a:endParaRPr lang="en-US" dirty="0">
+              <a:solidFill>
+                <a:schemeClr val="tx1">
+                  <a:lumMod val="85000"/>
+                </a:schemeClr>
+              </a:solidFill>
+            </a:endParaRPr>
+          </a:p>
+          <a:p>
+            <a:pPr marL="285750" indent="-285750">
+              <a:buFont typeface="Arial" panose="020B0604020202020204" pitchFamily="34" charset="0"/>
+              <a:buChar char="•"/>
+            </a:pPr>
+            <a:r>
+              <a:rPr lang="en-US" dirty="0" smtClean="0">
+                <a:solidFill>
+                  <a:schemeClr val="tx1">
+                    <a:lumMod val="85000"/>
+                  </a:schemeClr>
+                </a:solidFill>
+              </a:rPr>
+              <a:t>Python</a:t>
+            </a:r>
+          </a:p>
+          <a:p>
+            <a:pPr marL="285750" indent="-285750">
+              <a:buFont typeface="Arial" panose="020B0604020202020204" pitchFamily="34" charset="0"/>
+              <a:buChar char="•"/>
+            </a:pPr>
+            <a:endParaRPr lang="en-US" dirty="0">
+              <a:solidFill>
+                <a:schemeClr val="tx1">
+                  <a:lumMod val="85000"/>
+                </a:schemeClr>
+              </a:solidFill>
+            </a:endParaRPr>
+          </a:p>
+          <a:p>
+            <a:pPr marL="285750" indent="-285750">
+              <a:buFont typeface="Arial" panose="020B0604020202020204" pitchFamily="34" charset="0"/>
+              <a:buChar char="•"/>
+            </a:pPr>
+            <a:r>
+              <a:rPr lang="en-US" dirty="0" smtClean="0">
+                <a:solidFill>
+                  <a:schemeClr val="tx1">
+                    <a:lumMod val="85000"/>
+                  </a:schemeClr>
+                </a:solidFill>
+              </a:rPr>
+              <a:t>C++</a:t>
+            </a:r>
+          </a:p>
+          <a:p>
+            <a:pPr marL="285750" indent="-285750">
+              <a:buFont typeface="Arial" panose="020B0604020202020204" pitchFamily="34" charset="0"/>
+              <a:buChar char="•"/>
+            </a:pPr>
+            <a:endParaRPr lang="en-US" dirty="0">
+              <a:solidFill>
+                <a:schemeClr val="tx1">
+                  <a:lumMod val="85000"/>
+                </a:schemeClr>
+              </a:solidFill>
+            </a:endParaRPr>
+          </a:p>
+          <a:p>
+            <a:pPr marL="285750" indent="-285750">
+              <a:buFont typeface="Arial" panose="020B0604020202020204" pitchFamily="34" charset="0"/>
+              <a:buChar char="•"/>
+            </a:pPr>
+            <a:r>
+              <a:rPr lang="en-US" dirty="0" smtClean="0">
+                <a:solidFill>
+                  <a:schemeClr val="tx1">
+                    <a:lumMod val="85000"/>
+                  </a:schemeClr>
+                </a:solidFill>
+              </a:rPr>
+              <a:t>Bash</a:t>
+            </a:r>
+          </a:p>
+          <a:p>
+            <a:pPr marL="285750" indent="-285750">
+              <a:buFont typeface="Arial" panose="020B0604020202020204" pitchFamily="34" charset="0"/>
+              <a:buChar char="•"/>
+            </a:pPr>
+            <a:endParaRPr lang="en-US" dirty="0">
+              <a:solidFill>
+                <a:schemeClr val="tx1">
+                  <a:lumMod val="85000"/>
+                </a:schemeClr>
+              </a:solidFill>
+            </a:endParaRPr>
+          </a:p>
+          <a:p>
+            <a:pPr marL="285750" indent="-285750">
+              <a:buFont typeface="Arial" panose="020B0604020202020204" pitchFamily="34" charset="0"/>
+              <a:buChar char="•"/>
+            </a:pPr>
+            <a:r>
+              <a:rPr lang="en-US" dirty="0" smtClean="0">
+                <a:solidFill>
+                  <a:schemeClr val="tx1">
+                    <a:lumMod val="85000"/>
+                  </a:schemeClr>
+                </a:solidFill>
+              </a:rPr>
+              <a:t>Linux</a:t>
+            </a:r>
+          </a:p>
+          <a:p>
+            <a:pPr marL="285750" indent="-285750">
+              <a:buFont typeface="Arial" panose="020B0604020202020204" pitchFamily="34" charset="0"/>
+              <a:buChar char="•"/>
+            </a:pPr>
+            <a:endParaRPr lang="en-US" dirty="0">
+              <a:solidFill>
+                <a:schemeClr val="tx1">
+                  <a:lumMod val="85000"/>
+                </a:schemeClr>
+              </a:solidFill>
+            </a:endParaRPr>
+          </a:p>
         </p:txBody>
       </p:sp>
     </p:spTree>
     <p:extLst>
       <p:ext uri="{BB962C8B-B14F-4D97-AF65-F5344CB8AC3E}">
-        <p14:creationId xmlns:p14="http://schemas.microsoft.com/office/powerpoint/2010/main" val="3183384279"/>
+        <p14:creationId xmlns:p14="http://schemas.microsoft.com/office/powerpoint/2010/main" val="2880632634"/>
       </p:ext>
     </p:extLst>
   </p:cSld>
@@ -6308,7 +9363,7 @@
           <a:p>
             <a:r>
               <a:rPr lang="en-US" dirty="0" smtClean="0"/>
-              <a:t>Our issues and problems</a:t>
+              <a:t>Testing</a:t>
             </a:r>
             <a:endParaRPr lang="en-US" dirty="0"/>
           </a:p>
@@ -6316,14 +9371,14 @@
       </p:sp>
       <p:sp>
         <p:nvSpPr>
-          <p:cNvPr id="3" name="TextBox 2"/>
+          <p:cNvPr id="4" name="TextBox 3"/>
           <p:cNvSpPr txBox="1"/>
           <p:nvPr/>
         </p:nvSpPr>
         <p:spPr>
           <a:xfrm>
-            <a:off x="636915" y="2021489"/>
-            <a:ext cx="8001247" cy="369332"/>
+            <a:off x="586935" y="2040634"/>
+            <a:ext cx="1906883" cy="3139321"/>
           </a:xfrm>
           <a:prstGeom prst="rect">
             <a:avLst/>
@@ -6348,8 +9403,14 @@
                   </a:schemeClr>
                 </a:solidFill>
               </a:rPr>
-              <a:t>A lot</a:t>
-            </a:r>
+              <a:t>Ping Pong</a:t>
+            </a:r>
+          </a:p>
+          <a:p>
+            <a:pPr marL="285750" indent="-285750">
+              <a:buFont typeface="Arial" panose="020B0604020202020204" pitchFamily="34" charset="0"/>
+              <a:buChar char="•"/>
+            </a:pPr>
             <a:endParaRPr lang="en-US" dirty="0">
               <a:solidFill>
                 <a:schemeClr val="tx1">
@@ -6358,12 +9419,608 @@
               </a:solidFill>
             </a:endParaRPr>
           </a:p>
+          <a:p>
+            <a:pPr marL="285750" indent="-285750">
+              <a:buFont typeface="Arial" panose="020B0604020202020204" pitchFamily="34" charset="0"/>
+              <a:buChar char="•"/>
+            </a:pPr>
+            <a:endParaRPr lang="en-US" dirty="0" smtClean="0">
+              <a:solidFill>
+                <a:schemeClr val="tx1">
+                  <a:lumMod val="85000"/>
+                </a:schemeClr>
+              </a:solidFill>
+            </a:endParaRPr>
+          </a:p>
+          <a:p>
+            <a:pPr marL="285750" indent="-285750">
+              <a:buFont typeface="Arial" panose="020B0604020202020204" pitchFamily="34" charset="0"/>
+              <a:buChar char="•"/>
+            </a:pPr>
+            <a:r>
+              <a:rPr lang="en-US" dirty="0" err="1" smtClean="0">
+                <a:solidFill>
+                  <a:schemeClr val="tx1">
+                    <a:lumMod val="85000"/>
+                  </a:schemeClr>
+                </a:solidFill>
+              </a:rPr>
+              <a:t>Linpack</a:t>
+            </a:r>
+            <a:endParaRPr lang="en-US" dirty="0" smtClean="0">
+              <a:solidFill>
+                <a:schemeClr val="tx1">
+                  <a:lumMod val="85000"/>
+                </a:schemeClr>
+              </a:solidFill>
+            </a:endParaRPr>
+          </a:p>
+          <a:p>
+            <a:pPr marL="285750" indent="-285750">
+              <a:buFont typeface="Arial" panose="020B0604020202020204" pitchFamily="34" charset="0"/>
+              <a:buChar char="•"/>
+            </a:pPr>
+            <a:endParaRPr lang="en-US" dirty="0">
+              <a:solidFill>
+                <a:schemeClr val="tx1">
+                  <a:lumMod val="85000"/>
+                </a:schemeClr>
+              </a:solidFill>
+            </a:endParaRPr>
+          </a:p>
+          <a:p>
+            <a:pPr marL="285750" indent="-285750">
+              <a:buFont typeface="Arial" panose="020B0604020202020204" pitchFamily="34" charset="0"/>
+              <a:buChar char="•"/>
+            </a:pPr>
+            <a:endParaRPr lang="en-US" dirty="0" smtClean="0">
+              <a:solidFill>
+                <a:schemeClr val="tx1">
+                  <a:lumMod val="85000"/>
+                </a:schemeClr>
+              </a:solidFill>
+            </a:endParaRPr>
+          </a:p>
+          <a:p>
+            <a:pPr marL="285750" indent="-285750">
+              <a:buFont typeface="Arial" panose="020B0604020202020204" pitchFamily="34" charset="0"/>
+              <a:buChar char="•"/>
+            </a:pPr>
+            <a:r>
+              <a:rPr lang="en-US" dirty="0" smtClean="0">
+                <a:solidFill>
+                  <a:schemeClr val="tx1">
+                    <a:lumMod val="85000"/>
+                  </a:schemeClr>
+                </a:solidFill>
+              </a:rPr>
+              <a:t>Hello</a:t>
+            </a:r>
+          </a:p>
+          <a:p>
+            <a:pPr marL="285750" indent="-285750">
+              <a:buFont typeface="Arial" panose="020B0604020202020204" pitchFamily="34" charset="0"/>
+              <a:buChar char="•"/>
+            </a:pPr>
+            <a:endParaRPr lang="en-US" dirty="0">
+              <a:solidFill>
+                <a:schemeClr val="tx1">
+                  <a:lumMod val="85000"/>
+                </a:schemeClr>
+              </a:solidFill>
+            </a:endParaRPr>
+          </a:p>
+          <a:p>
+            <a:pPr marL="285750" indent="-285750">
+              <a:buFont typeface="Arial" panose="020B0604020202020204" pitchFamily="34" charset="0"/>
+              <a:buChar char="•"/>
+            </a:pPr>
+            <a:r>
+              <a:rPr lang="en-US" dirty="0" smtClean="0">
+                <a:solidFill>
+                  <a:schemeClr val="tx1">
+                    <a:lumMod val="85000"/>
+                  </a:schemeClr>
+                </a:solidFill>
+              </a:rPr>
+              <a:t>Switch test</a:t>
+            </a:r>
+          </a:p>
+          <a:p>
+            <a:pPr marL="285750" indent="-285750">
+              <a:buFont typeface="Arial" panose="020B0604020202020204" pitchFamily="34" charset="0"/>
+              <a:buChar char="•"/>
+            </a:pPr>
+            <a:endParaRPr lang="en-US" dirty="0">
+              <a:solidFill>
+                <a:schemeClr val="tx1">
+                  <a:lumMod val="85000"/>
+                </a:schemeClr>
+              </a:solidFill>
+            </a:endParaRPr>
+          </a:p>
+          <a:p>
+            <a:pPr marL="285750" indent="-285750">
+              <a:buFont typeface="Arial" panose="020B0604020202020204" pitchFamily="34" charset="0"/>
+              <a:buChar char="•"/>
+            </a:pPr>
+            <a:endParaRPr lang="en-US" dirty="0">
+              <a:solidFill>
+                <a:schemeClr val="tx1">
+                  <a:lumMod val="85000"/>
+                </a:schemeClr>
+              </a:solidFill>
+            </a:endParaRPr>
+          </a:p>
+        </p:txBody>
+      </p:sp>
+      <p:sp>
+        <p:nvSpPr>
+          <p:cNvPr id="5" name="Title 1"/>
+          <p:cNvSpPr txBox="1">
+            <a:spLocks/>
+          </p:cNvSpPr>
+          <p:nvPr/>
+        </p:nvSpPr>
+        <p:spPr>
+          <a:xfrm>
+            <a:off x="586935" y="1226127"/>
+            <a:ext cx="1584766" cy="1335146"/>
+          </a:xfrm>
+          <a:prstGeom prst="rect">
+            <a:avLst/>
+          </a:prstGeom>
+          <a:effectLst/>
+        </p:spPr>
+        <p:txBody>
+          <a:bodyPr vert="horz" lIns="91440" tIns="45720" rIns="91440" bIns="45720" rtlCol="0" anchor="ctr">
+            <a:normAutofit/>
+          </a:bodyPr>
+          <a:lstStyle>
+            <a:lvl1pPr algn="l" defTabSz="457200" rtl="0" eaLnBrk="1" latinLnBrk="0" hangingPunct="1">
+              <a:spcBef>
+                <a:spcPct val="0"/>
+              </a:spcBef>
+              <a:buNone/>
+              <a:defRPr sz="3600" kern="1200" cap="all">
+                <a:ln w="3175" cmpd="sng">
+                  <a:noFill/>
+                </a:ln>
+                <a:solidFill>
+                  <a:schemeClr val="tx1"/>
+                </a:solidFill>
+                <a:effectLst/>
+                <a:latin typeface="+mj-lt"/>
+                <a:ea typeface="+mj-ea"/>
+                <a:cs typeface="+mj-cs"/>
+              </a:defRPr>
+            </a:lvl1pPr>
+            <a:lvl2pPr eaLnBrk="1" hangingPunct="1">
+              <a:defRPr>
+                <a:solidFill>
+                  <a:schemeClr val="tx2"/>
+                </a:solidFill>
+              </a:defRPr>
+            </a:lvl2pPr>
+            <a:lvl3pPr eaLnBrk="1" hangingPunct="1">
+              <a:defRPr>
+                <a:solidFill>
+                  <a:schemeClr val="tx2"/>
+                </a:solidFill>
+              </a:defRPr>
+            </a:lvl3pPr>
+            <a:lvl4pPr eaLnBrk="1" hangingPunct="1">
+              <a:defRPr>
+                <a:solidFill>
+                  <a:schemeClr val="tx2"/>
+                </a:solidFill>
+              </a:defRPr>
+            </a:lvl4pPr>
+            <a:lvl5pPr eaLnBrk="1" hangingPunct="1">
+              <a:defRPr>
+                <a:solidFill>
+                  <a:schemeClr val="tx2"/>
+                </a:solidFill>
+              </a:defRPr>
+            </a:lvl5pPr>
+            <a:lvl6pPr eaLnBrk="1" hangingPunct="1">
+              <a:defRPr>
+                <a:solidFill>
+                  <a:schemeClr val="tx2"/>
+                </a:solidFill>
+              </a:defRPr>
+            </a:lvl6pPr>
+            <a:lvl7pPr eaLnBrk="1" hangingPunct="1">
+              <a:defRPr>
+                <a:solidFill>
+                  <a:schemeClr val="tx2"/>
+                </a:solidFill>
+              </a:defRPr>
+            </a:lvl7pPr>
+            <a:lvl8pPr eaLnBrk="1" hangingPunct="1">
+              <a:defRPr>
+                <a:solidFill>
+                  <a:schemeClr val="tx2"/>
+                </a:solidFill>
+              </a:defRPr>
+            </a:lvl8pPr>
+            <a:lvl9pPr eaLnBrk="1" hangingPunct="1">
+              <a:defRPr>
+                <a:solidFill>
+                  <a:schemeClr val="tx2"/>
+                </a:solidFill>
+              </a:defRPr>
+            </a:lvl9pPr>
+          </a:lstStyle>
+          <a:p>
+            <a:r>
+              <a:rPr lang="en-US" sz="2400" dirty="0" smtClean="0"/>
+              <a:t>tests</a:t>
+            </a:r>
+            <a:endParaRPr lang="en-US" sz="2400" dirty="0"/>
+          </a:p>
+        </p:txBody>
+      </p:sp>
+      <p:sp>
+        <p:nvSpPr>
+          <p:cNvPr id="6" name="Title 1"/>
+          <p:cNvSpPr txBox="1">
+            <a:spLocks/>
+          </p:cNvSpPr>
+          <p:nvPr/>
+        </p:nvSpPr>
+        <p:spPr>
+          <a:xfrm>
+            <a:off x="4937262" y="1221754"/>
+            <a:ext cx="1584766" cy="1335146"/>
+          </a:xfrm>
+          <a:prstGeom prst="rect">
+            <a:avLst/>
+          </a:prstGeom>
+          <a:effectLst/>
+        </p:spPr>
+        <p:txBody>
+          <a:bodyPr vert="horz" lIns="91440" tIns="45720" rIns="91440" bIns="45720" rtlCol="0" anchor="ctr">
+            <a:normAutofit/>
+          </a:bodyPr>
+          <a:lstStyle>
+            <a:lvl1pPr algn="l" defTabSz="457200" rtl="0" eaLnBrk="1" latinLnBrk="0" hangingPunct="1">
+              <a:spcBef>
+                <a:spcPct val="0"/>
+              </a:spcBef>
+              <a:buNone/>
+              <a:defRPr sz="3600" kern="1200" cap="all">
+                <a:ln w="3175" cmpd="sng">
+                  <a:noFill/>
+                </a:ln>
+                <a:solidFill>
+                  <a:schemeClr val="tx1"/>
+                </a:solidFill>
+                <a:effectLst/>
+                <a:latin typeface="+mj-lt"/>
+                <a:ea typeface="+mj-ea"/>
+                <a:cs typeface="+mj-cs"/>
+              </a:defRPr>
+            </a:lvl1pPr>
+            <a:lvl2pPr eaLnBrk="1" hangingPunct="1">
+              <a:defRPr>
+                <a:solidFill>
+                  <a:schemeClr val="tx2"/>
+                </a:solidFill>
+              </a:defRPr>
+            </a:lvl2pPr>
+            <a:lvl3pPr eaLnBrk="1" hangingPunct="1">
+              <a:defRPr>
+                <a:solidFill>
+                  <a:schemeClr val="tx2"/>
+                </a:solidFill>
+              </a:defRPr>
+            </a:lvl3pPr>
+            <a:lvl4pPr eaLnBrk="1" hangingPunct="1">
+              <a:defRPr>
+                <a:solidFill>
+                  <a:schemeClr val="tx2"/>
+                </a:solidFill>
+              </a:defRPr>
+            </a:lvl4pPr>
+            <a:lvl5pPr eaLnBrk="1" hangingPunct="1">
+              <a:defRPr>
+                <a:solidFill>
+                  <a:schemeClr val="tx2"/>
+                </a:solidFill>
+              </a:defRPr>
+            </a:lvl5pPr>
+            <a:lvl6pPr eaLnBrk="1" hangingPunct="1">
+              <a:defRPr>
+                <a:solidFill>
+                  <a:schemeClr val="tx2"/>
+                </a:solidFill>
+              </a:defRPr>
+            </a:lvl6pPr>
+            <a:lvl7pPr eaLnBrk="1" hangingPunct="1">
+              <a:defRPr>
+                <a:solidFill>
+                  <a:schemeClr val="tx2"/>
+                </a:solidFill>
+              </a:defRPr>
+            </a:lvl7pPr>
+            <a:lvl8pPr eaLnBrk="1" hangingPunct="1">
+              <a:defRPr>
+                <a:solidFill>
+                  <a:schemeClr val="tx2"/>
+                </a:solidFill>
+              </a:defRPr>
+            </a:lvl8pPr>
+            <a:lvl9pPr eaLnBrk="1" hangingPunct="1">
+              <a:defRPr>
+                <a:solidFill>
+                  <a:schemeClr val="tx2"/>
+                </a:solidFill>
+              </a:defRPr>
+            </a:lvl9pPr>
+          </a:lstStyle>
+          <a:p>
+            <a:endParaRPr lang="en-US" sz="2400" dirty="0"/>
+          </a:p>
+        </p:txBody>
+      </p:sp>
+      <p:sp>
+        <p:nvSpPr>
+          <p:cNvPr id="7" name="Title 1"/>
+          <p:cNvSpPr txBox="1">
+            <a:spLocks/>
+          </p:cNvSpPr>
+          <p:nvPr/>
+        </p:nvSpPr>
+        <p:spPr>
+          <a:xfrm>
+            <a:off x="2871107" y="1221754"/>
+            <a:ext cx="3155619" cy="1335146"/>
+          </a:xfrm>
+          <a:prstGeom prst="rect">
+            <a:avLst/>
+          </a:prstGeom>
+          <a:effectLst/>
+        </p:spPr>
+        <p:txBody>
+          <a:bodyPr vert="horz" lIns="91440" tIns="45720" rIns="91440" bIns="45720" rtlCol="0" anchor="ctr">
+            <a:normAutofit/>
+          </a:bodyPr>
+          <a:lstStyle>
+            <a:lvl1pPr algn="l" defTabSz="457200" rtl="0" eaLnBrk="1" latinLnBrk="0" hangingPunct="1">
+              <a:spcBef>
+                <a:spcPct val="0"/>
+              </a:spcBef>
+              <a:buNone/>
+              <a:defRPr sz="3600" kern="1200" cap="all">
+                <a:ln w="3175" cmpd="sng">
+                  <a:noFill/>
+                </a:ln>
+                <a:solidFill>
+                  <a:schemeClr val="tx1"/>
+                </a:solidFill>
+                <a:effectLst/>
+                <a:latin typeface="+mj-lt"/>
+                <a:ea typeface="+mj-ea"/>
+                <a:cs typeface="+mj-cs"/>
+              </a:defRPr>
+            </a:lvl1pPr>
+            <a:lvl2pPr eaLnBrk="1" hangingPunct="1">
+              <a:defRPr>
+                <a:solidFill>
+                  <a:schemeClr val="tx2"/>
+                </a:solidFill>
+              </a:defRPr>
+            </a:lvl2pPr>
+            <a:lvl3pPr eaLnBrk="1" hangingPunct="1">
+              <a:defRPr>
+                <a:solidFill>
+                  <a:schemeClr val="tx2"/>
+                </a:solidFill>
+              </a:defRPr>
+            </a:lvl3pPr>
+            <a:lvl4pPr eaLnBrk="1" hangingPunct="1">
+              <a:defRPr>
+                <a:solidFill>
+                  <a:schemeClr val="tx2"/>
+                </a:solidFill>
+              </a:defRPr>
+            </a:lvl4pPr>
+            <a:lvl5pPr eaLnBrk="1" hangingPunct="1">
+              <a:defRPr>
+                <a:solidFill>
+                  <a:schemeClr val="tx2"/>
+                </a:solidFill>
+              </a:defRPr>
+            </a:lvl5pPr>
+            <a:lvl6pPr eaLnBrk="1" hangingPunct="1">
+              <a:defRPr>
+                <a:solidFill>
+                  <a:schemeClr val="tx2"/>
+                </a:solidFill>
+              </a:defRPr>
+            </a:lvl6pPr>
+            <a:lvl7pPr eaLnBrk="1" hangingPunct="1">
+              <a:defRPr>
+                <a:solidFill>
+                  <a:schemeClr val="tx2"/>
+                </a:solidFill>
+              </a:defRPr>
+            </a:lvl7pPr>
+            <a:lvl8pPr eaLnBrk="1" hangingPunct="1">
+              <a:defRPr>
+                <a:solidFill>
+                  <a:schemeClr val="tx2"/>
+                </a:solidFill>
+              </a:defRPr>
+            </a:lvl8pPr>
+            <a:lvl9pPr eaLnBrk="1" hangingPunct="1">
+              <a:defRPr>
+                <a:solidFill>
+                  <a:schemeClr val="tx2"/>
+                </a:solidFill>
+              </a:defRPr>
+            </a:lvl9pPr>
+          </a:lstStyle>
+          <a:p>
+            <a:r>
+              <a:rPr lang="en-US" sz="2400" dirty="0" smtClean="0"/>
+              <a:t>Purpose of test</a:t>
+            </a:r>
+            <a:endParaRPr lang="en-US" sz="2400" dirty="0"/>
+          </a:p>
+        </p:txBody>
+      </p:sp>
+      <p:sp>
+        <p:nvSpPr>
+          <p:cNvPr id="9" name="TextBox 8"/>
+          <p:cNvSpPr txBox="1"/>
+          <p:nvPr/>
+        </p:nvSpPr>
+        <p:spPr>
+          <a:xfrm>
+            <a:off x="2840030" y="2040634"/>
+            <a:ext cx="5961070" cy="2862322"/>
+          </a:xfrm>
+          <a:prstGeom prst="rect">
+            <a:avLst/>
+          </a:prstGeom>
+          <a:noFill/>
+        </p:spPr>
+        <p:txBody>
+          <a:bodyPr wrap="square" rtlCol="0">
+            <a:spAutoFit/>
+          </a:bodyPr>
+          <a:lstStyle/>
+          <a:p>
+            <a:pPr marL="285750" indent="-285750">
+              <a:buFont typeface="Arial" panose="020B0604020202020204" pitchFamily="34" charset="0"/>
+              <a:buChar char="•"/>
+            </a:pPr>
+            <a:r>
+              <a:rPr lang="en-US" dirty="0" smtClean="0">
+                <a:solidFill>
+                  <a:schemeClr val="tx1">
+                    <a:lumMod val="85000"/>
+                  </a:schemeClr>
+                </a:solidFill>
+              </a:rPr>
+              <a:t>Pinging tests if the devices can communicate with each other</a:t>
+            </a:r>
+          </a:p>
+          <a:p>
+            <a:pPr marL="285750" indent="-285750">
+              <a:buFont typeface="Arial" panose="020B0604020202020204" pitchFamily="34" charset="0"/>
+              <a:buChar char="•"/>
+            </a:pPr>
+            <a:endParaRPr lang="en-US" dirty="0">
+              <a:solidFill>
+                <a:schemeClr val="tx1">
+                  <a:lumMod val="85000"/>
+                </a:schemeClr>
+              </a:solidFill>
+            </a:endParaRPr>
+          </a:p>
+          <a:p>
+            <a:pPr marL="285750" indent="-285750">
+              <a:buFont typeface="Arial" panose="020B0604020202020204" pitchFamily="34" charset="0"/>
+              <a:buChar char="•"/>
+            </a:pPr>
+            <a:r>
+              <a:rPr lang="en-US" dirty="0" smtClean="0">
+                <a:solidFill>
+                  <a:schemeClr val="tx1">
+                    <a:lumMod val="85000"/>
+                  </a:schemeClr>
+                </a:solidFill>
+              </a:rPr>
+              <a:t>Benchmarks the cluster, testing by solving a system of linear equations</a:t>
+            </a:r>
+          </a:p>
+          <a:p>
+            <a:pPr marL="285750" indent="-285750">
+              <a:buFont typeface="Arial" panose="020B0604020202020204" pitchFamily="34" charset="0"/>
+              <a:buChar char="•"/>
+            </a:pPr>
+            <a:endParaRPr lang="en-US" dirty="0" smtClean="0">
+              <a:solidFill>
+                <a:schemeClr val="tx1">
+                  <a:lumMod val="85000"/>
+                </a:schemeClr>
+              </a:solidFill>
+            </a:endParaRPr>
+          </a:p>
+          <a:p>
+            <a:pPr marL="285750" indent="-285750">
+              <a:buFont typeface="Arial" panose="020B0604020202020204" pitchFamily="34" charset="0"/>
+              <a:buChar char="•"/>
+            </a:pPr>
+            <a:r>
+              <a:rPr lang="en-US" dirty="0" smtClean="0">
+                <a:solidFill>
+                  <a:schemeClr val="tx1">
+                    <a:lumMod val="85000"/>
+                  </a:schemeClr>
+                </a:solidFill>
+              </a:rPr>
+              <a:t>Tests all the ODRIODs’ communication</a:t>
+            </a:r>
+          </a:p>
+          <a:p>
+            <a:pPr marL="285750" indent="-285750">
+              <a:buFont typeface="Arial" panose="020B0604020202020204" pitchFamily="34" charset="0"/>
+              <a:buChar char="•"/>
+            </a:pPr>
+            <a:endParaRPr lang="en-US" dirty="0">
+              <a:solidFill>
+                <a:schemeClr val="tx1">
+                  <a:lumMod val="85000"/>
+                </a:schemeClr>
+              </a:solidFill>
+            </a:endParaRPr>
+          </a:p>
+          <a:p>
+            <a:pPr marL="285750" indent="-285750">
+              <a:buFont typeface="Arial" panose="020B0604020202020204" pitchFamily="34" charset="0"/>
+              <a:buChar char="•"/>
+            </a:pPr>
+            <a:r>
+              <a:rPr lang="en-US" dirty="0" smtClean="0">
+                <a:solidFill>
+                  <a:schemeClr val="tx1">
+                    <a:lumMod val="85000"/>
+                  </a:schemeClr>
+                </a:solidFill>
+              </a:rPr>
+              <a:t>Tests the network</a:t>
+            </a:r>
+            <a:endParaRPr lang="en-US" dirty="0">
+              <a:solidFill>
+                <a:schemeClr val="tx1">
+                  <a:lumMod val="85000"/>
+                </a:schemeClr>
+              </a:solidFill>
+            </a:endParaRPr>
+          </a:p>
+          <a:p>
+            <a:pPr marL="285750" indent="-285750">
+              <a:buFont typeface="Arial" panose="020B0604020202020204" pitchFamily="34" charset="0"/>
+              <a:buChar char="•"/>
+            </a:pPr>
+            <a:endParaRPr lang="en-US" dirty="0">
+              <a:solidFill>
+                <a:schemeClr val="tx1">
+                  <a:lumMod val="85000"/>
+                </a:schemeClr>
+              </a:solidFill>
+            </a:endParaRPr>
+          </a:p>
         </p:txBody>
       </p:sp>
     </p:spTree>
     <p:extLst>
       <p:ext uri="{BB962C8B-B14F-4D97-AF65-F5344CB8AC3E}">
-        <p14:creationId xmlns:p14="http://schemas.microsoft.com/office/powerpoint/2010/main" val="3139509021"/>
+        <p14:creationId xmlns:p14="http://schemas.microsoft.com/office/powerpoint/2010/main" val="3183384279"/>
       </p:ext>
     </p:extLst>
   </p:cSld>
@@ -6419,16 +10076,246 @@
           <a:p>
             <a:r>
               <a:rPr lang="en-US" dirty="0" smtClean="0"/>
-              <a:t>Our Results</a:t>
+              <a:t>Our issues and problems</a:t>
             </a:r>
             <a:endParaRPr lang="en-US" dirty="0"/>
           </a:p>
         </p:txBody>
       </p:sp>
+      <p:sp>
+        <p:nvSpPr>
+          <p:cNvPr id="3" name="TextBox 2"/>
+          <p:cNvSpPr txBox="1"/>
+          <p:nvPr/>
+        </p:nvSpPr>
+        <p:spPr>
+          <a:xfrm>
+            <a:off x="586935" y="2021489"/>
+            <a:ext cx="8001247" cy="2585323"/>
+          </a:xfrm>
+          <a:prstGeom prst="rect">
+            <a:avLst/>
+          </a:prstGeom>
+          <a:noFill/>
+        </p:spPr>
+        <p:txBody>
+          <a:bodyPr wrap="square" rtlCol="0">
+            <a:spAutoFit/>
+          </a:bodyPr>
+          <a:lstStyle/>
+          <a:p>
+            <a:pPr marL="285750" indent="-285750">
+              <a:buFont typeface="Arial" panose="020B0604020202020204" pitchFamily="34" charset="0"/>
+              <a:buChar char="•"/>
+            </a:pPr>
+            <a:r>
+              <a:rPr lang="en-US" dirty="0" err="1" smtClean="0">
+                <a:solidFill>
+                  <a:schemeClr val="tx1">
+                    <a:lumMod val="85000"/>
+                  </a:schemeClr>
+                </a:solidFill>
+              </a:rPr>
+              <a:t>Fstab</a:t>
+            </a:r>
+            <a:endParaRPr lang="en-US" dirty="0" smtClean="0">
+              <a:solidFill>
+                <a:schemeClr val="tx1">
+                  <a:lumMod val="85000"/>
+                </a:schemeClr>
+              </a:solidFill>
+            </a:endParaRPr>
+          </a:p>
+          <a:p>
+            <a:pPr marL="285750" indent="-285750">
+              <a:buFont typeface="Arial" panose="020B0604020202020204" pitchFamily="34" charset="0"/>
+              <a:buChar char="•"/>
+            </a:pPr>
+            <a:endParaRPr lang="en-US" dirty="0">
+              <a:solidFill>
+                <a:schemeClr val="tx1">
+                  <a:lumMod val="85000"/>
+                </a:schemeClr>
+              </a:solidFill>
+            </a:endParaRPr>
+          </a:p>
+          <a:p>
+            <a:pPr marL="285750" indent="-285750">
+              <a:buFont typeface="Arial" panose="020B0604020202020204" pitchFamily="34" charset="0"/>
+              <a:buChar char="•"/>
+            </a:pPr>
+            <a:r>
+              <a:rPr lang="en-US" dirty="0" err="1" smtClean="0">
+                <a:solidFill>
+                  <a:schemeClr val="tx1">
+                    <a:lumMod val="85000"/>
+                  </a:schemeClr>
+                </a:solidFill>
+              </a:rPr>
+              <a:t>Linpack</a:t>
+            </a:r>
+            <a:endParaRPr lang="en-US" dirty="0" smtClean="0">
+              <a:solidFill>
+                <a:schemeClr val="tx1">
+                  <a:lumMod val="85000"/>
+                </a:schemeClr>
+              </a:solidFill>
+            </a:endParaRPr>
+          </a:p>
+          <a:p>
+            <a:pPr marL="742950" lvl="1" indent="-285750">
+              <a:buFont typeface="Arial" panose="020B0604020202020204" pitchFamily="34" charset="0"/>
+              <a:buChar char="•"/>
+            </a:pPr>
+            <a:r>
+              <a:rPr lang="en-US" dirty="0" smtClean="0">
+                <a:solidFill>
+                  <a:schemeClr val="tx1">
+                    <a:lumMod val="85000"/>
+                  </a:schemeClr>
+                </a:solidFill>
+              </a:rPr>
+              <a:t>Building</a:t>
+            </a:r>
+          </a:p>
+          <a:p>
+            <a:pPr marL="742950" lvl="1" indent="-285750">
+              <a:buFont typeface="Arial" panose="020B0604020202020204" pitchFamily="34" charset="0"/>
+              <a:buChar char="•"/>
+            </a:pPr>
+            <a:r>
+              <a:rPr lang="en-US" dirty="0" smtClean="0">
+                <a:solidFill>
+                  <a:schemeClr val="tx1">
+                    <a:lumMod val="85000"/>
+                  </a:schemeClr>
+                </a:solidFill>
+              </a:rPr>
+              <a:t>Figuring it out</a:t>
+            </a:r>
+          </a:p>
+          <a:p>
+            <a:pPr marL="285750" indent="-285750">
+              <a:buFont typeface="Arial" panose="020B0604020202020204" pitchFamily="34" charset="0"/>
+              <a:buChar char="•"/>
+            </a:pPr>
+            <a:endParaRPr lang="en-US" dirty="0">
+              <a:solidFill>
+                <a:schemeClr val="tx1">
+                  <a:lumMod val="85000"/>
+                </a:schemeClr>
+              </a:solidFill>
+            </a:endParaRPr>
+          </a:p>
+          <a:p>
+            <a:pPr marL="285750" indent="-285750">
+              <a:buFont typeface="Arial" panose="020B0604020202020204" pitchFamily="34" charset="0"/>
+              <a:buChar char="•"/>
+            </a:pPr>
+            <a:r>
+              <a:rPr lang="en-US" dirty="0" smtClean="0">
+                <a:solidFill>
+                  <a:schemeClr val="tx1">
+                    <a:lumMod val="85000"/>
+                  </a:schemeClr>
+                </a:solidFill>
+              </a:rPr>
+              <a:t>Static Frying</a:t>
+            </a:r>
+          </a:p>
+          <a:p>
+            <a:pPr marL="742950" lvl="1" indent="-285750">
+              <a:buFont typeface="Arial" panose="020B0604020202020204" pitchFamily="34" charset="0"/>
+              <a:buChar char="•"/>
+            </a:pPr>
+            <a:r>
+              <a:rPr lang="en-US" dirty="0" smtClean="0">
+                <a:solidFill>
+                  <a:schemeClr val="tx1">
+                    <a:lumMod val="85000"/>
+                  </a:schemeClr>
+                </a:solidFill>
+              </a:rPr>
+              <a:t>Two broken</a:t>
+            </a:r>
+          </a:p>
+          <a:p>
+            <a:pPr marL="285750" indent="-285750">
+              <a:buFont typeface="Arial" panose="020B0604020202020204" pitchFamily="34" charset="0"/>
+              <a:buChar char="•"/>
+            </a:pPr>
+            <a:endParaRPr lang="en-US" dirty="0">
+              <a:solidFill>
+                <a:schemeClr val="tx1">
+                  <a:lumMod val="85000"/>
+                </a:schemeClr>
+              </a:solidFill>
+            </a:endParaRPr>
+          </a:p>
+        </p:txBody>
+      </p:sp>
+      <p:pic>
+        <p:nvPicPr>
+          <p:cNvPr id="4" name="Picture 3"/>
+          <p:cNvPicPr>
+            <a:picLocks noChangeAspect="1"/>
+          </p:cNvPicPr>
+          <p:nvPr/>
+        </p:nvPicPr>
+        <p:blipFill rotWithShape="1">
+          <a:blip r:embed="rId3" cstate="print">
+            <a:extLst>
+              <a:ext uri="{28A0092B-C50C-407E-A947-70E740481C1C}">
+                <a14:useLocalDpi xmlns:a14="http://schemas.microsoft.com/office/drawing/2010/main" val="0"/>
+              </a:ext>
+            </a:extLst>
+          </a:blip>
+          <a:srcRect t="22169" r="158" b="14859"/>
+          <a:stretch/>
+        </p:blipFill>
+        <p:spPr>
+          <a:xfrm>
+            <a:off x="4076241" y="3829235"/>
+            <a:ext cx="2621384" cy="2936882"/>
+          </a:xfrm>
+          <a:prstGeom prst="rect">
+            <a:avLst/>
+          </a:prstGeom>
+        </p:spPr>
+      </p:pic>
+      <p:pic>
+        <p:nvPicPr>
+          <p:cNvPr id="5" name="Picture 4"/>
+          <p:cNvPicPr>
+            <a:picLocks noChangeAspect="1"/>
+          </p:cNvPicPr>
+          <p:nvPr/>
+        </p:nvPicPr>
+        <p:blipFill rotWithShape="1">
+          <a:blip r:embed="rId4" cstate="print">
+            <a:extLst>
+              <a:ext uri="{28A0092B-C50C-407E-A947-70E740481C1C}">
+                <a14:useLocalDpi xmlns:a14="http://schemas.microsoft.com/office/drawing/2010/main" val="0"/>
+              </a:ext>
+            </a:extLst>
+          </a:blip>
+          <a:srcRect l="19118" t="389"/>
+          <a:stretch/>
+        </p:blipFill>
+        <p:spPr>
+          <a:xfrm>
+            <a:off x="6912620" y="251461"/>
+            <a:ext cx="4417429" cy="3062689"/>
+          </a:xfrm>
+          <a:prstGeom prst="rect">
+            <a:avLst/>
+          </a:prstGeom>
+        </p:spPr>
+      </p:pic>
     </p:spTree>
     <p:extLst>
       <p:ext uri="{BB962C8B-B14F-4D97-AF65-F5344CB8AC3E}">
-        <p14:creationId xmlns:p14="http://schemas.microsoft.com/office/powerpoint/2010/main" val="4108122666"/>
+        <p14:creationId xmlns:p14="http://schemas.microsoft.com/office/powerpoint/2010/main" val="3139509021"/>
       </p:ext>
     </p:extLst>
   </p:cSld>
@@ -6474,7 +10361,7 @@
         </p:nvSpPr>
         <p:spPr>
           <a:xfrm>
-            <a:off x="586935" y="382260"/>
+            <a:off x="3153489" y="2159105"/>
             <a:ext cx="8534400" cy="1507067"/>
           </a:xfrm>
         </p:spPr>
@@ -6484,62 +10371,16 @@
           <a:p>
             <a:r>
               <a:rPr lang="en-US" dirty="0" smtClean="0"/>
-              <a:t>Remaining Backlog</a:t>
+              <a:t>Demonstration</a:t>
             </a:r>
             <a:endParaRPr lang="en-US" dirty="0"/>
-          </a:p>
-        </p:txBody>
-      </p:sp>
-      <p:sp>
-        <p:nvSpPr>
-          <p:cNvPr id="3" name="TextBox 2"/>
-          <p:cNvSpPr txBox="1"/>
-          <p:nvPr/>
-        </p:nvSpPr>
-        <p:spPr>
-          <a:xfrm>
-            <a:off x="636915" y="2021489"/>
-            <a:ext cx="8001247" cy="369332"/>
-          </a:xfrm>
-          <a:prstGeom prst="rect">
-            <a:avLst/>
-          </a:prstGeom>
-          <a:noFill/>
-        </p:spPr>
-        <p:txBody>
-          <a:bodyPr wrap="square" rtlCol="0">
-            <a:spAutoFit/>
-          </a:bodyPr>
-          <a:lstStyle/>
-          <a:p>
-            <a:pPr marL="285750" indent="-285750">
-              <a:buFont typeface="Arial" panose="020B0604020202020204" pitchFamily="34" charset="0"/>
-              <a:buChar char="•"/>
-            </a:pPr>
-            <a:r>
-              <a:rPr lang="en-US" dirty="0" smtClean="0">
-                <a:solidFill>
-                  <a:schemeClr val="tx1">
-                    <a:lumMod val="85000"/>
-                  </a:schemeClr>
-                </a:solidFill>
-              </a:rPr>
-              <a:t>A lot</a:t>
-            </a:r>
-            <a:endParaRPr lang="en-US" dirty="0">
-              <a:solidFill>
-                <a:schemeClr val="tx1">
-                  <a:lumMod val="85000"/>
-                </a:schemeClr>
-              </a:solidFill>
-            </a:endParaRPr>
           </a:p>
         </p:txBody>
       </p:sp>
     </p:spTree>
     <p:extLst>
       <p:ext uri="{BB962C8B-B14F-4D97-AF65-F5344CB8AC3E}">
-        <p14:creationId xmlns:p14="http://schemas.microsoft.com/office/powerpoint/2010/main" val="754287801"/>
+        <p14:creationId xmlns:p14="http://schemas.microsoft.com/office/powerpoint/2010/main" val="4108122666"/>
       </p:ext>
     </p:extLst>
   </p:cSld>
@@ -6828,4 +10669,265 @@
     </a:ext>
   </a:extLst>
 </a:theme>
+</file>
+
+<file path=ppt/theme/theme2.xml><?xml version="1.0" encoding="utf-8"?>
+<a:theme xmlns:a="http://schemas.openxmlformats.org/drawingml/2006/main" name="Office Theme">
+  <a:themeElements>
+    <a:clrScheme name="Office">
+      <a:dk1>
+        <a:sysClr val="windowText" lastClr="000000"/>
+      </a:dk1>
+      <a:lt1>
+        <a:sysClr val="window" lastClr="FFFFFF"/>
+      </a:lt1>
+      <a:dk2>
+        <a:srgbClr val="44546A"/>
+      </a:dk2>
+      <a:lt2>
+        <a:srgbClr val="E7E6E6"/>
+      </a:lt2>
+      <a:accent1>
+        <a:srgbClr val="5B9BD5"/>
+      </a:accent1>
+      <a:accent2>
+        <a:srgbClr val="ED7D31"/>
+      </a:accent2>
+      <a:accent3>
+        <a:srgbClr val="A5A5A5"/>
+      </a:accent3>
+      <a:accent4>
+        <a:srgbClr val="FFC000"/>
+      </a:accent4>
+      <a:accent5>
+        <a:srgbClr val="4472C4"/>
+      </a:accent5>
+      <a:accent6>
+        <a:srgbClr val="70AD47"/>
+      </a:accent6>
+      <a:hlink>
+        <a:srgbClr val="0563C1"/>
+      </a:hlink>
+      <a:folHlink>
+        <a:srgbClr val="954F72"/>
+      </a:folHlink>
+    </a:clrScheme>
+    <a:fontScheme name="Office">
+      <a:majorFont>
+        <a:latin typeface="Calibri Light" panose="020F0302020204030204"/>
+        <a:ea typeface=""/>
+        <a:cs typeface=""/>
+        <a:font script="Jpan" typeface="ＭＳ Ｐゴシック"/>
+        <a:font script="Hang" typeface="맑은 고딕"/>
+        <a:font script="Hans" typeface="宋体"/>
+        <a:font script="Hant" typeface="新細明體"/>
+        <a:font script="Arab" typeface="Times New Roman"/>
+        <a:font script="Hebr" typeface="Times New Roman"/>
+        <a:font script="Thai" typeface="Angsana New"/>
+        <a:font script="Ethi" typeface="Nyala"/>
+        <a:font script="Beng" typeface="Vrinda"/>
+        <a:font script="Gujr" typeface="Shruti"/>
+        <a:font script="Khmr" typeface="MoolBoran"/>
+        <a:font script="Knda" typeface="Tunga"/>
+        <a:font script="Guru" typeface="Raavi"/>
+        <a:font script="Cans" typeface="Euphemia"/>
+        <a:font script="Cher" typeface="Plantagenet Cherokee"/>
+        <a:font script="Yiii" typeface="Microsoft Yi Baiti"/>
+        <a:font script="Tibt" typeface="Microsoft Himalaya"/>
+        <a:font script="Thaa" typeface="MV Boli"/>
+        <a:font script="Deva" typeface="Mangal"/>
+        <a:font script="Telu" typeface="Gautami"/>
+        <a:font script="Taml" typeface="Latha"/>
+        <a:font script="Syrc" typeface="Estrangelo Edessa"/>
+        <a:font script="Orya" typeface="Kalinga"/>
+        <a:font script="Mlym" typeface="Kartika"/>
+        <a:font script="Laoo" typeface="DokChampa"/>
+        <a:font script="Sinh" typeface="Iskoola Pota"/>
+        <a:font script="Mong" typeface="Mongolian Baiti"/>
+        <a:font script="Viet" typeface="Times New Roman"/>
+        <a:font script="Uigh" typeface="Microsoft Uighur"/>
+        <a:font script="Geor" typeface="Sylfaen"/>
+      </a:majorFont>
+      <a:minorFont>
+        <a:latin typeface="Calibri" panose="020F0502020204030204"/>
+        <a:ea typeface=""/>
+        <a:cs typeface=""/>
+        <a:font script="Jpan" typeface="ＭＳ Ｐゴシック"/>
+        <a:font script="Hang" typeface="맑은 고딕"/>
+        <a:font script="Hans" typeface="宋体"/>
+        <a:font script="Hant" typeface="新細明體"/>
+        <a:font script="Arab" typeface="Arial"/>
+        <a:font script="Hebr" typeface="Arial"/>
+        <a:font script="Thai" typeface="Cordia New"/>
+        <a:font script="Ethi" typeface="Nyala"/>
+        <a:font script="Beng" typeface="Vrinda"/>
+        <a:font script="Gujr" typeface="Shruti"/>
+        <a:font script="Khmr" typeface="DaunPenh"/>
+        <a:font script="Knda" typeface="Tunga"/>
+        <a:font script="Guru" typeface="Raavi"/>
+        <a:font script="Cans" typeface="Euphemia"/>
+        <a:font script="Cher" typeface="Plantagenet Cherokee"/>
+        <a:font script="Yiii" typeface="Microsoft Yi Baiti"/>
+        <a:font script="Tibt" typeface="Microsoft Himalaya"/>
+        <a:font script="Thaa" typeface="MV Boli"/>
+        <a:font script="Deva" typeface="Mangal"/>
+        <a:font script="Telu" typeface="Gautami"/>
+        <a:font script="Taml" typeface="Latha"/>
+        <a:font script="Syrc" typeface="Estrangelo Edessa"/>
+        <a:font script="Orya" typeface="Kalinga"/>
+        <a:font script="Mlym" typeface="Kartika"/>
+        <a:font script="Laoo" typeface="DokChampa"/>
+        <a:font script="Sinh" typeface="Iskoola Pota"/>
+        <a:font script="Mong" typeface="Mongolian Baiti"/>
+        <a:font script="Viet" typeface="Arial"/>
+        <a:font script="Uigh" typeface="Microsoft Uighur"/>
+        <a:font script="Geor" typeface="Sylfaen"/>
+      </a:minorFont>
+    </a:fontScheme>
+    <a:fmtScheme name="Office">
+      <a:fillStyleLst>
+        <a:solidFill>
+          <a:schemeClr val="phClr"/>
+        </a:solidFill>
+        <a:gradFill rotWithShape="1">
+          <a:gsLst>
+            <a:gs pos="0">
+              <a:schemeClr val="phClr">
+                <a:lumMod val="110000"/>
+                <a:satMod val="105000"/>
+                <a:tint val="67000"/>
+              </a:schemeClr>
+            </a:gs>
+            <a:gs pos="50000">
+              <a:schemeClr val="phClr">
+                <a:lumMod val="105000"/>
+                <a:satMod val="103000"/>
+                <a:tint val="73000"/>
+              </a:schemeClr>
+            </a:gs>
+            <a:gs pos="100000">
+              <a:schemeClr val="phClr">
+                <a:lumMod val="105000"/>
+                <a:satMod val="109000"/>
+                <a:tint val="81000"/>
+              </a:schemeClr>
+            </a:gs>
+          </a:gsLst>
+          <a:lin ang="5400000" scaled="0"/>
+        </a:gradFill>
+        <a:gradFill rotWithShape="1">
+          <a:gsLst>
+            <a:gs pos="0">
+              <a:schemeClr val="phClr">
+                <a:satMod val="103000"/>
+                <a:lumMod val="102000"/>
+                <a:tint val="94000"/>
+              </a:schemeClr>
+            </a:gs>
+            <a:gs pos="50000">
+              <a:schemeClr val="phClr">
+                <a:satMod val="110000"/>
+                <a:lumMod val="100000"/>
+                <a:shade val="100000"/>
+              </a:schemeClr>
+            </a:gs>
+            <a:gs pos="100000">
+              <a:schemeClr val="phClr">
+                <a:lumMod val="99000"/>
+                <a:satMod val="120000"/>
+                <a:shade val="78000"/>
+              </a:schemeClr>
+            </a:gs>
+          </a:gsLst>
+          <a:lin ang="5400000" scaled="0"/>
+        </a:gradFill>
+      </a:fillStyleLst>
+      <a:lnStyleLst>
+        <a:ln w="6350" cap="flat" cmpd="sng" algn="ctr">
+          <a:solidFill>
+            <a:schemeClr val="phClr"/>
+          </a:solidFill>
+          <a:prstDash val="solid"/>
+          <a:miter lim="800000"/>
+        </a:ln>
+        <a:ln w="12700" cap="flat" cmpd="sng" algn="ctr">
+          <a:solidFill>
+            <a:schemeClr val="phClr"/>
+          </a:solidFill>
+          <a:prstDash val="solid"/>
+          <a:miter lim="800000"/>
+        </a:ln>
+        <a:ln w="19050" cap="flat" cmpd="sng" algn="ctr">
+          <a:solidFill>
+            <a:schemeClr val="phClr"/>
+          </a:solidFill>
+          <a:prstDash val="solid"/>
+          <a:miter lim="800000"/>
+        </a:ln>
+      </a:lnStyleLst>
+      <a:effectStyleLst>
+        <a:effectStyle>
+          <a:effectLst/>
+        </a:effectStyle>
+        <a:effectStyle>
+          <a:effectLst/>
+        </a:effectStyle>
+        <a:effectStyle>
+          <a:effectLst>
+            <a:outerShdw blurRad="57150" dist="19050" dir="5400000" algn="ctr" rotWithShape="0">
+              <a:srgbClr val="000000">
+                <a:alpha val="63000"/>
+              </a:srgbClr>
+            </a:outerShdw>
+          </a:effectLst>
+        </a:effectStyle>
+      </a:effectStyleLst>
+      <a:bgFillStyleLst>
+        <a:solidFill>
+          <a:schemeClr val="phClr"/>
+        </a:solidFill>
+        <a:solidFill>
+          <a:schemeClr val="phClr">
+            <a:tint val="95000"/>
+            <a:satMod val="170000"/>
+          </a:schemeClr>
+        </a:solidFill>
+        <a:gradFill rotWithShape="1">
+          <a:gsLst>
+            <a:gs pos="0">
+              <a:schemeClr val="phClr">
+                <a:tint val="93000"/>
+                <a:satMod val="150000"/>
+                <a:shade val="98000"/>
+                <a:lumMod val="102000"/>
+              </a:schemeClr>
+            </a:gs>
+            <a:gs pos="50000">
+              <a:schemeClr val="phClr">
+                <a:tint val="98000"/>
+                <a:satMod val="130000"/>
+                <a:shade val="90000"/>
+                <a:lumMod val="103000"/>
+              </a:schemeClr>
+            </a:gs>
+            <a:gs pos="100000">
+              <a:schemeClr val="phClr">
+                <a:shade val="63000"/>
+                <a:satMod val="120000"/>
+              </a:schemeClr>
+            </a:gs>
+          </a:gsLst>
+          <a:lin ang="5400000" scaled="0"/>
+        </a:gradFill>
+      </a:bgFillStyleLst>
+    </a:fmtScheme>
+  </a:themeElements>
+  <a:objectDefaults/>
+  <a:extraClrSchemeLst/>
+  <a:extLst>
+    <a:ext uri="{05A4C25C-085E-4340-85A3-A5531E510DB2}">
+      <thm15:themeFamily xmlns:thm15="http://schemas.microsoft.com/office/thememl/2012/main" name="Office Theme" id="{62F939B6-93AF-4DB8-9C6B-D6C7DFDC589F}" vid="{4A3C46E8-61CC-4603-A589-7422A47A8E4A}"/>
+    </a:ext>
+  </a:extLst>
+</a:theme>
 </file>
--- a/Documents/ClientPresent2.pptx
+++ b/Documents/ClientPresent2.pptx
@@ -209,7 +209,7 @@
           <a:p>
             <a:fld id="{6FB66DF6-752B-44A8-85EB-BCFB4BEA1546}" type="datetimeFigureOut">
               <a:rPr lang="en-US" smtClean="0"/>
-              <a:t>12/3/2015</a:t>
+              <a:t>12/4/2015</a:t>
             </a:fld>
             <a:endParaRPr lang="en-US"/>
           </a:p>
@@ -789,6 +789,20 @@
               <a:rPr lang="en-US" dirty="0" smtClean="0"/>
               <a:t>Christine</a:t>
             </a:r>
+          </a:p>
+          <a:p>
+            <a:r>
+              <a:rPr lang="en-US" dirty="0" smtClean="0"/>
+              <a:t>Need to add dates</a:t>
+            </a:r>
+            <a:r>
+              <a:rPr lang="en-US" baseline="0" dirty="0" smtClean="0"/>
+              <a:t> for research </a:t>
+            </a:r>
+            <a:r>
+              <a:rPr lang="en-US" baseline="0" dirty="0" err="1" smtClean="0"/>
+              <a:t>synposium</a:t>
+            </a:r>
             <a:endParaRPr lang="en-US" dirty="0"/>
           </a:p>
         </p:txBody>
@@ -1724,7 +1738,7 @@
           <a:p>
             <a:fld id="{1209F774-2864-49B1-8321-83A0838F6E88}" type="datetimeFigureOut">
               <a:rPr lang="en-US" smtClean="0"/>
-              <a:t>12/3/2015</a:t>
+              <a:t>12/4/2015</a:t>
             </a:fld>
             <a:endParaRPr lang="en-US"/>
           </a:p>
@@ -2160,7 +2174,7 @@
           <a:p>
             <a:fld id="{1209F774-2864-49B1-8321-83A0838F6E88}" type="datetimeFigureOut">
               <a:rPr lang="en-US" smtClean="0"/>
-              <a:t>12/3/2015</a:t>
+              <a:t>12/4/2015</a:t>
             </a:fld>
             <a:endParaRPr lang="en-US"/>
           </a:p>
@@ -2410,7 +2424,7 @@
           <a:p>
             <a:fld id="{1209F774-2864-49B1-8321-83A0838F6E88}" type="datetimeFigureOut">
               <a:rPr lang="en-US" smtClean="0"/>
-              <a:t>12/3/2015</a:t>
+              <a:t>12/4/2015</a:t>
             </a:fld>
             <a:endParaRPr lang="en-US"/>
           </a:p>
@@ -2718,7 +2732,7 @@
           <a:p>
             <a:fld id="{1209F774-2864-49B1-8321-83A0838F6E88}" type="datetimeFigureOut">
               <a:rPr lang="en-US" smtClean="0"/>
-              <a:t>12/3/2015</a:t>
+              <a:t>12/4/2015</a:t>
             </a:fld>
             <a:endParaRPr lang="en-US"/>
           </a:p>
@@ -3036,7 +3050,7 @@
           <a:p>
             <a:fld id="{1209F774-2864-49B1-8321-83A0838F6E88}" type="datetimeFigureOut">
               <a:rPr lang="en-US" smtClean="0"/>
-              <a:t>12/3/2015</a:t>
+              <a:t>12/4/2015</a:t>
             </a:fld>
             <a:endParaRPr lang="en-US"/>
           </a:p>
@@ -3338,7 +3352,7 @@
           <a:p>
             <a:fld id="{1209F774-2864-49B1-8321-83A0838F6E88}" type="datetimeFigureOut">
               <a:rPr lang="en-US" smtClean="0"/>
-              <a:t>12/3/2015</a:t>
+              <a:t>12/4/2015</a:t>
             </a:fld>
             <a:endParaRPr lang="en-US"/>
           </a:p>
@@ -3705,7 +3719,7 @@
           <a:p>
             <a:fld id="{1209F774-2864-49B1-8321-83A0838F6E88}" type="datetimeFigureOut">
               <a:rPr lang="en-US" smtClean="0"/>
-              <a:t>12/3/2015</a:t>
+              <a:t>12/4/2015</a:t>
             </a:fld>
             <a:endParaRPr lang="en-US"/>
           </a:p>
@@ -3879,7 +3893,7 @@
           <a:p>
             <a:fld id="{1209F774-2864-49B1-8321-83A0838F6E88}" type="datetimeFigureOut">
               <a:rPr lang="en-US" smtClean="0"/>
-              <a:t>12/3/2015</a:t>
+              <a:t>12/4/2015</a:t>
             </a:fld>
             <a:endParaRPr lang="en-US"/>
           </a:p>
@@ -4059,7 +4073,7 @@
           <a:p>
             <a:fld id="{1209F774-2864-49B1-8321-83A0838F6E88}" type="datetimeFigureOut">
               <a:rPr lang="en-US" smtClean="0"/>
-              <a:t>12/3/2015</a:t>
+              <a:t>12/4/2015</a:t>
             </a:fld>
             <a:endParaRPr lang="en-US"/>
           </a:p>
@@ -4229,7 +4243,7 @@
           <a:p>
             <a:fld id="{1209F774-2864-49B1-8321-83A0838F6E88}" type="datetimeFigureOut">
               <a:rPr lang="en-US" smtClean="0"/>
-              <a:t>12/3/2015</a:t>
+              <a:t>12/4/2015</a:t>
             </a:fld>
             <a:endParaRPr lang="en-US"/>
           </a:p>
@@ -4479,7 +4493,7 @@
           <a:p>
             <a:fld id="{1209F774-2864-49B1-8321-83A0838F6E88}" type="datetimeFigureOut">
               <a:rPr lang="en-US" smtClean="0"/>
-              <a:t>12/3/2015</a:t>
+              <a:t>12/4/2015</a:t>
             </a:fld>
             <a:endParaRPr lang="en-US"/>
           </a:p>
@@ -4715,7 +4729,7 @@
           <a:p>
             <a:fld id="{1209F774-2864-49B1-8321-83A0838F6E88}" type="datetimeFigureOut">
               <a:rPr lang="en-US" smtClean="0"/>
-              <a:t>12/3/2015</a:t>
+              <a:t>12/4/2015</a:t>
             </a:fld>
             <a:endParaRPr lang="en-US"/>
           </a:p>
@@ -5097,7 +5111,7 @@
           <a:p>
             <a:fld id="{1209F774-2864-49B1-8321-83A0838F6E88}" type="datetimeFigureOut">
               <a:rPr lang="en-US" smtClean="0"/>
-              <a:t>12/3/2015</a:t>
+              <a:t>12/4/2015</a:t>
             </a:fld>
             <a:endParaRPr lang="en-US"/>
           </a:p>
@@ -5215,7 +5229,7 @@
           <a:p>
             <a:fld id="{1209F774-2864-49B1-8321-83A0838F6E88}" type="datetimeFigureOut">
               <a:rPr lang="en-US" smtClean="0"/>
-              <a:t>12/3/2015</a:t>
+              <a:t>12/4/2015</a:t>
             </a:fld>
             <a:endParaRPr lang="en-US"/>
           </a:p>
@@ -5310,7 +5324,7 @@
           <a:p>
             <a:fld id="{1209F774-2864-49B1-8321-83A0838F6E88}" type="datetimeFigureOut">
               <a:rPr lang="en-US" smtClean="0"/>
-              <a:t>12/3/2015</a:t>
+              <a:t>12/4/2015</a:t>
             </a:fld>
             <a:endParaRPr lang="en-US"/>
           </a:p>
@@ -5565,7 +5579,7 @@
           <a:p>
             <a:fld id="{1209F774-2864-49B1-8321-83A0838F6E88}" type="datetimeFigureOut">
               <a:rPr lang="en-US" smtClean="0"/>
-              <a:t>12/3/2015</a:t>
+              <a:t>12/4/2015</a:t>
             </a:fld>
             <a:endParaRPr lang="en-US"/>
           </a:p>
@@ -5848,7 +5862,7 @@
           <a:p>
             <a:fld id="{1209F774-2864-49B1-8321-83A0838F6E88}" type="datetimeFigureOut">
               <a:rPr lang="en-US" smtClean="0"/>
-              <a:t>12/3/2015</a:t>
+              <a:t>12/4/2015</a:t>
             </a:fld>
             <a:endParaRPr lang="en-US"/>
           </a:p>
@@ -6254,7 +6268,7 @@
           <a:p>
             <a:fld id="{1209F774-2864-49B1-8321-83A0838F6E88}" type="datetimeFigureOut">
               <a:rPr lang="en-US" smtClean="0"/>
-              <a:t>12/3/2015</a:t>
+              <a:t>12/4/2015</a:t>
             </a:fld>
             <a:endParaRPr lang="en-US"/>
           </a:p>
@@ -6961,7 +6975,7 @@
         <p:spPr>
           <a:xfrm>
             <a:off x="586935" y="1704661"/>
-            <a:ext cx="8001247" cy="2585323"/>
+            <a:ext cx="8001247" cy="2800767"/>
           </a:xfrm>
           <a:prstGeom prst="rect">
             <a:avLst/>
@@ -6979,7 +6993,7 @@
               <a:buChar char="•"/>
             </a:pPr>
             <a:r>
-              <a:rPr lang="en-US" dirty="0" smtClean="0">
+              <a:rPr lang="en-US" sz="2000" dirty="0" smtClean="0">
                 <a:solidFill>
                   <a:schemeClr val="tx1">
                     <a:lumMod val="85000"/>
@@ -6994,7 +7008,7 @@
               <a:buFont typeface="Arial" panose="020B0604020202020204" pitchFamily="34" charset="0"/>
               <a:buChar char="•"/>
             </a:pPr>
-            <a:endParaRPr lang="en-US" dirty="0">
+            <a:endParaRPr lang="en-US" sz="2000" dirty="0">
               <a:solidFill>
                 <a:schemeClr val="tx1">
                   <a:lumMod val="85000"/>
@@ -7008,7 +7022,7 @@
               <a:buChar char="•"/>
             </a:pPr>
             <a:r>
-              <a:rPr lang="en-US" dirty="0" smtClean="0">
+              <a:rPr lang="en-US" sz="2000" dirty="0" smtClean="0">
                 <a:solidFill>
                   <a:schemeClr val="tx1">
                     <a:lumMod val="85000"/>
@@ -7024,7 +7038,7 @@
               <a:buChar char="•"/>
             </a:pPr>
             <a:r>
-              <a:rPr lang="en-US" dirty="0" smtClean="0">
+              <a:rPr lang="en-US" sz="2000" dirty="0" smtClean="0">
                 <a:solidFill>
                   <a:schemeClr val="tx1">
                     <a:lumMod val="85000"/>
@@ -7034,7 +7048,7 @@
               <a:t> 8.5 </a:t>
             </a:r>
             <a:r>
-              <a:rPr lang="en-US" dirty="0" err="1" smtClean="0">
+              <a:rPr lang="en-US" sz="2000" dirty="0" err="1" smtClean="0">
                 <a:solidFill>
                   <a:schemeClr val="tx1">
                     <a:lumMod val="85000"/>
@@ -7043,7 +7057,7 @@
               </a:rPr>
               <a:t>GigaFlops</a:t>
             </a:r>
-            <a:endParaRPr lang="en-US" dirty="0">
+            <a:endParaRPr lang="en-US" sz="2000" dirty="0">
               <a:solidFill>
                 <a:schemeClr val="tx1">
                   <a:lumMod val="85000"/>
@@ -7056,7 +7070,7 @@
               <a:buFont typeface="Arial" panose="020B0604020202020204" pitchFamily="34" charset="0"/>
               <a:buChar char="•"/>
             </a:pPr>
-            <a:endParaRPr lang="en-US" dirty="0" smtClean="0">
+            <a:endParaRPr lang="en-US" sz="2000" dirty="0" smtClean="0">
               <a:solidFill>
                 <a:schemeClr val="tx1">
                   <a:lumMod val="85000"/>
@@ -7070,7 +7084,7 @@
               <a:buChar char="•"/>
             </a:pPr>
             <a:r>
-              <a:rPr lang="en-US" dirty="0" smtClean="0">
+              <a:rPr lang="en-US" sz="2000" dirty="0" smtClean="0">
                 <a:solidFill>
                   <a:schemeClr val="tx1">
                     <a:lumMod val="85000"/>
@@ -7086,7 +7100,7 @@
               <a:buChar char="•"/>
             </a:pPr>
             <a:r>
-              <a:rPr lang="en-US" dirty="0" smtClean="0">
+              <a:rPr lang="en-US" sz="2000" dirty="0" smtClean="0">
                 <a:solidFill>
                   <a:schemeClr val="tx1">
                     <a:lumMod val="85000"/>
@@ -7096,7 +7110,7 @@
               <a:t>6.3 </a:t>
             </a:r>
             <a:r>
-              <a:rPr lang="en-US" dirty="0" err="1" smtClean="0">
+              <a:rPr lang="en-US" sz="2000" dirty="0" err="1" smtClean="0">
                 <a:solidFill>
                   <a:schemeClr val="tx1">
                     <a:lumMod val="85000"/>
@@ -7105,7 +7119,7 @@
               </a:rPr>
               <a:t>GigaFlops</a:t>
             </a:r>
-            <a:endParaRPr lang="en-US" dirty="0" smtClean="0">
+            <a:endParaRPr lang="en-US" sz="2000" dirty="0" smtClean="0">
               <a:solidFill>
                 <a:schemeClr val="tx1">
                   <a:lumMod val="85000"/>
@@ -7214,8 +7228,8 @@
         </p:nvSpPr>
         <p:spPr>
           <a:xfrm>
-            <a:off x="528569" y="1830961"/>
-            <a:ext cx="8001247" cy="4247317"/>
+            <a:off x="586935" y="1631668"/>
+            <a:ext cx="8001247" cy="4678204"/>
           </a:xfrm>
           <a:prstGeom prst="rect">
             <a:avLst/>
@@ -7233,7 +7247,7 @@
               <a:buChar char="•"/>
             </a:pPr>
             <a:r>
-              <a:rPr lang="en-US" dirty="0" smtClean="0">
+              <a:rPr lang="en-US" sz="2000" dirty="0" smtClean="0">
                 <a:solidFill>
                   <a:schemeClr val="tx1">
                     <a:lumMod val="85000"/>
@@ -7249,7 +7263,7 @@
               <a:buChar char="•"/>
             </a:pPr>
             <a:r>
-              <a:rPr lang="en-US" dirty="0" smtClean="0">
+              <a:rPr lang="en-US" sz="2000" dirty="0" smtClean="0">
                 <a:solidFill>
                   <a:schemeClr val="tx1">
                     <a:lumMod val="85000"/>
@@ -7258,7 +7272,13 @@
               </a:rPr>
               <a:t>(1) $</a:t>
             </a:r>
-            <a:endParaRPr lang="en-US" dirty="0" smtClean="0">
+          </a:p>
+          <a:p>
+            <a:pPr marL="285750" indent="-285750">
+              <a:buFont typeface="Arial" panose="020B0604020202020204" pitchFamily="34" charset="0"/>
+              <a:buChar char="•"/>
+            </a:pPr>
+            <a:endParaRPr lang="en-US" sz="2000" dirty="0">
               <a:solidFill>
                 <a:schemeClr val="tx1">
                   <a:lumMod val="85000"/>
@@ -7271,7 +7291,55 @@
               <a:buFont typeface="Arial" panose="020B0604020202020204" pitchFamily="34" charset="0"/>
               <a:buChar char="•"/>
             </a:pPr>
-            <a:endParaRPr lang="en-US" dirty="0">
+            <a:r>
+              <a:rPr lang="en-US" sz="2000" dirty="0" smtClean="0">
+                <a:solidFill>
+                  <a:schemeClr val="tx1">
+                    <a:lumMod val="85000"/>
+                  </a:schemeClr>
+                </a:solidFill>
+              </a:rPr>
+              <a:t>Ethernet cables  </a:t>
+            </a:r>
+          </a:p>
+          <a:p>
+            <a:pPr marL="742950" lvl="1" indent="-285750">
+              <a:buFont typeface="Arial" panose="020B0604020202020204" pitchFamily="34" charset="0"/>
+              <a:buChar char="•"/>
+            </a:pPr>
+            <a:r>
+              <a:rPr lang="en-US" sz="2000" dirty="0" smtClean="0">
+                <a:solidFill>
+                  <a:schemeClr val="tx1">
+                    <a:lumMod val="85000"/>
+                  </a:schemeClr>
+                </a:solidFill>
+              </a:rPr>
+              <a:t>(8) 1’  $2.99 each </a:t>
+            </a:r>
+          </a:p>
+          <a:p>
+            <a:pPr marL="742950" lvl="1" indent="-285750">
+              <a:buFont typeface="Arial" panose="020B0604020202020204" pitchFamily="34" charset="0"/>
+              <a:buChar char="•"/>
+            </a:pPr>
+            <a:r>
+              <a:rPr lang="en-US" sz="2000" dirty="0" smtClean="0">
+                <a:solidFill>
+                  <a:schemeClr val="tx1">
+                    <a:lumMod val="85000"/>
+                  </a:schemeClr>
+                </a:solidFill>
+              </a:rPr>
+              <a:t>3’  $4.99 each</a:t>
+            </a:r>
+          </a:p>
+          <a:p>
+            <a:pPr marL="742950" lvl="1" indent="-285750">
+              <a:buFont typeface="Arial" panose="020B0604020202020204" pitchFamily="34" charset="0"/>
+              <a:buChar char="•"/>
+            </a:pPr>
+            <a:endParaRPr lang="en-US" sz="2000" dirty="0">
               <a:solidFill>
                 <a:schemeClr val="tx1">
                   <a:lumMod val="85000"/>
@@ -7285,14 +7353,14 @@
               <a:buChar char="•"/>
             </a:pPr>
             <a:r>
-              <a:rPr lang="en-US" dirty="0" smtClean="0">
+              <a:rPr lang="en-US" sz="2000" dirty="0" smtClean="0">
                 <a:solidFill>
                   <a:schemeClr val="tx1">
                     <a:lumMod val="85000"/>
                   </a:schemeClr>
                 </a:solidFill>
               </a:rPr>
-              <a:t>Ethernet cables  </a:t>
+              <a:t>Power Unit</a:t>
             </a:r>
           </a:p>
           <a:p>
@@ -7301,38 +7369,19 @@
               <a:buChar char="•"/>
             </a:pPr>
             <a:r>
-              <a:rPr lang="en-US" dirty="0" smtClean="0">
+              <a:rPr lang="en-US" sz="2000" dirty="0" smtClean="0">
                 <a:solidFill>
                   <a:schemeClr val="tx1">
                     <a:lumMod val="85000"/>
                   </a:schemeClr>
                 </a:solidFill>
               </a:rPr>
-              <a:t>(8) 1’  $2.99 each </a:t>
-            </a:r>
-          </a:p>
-          <a:p>
-            <a:pPr marL="742950" lvl="1" indent="-285750">
-              <a:buFont typeface="Arial" panose="020B0604020202020204" pitchFamily="34" charset="0"/>
-              <a:buChar char="•"/>
-            </a:pPr>
-            <a:r>
-              <a:rPr lang="en-US" dirty="0" smtClean="0">
-                <a:solidFill>
-                  <a:schemeClr val="tx1">
-                    <a:lumMod val="85000"/>
-                  </a:schemeClr>
-                </a:solidFill>
-              </a:rPr>
-              <a:t>3’  $4.99 each</a:t>
-            </a:r>
-          </a:p>
-          <a:p>
-            <a:pPr marL="742950" lvl="1" indent="-285750">
-              <a:buFont typeface="Arial" panose="020B0604020202020204" pitchFamily="34" charset="0"/>
-              <a:buChar char="•"/>
-            </a:pPr>
-            <a:endParaRPr lang="en-US" dirty="0">
+              <a:t>(1) $</a:t>
+            </a:r>
+          </a:p>
+          <a:p>
+            <a:pPr lvl="1"/>
+            <a:endParaRPr lang="en-US" sz="2000" dirty="0">
               <a:solidFill>
                 <a:schemeClr val="tx1">
                   <a:lumMod val="85000"/>
@@ -7346,14 +7395,14 @@
               <a:buChar char="•"/>
             </a:pPr>
             <a:r>
-              <a:rPr lang="en-US" dirty="0" smtClean="0">
+              <a:rPr lang="en-US" sz="2000" dirty="0" smtClean="0">
                 <a:solidFill>
                   <a:schemeClr val="tx1">
                     <a:lumMod val="85000"/>
                   </a:schemeClr>
                 </a:solidFill>
               </a:rPr>
-              <a:t>Power Unit</a:t>
+              <a:t>Memory</a:t>
             </a:r>
           </a:p>
           <a:p>
@@ -7362,16 +7411,22 @@
               <a:buChar char="•"/>
             </a:pPr>
             <a:r>
-              <a:rPr lang="en-US" dirty="0" smtClean="0">
+              <a:rPr lang="en-US" sz="2000" dirty="0" smtClean="0">
                 <a:solidFill>
                   <a:schemeClr val="tx1">
                     <a:lumMod val="85000"/>
                   </a:schemeClr>
                 </a:solidFill>
               </a:rPr>
-              <a:t>(1) $</a:t>
-            </a:r>
-            <a:endParaRPr lang="en-US" dirty="0" smtClean="0">
+              <a:t>(8) 16 GB  $38.00 each </a:t>
+            </a:r>
+          </a:p>
+          <a:p>
+            <a:pPr marL="742950" lvl="1" indent="-285750">
+              <a:buFont typeface="Arial" panose="020B0604020202020204" pitchFamily="34" charset="0"/>
+              <a:buChar char="•"/>
+            </a:pPr>
+            <a:endParaRPr lang="en-US" sz="2000" dirty="0">
               <a:solidFill>
                 <a:schemeClr val="tx1">
                   <a:lumMod val="85000"/>
@@ -7380,8 +7435,31 @@
             </a:endParaRPr>
           </a:p>
           <a:p>
-            <a:pPr lvl="1"/>
-            <a:endParaRPr lang="en-US" dirty="0">
+            <a:pPr marL="285750" indent="-285750">
+              <a:buFont typeface="Arial" panose="020B0604020202020204" pitchFamily="34" charset="0"/>
+              <a:buChar char="•"/>
+            </a:pPr>
+            <a:r>
+              <a:rPr lang="en-US" sz="2000" dirty="0" smtClean="0">
+                <a:solidFill>
+                  <a:schemeClr val="tx1">
+                    <a:lumMod val="85000"/>
+                  </a:schemeClr>
+                </a:solidFill>
+              </a:rPr>
+              <a:t>ODROID Ux</a:t>
+            </a:r>
+            <a:r>
+              <a:rPr lang="en-US" sz="2000" dirty="0">
+                <a:solidFill>
+                  <a:schemeClr val="tx1">
+                    <a:lumMod val="85000"/>
+                  </a:schemeClr>
+                </a:solidFill>
+              </a:rPr>
+              <a:t>4</a:t>
+            </a:r>
+            <a:endParaRPr lang="en-US" sz="2000" dirty="0" smtClean="0">
               <a:solidFill>
                 <a:schemeClr val="tx1">
                   <a:lumMod val="85000"/>
@@ -7390,100 +7468,12 @@
             </a:endParaRPr>
           </a:p>
           <a:p>
-            <a:pPr marL="285750" indent="-285750">
-              <a:buFont typeface="Arial" panose="020B0604020202020204" pitchFamily="34" charset="0"/>
-              <a:buChar char="•"/>
-            </a:pPr>
-            <a:r>
-              <a:rPr lang="en-US" dirty="0" smtClean="0">
-                <a:solidFill>
-                  <a:schemeClr val="tx1">
-                    <a:lumMod val="85000"/>
-                  </a:schemeClr>
-                </a:solidFill>
-              </a:rPr>
-              <a:t>Memory</a:t>
-            </a:r>
-          </a:p>
-          <a:p>
             <a:pPr marL="742950" lvl="1" indent="-285750">
               <a:buFont typeface="Arial" panose="020B0604020202020204" pitchFamily="34" charset="0"/>
               <a:buChar char="•"/>
             </a:pPr>
             <a:r>
-              <a:rPr lang="en-US" dirty="0" smtClean="0">
-                <a:solidFill>
-                  <a:schemeClr val="tx1">
-                    <a:lumMod val="85000"/>
-                  </a:schemeClr>
-                </a:solidFill>
-              </a:rPr>
-              <a:t>(8) </a:t>
-            </a:r>
-            <a:r>
-              <a:rPr lang="en-US" dirty="0" smtClean="0">
-                <a:solidFill>
-                  <a:schemeClr val="tx1">
-                    <a:lumMod val="85000"/>
-                  </a:schemeClr>
-                </a:solidFill>
-              </a:rPr>
-              <a:t>16 GB  $38.00 each </a:t>
-            </a:r>
-          </a:p>
-          <a:p>
-            <a:pPr marL="742950" lvl="1" indent="-285750">
-              <a:buFont typeface="Arial" panose="020B0604020202020204" pitchFamily="34" charset="0"/>
-              <a:buChar char="•"/>
-            </a:pPr>
-            <a:endParaRPr lang="en-US" dirty="0">
-              <a:solidFill>
-                <a:schemeClr val="tx1">
-                  <a:lumMod val="85000"/>
-                </a:schemeClr>
-              </a:solidFill>
-            </a:endParaRPr>
-          </a:p>
-          <a:p>
-            <a:pPr marL="285750" indent="-285750">
-              <a:buFont typeface="Arial" panose="020B0604020202020204" pitchFamily="34" charset="0"/>
-              <a:buChar char="•"/>
-            </a:pPr>
-            <a:r>
-              <a:rPr lang="en-US" dirty="0" smtClean="0">
-                <a:solidFill>
-                  <a:schemeClr val="tx1">
-                    <a:lumMod val="85000"/>
-                  </a:schemeClr>
-                </a:solidFill>
-              </a:rPr>
-              <a:t>ODROID Ux</a:t>
-            </a:r>
-            <a:r>
-              <a:rPr lang="en-US" dirty="0">
-                <a:solidFill>
-                  <a:schemeClr val="tx1">
-                    <a:lumMod val="85000"/>
-                  </a:schemeClr>
-                </a:solidFill>
-              </a:rPr>
-              <a:t>4</a:t>
-            </a:r>
-            <a:endParaRPr lang="en-US" dirty="0" smtClean="0">
-              <a:solidFill>
-                <a:schemeClr val="tx1">
-                  <a:lumMod val="85000"/>
-                </a:schemeClr>
-              </a:solidFill>
-            </a:endParaRPr>
-          </a:p>
-          <a:p>
-            <a:pPr marL="742950" lvl="1" indent="-285750">
-              <a:buFont typeface="Arial" panose="020B0604020202020204" pitchFamily="34" charset="0"/>
-              <a:buChar char="•"/>
-            </a:pPr>
-            <a:r>
-              <a:rPr lang="en-US" dirty="0" smtClean="0">
+              <a:rPr lang="en-US" sz="2000" dirty="0" smtClean="0">
                 <a:solidFill>
                   <a:schemeClr val="tx1">
                     <a:lumMod val="85000"/>
@@ -7492,7 +7482,7 @@
               </a:rPr>
               <a:t>(8) $76.00 each</a:t>
             </a:r>
-            <a:endParaRPr lang="en-US" dirty="0">
+            <a:endParaRPr lang="en-US" sz="2000" dirty="0">
               <a:solidFill>
                 <a:schemeClr val="tx1">
                   <a:lumMod val="85000"/>
@@ -7576,7 +7566,7 @@
         <p:spPr>
           <a:xfrm>
             <a:off x="636915" y="2021489"/>
-            <a:ext cx="8001247" cy="923330"/>
+            <a:ext cx="8001247" cy="1015663"/>
           </a:xfrm>
           <a:prstGeom prst="rect">
             <a:avLst/>
@@ -7594,7 +7584,7 @@
               <a:buChar char="•"/>
             </a:pPr>
             <a:r>
-              <a:rPr lang="en-US" dirty="0" smtClean="0">
+              <a:rPr lang="en-US" sz="2000" dirty="0" smtClean="0">
                 <a:solidFill>
                   <a:schemeClr val="tx1">
                     <a:lumMod val="85000"/>
@@ -7609,7 +7599,7 @@
               <a:buFont typeface="Arial" panose="020B0604020202020204" pitchFamily="34" charset="0"/>
               <a:buChar char="•"/>
             </a:pPr>
-            <a:endParaRPr lang="en-US" dirty="0">
+            <a:endParaRPr lang="en-US" sz="2000" dirty="0">
               <a:solidFill>
                 <a:schemeClr val="tx1">
                   <a:lumMod val="85000"/>
@@ -7623,7 +7613,7 @@
               <a:buChar char="•"/>
             </a:pPr>
             <a:r>
-              <a:rPr lang="en-US" dirty="0" smtClean="0">
+              <a:rPr lang="en-US" sz="2000" dirty="0" smtClean="0">
                 <a:solidFill>
                   <a:schemeClr val="tx1">
                     <a:lumMod val="85000"/>
@@ -7632,7 +7622,7 @@
               </a:rPr>
               <a:t>Develop and benchmark a new communication</a:t>
             </a:r>
-            <a:endParaRPr lang="en-US" dirty="0">
+            <a:endParaRPr lang="en-US" sz="2000" dirty="0">
               <a:solidFill>
                 <a:schemeClr val="tx1">
                   <a:lumMod val="85000"/>
@@ -7716,7 +7706,7 @@
         <p:spPr>
           <a:xfrm>
             <a:off x="636915" y="2021489"/>
-            <a:ext cx="8001247" cy="2862322"/>
+            <a:ext cx="8001247" cy="3170099"/>
           </a:xfrm>
           <a:prstGeom prst="rect">
             <a:avLst/>
@@ -7734,7 +7724,7 @@
               <a:buChar char="•"/>
             </a:pPr>
             <a:r>
-              <a:rPr lang="en-US" dirty="0" smtClean="0">
+              <a:rPr lang="en-US" sz="2000" dirty="0" smtClean="0">
                 <a:solidFill>
                   <a:schemeClr val="tx1">
                     <a:lumMod val="85000"/>
@@ -7750,7 +7740,7 @@
               <a:buChar char="•"/>
             </a:pPr>
             <a:r>
-              <a:rPr lang="en-US" dirty="0" smtClean="0">
+              <a:rPr lang="en-US" sz="2000" dirty="0" smtClean="0">
                 <a:solidFill>
                   <a:schemeClr val="tx1">
                     <a:lumMod val="85000"/>
@@ -7765,7 +7755,7 @@
               <a:buFont typeface="Arial" panose="020B0604020202020204" pitchFamily="34" charset="0"/>
               <a:buChar char="•"/>
             </a:pPr>
-            <a:endParaRPr lang="en-US" dirty="0">
+            <a:endParaRPr lang="en-US" sz="2000" dirty="0">
               <a:solidFill>
                 <a:schemeClr val="tx1">
                   <a:lumMod val="85000"/>
@@ -7779,7 +7769,7 @@
               <a:buChar char="•"/>
             </a:pPr>
             <a:r>
-              <a:rPr lang="en-US" dirty="0" smtClean="0">
+              <a:rPr lang="en-US" sz="2000" dirty="0" smtClean="0">
                 <a:solidFill>
                   <a:schemeClr val="tx1">
                     <a:lumMod val="85000"/>
@@ -7795,7 +7785,7 @@
               <a:buChar char="•"/>
             </a:pPr>
             <a:r>
-              <a:rPr lang="en-US" dirty="0" smtClean="0">
+              <a:rPr lang="en-US" sz="2000" dirty="0" smtClean="0">
                 <a:solidFill>
                   <a:schemeClr val="tx1">
                     <a:lumMod val="85000"/>
@@ -7810,7 +7800,7 @@
               <a:buFont typeface="Arial" panose="020B0604020202020204" pitchFamily="34" charset="0"/>
               <a:buChar char="•"/>
             </a:pPr>
-            <a:endParaRPr lang="en-US" dirty="0">
+            <a:endParaRPr lang="en-US" sz="2000" dirty="0">
               <a:solidFill>
                 <a:schemeClr val="tx1">
                   <a:lumMod val="85000"/>
@@ -7824,7 +7814,7 @@
               <a:buChar char="•"/>
             </a:pPr>
             <a:r>
-              <a:rPr lang="en-US" dirty="0" smtClean="0">
+              <a:rPr lang="en-US" sz="2000" dirty="0" smtClean="0">
                 <a:solidFill>
                   <a:schemeClr val="tx1">
                     <a:lumMod val="85000"/>
@@ -7840,7 +7830,7 @@
               <a:buChar char="•"/>
             </a:pPr>
             <a:r>
-              <a:rPr lang="en-US" dirty="0" smtClean="0">
+              <a:rPr lang="en-US" sz="2000" dirty="0" smtClean="0">
                 <a:solidFill>
                   <a:schemeClr val="tx1">
                     <a:lumMod val="85000"/>
@@ -7855,7 +7845,7 @@
               <a:buFont typeface="Arial" panose="020B0604020202020204" pitchFamily="34" charset="0"/>
               <a:buChar char="•"/>
             </a:pPr>
-            <a:endParaRPr lang="en-US" dirty="0">
+            <a:endParaRPr lang="en-US" sz="2000" dirty="0">
               <a:solidFill>
                 <a:schemeClr val="tx1">
                   <a:lumMod val="85000"/>
@@ -7869,7 +7859,7 @@
               <a:buChar char="•"/>
             </a:pPr>
             <a:r>
-              <a:rPr lang="en-US" dirty="0" smtClean="0">
+              <a:rPr lang="en-US" sz="2000" dirty="0" smtClean="0">
                 <a:solidFill>
                   <a:schemeClr val="tx1">
                     <a:lumMod val="85000"/>
@@ -7878,13 +7868,6 @@
               </a:rPr>
               <a:t>Design Fair: 4/19/16</a:t>
             </a:r>
-            <a:endParaRPr lang="en-US" dirty="0" smtClean="0">
-              <a:solidFill>
-                <a:schemeClr val="tx1">
-                  <a:lumMod val="85000"/>
-                </a:schemeClr>
-              </a:solidFill>
-            </a:endParaRPr>
           </a:p>
         </p:txBody>
       </p:sp>
@@ -7962,7 +7945,7 @@
         <p:spPr>
           <a:xfrm>
             <a:off x="636915" y="2021489"/>
-            <a:ext cx="8001247" cy="369332"/>
+            <a:ext cx="8001247" cy="400110"/>
           </a:xfrm>
           <a:prstGeom prst="rect">
             <a:avLst/>
@@ -7980,7 +7963,7 @@
               <a:buChar char="•"/>
             </a:pPr>
             <a:r>
-              <a:rPr lang="en-US" dirty="0" smtClean="0">
+              <a:rPr lang="en-US" sz="2000" dirty="0" smtClean="0">
                 <a:solidFill>
                   <a:schemeClr val="tx1">
                     <a:lumMod val="85000"/>
@@ -7990,7 +7973,7 @@
               <a:t>Dr. Christer </a:t>
             </a:r>
             <a:r>
-              <a:rPr lang="en-US" dirty="0" err="1" smtClean="0">
+              <a:rPr lang="en-US" sz="2000" dirty="0" err="1" smtClean="0">
                 <a:solidFill>
                   <a:schemeClr val="tx1">
                     <a:lumMod val="85000"/>
@@ -7999,7 +7982,7 @@
               </a:rPr>
               <a:t>Karlsson</a:t>
             </a:r>
-            <a:endParaRPr lang="en-US" dirty="0">
+            <a:endParaRPr lang="en-US" sz="2000" dirty="0">
               <a:solidFill>
                 <a:schemeClr val="tx1">
                   <a:lumMod val="85000"/>
@@ -8125,7 +8108,7 @@
         <p:spPr>
           <a:xfrm>
             <a:off x="636914" y="4508527"/>
-            <a:ext cx="8001247" cy="923330"/>
+            <a:ext cx="8001247" cy="1015663"/>
           </a:xfrm>
           <a:prstGeom prst="rect">
             <a:avLst/>
@@ -8143,7 +8126,7 @@
               <a:buChar char="•"/>
             </a:pPr>
             <a:r>
-              <a:rPr lang="en-US" dirty="0" smtClean="0">
+              <a:rPr lang="en-US" sz="2000" dirty="0" smtClean="0">
                 <a:solidFill>
                   <a:schemeClr val="tx1">
                     <a:lumMod val="85000"/>
@@ -8159,7 +8142,7 @@
               <a:buChar char="•"/>
             </a:pPr>
             <a:r>
-              <a:rPr lang="en-US" dirty="0" smtClean="0">
+              <a:rPr lang="en-US" sz="2000" dirty="0" smtClean="0">
                 <a:solidFill>
                   <a:schemeClr val="tx1">
                     <a:lumMod val="85000"/>
@@ -8175,7 +8158,7 @@
               <a:buChar char="•"/>
             </a:pPr>
             <a:r>
-              <a:rPr lang="en-US" dirty="0" smtClean="0">
+              <a:rPr lang="en-US" sz="2000" dirty="0" smtClean="0">
                 <a:solidFill>
                   <a:schemeClr val="tx1">
                     <a:lumMod val="85000"/>
@@ -8184,7 +8167,7 @@
               </a:rPr>
               <a:t>Fastest and most efficient</a:t>
             </a:r>
-            <a:endParaRPr lang="en-US" dirty="0">
+            <a:endParaRPr lang="en-US" sz="2000" dirty="0">
               <a:solidFill>
                 <a:schemeClr val="tx1">
                   <a:lumMod val="85000"/>
@@ -8268,7 +8251,7 @@
         <p:spPr>
           <a:xfrm>
             <a:off x="528569" y="1830961"/>
-            <a:ext cx="8001247" cy="1477328"/>
+            <a:ext cx="8001247" cy="1569660"/>
           </a:xfrm>
           <a:prstGeom prst="rect">
             <a:avLst/>
@@ -8299,7 +8282,7 @@
               <a:buChar char="•"/>
             </a:pPr>
             <a:r>
-              <a:rPr lang="en-US" dirty="0" smtClean="0">
+              <a:rPr lang="en-US" sz="2000" dirty="0" smtClean="0">
                 <a:solidFill>
                   <a:schemeClr val="tx1">
                     <a:lumMod val="85000"/>
@@ -8314,7 +8297,7 @@
               <a:buFont typeface="Arial" panose="020B0604020202020204" pitchFamily="34" charset="0"/>
               <a:buChar char="•"/>
             </a:pPr>
-            <a:endParaRPr lang="en-US" dirty="0">
+            <a:endParaRPr lang="en-US" sz="2000" dirty="0">
               <a:solidFill>
                 <a:schemeClr val="tx1">
                   <a:lumMod val="85000"/>
@@ -8328,15 +8311,32 @@
               <a:buChar char="•"/>
             </a:pPr>
             <a:r>
-              <a:rPr lang="en-US" dirty="0" smtClean="0">
+              <a:rPr lang="en-US" sz="2000" dirty="0" smtClean="0">
                 <a:solidFill>
                   <a:schemeClr val="tx1">
                     <a:lumMod val="85000"/>
                   </a:schemeClr>
                 </a:solidFill>
               </a:rPr>
-              <a:t>Establish proof of Concept</a:t>
-            </a:r>
+              <a:t>Establish proof of </a:t>
+            </a:r>
+            <a:r>
+              <a:rPr lang="en-US" sz="2000" dirty="0" smtClean="0">
+                <a:solidFill>
+                  <a:schemeClr val="tx1">
+                    <a:lumMod val="85000"/>
+                  </a:schemeClr>
+                </a:solidFill>
+              </a:rPr>
+              <a:t>concept</a:t>
+            </a:r>
+            <a:endParaRPr lang="en-US" sz="2000" dirty="0" smtClean="0">
+              <a:solidFill>
+                <a:schemeClr val="tx1">
+                  <a:lumMod val="85000"/>
+                </a:schemeClr>
+              </a:solidFill>
+            </a:endParaRPr>
           </a:p>
           <a:p>
             <a:pPr marL="285750" indent="-285750">
@@ -8426,8 +8426,8 @@
         </p:nvSpPr>
         <p:spPr>
           <a:xfrm>
-            <a:off x="636915" y="2021489"/>
-            <a:ext cx="8001247" cy="646331"/>
+            <a:off x="250053" y="1889327"/>
+            <a:ext cx="8001247" cy="707886"/>
           </a:xfrm>
           <a:prstGeom prst="rect">
             <a:avLst/>
@@ -8445,7 +8445,7 @@
               <a:buChar char="•"/>
             </a:pPr>
             <a:r>
-              <a:rPr lang="en-US" dirty="0" smtClean="0">
+              <a:rPr lang="en-US" sz="2000" dirty="0" smtClean="0">
                 <a:solidFill>
                   <a:schemeClr val="tx1">
                     <a:lumMod val="85000"/>
@@ -8461,27 +8461,27 @@
               <a:buChar char="•"/>
             </a:pPr>
             <a:r>
-              <a:rPr lang="en-US" dirty="0" smtClean="0">
+              <a:rPr lang="en-US" sz="2000" dirty="0" smtClean="0">
                 <a:solidFill>
                   <a:schemeClr val="tx1">
                     <a:lumMod val="85000"/>
                   </a:schemeClr>
                 </a:solidFill>
               </a:rPr>
-              <a:t>ODROID Ux</a:t>
-            </a:r>
-            <a:r>
-              <a:rPr lang="en-US" dirty="0">
+              <a:t>ODROID </a:t>
+            </a:r>
+            <a:r>
+              <a:rPr lang="en-US" sz="2000" dirty="0" smtClean="0">
                 <a:solidFill>
                   <a:schemeClr val="tx1">
                     <a:lumMod val="85000"/>
                   </a:schemeClr>
                 </a:solidFill>
               </a:rPr>
-              <a:t>4</a:t>
-            </a:r>
-            <a:r>
-              <a:rPr lang="en-US" dirty="0" smtClean="0">
+              <a:t>XU4</a:t>
+            </a:r>
+            <a:r>
+              <a:rPr lang="en-US" sz="2000" dirty="0" smtClean="0">
                 <a:solidFill>
                   <a:schemeClr val="tx1">
                     <a:lumMod val="85000"/>
@@ -8490,7 +8490,7 @@
               </a:rPr>
               <a:t> </a:t>
             </a:r>
-            <a:endParaRPr lang="en-US" dirty="0">
+            <a:endParaRPr lang="en-US" sz="2000" dirty="0">
               <a:solidFill>
                 <a:schemeClr val="tx1">
                   <a:lumMod val="85000"/>
@@ -8521,12 +8521,42 @@
         </p:blipFill>
         <p:spPr>
           <a:xfrm rot="5400000">
-            <a:off x="1341909" y="2816295"/>
+            <a:off x="1313053" y="2523461"/>
             <a:ext cx="2878282" cy="4624151"/>
           </a:xfrm>
           <a:prstGeom prst="rect">
             <a:avLst/>
           </a:prstGeom>
+          <a:solidFill>
+            <a:srgbClr val="FFFFFF">
+              <a:shade val="85000"/>
+            </a:srgbClr>
+          </a:solidFill>
+          <a:ln w="88900" cap="sq">
+            <a:solidFill>
+              <a:srgbClr val="FFFFFF"/>
+            </a:solidFill>
+            <a:miter lim="800000"/>
+          </a:ln>
+          <a:effectLst>
+            <a:outerShdw blurRad="55000" dist="18000" dir="5400000" algn="tl" rotWithShape="0">
+              <a:srgbClr val="000000">
+                <a:alpha val="40000"/>
+              </a:srgbClr>
+            </a:outerShdw>
+          </a:effectLst>
+          <a:scene3d>
+            <a:camera prst="orthographicFront"/>
+            <a:lightRig rig="twoPt" dir="t">
+              <a:rot lat="0" lon="0" rev="7200000"/>
+            </a:lightRig>
+          </a:scene3d>
+          <a:sp3d>
+            <a:bevelT w="25400" h="19050"/>
+            <a:contourClr>
+              <a:srgbClr val="FFFFFF"/>
+            </a:contourClr>
+          </a:sp3d>
         </p:spPr>
       </p:pic>
       <p:pic>
@@ -8556,6 +8586,36 @@
           <a:prstGeom prst="rect">
             <a:avLst/>
           </a:prstGeom>
+          <a:solidFill>
+            <a:srgbClr val="FFFFFF">
+              <a:shade val="85000"/>
+            </a:srgbClr>
+          </a:solidFill>
+          <a:ln w="88900" cap="sq">
+            <a:solidFill>
+              <a:srgbClr val="FFFFFF"/>
+            </a:solidFill>
+            <a:miter lim="800000"/>
+          </a:ln>
+          <a:effectLst>
+            <a:outerShdw blurRad="55000" dist="18000" dir="5400000" algn="tl" rotWithShape="0">
+              <a:srgbClr val="000000">
+                <a:alpha val="40000"/>
+              </a:srgbClr>
+            </a:outerShdw>
+          </a:effectLst>
+          <a:scene3d>
+            <a:camera prst="orthographicFront"/>
+            <a:lightRig rig="twoPt" dir="t">
+              <a:rot lat="0" lon="0" rev="7200000"/>
+            </a:lightRig>
+          </a:scene3d>
+          <a:sp3d>
+            <a:bevelT w="25400" h="19050"/>
+            <a:contourClr>
+              <a:srgbClr val="FFFFFF"/>
+            </a:contourClr>
+          </a:sp3d>
         </p:spPr>
       </p:pic>
     </p:spTree>
@@ -8632,7 +8692,7 @@
         <p:spPr>
           <a:xfrm>
             <a:off x="586935" y="1539132"/>
-            <a:ext cx="8001247" cy="3693319"/>
+            <a:ext cx="8001247" cy="4031873"/>
           </a:xfrm>
           <a:prstGeom prst="rect">
             <a:avLst/>
@@ -8649,7 +8709,7 @@
               <a:buFont typeface="Arial" panose="020B0604020202020204" pitchFamily="34" charset="0"/>
               <a:buChar char="•"/>
             </a:pPr>
-            <a:endParaRPr lang="en-US" dirty="0" smtClean="0">
+            <a:endParaRPr lang="en-US" sz="2000" dirty="0" smtClean="0">
               <a:solidFill>
                 <a:schemeClr val="tx1">
                   <a:lumMod val="85000"/>
@@ -8662,7 +8722,7 @@
               <a:buFont typeface="Arial" panose="020B0604020202020204" pitchFamily="34" charset="0"/>
               <a:buChar char="•"/>
             </a:pPr>
-            <a:endParaRPr lang="en-US" dirty="0" smtClean="0">
+            <a:endParaRPr lang="en-US" sz="2000" dirty="0" smtClean="0">
               <a:solidFill>
                 <a:schemeClr val="tx1">
                   <a:lumMod val="85000"/>
@@ -8676,7 +8736,7 @@
               <a:buChar char="•"/>
             </a:pPr>
             <a:r>
-              <a:rPr lang="en-US" dirty="0" smtClean="0">
+              <a:rPr lang="en-US" sz="2000" dirty="0" smtClean="0">
                 <a:solidFill>
                   <a:schemeClr val="tx1">
                     <a:lumMod val="85000"/>
@@ -8691,7 +8751,7 @@
               <a:buFont typeface="Arial" panose="020B0604020202020204" pitchFamily="34" charset="0"/>
               <a:buChar char="•"/>
             </a:pPr>
-            <a:endParaRPr lang="en-US" dirty="0" smtClean="0">
+            <a:endParaRPr lang="en-US" sz="2000" dirty="0" smtClean="0">
               <a:solidFill>
                 <a:schemeClr val="tx1">
                   <a:lumMod val="85000"/>
@@ -8705,7 +8765,7 @@
               <a:buChar char="•"/>
             </a:pPr>
             <a:r>
-              <a:rPr lang="en-US" dirty="0" smtClean="0">
+              <a:rPr lang="en-US" sz="2000" dirty="0" smtClean="0">
                 <a:solidFill>
                   <a:schemeClr val="tx1">
                     <a:lumMod val="85000"/>
@@ -8720,7 +8780,7 @@
               <a:buFont typeface="Arial" panose="020B0604020202020204" pitchFamily="34" charset="0"/>
               <a:buChar char="•"/>
             </a:pPr>
-            <a:endParaRPr lang="en-US" dirty="0">
+            <a:endParaRPr lang="en-US" sz="2000" dirty="0">
               <a:solidFill>
                 <a:schemeClr val="tx1">
                   <a:lumMod val="85000"/>
@@ -8734,7 +8794,7 @@
               <a:buChar char="•"/>
             </a:pPr>
             <a:r>
-              <a:rPr lang="en-US" dirty="0" smtClean="0">
+              <a:rPr lang="en-US" sz="2000" dirty="0" smtClean="0">
                 <a:solidFill>
                   <a:schemeClr val="tx1">
                     <a:lumMod val="85000"/>
@@ -8744,7 +8804,7 @@
               <a:t>Configure </a:t>
             </a:r>
             <a:r>
-              <a:rPr lang="en-US" dirty="0" err="1" smtClean="0">
+              <a:rPr lang="en-US" sz="2000" dirty="0" err="1" smtClean="0">
                 <a:solidFill>
                   <a:schemeClr val="tx1">
                     <a:lumMod val="85000"/>
@@ -8754,7 +8814,7 @@
               <a:t>sudo</a:t>
             </a:r>
             <a:r>
-              <a:rPr lang="en-US" dirty="0" smtClean="0">
+              <a:rPr lang="en-US" sz="2000" dirty="0" smtClean="0">
                 <a:solidFill>
                   <a:schemeClr val="tx1">
                     <a:lumMod val="85000"/>
@@ -8765,7 +8825,7 @@
             </a:r>
           </a:p>
           <a:p>
-            <a:endParaRPr lang="en-US" dirty="0">
+            <a:endParaRPr lang="en-US" sz="2000" dirty="0">
               <a:solidFill>
                 <a:schemeClr val="tx1">
                   <a:lumMod val="85000"/>
@@ -8779,7 +8839,7 @@
               <a:buChar char="•"/>
             </a:pPr>
             <a:r>
-              <a:rPr lang="en-US" dirty="0" smtClean="0">
+              <a:rPr lang="en-US" sz="2000" dirty="0" smtClean="0">
                 <a:solidFill>
                   <a:schemeClr val="tx1">
                     <a:lumMod val="85000"/>
@@ -8794,7 +8854,7 @@
               <a:buFont typeface="Arial" panose="020B0604020202020204" pitchFamily="34" charset="0"/>
               <a:buChar char="•"/>
             </a:pPr>
-            <a:endParaRPr lang="en-US" dirty="0" smtClean="0">
+            <a:endParaRPr lang="en-US" sz="2000" dirty="0" smtClean="0">
               <a:solidFill>
                 <a:schemeClr val="tx1">
                   <a:lumMod val="85000"/>
@@ -8808,7 +8868,7 @@
               <a:buChar char="•"/>
             </a:pPr>
             <a:r>
-              <a:rPr lang="en-US" dirty="0" err="1" smtClean="0">
+              <a:rPr lang="en-US" sz="2000" dirty="0" err="1" smtClean="0">
                 <a:solidFill>
                   <a:schemeClr val="tx1">
                     <a:lumMod val="85000"/>
@@ -8818,7 +8878,7 @@
               <a:t>ssh</a:t>
             </a:r>
             <a:r>
-              <a:rPr lang="en-US" dirty="0" smtClean="0">
+              <a:rPr lang="en-US" sz="2000" dirty="0" smtClean="0">
                 <a:solidFill>
                   <a:schemeClr val="tx1">
                     <a:lumMod val="85000"/>
@@ -8930,7 +8990,7 @@
         <p:spPr>
           <a:xfrm>
             <a:off x="528569" y="1519676"/>
-            <a:ext cx="8001247" cy="4524315"/>
+            <a:ext cx="8001247" cy="3970318"/>
           </a:xfrm>
           <a:prstGeom prst="rect">
             <a:avLst/>
@@ -8948,7 +9008,7 @@
               <a:buChar char="•"/>
             </a:pPr>
             <a:r>
-              <a:rPr lang="en-US" dirty="0" smtClean="0">
+              <a:rPr lang="en-US" sz="2000" dirty="0" smtClean="0">
                 <a:solidFill>
                   <a:schemeClr val="tx1">
                     <a:lumMod val="85000"/>
@@ -8957,6 +9017,156 @@
               </a:rPr>
               <a:t>Trello</a:t>
             </a:r>
+          </a:p>
+          <a:p>
+            <a:pPr marL="285750" indent="-285750">
+              <a:buFont typeface="Arial" panose="020B0604020202020204" pitchFamily="34" charset="0"/>
+              <a:buChar char="•"/>
+            </a:pPr>
+            <a:endParaRPr lang="en-US" sz="2000" dirty="0" smtClean="0">
+              <a:solidFill>
+                <a:schemeClr val="tx1">
+                  <a:lumMod val="85000"/>
+                </a:schemeClr>
+              </a:solidFill>
+            </a:endParaRPr>
+          </a:p>
+          <a:p>
+            <a:pPr marL="285750" indent="-285750">
+              <a:buFont typeface="Arial" panose="020B0604020202020204" pitchFamily="34" charset="0"/>
+              <a:buChar char="•"/>
+            </a:pPr>
+            <a:r>
+              <a:rPr lang="en-US" sz="2000" dirty="0" err="1" smtClean="0">
+                <a:solidFill>
+                  <a:schemeClr val="tx1">
+                    <a:lumMod val="85000"/>
+                  </a:schemeClr>
+                </a:solidFill>
+              </a:rPr>
+              <a:t>Github</a:t>
+            </a:r>
+            <a:endParaRPr lang="en-US" sz="2000" dirty="0" smtClean="0">
+              <a:solidFill>
+                <a:schemeClr val="tx1">
+                  <a:lumMod val="85000"/>
+                </a:schemeClr>
+              </a:solidFill>
+            </a:endParaRPr>
+          </a:p>
+          <a:p>
+            <a:pPr marL="285750" indent="-285750">
+              <a:buFont typeface="Arial" panose="020B0604020202020204" pitchFamily="34" charset="0"/>
+              <a:buChar char="•"/>
+            </a:pPr>
+            <a:endParaRPr lang="en-US" sz="2000" dirty="0">
+              <a:solidFill>
+                <a:schemeClr val="tx1">
+                  <a:lumMod val="85000"/>
+                </a:schemeClr>
+              </a:solidFill>
+            </a:endParaRPr>
+          </a:p>
+          <a:p>
+            <a:pPr marL="285750" indent="-285750">
+              <a:buFont typeface="Arial" panose="020B0604020202020204" pitchFamily="34" charset="0"/>
+              <a:buChar char="•"/>
+            </a:pPr>
+            <a:r>
+              <a:rPr lang="en-US" sz="2000" dirty="0" err="1" smtClean="0">
+                <a:solidFill>
+                  <a:schemeClr val="tx1">
+                    <a:lumMod val="85000"/>
+                  </a:schemeClr>
+                </a:solidFill>
+              </a:rPr>
+              <a:t>Linpack</a:t>
+            </a:r>
+            <a:endParaRPr lang="en-US" sz="2000" dirty="0" smtClean="0">
+              <a:solidFill>
+                <a:schemeClr val="tx1">
+                  <a:lumMod val="85000"/>
+                </a:schemeClr>
+              </a:solidFill>
+            </a:endParaRPr>
+          </a:p>
+          <a:p>
+            <a:pPr marL="285750" indent="-285750">
+              <a:buFont typeface="Arial" panose="020B0604020202020204" pitchFamily="34" charset="0"/>
+              <a:buChar char="•"/>
+            </a:pPr>
+            <a:endParaRPr lang="en-US" sz="2000" dirty="0" smtClean="0">
+              <a:solidFill>
+                <a:schemeClr val="tx1">
+                  <a:lumMod val="85000"/>
+                </a:schemeClr>
+              </a:solidFill>
+            </a:endParaRPr>
+          </a:p>
+          <a:p>
+            <a:pPr marL="285750" indent="-285750">
+              <a:buFont typeface="Arial" panose="020B0604020202020204" pitchFamily="34" charset="0"/>
+              <a:buChar char="•"/>
+            </a:pPr>
+            <a:r>
+              <a:rPr lang="en-US" sz="2000" dirty="0" smtClean="0">
+                <a:solidFill>
+                  <a:schemeClr val="tx1">
+                    <a:lumMod val="85000"/>
+                  </a:schemeClr>
+                </a:solidFill>
+              </a:rPr>
+              <a:t>Screwdriver</a:t>
+            </a:r>
+          </a:p>
+          <a:p>
+            <a:pPr marL="285750" indent="-285750">
+              <a:buFont typeface="Arial" panose="020B0604020202020204" pitchFamily="34" charset="0"/>
+              <a:buChar char="•"/>
+            </a:pPr>
+            <a:endParaRPr lang="en-US" sz="2000" dirty="0">
+              <a:solidFill>
+                <a:schemeClr val="tx1">
+                  <a:lumMod val="85000"/>
+                </a:schemeClr>
+              </a:solidFill>
+            </a:endParaRPr>
+          </a:p>
+          <a:p>
+            <a:pPr marL="285750" indent="-285750">
+              <a:buFont typeface="Arial" panose="020B0604020202020204" pitchFamily="34" charset="0"/>
+              <a:buChar char="•"/>
+            </a:pPr>
+            <a:r>
+              <a:rPr lang="en-US" sz="2000" dirty="0" smtClean="0">
+                <a:solidFill>
+                  <a:schemeClr val="tx1">
+                    <a:lumMod val="85000"/>
+                  </a:schemeClr>
+                </a:solidFill>
+              </a:rPr>
+              <a:t>MPI</a:t>
+            </a:r>
+            <a:endParaRPr lang="en-US" dirty="0" smtClean="0">
+              <a:solidFill>
+                <a:schemeClr val="tx1">
+                  <a:lumMod val="85000"/>
+                </a:schemeClr>
+              </a:solidFill>
+            </a:endParaRPr>
+          </a:p>
+          <a:p>
+            <a:pPr marL="285750" indent="-285750">
+              <a:buFont typeface="Arial" panose="020B0604020202020204" pitchFamily="34" charset="0"/>
+              <a:buChar char="•"/>
+            </a:pPr>
+            <a:endParaRPr lang="en-US" dirty="0">
+              <a:solidFill>
+                <a:schemeClr val="tx1">
+                  <a:lumMod val="85000"/>
+                </a:schemeClr>
+              </a:solidFill>
+            </a:endParaRPr>
           </a:p>
           <a:p>
             <a:pPr marL="285750" indent="-285750">
@@ -8976,29 +9186,6 @@
               <a:buFont typeface="Arial" panose="020B0604020202020204" pitchFamily="34" charset="0"/>
               <a:buChar char="•"/>
             </a:pPr>
-            <a:r>
-              <a:rPr lang="en-US" dirty="0" err="1" smtClean="0">
-                <a:solidFill>
-                  <a:schemeClr val="tx1">
-                    <a:lumMod val="85000"/>
-                  </a:schemeClr>
-                </a:solidFill>
-              </a:rPr>
-              <a:t>Github</a:t>
-            </a:r>
-            <a:endParaRPr lang="en-US" dirty="0" smtClean="0">
-              <a:solidFill>
-                <a:schemeClr val="tx1">
-                  <a:lumMod val="85000"/>
-                </a:schemeClr>
-              </a:solidFill>
-            </a:endParaRPr>
-          </a:p>
-          <a:p>
-            <a:pPr marL="285750" indent="-285750">
-              <a:buFont typeface="Arial" panose="020B0604020202020204" pitchFamily="34" charset="0"/>
-              <a:buChar char="•"/>
-            </a:pPr>
             <a:endParaRPr lang="en-US" dirty="0">
               <a:solidFill>
                 <a:schemeClr val="tx1">
@@ -9012,17 +9199,7 @@
               <a:buFont typeface="Arial" panose="020B0604020202020204" pitchFamily="34" charset="0"/>
               <a:buChar char="•"/>
             </a:pPr>
-            <a:r>
-              <a:rPr lang="en-US" dirty="0" err="1" smtClean="0">
-                <a:solidFill>
-                  <a:schemeClr val="tx1">
-                    <a:lumMod val="85000"/>
-                  </a:schemeClr>
-                </a:solidFill>
-              </a:rPr>
-              <a:t>Linpack</a:t>
-            </a:r>
-            <a:endParaRPr lang="en-US" dirty="0" smtClean="0">
+            <a:endParaRPr lang="en-US" sz="2000" dirty="0">
               <a:solidFill>
                 <a:schemeClr val="tx1">
                   <a:lumMod val="85000"/>
@@ -9035,7 +9212,23 @@
               <a:buFont typeface="Arial" panose="020B0604020202020204" pitchFamily="34" charset="0"/>
               <a:buChar char="•"/>
             </a:pPr>
-            <a:endParaRPr lang="en-US" dirty="0" smtClean="0">
+            <a:r>
+              <a:rPr lang="en-US" sz="2000" dirty="0" smtClean="0">
+                <a:solidFill>
+                  <a:schemeClr val="tx1">
+                    <a:lumMod val="85000"/>
+                  </a:schemeClr>
+                </a:solidFill>
+              </a:rPr>
+              <a:t>Python</a:t>
+            </a:r>
+          </a:p>
+          <a:p>
+            <a:pPr marL="285750" indent="-285750">
+              <a:buFont typeface="Arial" panose="020B0604020202020204" pitchFamily="34" charset="0"/>
+              <a:buChar char="•"/>
+            </a:pPr>
+            <a:endParaRPr lang="en-US" sz="2000" dirty="0">
               <a:solidFill>
                 <a:schemeClr val="tx1">
                   <a:lumMod val="85000"/>
@@ -9049,14 +9242,14 @@
               <a:buChar char="•"/>
             </a:pPr>
             <a:r>
-              <a:rPr lang="en-US" dirty="0" smtClean="0">
+              <a:rPr lang="en-US" sz="2000" dirty="0" smtClean="0">
                 <a:solidFill>
                   <a:schemeClr val="tx1">
                     <a:lumMod val="85000"/>
                   </a:schemeClr>
                 </a:solidFill>
               </a:rPr>
-              <a:t>Screwdriver</a:t>
+              <a:t>C++</a:t>
             </a:r>
           </a:p>
           <a:p>
@@ -9064,7 +9257,7 @@
               <a:buFont typeface="Arial" panose="020B0604020202020204" pitchFamily="34" charset="0"/>
               <a:buChar char="•"/>
             </a:pPr>
-            <a:endParaRPr lang="en-US" dirty="0">
+            <a:endParaRPr lang="en-US" sz="2000" dirty="0">
               <a:solidFill>
                 <a:schemeClr val="tx1">
                   <a:lumMod val="85000"/>
@@ -9078,16 +9271,22 @@
               <a:buChar char="•"/>
             </a:pPr>
             <a:r>
-              <a:rPr lang="en-US" dirty="0" smtClean="0">
+              <a:rPr lang="en-US" sz="2000" dirty="0" smtClean="0">
                 <a:solidFill>
                   <a:schemeClr val="tx1">
                     <a:lumMod val="85000"/>
                   </a:schemeClr>
                 </a:solidFill>
               </a:rPr>
-              <a:t>MPI</a:t>
-            </a:r>
-            <a:endParaRPr lang="en-US" dirty="0" smtClean="0">
+              <a:t>Bash</a:t>
+            </a:r>
+          </a:p>
+          <a:p>
+            <a:pPr marL="285750" indent="-285750">
+              <a:buFont typeface="Arial" panose="020B0604020202020204" pitchFamily="34" charset="0"/>
+              <a:buChar char="•"/>
+            </a:pPr>
+            <a:endParaRPr lang="en-US" sz="2000" dirty="0">
               <a:solidFill>
                 <a:schemeClr val="tx1">
                   <a:lumMod val="85000"/>
@@ -9100,186 +9299,8 @@
               <a:buFont typeface="Arial" panose="020B0604020202020204" pitchFamily="34" charset="0"/>
               <a:buChar char="•"/>
             </a:pPr>
-            <a:endParaRPr lang="en-US" dirty="0" smtClean="0">
-              <a:solidFill>
-                <a:schemeClr val="tx1">
-                  <a:lumMod val="85000"/>
-                </a:schemeClr>
-              </a:solidFill>
-            </a:endParaRPr>
-          </a:p>
-          <a:p>
-            <a:pPr marL="285750" indent="-285750">
-              <a:buFont typeface="Arial" panose="020B0604020202020204" pitchFamily="34" charset="0"/>
-              <a:buChar char="•"/>
-            </a:pPr>
-            <a:endParaRPr lang="en-US" dirty="0">
-              <a:solidFill>
-                <a:schemeClr val="tx1">
-                  <a:lumMod val="85000"/>
-                </a:schemeClr>
-              </a:solidFill>
-            </a:endParaRPr>
-          </a:p>
-          <a:p>
-            <a:pPr marL="285750" indent="-285750">
-              <a:buFont typeface="Arial" panose="020B0604020202020204" pitchFamily="34" charset="0"/>
-              <a:buChar char="•"/>
-            </a:pPr>
-            <a:endParaRPr lang="en-US" dirty="0" smtClean="0">
-              <a:solidFill>
-                <a:schemeClr val="tx1">
-                  <a:lumMod val="85000"/>
-                </a:schemeClr>
-              </a:solidFill>
-            </a:endParaRPr>
-          </a:p>
-          <a:p>
-            <a:pPr marL="285750" indent="-285750">
-              <a:buFont typeface="Arial" panose="020B0604020202020204" pitchFamily="34" charset="0"/>
-              <a:buChar char="•"/>
-            </a:pPr>
-            <a:endParaRPr lang="en-US" dirty="0">
-              <a:solidFill>
-                <a:schemeClr val="tx1">
-                  <a:lumMod val="85000"/>
-                </a:schemeClr>
-              </a:solidFill>
-            </a:endParaRPr>
-          </a:p>
-          <a:p>
-            <a:pPr marL="285750" indent="-285750">
-              <a:buFont typeface="Arial" panose="020B0604020202020204" pitchFamily="34" charset="0"/>
-              <a:buChar char="•"/>
-            </a:pPr>
-            <a:endParaRPr lang="en-US" dirty="0" smtClean="0">
-              <a:solidFill>
-                <a:schemeClr val="tx1">
-                  <a:lumMod val="85000"/>
-                </a:schemeClr>
-              </a:solidFill>
-            </a:endParaRPr>
-          </a:p>
-          <a:p>
-            <a:pPr marL="285750" indent="-285750">
-              <a:buFont typeface="Arial" panose="020B0604020202020204" pitchFamily="34" charset="0"/>
-              <a:buChar char="•"/>
-            </a:pPr>
-            <a:endParaRPr lang="en-US" dirty="0">
-              <a:solidFill>
-                <a:schemeClr val="tx1">
-                  <a:lumMod val="85000"/>
-                </a:schemeClr>
-              </a:solidFill>
-            </a:endParaRPr>
-          </a:p>
-          <a:p>
-            <a:pPr marL="285750" indent="-285750">
-              <a:buFont typeface="Arial" panose="020B0604020202020204" pitchFamily="34" charset="0"/>
-              <a:buChar char="•"/>
-            </a:pPr>
-            <a:endParaRPr lang="en-US" dirty="0">
-              <a:solidFill>
-                <a:schemeClr val="tx1">
-                  <a:lumMod val="85000"/>
-                </a:schemeClr>
-              </a:solidFill>
-            </a:endParaRPr>
-          </a:p>
-          <a:p>
-            <a:pPr marL="285750" indent="-285750">
-              <a:buFont typeface="Arial" panose="020B0604020202020204" pitchFamily="34" charset="0"/>
-              <a:buChar char="•"/>
-            </a:pPr>
-            <a:r>
-              <a:rPr lang="en-US" dirty="0" smtClean="0">
-                <a:solidFill>
-                  <a:schemeClr val="tx1">
-                    <a:lumMod val="85000"/>
-                  </a:schemeClr>
-                </a:solidFill>
-              </a:rPr>
-              <a:t>Python</a:t>
-            </a:r>
-          </a:p>
-          <a:p>
-            <a:pPr marL="285750" indent="-285750">
-              <a:buFont typeface="Arial" panose="020B0604020202020204" pitchFamily="34" charset="0"/>
-              <a:buChar char="•"/>
-            </a:pPr>
-            <a:endParaRPr lang="en-US" dirty="0">
-              <a:solidFill>
-                <a:schemeClr val="tx1">
-                  <a:lumMod val="85000"/>
-                </a:schemeClr>
-              </a:solidFill>
-            </a:endParaRPr>
-          </a:p>
-          <a:p>
-            <a:pPr marL="285750" indent="-285750">
-              <a:buFont typeface="Arial" panose="020B0604020202020204" pitchFamily="34" charset="0"/>
-              <a:buChar char="•"/>
-            </a:pPr>
-            <a:r>
-              <a:rPr lang="en-US" dirty="0" smtClean="0">
-                <a:solidFill>
-                  <a:schemeClr val="tx1">
-                    <a:lumMod val="85000"/>
-                  </a:schemeClr>
-                </a:solidFill>
-              </a:rPr>
-              <a:t>C++</a:t>
-            </a:r>
-          </a:p>
-          <a:p>
-            <a:pPr marL="285750" indent="-285750">
-              <a:buFont typeface="Arial" panose="020B0604020202020204" pitchFamily="34" charset="0"/>
-              <a:buChar char="•"/>
-            </a:pPr>
-            <a:endParaRPr lang="en-US" dirty="0">
-              <a:solidFill>
-                <a:schemeClr val="tx1">
-                  <a:lumMod val="85000"/>
-                </a:schemeClr>
-              </a:solidFill>
-            </a:endParaRPr>
-          </a:p>
-          <a:p>
-            <a:pPr marL="285750" indent="-285750">
-              <a:buFont typeface="Arial" panose="020B0604020202020204" pitchFamily="34" charset="0"/>
-              <a:buChar char="•"/>
-            </a:pPr>
-            <a:r>
-              <a:rPr lang="en-US" dirty="0" smtClean="0">
-                <a:solidFill>
-                  <a:schemeClr val="tx1">
-                    <a:lumMod val="85000"/>
-                  </a:schemeClr>
-                </a:solidFill>
-              </a:rPr>
-              <a:t>Bash</a:t>
-            </a:r>
-          </a:p>
-          <a:p>
-            <a:pPr marL="285750" indent="-285750">
-              <a:buFont typeface="Arial" panose="020B0604020202020204" pitchFamily="34" charset="0"/>
-              <a:buChar char="•"/>
-            </a:pPr>
-            <a:endParaRPr lang="en-US" dirty="0">
-              <a:solidFill>
-                <a:schemeClr val="tx1">
-                  <a:lumMod val="85000"/>
-                </a:schemeClr>
-              </a:solidFill>
-            </a:endParaRPr>
-          </a:p>
-          <a:p>
-            <a:pPr marL="285750" indent="-285750">
-              <a:buFont typeface="Arial" panose="020B0604020202020204" pitchFamily="34" charset="0"/>
-              <a:buChar char="•"/>
-            </a:pPr>
-            <a:r>
-              <a:rPr lang="en-US" dirty="0" smtClean="0">
+            <a:r>
+              <a:rPr lang="en-US" sz="2000" dirty="0" smtClean="0">
                 <a:solidFill>
                   <a:schemeClr val="tx1">
                     <a:lumMod val="85000"/>
@@ -9378,7 +9399,7 @@
         <p:spPr>
           <a:xfrm>
             <a:off x="586935" y="2040634"/>
-            <a:ext cx="1906883" cy="3139321"/>
+            <a:ext cx="1906883" cy="3416320"/>
           </a:xfrm>
           <a:prstGeom prst="rect">
             <a:avLst/>
@@ -9396,7 +9417,7 @@
               <a:buChar char="•"/>
             </a:pPr>
             <a:r>
-              <a:rPr lang="en-US" dirty="0" smtClean="0">
+              <a:rPr lang="en-US" sz="2000" dirty="0" smtClean="0">
                 <a:solidFill>
                   <a:schemeClr val="tx1">
                     <a:lumMod val="85000"/>
@@ -9404,6 +9425,126 @@
                 </a:solidFill>
               </a:rPr>
               <a:t>Ping Pong</a:t>
+            </a:r>
+          </a:p>
+          <a:p>
+            <a:pPr marL="285750" indent="-285750">
+              <a:buFont typeface="Arial" panose="020B0604020202020204" pitchFamily="34" charset="0"/>
+              <a:buChar char="•"/>
+            </a:pPr>
+            <a:endParaRPr lang="en-US" sz="2000" dirty="0">
+              <a:solidFill>
+                <a:schemeClr val="tx1">
+                  <a:lumMod val="85000"/>
+                </a:schemeClr>
+              </a:solidFill>
+            </a:endParaRPr>
+          </a:p>
+          <a:p>
+            <a:pPr marL="285750" indent="-285750">
+              <a:buFont typeface="Arial" panose="020B0604020202020204" pitchFamily="34" charset="0"/>
+              <a:buChar char="•"/>
+            </a:pPr>
+            <a:endParaRPr lang="en-US" sz="2000" dirty="0" smtClean="0">
+              <a:solidFill>
+                <a:schemeClr val="tx1">
+                  <a:lumMod val="85000"/>
+                </a:schemeClr>
+              </a:solidFill>
+            </a:endParaRPr>
+          </a:p>
+          <a:p>
+            <a:pPr marL="285750" indent="-285750">
+              <a:buFont typeface="Arial" panose="020B0604020202020204" pitchFamily="34" charset="0"/>
+              <a:buChar char="•"/>
+            </a:pPr>
+            <a:r>
+              <a:rPr lang="en-US" sz="2000" dirty="0" smtClean="0">
+                <a:solidFill>
+                  <a:schemeClr val="tx1">
+                    <a:lumMod val="85000"/>
+                  </a:schemeClr>
+                </a:solidFill>
+              </a:rPr>
+              <a:t>LINPACK</a:t>
+            </a:r>
+            <a:endParaRPr lang="en-US" sz="2000" dirty="0" smtClean="0">
+              <a:solidFill>
+                <a:schemeClr val="tx1">
+                  <a:lumMod val="85000"/>
+                </a:schemeClr>
+              </a:solidFill>
+            </a:endParaRPr>
+          </a:p>
+          <a:p>
+            <a:pPr marL="285750" indent="-285750">
+              <a:buFont typeface="Arial" panose="020B0604020202020204" pitchFamily="34" charset="0"/>
+              <a:buChar char="•"/>
+            </a:pPr>
+            <a:endParaRPr lang="en-US" sz="2000" dirty="0">
+              <a:solidFill>
+                <a:schemeClr val="tx1">
+                  <a:lumMod val="85000"/>
+                </a:schemeClr>
+              </a:solidFill>
+            </a:endParaRPr>
+          </a:p>
+          <a:p>
+            <a:pPr marL="285750" indent="-285750">
+              <a:buFont typeface="Arial" panose="020B0604020202020204" pitchFamily="34" charset="0"/>
+              <a:buChar char="•"/>
+            </a:pPr>
+            <a:endParaRPr lang="en-US" sz="2000" dirty="0" smtClean="0">
+              <a:solidFill>
+                <a:schemeClr val="tx1">
+                  <a:lumMod val="85000"/>
+                </a:schemeClr>
+              </a:solidFill>
+            </a:endParaRPr>
+          </a:p>
+          <a:p>
+            <a:pPr marL="285750" indent="-285750">
+              <a:buFont typeface="Arial" panose="020B0604020202020204" pitchFamily="34" charset="0"/>
+              <a:buChar char="•"/>
+            </a:pPr>
+            <a:r>
+              <a:rPr lang="en-US" sz="2000" dirty="0" smtClean="0">
+                <a:solidFill>
+                  <a:schemeClr val="tx1">
+                    <a:lumMod val="85000"/>
+                  </a:schemeClr>
+                </a:solidFill>
+              </a:rPr>
+              <a:t>Hello</a:t>
+            </a:r>
+          </a:p>
+          <a:p>
+            <a:pPr marL="285750" indent="-285750">
+              <a:buFont typeface="Arial" panose="020B0604020202020204" pitchFamily="34" charset="0"/>
+              <a:buChar char="•"/>
+            </a:pPr>
+            <a:endParaRPr lang="en-US" sz="2000" dirty="0">
+              <a:solidFill>
+                <a:schemeClr val="tx1">
+                  <a:lumMod val="85000"/>
+                </a:schemeClr>
+              </a:solidFill>
+            </a:endParaRPr>
+          </a:p>
+          <a:p>
+            <a:pPr marL="285750" indent="-285750">
+              <a:buFont typeface="Arial" panose="020B0604020202020204" pitchFamily="34" charset="0"/>
+              <a:buChar char="•"/>
+            </a:pPr>
+            <a:r>
+              <a:rPr lang="en-US" sz="2000" dirty="0" smtClean="0">
+                <a:solidFill>
+                  <a:schemeClr val="tx1">
+                    <a:lumMod val="85000"/>
+                  </a:schemeClr>
+                </a:solidFill>
+              </a:rPr>
+              <a:t>Switch test</a:t>
             </a:r>
           </a:p>
           <a:p>
@@ -9424,126 +9565,6 @@
               <a:buFont typeface="Arial" panose="020B0604020202020204" pitchFamily="34" charset="0"/>
               <a:buChar char="•"/>
             </a:pPr>
-            <a:endParaRPr lang="en-US" dirty="0" smtClean="0">
-              <a:solidFill>
-                <a:schemeClr val="tx1">
-                  <a:lumMod val="85000"/>
-                </a:schemeClr>
-              </a:solidFill>
-            </a:endParaRPr>
-          </a:p>
-          <a:p>
-            <a:pPr marL="285750" indent="-285750">
-              <a:buFont typeface="Arial" panose="020B0604020202020204" pitchFamily="34" charset="0"/>
-              <a:buChar char="•"/>
-            </a:pPr>
-            <a:r>
-              <a:rPr lang="en-US" dirty="0" err="1" smtClean="0">
-                <a:solidFill>
-                  <a:schemeClr val="tx1">
-                    <a:lumMod val="85000"/>
-                  </a:schemeClr>
-                </a:solidFill>
-              </a:rPr>
-              <a:t>Linpack</a:t>
-            </a:r>
-            <a:endParaRPr lang="en-US" dirty="0" smtClean="0">
-              <a:solidFill>
-                <a:schemeClr val="tx1">
-                  <a:lumMod val="85000"/>
-                </a:schemeClr>
-              </a:solidFill>
-            </a:endParaRPr>
-          </a:p>
-          <a:p>
-            <a:pPr marL="285750" indent="-285750">
-              <a:buFont typeface="Arial" panose="020B0604020202020204" pitchFamily="34" charset="0"/>
-              <a:buChar char="•"/>
-            </a:pPr>
-            <a:endParaRPr lang="en-US" dirty="0">
-              <a:solidFill>
-                <a:schemeClr val="tx1">
-                  <a:lumMod val="85000"/>
-                </a:schemeClr>
-              </a:solidFill>
-            </a:endParaRPr>
-          </a:p>
-          <a:p>
-            <a:pPr marL="285750" indent="-285750">
-              <a:buFont typeface="Arial" panose="020B0604020202020204" pitchFamily="34" charset="0"/>
-              <a:buChar char="•"/>
-            </a:pPr>
-            <a:endParaRPr lang="en-US" dirty="0" smtClean="0">
-              <a:solidFill>
-                <a:schemeClr val="tx1">
-                  <a:lumMod val="85000"/>
-                </a:schemeClr>
-              </a:solidFill>
-            </a:endParaRPr>
-          </a:p>
-          <a:p>
-            <a:pPr marL="285750" indent="-285750">
-              <a:buFont typeface="Arial" panose="020B0604020202020204" pitchFamily="34" charset="0"/>
-              <a:buChar char="•"/>
-            </a:pPr>
-            <a:r>
-              <a:rPr lang="en-US" dirty="0" smtClean="0">
-                <a:solidFill>
-                  <a:schemeClr val="tx1">
-                    <a:lumMod val="85000"/>
-                  </a:schemeClr>
-                </a:solidFill>
-              </a:rPr>
-              <a:t>Hello</a:t>
-            </a:r>
-          </a:p>
-          <a:p>
-            <a:pPr marL="285750" indent="-285750">
-              <a:buFont typeface="Arial" panose="020B0604020202020204" pitchFamily="34" charset="0"/>
-              <a:buChar char="•"/>
-            </a:pPr>
-            <a:endParaRPr lang="en-US" dirty="0">
-              <a:solidFill>
-                <a:schemeClr val="tx1">
-                  <a:lumMod val="85000"/>
-                </a:schemeClr>
-              </a:solidFill>
-            </a:endParaRPr>
-          </a:p>
-          <a:p>
-            <a:pPr marL="285750" indent="-285750">
-              <a:buFont typeface="Arial" panose="020B0604020202020204" pitchFamily="34" charset="0"/>
-              <a:buChar char="•"/>
-            </a:pPr>
-            <a:r>
-              <a:rPr lang="en-US" dirty="0" smtClean="0">
-                <a:solidFill>
-                  <a:schemeClr val="tx1">
-                    <a:lumMod val="85000"/>
-                  </a:schemeClr>
-                </a:solidFill>
-              </a:rPr>
-              <a:t>Switch test</a:t>
-            </a:r>
-          </a:p>
-          <a:p>
-            <a:pPr marL="285750" indent="-285750">
-              <a:buFont typeface="Arial" panose="020B0604020202020204" pitchFamily="34" charset="0"/>
-              <a:buChar char="•"/>
-            </a:pPr>
-            <a:endParaRPr lang="en-US" dirty="0">
-              <a:solidFill>
-                <a:schemeClr val="tx1">
-                  <a:lumMod val="85000"/>
-                </a:schemeClr>
-              </a:solidFill>
-            </a:endParaRPr>
-          </a:p>
-          <a:p>
-            <a:pPr marL="285750" indent="-285750">
-              <a:buFont typeface="Arial" panose="020B0604020202020204" pitchFamily="34" charset="0"/>
-              <a:buChar char="•"/>
-            </a:pPr>
             <a:endParaRPr lang="en-US" dirty="0">
               <a:solidFill>
                 <a:schemeClr val="tx1">
@@ -9879,8 +9900,8 @@
         </p:nvSpPr>
         <p:spPr>
           <a:xfrm>
-            <a:off x="2840030" y="2040634"/>
-            <a:ext cx="5961070" cy="2862322"/>
+            <a:off x="2871107" y="2040634"/>
+            <a:ext cx="6550155" cy="3139321"/>
           </a:xfrm>
           <a:prstGeom prst="rect">
             <a:avLst/>
@@ -9898,7 +9919,7 @@
               <a:buChar char="•"/>
             </a:pPr>
             <a:r>
-              <a:rPr lang="en-US" dirty="0" smtClean="0">
+              <a:rPr lang="en-US" sz="2000" dirty="0" smtClean="0">
                 <a:solidFill>
                   <a:schemeClr val="tx1">
                     <a:lumMod val="85000"/>
@@ -9913,7 +9934,7 @@
               <a:buFont typeface="Arial" panose="020B0604020202020204" pitchFamily="34" charset="0"/>
               <a:buChar char="•"/>
             </a:pPr>
-            <a:endParaRPr lang="en-US" dirty="0">
+            <a:endParaRPr lang="en-US" sz="2000" dirty="0">
               <a:solidFill>
                 <a:schemeClr val="tx1">
                   <a:lumMod val="85000"/>
@@ -9927,7 +9948,7 @@
               <a:buChar char="•"/>
             </a:pPr>
             <a:r>
-              <a:rPr lang="en-US" dirty="0" smtClean="0">
+              <a:rPr lang="en-US" sz="2000" dirty="0" smtClean="0">
                 <a:solidFill>
                   <a:schemeClr val="tx1">
                     <a:lumMod val="85000"/>
@@ -9942,7 +9963,7 @@
               <a:buFont typeface="Arial" panose="020B0604020202020204" pitchFamily="34" charset="0"/>
               <a:buChar char="•"/>
             </a:pPr>
-            <a:endParaRPr lang="en-US" dirty="0" smtClean="0">
+            <a:endParaRPr lang="en-US" sz="2000" dirty="0" smtClean="0">
               <a:solidFill>
                 <a:schemeClr val="tx1">
                   <a:lumMod val="85000"/>
@@ -9956,7 +9977,7 @@
               <a:buChar char="•"/>
             </a:pPr>
             <a:r>
-              <a:rPr lang="en-US" dirty="0" smtClean="0">
+              <a:rPr lang="en-US" sz="2000" dirty="0" smtClean="0">
                 <a:solidFill>
                   <a:schemeClr val="tx1">
                     <a:lumMod val="85000"/>
@@ -9971,7 +9992,7 @@
               <a:buFont typeface="Arial" panose="020B0604020202020204" pitchFamily="34" charset="0"/>
               <a:buChar char="•"/>
             </a:pPr>
-            <a:endParaRPr lang="en-US" dirty="0">
+            <a:endParaRPr lang="en-US" sz="2000" dirty="0">
               <a:solidFill>
                 <a:schemeClr val="tx1">
                   <a:lumMod val="85000"/>
@@ -9985,7 +10006,7 @@
               <a:buChar char="•"/>
             </a:pPr>
             <a:r>
-              <a:rPr lang="en-US" dirty="0" smtClean="0">
+              <a:rPr lang="en-US" sz="2000" dirty="0" smtClean="0">
                 <a:solidFill>
                   <a:schemeClr val="tx1">
                     <a:lumMod val="85000"/>
@@ -9994,7 +10015,7 @@
               </a:rPr>
               <a:t>Tests the network</a:t>
             </a:r>
-            <a:endParaRPr lang="en-US" dirty="0">
+            <a:endParaRPr lang="en-US" sz="2000" dirty="0">
               <a:solidFill>
                 <a:schemeClr val="tx1">
                   <a:lumMod val="85000"/>
@@ -10091,7 +10112,7 @@
         <p:spPr>
           <a:xfrm>
             <a:off x="586935" y="2021489"/>
-            <a:ext cx="8001247" cy="2585323"/>
+            <a:ext cx="8001247" cy="2831544"/>
           </a:xfrm>
           <a:prstGeom prst="rect">
             <a:avLst/>
@@ -10109,7 +10130,7 @@
               <a:buChar char="•"/>
             </a:pPr>
             <a:r>
-              <a:rPr lang="en-US" dirty="0" err="1" smtClean="0">
+              <a:rPr lang="en-US" sz="2000" dirty="0" err="1" smtClean="0">
                 <a:solidFill>
                   <a:schemeClr val="tx1">
                     <a:lumMod val="85000"/>
@@ -10118,13 +10139,126 @@
               </a:rPr>
               <a:t>Fstab</a:t>
             </a:r>
-            <a:endParaRPr lang="en-US" dirty="0" smtClean="0">
+            <a:endParaRPr lang="en-US" sz="2000" dirty="0" smtClean="0">
               <a:solidFill>
                 <a:schemeClr val="tx1">
                   <a:lumMod val="85000"/>
                 </a:schemeClr>
               </a:solidFill>
             </a:endParaRPr>
+          </a:p>
+          <a:p>
+            <a:pPr marL="285750" indent="-285750">
+              <a:buFont typeface="Arial" panose="020B0604020202020204" pitchFamily="34" charset="0"/>
+              <a:buChar char="•"/>
+            </a:pPr>
+            <a:endParaRPr lang="en-US" sz="2000" dirty="0">
+              <a:solidFill>
+                <a:schemeClr val="tx1">
+                  <a:lumMod val="85000"/>
+                </a:schemeClr>
+              </a:solidFill>
+            </a:endParaRPr>
+          </a:p>
+          <a:p>
+            <a:pPr marL="285750" indent="-285750">
+              <a:buFont typeface="Arial" panose="020B0604020202020204" pitchFamily="34" charset="0"/>
+              <a:buChar char="•"/>
+            </a:pPr>
+            <a:r>
+              <a:rPr lang="en-US" sz="2000" dirty="0" smtClean="0">
+                <a:solidFill>
+                  <a:schemeClr val="tx1">
+                    <a:lumMod val="85000"/>
+                  </a:schemeClr>
+                </a:solidFill>
+              </a:rPr>
+              <a:t>LINPACK</a:t>
+            </a:r>
+            <a:endParaRPr lang="en-US" sz="2000" dirty="0" smtClean="0">
+              <a:solidFill>
+                <a:schemeClr val="tx1">
+                  <a:lumMod val="85000"/>
+                </a:schemeClr>
+              </a:solidFill>
+            </a:endParaRPr>
+          </a:p>
+          <a:p>
+            <a:pPr marL="742950" lvl="1" indent="-285750">
+              <a:buFont typeface="Arial" panose="020B0604020202020204" pitchFamily="34" charset="0"/>
+              <a:buChar char="•"/>
+            </a:pPr>
+            <a:r>
+              <a:rPr lang="en-US" sz="2000" dirty="0" smtClean="0">
+                <a:solidFill>
+                  <a:schemeClr val="tx1">
+                    <a:lumMod val="85000"/>
+                  </a:schemeClr>
+                </a:solidFill>
+              </a:rPr>
+              <a:t>Building</a:t>
+            </a:r>
+          </a:p>
+          <a:p>
+            <a:pPr marL="742950" lvl="1" indent="-285750">
+              <a:buFont typeface="Arial" panose="020B0604020202020204" pitchFamily="34" charset="0"/>
+              <a:buChar char="•"/>
+            </a:pPr>
+            <a:r>
+              <a:rPr lang="en-US" sz="2000" dirty="0" smtClean="0">
+                <a:solidFill>
+                  <a:schemeClr val="tx1">
+                    <a:lumMod val="85000"/>
+                  </a:schemeClr>
+                </a:solidFill>
+              </a:rPr>
+              <a:t>Figuring it out</a:t>
+            </a:r>
+          </a:p>
+          <a:p>
+            <a:pPr marL="285750" indent="-285750">
+              <a:buFont typeface="Arial" panose="020B0604020202020204" pitchFamily="34" charset="0"/>
+              <a:buChar char="•"/>
+            </a:pPr>
+            <a:endParaRPr lang="en-US" sz="2000" dirty="0">
+              <a:solidFill>
+                <a:schemeClr val="tx1">
+                  <a:lumMod val="85000"/>
+                </a:schemeClr>
+              </a:solidFill>
+            </a:endParaRPr>
+          </a:p>
+          <a:p>
+            <a:pPr marL="285750" indent="-285750">
+              <a:buFont typeface="Arial" panose="020B0604020202020204" pitchFamily="34" charset="0"/>
+              <a:buChar char="•"/>
+            </a:pPr>
+            <a:r>
+              <a:rPr lang="en-US" sz="2000" dirty="0" smtClean="0">
+                <a:solidFill>
+                  <a:schemeClr val="tx1">
+                    <a:lumMod val="85000"/>
+                  </a:schemeClr>
+                </a:solidFill>
+              </a:rPr>
+              <a:t>Static Frying</a:t>
+            </a:r>
+          </a:p>
+          <a:p>
+            <a:pPr marL="742950" lvl="1" indent="-285750">
+              <a:buFont typeface="Arial" panose="020B0604020202020204" pitchFamily="34" charset="0"/>
+              <a:buChar char="•"/>
+            </a:pPr>
+            <a:r>
+              <a:rPr lang="en-US" sz="2000" dirty="0" smtClean="0">
+                <a:solidFill>
+                  <a:schemeClr val="tx1">
+                    <a:lumMod val="85000"/>
+                  </a:schemeClr>
+                </a:solidFill>
+              </a:rPr>
+              <a:t>Two broken</a:t>
+            </a:r>
           </a:p>
           <a:p>
             <a:pPr marL="285750" indent="-285750">
@@ -10139,124 +10273,11 @@
               </a:solidFill>
             </a:endParaRPr>
           </a:p>
-          <a:p>
-            <a:pPr marL="285750" indent="-285750">
-              <a:buFont typeface="Arial" panose="020B0604020202020204" pitchFamily="34" charset="0"/>
-              <a:buChar char="•"/>
-            </a:pPr>
-            <a:r>
-              <a:rPr lang="en-US" dirty="0" err="1" smtClean="0">
-                <a:solidFill>
-                  <a:schemeClr val="tx1">
-                    <a:lumMod val="85000"/>
-                  </a:schemeClr>
-                </a:solidFill>
-              </a:rPr>
-              <a:t>Linpack</a:t>
-            </a:r>
-            <a:endParaRPr lang="en-US" dirty="0" smtClean="0">
-              <a:solidFill>
-                <a:schemeClr val="tx1">
-                  <a:lumMod val="85000"/>
-                </a:schemeClr>
-              </a:solidFill>
-            </a:endParaRPr>
-          </a:p>
-          <a:p>
-            <a:pPr marL="742950" lvl="1" indent="-285750">
-              <a:buFont typeface="Arial" panose="020B0604020202020204" pitchFamily="34" charset="0"/>
-              <a:buChar char="•"/>
-            </a:pPr>
-            <a:r>
-              <a:rPr lang="en-US" dirty="0" smtClean="0">
-                <a:solidFill>
-                  <a:schemeClr val="tx1">
-                    <a:lumMod val="85000"/>
-                  </a:schemeClr>
-                </a:solidFill>
-              </a:rPr>
-              <a:t>Building</a:t>
-            </a:r>
-          </a:p>
-          <a:p>
-            <a:pPr marL="742950" lvl="1" indent="-285750">
-              <a:buFont typeface="Arial" panose="020B0604020202020204" pitchFamily="34" charset="0"/>
-              <a:buChar char="•"/>
-            </a:pPr>
-            <a:r>
-              <a:rPr lang="en-US" dirty="0" smtClean="0">
-                <a:solidFill>
-                  <a:schemeClr val="tx1">
-                    <a:lumMod val="85000"/>
-                  </a:schemeClr>
-                </a:solidFill>
-              </a:rPr>
-              <a:t>Figuring it out</a:t>
-            </a:r>
-          </a:p>
-          <a:p>
-            <a:pPr marL="285750" indent="-285750">
-              <a:buFont typeface="Arial" panose="020B0604020202020204" pitchFamily="34" charset="0"/>
-              <a:buChar char="•"/>
-            </a:pPr>
-            <a:endParaRPr lang="en-US" dirty="0">
-              <a:solidFill>
-                <a:schemeClr val="tx1">
-                  <a:lumMod val="85000"/>
-                </a:schemeClr>
-              </a:solidFill>
-            </a:endParaRPr>
-          </a:p>
-          <a:p>
-            <a:pPr marL="285750" indent="-285750">
-              <a:buFont typeface="Arial" panose="020B0604020202020204" pitchFamily="34" charset="0"/>
-              <a:buChar char="•"/>
-            </a:pPr>
-            <a:r>
-              <a:rPr lang="en-US" dirty="0" smtClean="0">
-                <a:solidFill>
-                  <a:schemeClr val="tx1">
-                    <a:lumMod val="85000"/>
-                  </a:schemeClr>
-                </a:solidFill>
-              </a:rPr>
-              <a:t>Static Frying</a:t>
-            </a:r>
-          </a:p>
-          <a:p>
-            <a:pPr marL="742950" lvl="1" indent="-285750">
-              <a:buFont typeface="Arial" panose="020B0604020202020204" pitchFamily="34" charset="0"/>
-              <a:buChar char="•"/>
-            </a:pPr>
-            <a:r>
-              <a:rPr lang="en-US" dirty="0" smtClean="0">
-                <a:solidFill>
-                  <a:schemeClr val="tx1">
-                    <a:lumMod val="85000"/>
-                  </a:schemeClr>
-                </a:solidFill>
-              </a:rPr>
-              <a:t>Two broken</a:t>
-            </a:r>
-          </a:p>
-          <a:p>
-            <a:pPr marL="285750" indent="-285750">
-              <a:buFont typeface="Arial" panose="020B0604020202020204" pitchFamily="34" charset="0"/>
-              <a:buChar char="•"/>
-            </a:pPr>
-            <a:endParaRPr lang="en-US" dirty="0">
-              <a:solidFill>
-                <a:schemeClr val="tx1">
-                  <a:lumMod val="85000"/>
-                </a:schemeClr>
-              </a:solidFill>
-            </a:endParaRPr>
-          </a:p>
         </p:txBody>
       </p:sp>
       <p:pic>
         <p:nvPicPr>
-          <p:cNvPr id="4" name="Picture 3"/>
+          <p:cNvPr id="5" name="Picture 4"/>
           <p:cNvPicPr>
             <a:picLocks noChangeAspect="1"/>
           </p:cNvPicPr>
@@ -10270,22 +10291,52 @@
               </a:ext>
             </a:extLst>
           </a:blip>
-          <a:srcRect t="22169" r="158" b="14859"/>
+          <a:srcRect l="19118" t="389"/>
           <a:stretch/>
         </p:blipFill>
         <p:spPr>
           <a:xfrm>
-            <a:off x="4076241" y="3829235"/>
-            <a:ext cx="2621384" cy="2936882"/>
+            <a:off x="4170753" y="2083951"/>
+            <a:ext cx="4417429" cy="3062689"/>
           </a:xfrm>
           <a:prstGeom prst="rect">
             <a:avLst/>
           </a:prstGeom>
+          <a:solidFill>
+            <a:srgbClr val="FFFFFF">
+              <a:shade val="85000"/>
+            </a:srgbClr>
+          </a:solidFill>
+          <a:ln w="88900" cap="sq">
+            <a:solidFill>
+              <a:srgbClr val="FFFFFF"/>
+            </a:solidFill>
+            <a:miter lim="800000"/>
+          </a:ln>
+          <a:effectLst>
+            <a:outerShdw blurRad="55000" dist="18000" dir="5400000" algn="tl" rotWithShape="0">
+              <a:srgbClr val="000000">
+                <a:alpha val="40000"/>
+              </a:srgbClr>
+            </a:outerShdw>
+          </a:effectLst>
+          <a:scene3d>
+            <a:camera prst="orthographicFront"/>
+            <a:lightRig rig="twoPt" dir="t">
+              <a:rot lat="0" lon="0" rev="7200000"/>
+            </a:lightRig>
+          </a:scene3d>
+          <a:sp3d>
+            <a:bevelT w="25400" h="19050"/>
+            <a:contourClr>
+              <a:srgbClr val="FFFFFF"/>
+            </a:contourClr>
+          </a:sp3d>
         </p:spPr>
       </p:pic>
       <p:pic>
         <p:nvPicPr>
-          <p:cNvPr id="5" name="Picture 4"/>
+          <p:cNvPr id="6" name="Picture 5"/>
           <p:cNvPicPr>
             <a:picLocks noChangeAspect="1"/>
           </p:cNvPicPr>
@@ -10299,17 +10350,47 @@
               </a:ext>
             </a:extLst>
           </a:blip>
-          <a:srcRect l="19118" t="389"/>
+          <a:srcRect t="12479" b="8205"/>
           <a:stretch/>
         </p:blipFill>
         <p:spPr>
           <a:xfrm>
-            <a:off x="6912620" y="251461"/>
-            <a:ext cx="4417429" cy="3062689"/>
+            <a:off x="9121335" y="1727879"/>
+            <a:ext cx="2679262" cy="3774831"/>
           </a:xfrm>
           <a:prstGeom prst="rect">
             <a:avLst/>
           </a:prstGeom>
+          <a:solidFill>
+            <a:srgbClr val="FFFFFF">
+              <a:shade val="85000"/>
+            </a:srgbClr>
+          </a:solidFill>
+          <a:ln w="88900" cap="sq">
+            <a:solidFill>
+              <a:srgbClr val="FFFFFF"/>
+            </a:solidFill>
+            <a:miter lim="800000"/>
+          </a:ln>
+          <a:effectLst>
+            <a:outerShdw blurRad="55000" dist="18000" dir="5400000" algn="tl" rotWithShape="0">
+              <a:srgbClr val="000000">
+                <a:alpha val="40000"/>
+              </a:srgbClr>
+            </a:outerShdw>
+          </a:effectLst>
+          <a:scene3d>
+            <a:camera prst="orthographicFront"/>
+            <a:lightRig rig="twoPt" dir="t">
+              <a:rot lat="0" lon="0" rev="7200000"/>
+            </a:lightRig>
+          </a:scene3d>
+          <a:sp3d>
+            <a:bevelT w="25400" h="19050"/>
+            <a:contourClr>
+              <a:srgbClr val="FFFFFF"/>
+            </a:contourClr>
+          </a:sp3d>
         </p:spPr>
       </p:pic>
     </p:spTree>

--- a/Documents/ClientPresent2.pptx
+++ b/Documents/ClientPresent2.pptx
@@ -209,7 +209,7 @@
           <a:p>
             <a:fld id="{6FB66DF6-752B-44A8-85EB-BCFB4BEA1546}" type="datetimeFigureOut">
               <a:rPr lang="en-US" smtClean="0"/>
-              <a:t>12/4/2015</a:t>
+              <a:t>12/7/2015</a:t>
             </a:fld>
             <a:endParaRPr lang="en-US"/>
           </a:p>
@@ -789,20 +789,6 @@
               <a:rPr lang="en-US" dirty="0" smtClean="0"/>
               <a:t>Christine</a:t>
             </a:r>
-          </a:p>
-          <a:p>
-            <a:r>
-              <a:rPr lang="en-US" dirty="0" smtClean="0"/>
-              <a:t>Need to add dates</a:t>
-            </a:r>
-            <a:r>
-              <a:rPr lang="en-US" baseline="0" dirty="0" smtClean="0"/>
-              <a:t> for research </a:t>
-            </a:r>
-            <a:r>
-              <a:rPr lang="en-US" baseline="0" dirty="0" err="1" smtClean="0"/>
-              <a:t>synposium</a:t>
-            </a:r>
             <a:endParaRPr lang="en-US" dirty="0"/>
           </a:p>
         </p:txBody>
@@ -1738,7 +1724,7 @@
           <a:p>
             <a:fld id="{1209F774-2864-49B1-8321-83A0838F6E88}" type="datetimeFigureOut">
               <a:rPr lang="en-US" smtClean="0"/>
-              <a:t>12/4/2015</a:t>
+              <a:t>12/7/2015</a:t>
             </a:fld>
             <a:endParaRPr lang="en-US"/>
           </a:p>
@@ -2174,7 +2160,7 @@
           <a:p>
             <a:fld id="{1209F774-2864-49B1-8321-83A0838F6E88}" type="datetimeFigureOut">
               <a:rPr lang="en-US" smtClean="0"/>
-              <a:t>12/4/2015</a:t>
+              <a:t>12/7/2015</a:t>
             </a:fld>
             <a:endParaRPr lang="en-US"/>
           </a:p>
@@ -2424,7 +2410,7 @@
           <a:p>
             <a:fld id="{1209F774-2864-49B1-8321-83A0838F6E88}" type="datetimeFigureOut">
               <a:rPr lang="en-US" smtClean="0"/>
-              <a:t>12/4/2015</a:t>
+              <a:t>12/7/2015</a:t>
             </a:fld>
             <a:endParaRPr lang="en-US"/>
           </a:p>
@@ -2732,7 +2718,7 @@
           <a:p>
             <a:fld id="{1209F774-2864-49B1-8321-83A0838F6E88}" type="datetimeFigureOut">
               <a:rPr lang="en-US" smtClean="0"/>
-              <a:t>12/4/2015</a:t>
+              <a:t>12/7/2015</a:t>
             </a:fld>
             <a:endParaRPr lang="en-US"/>
           </a:p>
@@ -3050,7 +3036,7 @@
           <a:p>
             <a:fld id="{1209F774-2864-49B1-8321-83A0838F6E88}" type="datetimeFigureOut">
               <a:rPr lang="en-US" smtClean="0"/>
-              <a:t>12/4/2015</a:t>
+              <a:t>12/7/2015</a:t>
             </a:fld>
             <a:endParaRPr lang="en-US"/>
           </a:p>
@@ -3352,7 +3338,7 @@
           <a:p>
             <a:fld id="{1209F774-2864-49B1-8321-83A0838F6E88}" type="datetimeFigureOut">
               <a:rPr lang="en-US" smtClean="0"/>
-              <a:t>12/4/2015</a:t>
+              <a:t>12/7/2015</a:t>
             </a:fld>
             <a:endParaRPr lang="en-US"/>
           </a:p>
@@ -3719,7 +3705,7 @@
           <a:p>
             <a:fld id="{1209F774-2864-49B1-8321-83A0838F6E88}" type="datetimeFigureOut">
               <a:rPr lang="en-US" smtClean="0"/>
-              <a:t>12/4/2015</a:t>
+              <a:t>12/7/2015</a:t>
             </a:fld>
             <a:endParaRPr lang="en-US"/>
           </a:p>
@@ -3893,7 +3879,7 @@
           <a:p>
             <a:fld id="{1209F774-2864-49B1-8321-83A0838F6E88}" type="datetimeFigureOut">
               <a:rPr lang="en-US" smtClean="0"/>
-              <a:t>12/4/2015</a:t>
+              <a:t>12/7/2015</a:t>
             </a:fld>
             <a:endParaRPr lang="en-US"/>
           </a:p>
@@ -4073,7 +4059,7 @@
           <a:p>
             <a:fld id="{1209F774-2864-49B1-8321-83A0838F6E88}" type="datetimeFigureOut">
               <a:rPr lang="en-US" smtClean="0"/>
-              <a:t>12/4/2015</a:t>
+              <a:t>12/7/2015</a:t>
             </a:fld>
             <a:endParaRPr lang="en-US"/>
           </a:p>
@@ -4243,7 +4229,7 @@
           <a:p>
             <a:fld id="{1209F774-2864-49B1-8321-83A0838F6E88}" type="datetimeFigureOut">
               <a:rPr lang="en-US" smtClean="0"/>
-              <a:t>12/4/2015</a:t>
+              <a:t>12/7/2015</a:t>
             </a:fld>
             <a:endParaRPr lang="en-US"/>
           </a:p>
@@ -4493,7 +4479,7 @@
           <a:p>
             <a:fld id="{1209F774-2864-49B1-8321-83A0838F6E88}" type="datetimeFigureOut">
               <a:rPr lang="en-US" smtClean="0"/>
-              <a:t>12/4/2015</a:t>
+              <a:t>12/7/2015</a:t>
             </a:fld>
             <a:endParaRPr lang="en-US"/>
           </a:p>
@@ -4729,7 +4715,7 @@
           <a:p>
             <a:fld id="{1209F774-2864-49B1-8321-83A0838F6E88}" type="datetimeFigureOut">
               <a:rPr lang="en-US" smtClean="0"/>
-              <a:t>12/4/2015</a:t>
+              <a:t>12/7/2015</a:t>
             </a:fld>
             <a:endParaRPr lang="en-US"/>
           </a:p>
@@ -5111,7 +5097,7 @@
           <a:p>
             <a:fld id="{1209F774-2864-49B1-8321-83A0838F6E88}" type="datetimeFigureOut">
               <a:rPr lang="en-US" smtClean="0"/>
-              <a:t>12/4/2015</a:t>
+              <a:t>12/7/2015</a:t>
             </a:fld>
             <a:endParaRPr lang="en-US"/>
           </a:p>
@@ -5229,7 +5215,7 @@
           <a:p>
             <a:fld id="{1209F774-2864-49B1-8321-83A0838F6E88}" type="datetimeFigureOut">
               <a:rPr lang="en-US" smtClean="0"/>
-              <a:t>12/4/2015</a:t>
+              <a:t>12/7/2015</a:t>
             </a:fld>
             <a:endParaRPr lang="en-US"/>
           </a:p>
@@ -5324,7 +5310,7 @@
           <a:p>
             <a:fld id="{1209F774-2864-49B1-8321-83A0838F6E88}" type="datetimeFigureOut">
               <a:rPr lang="en-US" smtClean="0"/>
-              <a:t>12/4/2015</a:t>
+              <a:t>12/7/2015</a:t>
             </a:fld>
             <a:endParaRPr lang="en-US"/>
           </a:p>
@@ -5579,7 +5565,7 @@
           <a:p>
             <a:fld id="{1209F774-2864-49B1-8321-83A0838F6E88}" type="datetimeFigureOut">
               <a:rPr lang="en-US" smtClean="0"/>
-              <a:t>12/4/2015</a:t>
+              <a:t>12/7/2015</a:t>
             </a:fld>
             <a:endParaRPr lang="en-US"/>
           </a:p>
@@ -5862,7 +5848,7 @@
           <a:p>
             <a:fld id="{1209F774-2864-49B1-8321-83A0838F6E88}" type="datetimeFigureOut">
               <a:rPr lang="en-US" smtClean="0"/>
-              <a:t>12/4/2015</a:t>
+              <a:t>12/7/2015</a:t>
             </a:fld>
             <a:endParaRPr lang="en-US"/>
           </a:p>
@@ -6268,7 +6254,7 @@
           <a:p>
             <a:fld id="{1209F774-2864-49B1-8321-83A0838F6E88}" type="datetimeFigureOut">
               <a:rPr lang="en-US" smtClean="0"/>
-              <a:t>12/4/2015</a:t>
+              <a:t>12/7/2015</a:t>
             </a:fld>
             <a:endParaRPr lang="en-US"/>
           </a:p>
@@ -6975,7 +6961,7 @@
         <p:spPr>
           <a:xfrm>
             <a:off x="586935" y="1704661"/>
-            <a:ext cx="8001247" cy="2800767"/>
+            <a:ext cx="8001247" cy="2585323"/>
           </a:xfrm>
           <a:prstGeom prst="rect">
             <a:avLst/>
@@ -6993,7 +6979,7 @@
               <a:buChar char="•"/>
             </a:pPr>
             <a:r>
-              <a:rPr lang="en-US" sz="2000" dirty="0" smtClean="0">
+              <a:rPr lang="en-US" dirty="0" smtClean="0">
                 <a:solidFill>
                   <a:schemeClr val="tx1">
                     <a:lumMod val="85000"/>
@@ -7008,7 +6994,7 @@
               <a:buFont typeface="Arial" panose="020B0604020202020204" pitchFamily="34" charset="0"/>
               <a:buChar char="•"/>
             </a:pPr>
-            <a:endParaRPr lang="en-US" sz="2000" dirty="0">
+            <a:endParaRPr lang="en-US" dirty="0">
               <a:solidFill>
                 <a:schemeClr val="tx1">
                   <a:lumMod val="85000"/>
@@ -7022,7 +7008,7 @@
               <a:buChar char="•"/>
             </a:pPr>
             <a:r>
-              <a:rPr lang="en-US" sz="2000" dirty="0" smtClean="0">
+              <a:rPr lang="en-US" dirty="0" smtClean="0">
                 <a:solidFill>
                   <a:schemeClr val="tx1">
                     <a:lumMod val="85000"/>
@@ -7038,7 +7024,7 @@
               <a:buChar char="•"/>
             </a:pPr>
             <a:r>
-              <a:rPr lang="en-US" sz="2000" dirty="0" smtClean="0">
+              <a:rPr lang="en-US" dirty="0" smtClean="0">
                 <a:solidFill>
                   <a:schemeClr val="tx1">
                     <a:lumMod val="85000"/>
@@ -7048,7 +7034,7 @@
               <a:t> 8.5 </a:t>
             </a:r>
             <a:r>
-              <a:rPr lang="en-US" sz="2000" dirty="0" err="1" smtClean="0">
+              <a:rPr lang="en-US" dirty="0" err="1" smtClean="0">
                 <a:solidFill>
                   <a:schemeClr val="tx1">
                     <a:lumMod val="85000"/>
@@ -7057,7 +7043,7 @@
               </a:rPr>
               <a:t>GigaFlops</a:t>
             </a:r>
-            <a:endParaRPr lang="en-US" sz="2000" dirty="0">
+            <a:endParaRPr lang="en-US" dirty="0">
               <a:solidFill>
                 <a:schemeClr val="tx1">
                   <a:lumMod val="85000"/>
@@ -7070,7 +7056,7 @@
               <a:buFont typeface="Arial" panose="020B0604020202020204" pitchFamily="34" charset="0"/>
               <a:buChar char="•"/>
             </a:pPr>
-            <a:endParaRPr lang="en-US" sz="2000" dirty="0" smtClean="0">
+            <a:endParaRPr lang="en-US" dirty="0" smtClean="0">
               <a:solidFill>
                 <a:schemeClr val="tx1">
                   <a:lumMod val="85000"/>
@@ -7084,7 +7070,7 @@
               <a:buChar char="•"/>
             </a:pPr>
             <a:r>
-              <a:rPr lang="en-US" sz="2000" dirty="0" smtClean="0">
+              <a:rPr lang="en-US" dirty="0" smtClean="0">
                 <a:solidFill>
                   <a:schemeClr val="tx1">
                     <a:lumMod val="85000"/>
@@ -7100,7 +7086,7 @@
               <a:buChar char="•"/>
             </a:pPr>
             <a:r>
-              <a:rPr lang="en-US" sz="2000" dirty="0" smtClean="0">
+              <a:rPr lang="en-US" dirty="0" smtClean="0">
                 <a:solidFill>
                   <a:schemeClr val="tx1">
                     <a:lumMod val="85000"/>
@@ -7110,7 +7096,7 @@
               <a:t>6.3 </a:t>
             </a:r>
             <a:r>
-              <a:rPr lang="en-US" sz="2000" dirty="0" err="1" smtClean="0">
+              <a:rPr lang="en-US" dirty="0" err="1" smtClean="0">
                 <a:solidFill>
                   <a:schemeClr val="tx1">
                     <a:lumMod val="85000"/>
@@ -7119,7 +7105,7 @@
               </a:rPr>
               <a:t>GigaFlops</a:t>
             </a:r>
-            <a:endParaRPr lang="en-US" sz="2000" dirty="0" smtClean="0">
+            <a:endParaRPr lang="en-US" dirty="0" smtClean="0">
               <a:solidFill>
                 <a:schemeClr val="tx1">
                   <a:lumMod val="85000"/>
@@ -7228,8 +7214,8 @@
         </p:nvSpPr>
         <p:spPr>
           <a:xfrm>
-            <a:off x="586935" y="1631668"/>
-            <a:ext cx="8001247" cy="4678204"/>
+            <a:off x="528569" y="1830961"/>
+            <a:ext cx="8001247" cy="4247317"/>
           </a:xfrm>
           <a:prstGeom prst="rect">
             <a:avLst/>
@@ -7247,7 +7233,7 @@
               <a:buChar char="•"/>
             </a:pPr>
             <a:r>
-              <a:rPr lang="en-US" sz="2000" dirty="0" smtClean="0">
+              <a:rPr lang="en-US" dirty="0" smtClean="0">
                 <a:solidFill>
                   <a:schemeClr val="tx1">
                     <a:lumMod val="85000"/>
@@ -7263,7 +7249,7 @@
               <a:buChar char="•"/>
             </a:pPr>
             <a:r>
-              <a:rPr lang="en-US" sz="2000" dirty="0" smtClean="0">
+              <a:rPr lang="en-US" dirty="0" smtClean="0">
                 <a:solidFill>
                   <a:schemeClr val="tx1">
                     <a:lumMod val="85000"/>
@@ -7278,7 +7264,7 @@
               <a:buFont typeface="Arial" panose="020B0604020202020204" pitchFamily="34" charset="0"/>
               <a:buChar char="•"/>
             </a:pPr>
-            <a:endParaRPr lang="en-US" sz="2000" dirty="0">
+            <a:endParaRPr lang="en-US" dirty="0">
               <a:solidFill>
                 <a:schemeClr val="tx1">
                   <a:lumMod val="85000"/>
@@ -7292,7 +7278,7 @@
               <a:buChar char="•"/>
             </a:pPr>
             <a:r>
-              <a:rPr lang="en-US" sz="2000" dirty="0" smtClean="0">
+              <a:rPr lang="en-US" dirty="0" smtClean="0">
                 <a:solidFill>
                   <a:schemeClr val="tx1">
                     <a:lumMod val="85000"/>
@@ -7308,7 +7294,7 @@
               <a:buChar char="•"/>
             </a:pPr>
             <a:r>
-              <a:rPr lang="en-US" sz="2000" dirty="0" smtClean="0">
+              <a:rPr lang="en-US" dirty="0" smtClean="0">
                 <a:solidFill>
                   <a:schemeClr val="tx1">
                     <a:lumMod val="85000"/>
@@ -7324,7 +7310,7 @@
               <a:buChar char="•"/>
             </a:pPr>
             <a:r>
-              <a:rPr lang="en-US" sz="2000" dirty="0" smtClean="0">
+              <a:rPr lang="en-US" dirty="0" smtClean="0">
                 <a:solidFill>
                   <a:schemeClr val="tx1">
                     <a:lumMod val="85000"/>
@@ -7339,7 +7325,7 @@
               <a:buFont typeface="Arial" panose="020B0604020202020204" pitchFamily="34" charset="0"/>
               <a:buChar char="•"/>
             </a:pPr>
-            <a:endParaRPr lang="en-US" sz="2000" dirty="0">
+            <a:endParaRPr lang="en-US" dirty="0">
               <a:solidFill>
                 <a:schemeClr val="tx1">
                   <a:lumMod val="85000"/>
@@ -7353,7 +7339,7 @@
               <a:buChar char="•"/>
             </a:pPr>
             <a:r>
-              <a:rPr lang="en-US" sz="2000" dirty="0" smtClean="0">
+              <a:rPr lang="en-US" dirty="0" smtClean="0">
                 <a:solidFill>
                   <a:schemeClr val="tx1">
                     <a:lumMod val="85000"/>
@@ -7369,7 +7355,7 @@
               <a:buChar char="•"/>
             </a:pPr>
             <a:r>
-              <a:rPr lang="en-US" sz="2000" dirty="0" smtClean="0">
+              <a:rPr lang="en-US" dirty="0" smtClean="0">
                 <a:solidFill>
                   <a:schemeClr val="tx1">
                     <a:lumMod val="85000"/>
@@ -7381,7 +7367,7 @@
           </a:p>
           <a:p>
             <a:pPr lvl="1"/>
-            <a:endParaRPr lang="en-US" sz="2000" dirty="0">
+            <a:endParaRPr lang="en-US" dirty="0">
               <a:solidFill>
                 <a:schemeClr val="tx1">
                   <a:lumMod val="85000"/>
@@ -7395,7 +7381,7 @@
               <a:buChar char="•"/>
             </a:pPr>
             <a:r>
-              <a:rPr lang="en-US" sz="2000" dirty="0" smtClean="0">
+              <a:rPr lang="en-US" dirty="0" smtClean="0">
                 <a:solidFill>
                   <a:schemeClr val="tx1">
                     <a:lumMod val="85000"/>
@@ -7411,7 +7397,7 @@
               <a:buChar char="•"/>
             </a:pPr>
             <a:r>
-              <a:rPr lang="en-US" sz="2000" dirty="0" smtClean="0">
+              <a:rPr lang="en-US" dirty="0" smtClean="0">
                 <a:solidFill>
                   <a:schemeClr val="tx1">
                     <a:lumMod val="85000"/>
@@ -7426,7 +7412,7 @@
               <a:buFont typeface="Arial" panose="020B0604020202020204" pitchFamily="34" charset="0"/>
               <a:buChar char="•"/>
             </a:pPr>
-            <a:endParaRPr lang="en-US" sz="2000" dirty="0">
+            <a:endParaRPr lang="en-US" dirty="0">
               <a:solidFill>
                 <a:schemeClr val="tx1">
                   <a:lumMod val="85000"/>
@@ -7440,7 +7426,7 @@
               <a:buChar char="•"/>
             </a:pPr>
             <a:r>
-              <a:rPr lang="en-US" sz="2000" dirty="0" smtClean="0">
+              <a:rPr lang="en-US" dirty="0" smtClean="0">
                 <a:solidFill>
                   <a:schemeClr val="tx1">
                     <a:lumMod val="85000"/>
@@ -7450,7 +7436,7 @@
               <a:t>ODROID Ux</a:t>
             </a:r>
             <a:r>
-              <a:rPr lang="en-US" sz="2000" dirty="0">
+              <a:rPr lang="en-US" dirty="0">
                 <a:solidFill>
                   <a:schemeClr val="tx1">
                     <a:lumMod val="85000"/>
@@ -7459,7 +7445,7 @@
               </a:rPr>
               <a:t>4</a:t>
             </a:r>
-            <a:endParaRPr lang="en-US" sz="2000" dirty="0" smtClean="0">
+            <a:endParaRPr lang="en-US" dirty="0" smtClean="0">
               <a:solidFill>
                 <a:schemeClr val="tx1">
                   <a:lumMod val="85000"/>
@@ -7473,7 +7459,7 @@
               <a:buChar char="•"/>
             </a:pPr>
             <a:r>
-              <a:rPr lang="en-US" sz="2000" dirty="0" smtClean="0">
+              <a:rPr lang="en-US" dirty="0" smtClean="0">
                 <a:solidFill>
                   <a:schemeClr val="tx1">
                     <a:lumMod val="85000"/>
@@ -7482,7 +7468,7 @@
               </a:rPr>
               <a:t>(8) $76.00 each</a:t>
             </a:r>
-            <a:endParaRPr lang="en-US" sz="2000" dirty="0">
+            <a:endParaRPr lang="en-US" dirty="0">
               <a:solidFill>
                 <a:schemeClr val="tx1">
                   <a:lumMod val="85000"/>
@@ -7566,7 +7552,7 @@
         <p:spPr>
           <a:xfrm>
             <a:off x="636915" y="2021489"/>
-            <a:ext cx="8001247" cy="1015663"/>
+            <a:ext cx="8001247" cy="923330"/>
           </a:xfrm>
           <a:prstGeom prst="rect">
             <a:avLst/>
@@ -7584,7 +7570,7 @@
               <a:buChar char="•"/>
             </a:pPr>
             <a:r>
-              <a:rPr lang="en-US" sz="2000" dirty="0" smtClean="0">
+              <a:rPr lang="en-US" dirty="0" smtClean="0">
                 <a:solidFill>
                   <a:schemeClr val="tx1">
                     <a:lumMod val="85000"/>
@@ -7599,7 +7585,7 @@
               <a:buFont typeface="Arial" panose="020B0604020202020204" pitchFamily="34" charset="0"/>
               <a:buChar char="•"/>
             </a:pPr>
-            <a:endParaRPr lang="en-US" sz="2000" dirty="0">
+            <a:endParaRPr lang="en-US" dirty="0">
               <a:solidFill>
                 <a:schemeClr val="tx1">
                   <a:lumMod val="85000"/>
@@ -7613,7 +7599,7 @@
               <a:buChar char="•"/>
             </a:pPr>
             <a:r>
-              <a:rPr lang="en-US" sz="2000" dirty="0" smtClean="0">
+              <a:rPr lang="en-US" dirty="0" smtClean="0">
                 <a:solidFill>
                   <a:schemeClr val="tx1">
                     <a:lumMod val="85000"/>
@@ -7622,7 +7608,7 @@
               </a:rPr>
               <a:t>Develop and benchmark a new communication</a:t>
             </a:r>
-            <a:endParaRPr lang="en-US" sz="2000" dirty="0">
+            <a:endParaRPr lang="en-US" dirty="0">
               <a:solidFill>
                 <a:schemeClr val="tx1">
                   <a:lumMod val="85000"/>
@@ -7706,7 +7692,7 @@
         <p:spPr>
           <a:xfrm>
             <a:off x="636915" y="2021489"/>
-            <a:ext cx="8001247" cy="3170099"/>
+            <a:ext cx="8001247" cy="2862322"/>
           </a:xfrm>
           <a:prstGeom prst="rect">
             <a:avLst/>
@@ -7724,7 +7710,7 @@
               <a:buChar char="•"/>
             </a:pPr>
             <a:r>
-              <a:rPr lang="en-US" sz="2000" dirty="0" smtClean="0">
+              <a:rPr lang="en-US" dirty="0" smtClean="0">
                 <a:solidFill>
                   <a:schemeClr val="tx1">
                     <a:lumMod val="85000"/>
@@ -7740,7 +7726,7 @@
               <a:buChar char="•"/>
             </a:pPr>
             <a:r>
-              <a:rPr lang="en-US" sz="2000" dirty="0" smtClean="0">
+              <a:rPr lang="en-US" dirty="0" smtClean="0">
                 <a:solidFill>
                   <a:schemeClr val="tx1">
                     <a:lumMod val="85000"/>
@@ -7755,7 +7741,7 @@
               <a:buFont typeface="Arial" panose="020B0604020202020204" pitchFamily="34" charset="0"/>
               <a:buChar char="•"/>
             </a:pPr>
-            <a:endParaRPr lang="en-US" sz="2000" dirty="0">
+            <a:endParaRPr lang="en-US" dirty="0">
               <a:solidFill>
                 <a:schemeClr val="tx1">
                   <a:lumMod val="85000"/>
@@ -7769,7 +7755,7 @@
               <a:buChar char="•"/>
             </a:pPr>
             <a:r>
-              <a:rPr lang="en-US" sz="2000" dirty="0" smtClean="0">
+              <a:rPr lang="en-US" dirty="0" smtClean="0">
                 <a:solidFill>
                   <a:schemeClr val="tx1">
                     <a:lumMod val="85000"/>
@@ -7785,7 +7771,7 @@
               <a:buChar char="•"/>
             </a:pPr>
             <a:r>
-              <a:rPr lang="en-US" sz="2000" dirty="0" smtClean="0">
+              <a:rPr lang="en-US" dirty="0" smtClean="0">
                 <a:solidFill>
                   <a:schemeClr val="tx1">
                     <a:lumMod val="85000"/>
@@ -7800,7 +7786,7 @@
               <a:buFont typeface="Arial" panose="020B0604020202020204" pitchFamily="34" charset="0"/>
               <a:buChar char="•"/>
             </a:pPr>
-            <a:endParaRPr lang="en-US" sz="2000" dirty="0">
+            <a:endParaRPr lang="en-US" dirty="0">
               <a:solidFill>
                 <a:schemeClr val="tx1">
                   <a:lumMod val="85000"/>
@@ -7814,7 +7800,7 @@
               <a:buChar char="•"/>
             </a:pPr>
             <a:r>
-              <a:rPr lang="en-US" sz="2000" dirty="0" smtClean="0">
+              <a:rPr lang="en-US" dirty="0" smtClean="0">
                 <a:solidFill>
                   <a:schemeClr val="tx1">
                     <a:lumMod val="85000"/>
@@ -7830,7 +7816,7 @@
               <a:buChar char="•"/>
             </a:pPr>
             <a:r>
-              <a:rPr lang="en-US" sz="2000" dirty="0" smtClean="0">
+              <a:rPr lang="en-US" dirty="0" smtClean="0">
                 <a:solidFill>
                   <a:schemeClr val="tx1">
                     <a:lumMod val="85000"/>
@@ -7845,7 +7831,7 @@
               <a:buFont typeface="Arial" panose="020B0604020202020204" pitchFamily="34" charset="0"/>
               <a:buChar char="•"/>
             </a:pPr>
-            <a:endParaRPr lang="en-US" sz="2000" dirty="0">
+            <a:endParaRPr lang="en-US" dirty="0">
               <a:solidFill>
                 <a:schemeClr val="tx1">
                   <a:lumMod val="85000"/>
@@ -7859,7 +7845,7 @@
               <a:buChar char="•"/>
             </a:pPr>
             <a:r>
-              <a:rPr lang="en-US" sz="2000" dirty="0" smtClean="0">
+              <a:rPr lang="en-US" dirty="0" smtClean="0">
                 <a:solidFill>
                   <a:schemeClr val="tx1">
                     <a:lumMod val="85000"/>
@@ -7945,7 +7931,7 @@
         <p:spPr>
           <a:xfrm>
             <a:off x="636915" y="2021489"/>
-            <a:ext cx="8001247" cy="400110"/>
+            <a:ext cx="8001247" cy="369332"/>
           </a:xfrm>
           <a:prstGeom prst="rect">
             <a:avLst/>
@@ -7963,7 +7949,7 @@
               <a:buChar char="•"/>
             </a:pPr>
             <a:r>
-              <a:rPr lang="en-US" sz="2000" dirty="0" smtClean="0">
+              <a:rPr lang="en-US" dirty="0" smtClean="0">
                 <a:solidFill>
                   <a:schemeClr val="tx1">
                     <a:lumMod val="85000"/>
@@ -7973,7 +7959,7 @@
               <a:t>Dr. Christer </a:t>
             </a:r>
             <a:r>
-              <a:rPr lang="en-US" sz="2000" dirty="0" err="1" smtClean="0">
+              <a:rPr lang="en-US" dirty="0" err="1" smtClean="0">
                 <a:solidFill>
                   <a:schemeClr val="tx1">
                     <a:lumMod val="85000"/>
@@ -7982,7 +7968,7 @@
               </a:rPr>
               <a:t>Karlsson</a:t>
             </a:r>
-            <a:endParaRPr lang="en-US" sz="2000" dirty="0">
+            <a:endParaRPr lang="en-US" dirty="0">
               <a:solidFill>
                 <a:schemeClr val="tx1">
                   <a:lumMod val="85000"/>
@@ -8002,7 +7988,7 @@
         </p:nvSpPr>
         <p:spPr>
           <a:xfrm>
-            <a:off x="636915" y="3001460"/>
+            <a:off x="636914" y="2696140"/>
             <a:ext cx="8534400" cy="1507067"/>
           </a:xfrm>
           <a:prstGeom prst="rect">
@@ -8107,8 +8093,8 @@
         </p:nvSpPr>
         <p:spPr>
           <a:xfrm>
-            <a:off x="636914" y="4508527"/>
-            <a:ext cx="8001247" cy="1015663"/>
+            <a:off x="636914" y="3944583"/>
+            <a:ext cx="8001247" cy="923330"/>
           </a:xfrm>
           <a:prstGeom prst="rect">
             <a:avLst/>
@@ -8126,7 +8112,7 @@
               <a:buChar char="•"/>
             </a:pPr>
             <a:r>
-              <a:rPr lang="en-US" sz="2000" dirty="0" smtClean="0">
+              <a:rPr lang="en-US" dirty="0" smtClean="0">
                 <a:solidFill>
                   <a:schemeClr val="tx1">
                     <a:lumMod val="85000"/>
@@ -8142,7 +8128,7 @@
               <a:buChar char="•"/>
             </a:pPr>
             <a:r>
-              <a:rPr lang="en-US" sz="2000" dirty="0" smtClean="0">
+              <a:rPr lang="en-US" dirty="0" smtClean="0">
                 <a:solidFill>
                   <a:schemeClr val="tx1">
                     <a:lumMod val="85000"/>
@@ -8158,16 +8144,26 @@
               <a:buChar char="•"/>
             </a:pPr>
             <a:r>
-              <a:rPr lang="en-US" sz="2000" dirty="0" smtClean="0">
+              <a:rPr lang="en-US" dirty="0" smtClean="0">
                 <a:solidFill>
                   <a:schemeClr val="tx1">
                     <a:lumMod val="85000"/>
                   </a:schemeClr>
                 </a:solidFill>
               </a:rPr>
-              <a:t>Fastest and most efficient</a:t>
-            </a:r>
-            <a:endParaRPr lang="en-US" sz="2000" dirty="0">
+              <a:t>Fastest and most </a:t>
+            </a:r>
+            <a:r>
+              <a:rPr lang="en-US" dirty="0" smtClean="0">
+                <a:solidFill>
+                  <a:schemeClr val="tx1">
+                    <a:lumMod val="85000"/>
+                  </a:schemeClr>
+                </a:solidFill>
+              </a:rPr>
+              <a:t>efficient</a:t>
+            </a:r>
+            <a:endParaRPr lang="en-US" dirty="0">
               <a:solidFill>
                 <a:schemeClr val="tx1">
                   <a:lumMod val="85000"/>
@@ -8251,7 +8247,7 @@
         <p:spPr>
           <a:xfrm>
             <a:off x="528569" y="1830961"/>
-            <a:ext cx="8001247" cy="1569660"/>
+            <a:ext cx="8001247" cy="1477328"/>
           </a:xfrm>
           <a:prstGeom prst="rect">
             <a:avLst/>
@@ -8282,7 +8278,7 @@
               <a:buChar char="•"/>
             </a:pPr>
             <a:r>
-              <a:rPr lang="en-US" sz="2000" dirty="0" smtClean="0">
+              <a:rPr lang="en-US" dirty="0" smtClean="0">
                 <a:solidFill>
                   <a:schemeClr val="tx1">
                     <a:lumMod val="85000"/>
@@ -8297,7 +8293,7 @@
               <a:buFont typeface="Arial" panose="020B0604020202020204" pitchFamily="34" charset="0"/>
               <a:buChar char="•"/>
             </a:pPr>
-            <a:endParaRPr lang="en-US" sz="2000" dirty="0">
+            <a:endParaRPr lang="en-US" dirty="0">
               <a:solidFill>
                 <a:schemeClr val="tx1">
                   <a:lumMod val="85000"/>
@@ -8311,32 +8307,15 @@
               <a:buChar char="•"/>
             </a:pPr>
             <a:r>
-              <a:rPr lang="en-US" sz="2000" dirty="0" smtClean="0">
+              <a:rPr lang="en-US" dirty="0" smtClean="0">
                 <a:solidFill>
                   <a:schemeClr val="tx1">
                     <a:lumMod val="85000"/>
                   </a:schemeClr>
                 </a:solidFill>
               </a:rPr>
-              <a:t>Establish proof of </a:t>
-            </a:r>
-            <a:r>
-              <a:rPr lang="en-US" sz="2000" dirty="0" smtClean="0">
-                <a:solidFill>
-                  <a:schemeClr val="tx1">
-                    <a:lumMod val="85000"/>
-                  </a:schemeClr>
-                </a:solidFill>
-              </a:rPr>
-              <a:t>concept</a:t>
-            </a:r>
-            <a:endParaRPr lang="en-US" sz="2000" dirty="0" smtClean="0">
-              <a:solidFill>
-                <a:schemeClr val="tx1">
-                  <a:lumMod val="85000"/>
-                </a:schemeClr>
-              </a:solidFill>
-            </a:endParaRPr>
+              <a:t>Establish proof of Concept</a:t>
+            </a:r>
           </a:p>
           <a:p>
             <a:pPr marL="285750" indent="-285750">
@@ -8426,8 +8405,8 @@
         </p:nvSpPr>
         <p:spPr>
           <a:xfrm>
-            <a:off x="250053" y="1889327"/>
-            <a:ext cx="8001247" cy="707886"/>
+            <a:off x="636915" y="2021489"/>
+            <a:ext cx="8001247" cy="646331"/>
           </a:xfrm>
           <a:prstGeom prst="rect">
             <a:avLst/>
@@ -8445,15 +8424,32 @@
               <a:buChar char="•"/>
             </a:pPr>
             <a:r>
-              <a:rPr lang="en-US" sz="2000" dirty="0" smtClean="0">
+              <a:rPr lang="en-US" dirty="0" smtClean="0">
                 <a:solidFill>
                   <a:schemeClr val="tx1">
                     <a:lumMod val="85000"/>
                   </a:schemeClr>
                 </a:solidFill>
               </a:rPr>
-              <a:t>Snow White and the seven dwarves</a:t>
-            </a:r>
+              <a:t>Snow White and the seven </a:t>
+            </a:r>
+            <a:r>
+              <a:rPr lang="en-US" dirty="0" smtClean="0">
+                <a:solidFill>
+                  <a:schemeClr val="tx1">
+                    <a:lumMod val="85000"/>
+                  </a:schemeClr>
+                </a:solidFill>
+              </a:rPr>
+              <a:t>dwarfs</a:t>
+            </a:r>
+            <a:endParaRPr lang="en-US" dirty="0" smtClean="0">
+              <a:solidFill>
+                <a:schemeClr val="tx1">
+                  <a:lumMod val="85000"/>
+                </a:schemeClr>
+              </a:solidFill>
+            </a:endParaRPr>
           </a:p>
           <a:p>
             <a:pPr marL="285750" indent="-285750">
@@ -8461,27 +8457,27 @@
               <a:buChar char="•"/>
             </a:pPr>
             <a:r>
-              <a:rPr lang="en-US" sz="2000" dirty="0" smtClean="0">
+              <a:rPr lang="en-US" dirty="0" smtClean="0">
                 <a:solidFill>
                   <a:schemeClr val="tx1">
                     <a:lumMod val="85000"/>
                   </a:schemeClr>
                 </a:solidFill>
               </a:rPr>
-              <a:t>ODROID </a:t>
-            </a:r>
-            <a:r>
-              <a:rPr lang="en-US" sz="2000" dirty="0" smtClean="0">
+              <a:t>ODROID Ux</a:t>
+            </a:r>
+            <a:r>
+              <a:rPr lang="en-US" dirty="0">
                 <a:solidFill>
                   <a:schemeClr val="tx1">
                     <a:lumMod val="85000"/>
                   </a:schemeClr>
                 </a:solidFill>
               </a:rPr>
-              <a:t>XU4</a:t>
-            </a:r>
-            <a:r>
-              <a:rPr lang="en-US" sz="2000" dirty="0" smtClean="0">
+              <a:t>4</a:t>
+            </a:r>
+            <a:r>
+              <a:rPr lang="en-US" dirty="0" smtClean="0">
                 <a:solidFill>
                   <a:schemeClr val="tx1">
                     <a:lumMod val="85000"/>
@@ -8490,7 +8486,7 @@
               </a:rPr>
               <a:t> </a:t>
             </a:r>
-            <a:endParaRPr lang="en-US" sz="2000" dirty="0">
+            <a:endParaRPr lang="en-US" dirty="0">
               <a:solidFill>
                 <a:schemeClr val="tx1">
                   <a:lumMod val="85000"/>
@@ -8521,42 +8517,12 @@
         </p:blipFill>
         <p:spPr>
           <a:xfrm rot="5400000">
-            <a:off x="1313053" y="2523461"/>
+            <a:off x="1341909" y="2816295"/>
             <a:ext cx="2878282" cy="4624151"/>
           </a:xfrm>
           <a:prstGeom prst="rect">
             <a:avLst/>
           </a:prstGeom>
-          <a:solidFill>
-            <a:srgbClr val="FFFFFF">
-              <a:shade val="85000"/>
-            </a:srgbClr>
-          </a:solidFill>
-          <a:ln w="88900" cap="sq">
-            <a:solidFill>
-              <a:srgbClr val="FFFFFF"/>
-            </a:solidFill>
-            <a:miter lim="800000"/>
-          </a:ln>
-          <a:effectLst>
-            <a:outerShdw blurRad="55000" dist="18000" dir="5400000" algn="tl" rotWithShape="0">
-              <a:srgbClr val="000000">
-                <a:alpha val="40000"/>
-              </a:srgbClr>
-            </a:outerShdw>
-          </a:effectLst>
-          <a:scene3d>
-            <a:camera prst="orthographicFront"/>
-            <a:lightRig rig="twoPt" dir="t">
-              <a:rot lat="0" lon="0" rev="7200000"/>
-            </a:lightRig>
-          </a:scene3d>
-          <a:sp3d>
-            <a:bevelT w="25400" h="19050"/>
-            <a:contourClr>
-              <a:srgbClr val="FFFFFF"/>
-            </a:contourClr>
-          </a:sp3d>
         </p:spPr>
       </p:pic>
       <p:pic>
@@ -8575,49 +8541,352 @@
               </a:ext>
             </a:extLst>
           </a:blip>
-          <a:srcRect t="-101" r="7070" b="-1"/>
+          <a:srcRect t="-101" r="7070" b="10999"/>
           <a:stretch/>
         </p:blipFill>
         <p:spPr>
           <a:xfrm>
-            <a:off x="5254336" y="950768"/>
-            <a:ext cx="6373091" cy="5148696"/>
+            <a:off x="5674857" y="1013642"/>
+            <a:ext cx="6373091" cy="4582927"/>
           </a:xfrm>
           <a:prstGeom prst="rect">
             <a:avLst/>
           </a:prstGeom>
-          <a:solidFill>
-            <a:srgbClr val="FFFFFF">
-              <a:shade val="85000"/>
-            </a:srgbClr>
-          </a:solidFill>
-          <a:ln w="88900" cap="sq">
-            <a:solidFill>
-              <a:srgbClr val="FFFFFF"/>
-            </a:solidFill>
-            <a:miter lim="800000"/>
-          </a:ln>
-          <a:effectLst>
-            <a:outerShdw blurRad="55000" dist="18000" dir="5400000" algn="tl" rotWithShape="0">
-              <a:srgbClr val="000000">
-                <a:alpha val="40000"/>
-              </a:srgbClr>
-            </a:outerShdw>
-          </a:effectLst>
-          <a:scene3d>
-            <a:camera prst="orthographicFront"/>
-            <a:lightRig rig="twoPt" dir="t">
-              <a:rot lat="0" lon="0" rev="7200000"/>
-            </a:lightRig>
-          </a:scene3d>
-          <a:sp3d>
-            <a:bevelT w="25400" h="19050"/>
-            <a:contourClr>
-              <a:srgbClr val="FFFFFF"/>
-            </a:contourClr>
-          </a:sp3d>
         </p:spPr>
       </p:pic>
+      <p:sp>
+        <p:nvSpPr>
+          <p:cNvPr id="4" name="Rectangle 3"/>
+          <p:cNvSpPr/>
+          <p:nvPr/>
+        </p:nvSpPr>
+        <p:spPr>
+          <a:xfrm>
+            <a:off x="5947760" y="5280877"/>
+            <a:ext cx="1486304" cy="369332"/>
+          </a:xfrm>
+          <a:prstGeom prst="rect">
+            <a:avLst/>
+          </a:prstGeom>
+          <a:noFill/>
+        </p:spPr>
+        <p:txBody>
+          <a:bodyPr wrap="none" lIns="91440" tIns="45720" rIns="91440" bIns="45720">
+            <a:spAutoFit/>
+          </a:bodyPr>
+          <a:lstStyle/>
+          <a:p>
+            <a:pPr algn="ctr"/>
+            <a:r>
+              <a:rPr lang="en-US" b="0" cap="none" spc="0" dirty="0" smtClean="0">
+                <a:ln w="0"/>
+                <a:solidFill>
+                  <a:schemeClr val="tx1"/>
+                </a:solidFill>
+                <a:effectLst>
+                  <a:outerShdw blurRad="38100" dist="19050" dir="2700000" algn="tl" rotWithShape="0">
+                    <a:schemeClr val="dk1">
+                      <a:alpha val="40000"/>
+                    </a:schemeClr>
+                  </a:outerShdw>
+                </a:effectLst>
+              </a:rPr>
+              <a:t>Snow White</a:t>
+            </a:r>
+          </a:p>
+        </p:txBody>
+      </p:sp>
+      <p:sp>
+        <p:nvSpPr>
+          <p:cNvPr id="9" name="Rectangle 8"/>
+          <p:cNvSpPr/>
+          <p:nvPr/>
+        </p:nvSpPr>
+        <p:spPr>
+          <a:xfrm>
+            <a:off x="5575893" y="3982436"/>
+            <a:ext cx="938077" cy="369332"/>
+          </a:xfrm>
+          <a:prstGeom prst="rect">
+            <a:avLst/>
+          </a:prstGeom>
+          <a:noFill/>
+        </p:spPr>
+        <p:txBody>
+          <a:bodyPr wrap="none" lIns="91440" tIns="45720" rIns="91440" bIns="45720">
+            <a:spAutoFit/>
+          </a:bodyPr>
+          <a:lstStyle/>
+          <a:p>
+            <a:pPr algn="ctr"/>
+            <a:r>
+              <a:rPr lang="en-US" dirty="0" smtClean="0">
+                <a:ln w="0"/>
+                <a:effectLst>
+                  <a:outerShdw blurRad="38100" dist="19050" dir="2700000" algn="tl" rotWithShape="0">
+                    <a:schemeClr val="dk1">
+                      <a:alpha val="40000"/>
+                    </a:schemeClr>
+                  </a:outerShdw>
+                </a:effectLst>
+              </a:rPr>
+              <a:t>Dopey</a:t>
+            </a:r>
+          </a:p>
+        </p:txBody>
+      </p:sp>
+      <p:sp>
+        <p:nvSpPr>
+          <p:cNvPr id="10" name="Rectangle 9"/>
+          <p:cNvSpPr/>
+          <p:nvPr/>
+        </p:nvSpPr>
+        <p:spPr>
+          <a:xfrm rot="16200000">
+            <a:off x="6019582" y="3079545"/>
+            <a:ext cx="928459" cy="369332"/>
+          </a:xfrm>
+          <a:prstGeom prst="rect">
+            <a:avLst/>
+          </a:prstGeom>
+          <a:noFill/>
+        </p:spPr>
+        <p:txBody>
+          <a:bodyPr wrap="none" lIns="91440" tIns="45720" rIns="91440" bIns="45720">
+            <a:spAutoFit/>
+          </a:bodyPr>
+          <a:lstStyle/>
+          <a:p>
+            <a:pPr algn="ctr"/>
+            <a:r>
+              <a:rPr lang="en-US" b="0" cap="none" spc="0" dirty="0" smtClean="0">
+                <a:ln w="0"/>
+                <a:solidFill>
+                  <a:schemeClr val="tx1"/>
+                </a:solidFill>
+                <a:effectLst>
+                  <a:outerShdw blurRad="38100" dist="19050" dir="2700000" algn="tl" rotWithShape="0">
+                    <a:schemeClr val="dk1">
+                      <a:alpha val="40000"/>
+                    </a:schemeClr>
+                  </a:outerShdw>
+                </a:effectLst>
+              </a:rPr>
+              <a:t>Sleepy</a:t>
+            </a:r>
+          </a:p>
+        </p:txBody>
+      </p:sp>
+      <p:sp>
+        <p:nvSpPr>
+          <p:cNvPr id="11" name="Rectangle 10"/>
+          <p:cNvSpPr/>
+          <p:nvPr/>
+        </p:nvSpPr>
+        <p:spPr>
+          <a:xfrm>
+            <a:off x="5716309" y="2285410"/>
+            <a:ext cx="1093568" cy="369332"/>
+          </a:xfrm>
+          <a:prstGeom prst="rect">
+            <a:avLst/>
+          </a:prstGeom>
+          <a:noFill/>
+        </p:spPr>
+        <p:txBody>
+          <a:bodyPr wrap="none" lIns="91440" tIns="45720" rIns="91440" bIns="45720">
+            <a:spAutoFit/>
+          </a:bodyPr>
+          <a:lstStyle/>
+          <a:p>
+            <a:pPr algn="ctr"/>
+            <a:r>
+              <a:rPr lang="en-US" b="0" cap="none" spc="0" dirty="0" smtClean="0">
+                <a:ln w="0"/>
+                <a:solidFill>
+                  <a:schemeClr val="tx1"/>
+                </a:solidFill>
+                <a:effectLst>
+                  <a:outerShdw blurRad="38100" dist="19050" dir="2700000" algn="tl" rotWithShape="0">
+                    <a:schemeClr val="dk1">
+                      <a:alpha val="40000"/>
+                    </a:schemeClr>
+                  </a:outerShdw>
+                </a:effectLst>
+              </a:rPr>
+              <a:t>Grumpy</a:t>
+            </a:r>
+          </a:p>
+        </p:txBody>
+      </p:sp>
+      <p:sp>
+        <p:nvSpPr>
+          <p:cNvPr id="12" name="Rectangle 11"/>
+          <p:cNvSpPr/>
+          <p:nvPr/>
+        </p:nvSpPr>
+        <p:spPr>
+          <a:xfrm>
+            <a:off x="10811748" y="2285410"/>
+            <a:ext cx="655949" cy="369332"/>
+          </a:xfrm>
+          <a:prstGeom prst="rect">
+            <a:avLst/>
+          </a:prstGeom>
+          <a:noFill/>
+        </p:spPr>
+        <p:txBody>
+          <a:bodyPr wrap="none" lIns="91440" tIns="45720" rIns="91440" bIns="45720">
+            <a:spAutoFit/>
+          </a:bodyPr>
+          <a:lstStyle/>
+          <a:p>
+            <a:pPr algn="ctr"/>
+            <a:r>
+              <a:rPr lang="en-US" b="0" cap="none" spc="0" dirty="0" smtClean="0">
+                <a:ln w="0"/>
+                <a:solidFill>
+                  <a:schemeClr val="tx1"/>
+                </a:solidFill>
+                <a:effectLst>
+                  <a:outerShdw blurRad="38100" dist="19050" dir="2700000" algn="tl" rotWithShape="0">
+                    <a:schemeClr val="dk1">
+                      <a:alpha val="40000"/>
+                    </a:schemeClr>
+                  </a:outerShdw>
+                </a:effectLst>
+              </a:rPr>
+              <a:t>Doc</a:t>
+            </a:r>
+          </a:p>
+        </p:txBody>
+      </p:sp>
+      <p:sp>
+        <p:nvSpPr>
+          <p:cNvPr id="13" name="Rectangle 12"/>
+          <p:cNvSpPr/>
+          <p:nvPr/>
+        </p:nvSpPr>
+        <p:spPr>
+          <a:xfrm rot="5400000">
+            <a:off x="10671486" y="3097671"/>
+            <a:ext cx="936475" cy="369332"/>
+          </a:xfrm>
+          <a:prstGeom prst="rect">
+            <a:avLst/>
+          </a:prstGeom>
+          <a:noFill/>
+        </p:spPr>
+        <p:txBody>
+          <a:bodyPr wrap="none" lIns="91440" tIns="45720" rIns="91440" bIns="45720">
+            <a:spAutoFit/>
+          </a:bodyPr>
+          <a:lstStyle/>
+          <a:p>
+            <a:pPr algn="ctr"/>
+            <a:r>
+              <a:rPr lang="en-US" b="0" cap="none" spc="0" dirty="0" smtClean="0">
+                <a:ln w="0"/>
+                <a:solidFill>
+                  <a:schemeClr val="tx1"/>
+                </a:solidFill>
+                <a:effectLst>
+                  <a:outerShdw blurRad="38100" dist="19050" dir="2700000" algn="tl" rotWithShape="0">
+                    <a:schemeClr val="dk1">
+                      <a:alpha val="40000"/>
+                    </a:schemeClr>
+                  </a:outerShdw>
+                </a:effectLst>
+              </a:rPr>
+              <a:t>Happy</a:t>
+            </a:r>
+          </a:p>
+        </p:txBody>
+      </p:sp>
+      <p:sp>
+        <p:nvSpPr>
+          <p:cNvPr id="14" name="Rectangle 13"/>
+          <p:cNvSpPr/>
+          <p:nvPr/>
+        </p:nvSpPr>
+        <p:spPr>
+          <a:xfrm>
+            <a:off x="10841725" y="3962888"/>
+            <a:ext cx="965329" cy="369332"/>
+          </a:xfrm>
+          <a:prstGeom prst="rect">
+            <a:avLst/>
+          </a:prstGeom>
+          <a:noFill/>
+        </p:spPr>
+        <p:txBody>
+          <a:bodyPr wrap="none" lIns="91440" tIns="45720" rIns="91440" bIns="45720">
+            <a:spAutoFit/>
+          </a:bodyPr>
+          <a:lstStyle/>
+          <a:p>
+            <a:pPr algn="ctr"/>
+            <a:r>
+              <a:rPr lang="en-US" b="0" cap="none" spc="0" dirty="0" smtClean="0">
+                <a:ln w="0"/>
+                <a:solidFill>
+                  <a:schemeClr val="tx1"/>
+                </a:solidFill>
+                <a:effectLst>
+                  <a:outerShdw blurRad="38100" dist="19050" dir="2700000" algn="tl" rotWithShape="0">
+                    <a:schemeClr val="dk1">
+                      <a:alpha val="40000"/>
+                    </a:schemeClr>
+                  </a:outerShdw>
+                </a:effectLst>
+              </a:rPr>
+              <a:t>Bashful</a:t>
+            </a:r>
+          </a:p>
+        </p:txBody>
+      </p:sp>
+      <p:sp>
+        <p:nvSpPr>
+          <p:cNvPr id="15" name="Rectangle 14"/>
+          <p:cNvSpPr/>
+          <p:nvPr/>
+        </p:nvSpPr>
+        <p:spPr>
+          <a:xfrm>
+            <a:off x="10955057" y="4778936"/>
+            <a:ext cx="963725" cy="369332"/>
+          </a:xfrm>
+          <a:prstGeom prst="rect">
+            <a:avLst/>
+          </a:prstGeom>
+          <a:noFill/>
+        </p:spPr>
+        <p:txBody>
+          <a:bodyPr wrap="none" lIns="91440" tIns="45720" rIns="91440" bIns="45720">
+            <a:spAutoFit/>
+          </a:bodyPr>
+          <a:lstStyle/>
+          <a:p>
+            <a:pPr algn="ctr"/>
+            <a:r>
+              <a:rPr lang="en-US" b="0" cap="none" spc="0" dirty="0" smtClean="0">
+                <a:ln w="0"/>
+                <a:solidFill>
+                  <a:schemeClr val="tx1"/>
+                </a:solidFill>
+                <a:effectLst>
+                  <a:outerShdw blurRad="38100" dist="19050" dir="2700000" algn="tl" rotWithShape="0">
+                    <a:schemeClr val="dk1">
+                      <a:alpha val="40000"/>
+                    </a:schemeClr>
+                  </a:outerShdw>
+                </a:effectLst>
+              </a:rPr>
+              <a:t>Sneezy</a:t>
+            </a:r>
+          </a:p>
+        </p:txBody>
+      </p:sp>
     </p:spTree>
     <p:extLst>
       <p:ext uri="{BB962C8B-B14F-4D97-AF65-F5344CB8AC3E}">
@@ -8692,7 +8961,7 @@
         <p:spPr>
           <a:xfrm>
             <a:off x="586935" y="1539132"/>
-            <a:ext cx="8001247" cy="4031873"/>
+            <a:ext cx="8001247" cy="3693319"/>
           </a:xfrm>
           <a:prstGeom prst="rect">
             <a:avLst/>
@@ -8709,7 +8978,7 @@
               <a:buFont typeface="Arial" panose="020B0604020202020204" pitchFamily="34" charset="0"/>
               <a:buChar char="•"/>
             </a:pPr>
-            <a:endParaRPr lang="en-US" sz="2000" dirty="0" smtClean="0">
+            <a:endParaRPr lang="en-US" dirty="0" smtClean="0">
               <a:solidFill>
                 <a:schemeClr val="tx1">
                   <a:lumMod val="85000"/>
@@ -8722,7 +8991,7 @@
               <a:buFont typeface="Arial" panose="020B0604020202020204" pitchFamily="34" charset="0"/>
               <a:buChar char="•"/>
             </a:pPr>
-            <a:endParaRPr lang="en-US" sz="2000" dirty="0" smtClean="0">
+            <a:endParaRPr lang="en-US" dirty="0" smtClean="0">
               <a:solidFill>
                 <a:schemeClr val="tx1">
                   <a:lumMod val="85000"/>
@@ -8736,7 +9005,7 @@
               <a:buChar char="•"/>
             </a:pPr>
             <a:r>
-              <a:rPr lang="en-US" sz="2000" dirty="0" smtClean="0">
+              <a:rPr lang="en-US" dirty="0" smtClean="0">
                 <a:solidFill>
                   <a:schemeClr val="tx1">
                     <a:lumMod val="85000"/>
@@ -8751,7 +9020,7 @@
               <a:buFont typeface="Arial" panose="020B0604020202020204" pitchFamily="34" charset="0"/>
               <a:buChar char="•"/>
             </a:pPr>
-            <a:endParaRPr lang="en-US" sz="2000" dirty="0" smtClean="0">
+            <a:endParaRPr lang="en-US" dirty="0" smtClean="0">
               <a:solidFill>
                 <a:schemeClr val="tx1">
                   <a:lumMod val="85000"/>
@@ -8765,7 +9034,7 @@
               <a:buChar char="•"/>
             </a:pPr>
             <a:r>
-              <a:rPr lang="en-US" sz="2000" dirty="0" smtClean="0">
+              <a:rPr lang="en-US" dirty="0" smtClean="0">
                 <a:solidFill>
                   <a:schemeClr val="tx1">
                     <a:lumMod val="85000"/>
@@ -8780,7 +9049,7 @@
               <a:buFont typeface="Arial" panose="020B0604020202020204" pitchFamily="34" charset="0"/>
               <a:buChar char="•"/>
             </a:pPr>
-            <a:endParaRPr lang="en-US" sz="2000" dirty="0">
+            <a:endParaRPr lang="en-US" dirty="0">
               <a:solidFill>
                 <a:schemeClr val="tx1">
                   <a:lumMod val="85000"/>
@@ -8794,7 +9063,7 @@
               <a:buChar char="•"/>
             </a:pPr>
             <a:r>
-              <a:rPr lang="en-US" sz="2000" dirty="0" smtClean="0">
+              <a:rPr lang="en-US" dirty="0" smtClean="0">
                 <a:solidFill>
                   <a:schemeClr val="tx1">
                     <a:lumMod val="85000"/>
@@ -8804,7 +9073,7 @@
               <a:t>Configure </a:t>
             </a:r>
             <a:r>
-              <a:rPr lang="en-US" sz="2000" dirty="0" err="1" smtClean="0">
+              <a:rPr lang="en-US" dirty="0" err="1" smtClean="0">
                 <a:solidFill>
                   <a:schemeClr val="tx1">
                     <a:lumMod val="85000"/>
@@ -8814,7 +9083,7 @@
               <a:t>sudo</a:t>
             </a:r>
             <a:r>
-              <a:rPr lang="en-US" sz="2000" dirty="0" smtClean="0">
+              <a:rPr lang="en-US" dirty="0" smtClean="0">
                 <a:solidFill>
                   <a:schemeClr val="tx1">
                     <a:lumMod val="85000"/>
@@ -8825,7 +9094,7 @@
             </a:r>
           </a:p>
           <a:p>
-            <a:endParaRPr lang="en-US" sz="2000" dirty="0">
+            <a:endParaRPr lang="en-US" dirty="0">
               <a:solidFill>
                 <a:schemeClr val="tx1">
                   <a:lumMod val="85000"/>
@@ -8839,7 +9108,7 @@
               <a:buChar char="•"/>
             </a:pPr>
             <a:r>
-              <a:rPr lang="en-US" sz="2000" dirty="0" smtClean="0">
+              <a:rPr lang="en-US" dirty="0" smtClean="0">
                 <a:solidFill>
                   <a:schemeClr val="tx1">
                     <a:lumMod val="85000"/>
@@ -8854,7 +9123,7 @@
               <a:buFont typeface="Arial" panose="020B0604020202020204" pitchFamily="34" charset="0"/>
               <a:buChar char="•"/>
             </a:pPr>
-            <a:endParaRPr lang="en-US" sz="2000" dirty="0" smtClean="0">
+            <a:endParaRPr lang="en-US" dirty="0" smtClean="0">
               <a:solidFill>
                 <a:schemeClr val="tx1">
                   <a:lumMod val="85000"/>
@@ -8868,7 +9137,7 @@
               <a:buChar char="•"/>
             </a:pPr>
             <a:r>
-              <a:rPr lang="en-US" sz="2000" dirty="0" err="1" smtClean="0">
+              <a:rPr lang="en-US" dirty="0" err="1" smtClean="0">
                 <a:solidFill>
                   <a:schemeClr val="tx1">
                     <a:lumMod val="85000"/>
@@ -8878,7 +9147,7 @@
               <a:t>ssh</a:t>
             </a:r>
             <a:r>
-              <a:rPr lang="en-US" sz="2000" dirty="0" smtClean="0">
+              <a:rPr lang="en-US" dirty="0" smtClean="0">
                 <a:solidFill>
                   <a:schemeClr val="tx1">
                     <a:lumMod val="85000"/>
@@ -8990,7 +9259,7 @@
         <p:spPr>
           <a:xfrm>
             <a:off x="528569" y="1519676"/>
-            <a:ext cx="8001247" cy="3970318"/>
+            <a:ext cx="8001247" cy="4524315"/>
           </a:xfrm>
           <a:prstGeom prst="rect">
             <a:avLst/>
@@ -9008,7 +9277,7 @@
               <a:buChar char="•"/>
             </a:pPr>
             <a:r>
-              <a:rPr lang="en-US" sz="2000" dirty="0" smtClean="0">
+              <a:rPr lang="en-US" dirty="0" smtClean="0">
                 <a:solidFill>
                   <a:schemeClr val="tx1">
                     <a:lumMod val="85000"/>
@@ -9023,7 +9292,7 @@
               <a:buFont typeface="Arial" panose="020B0604020202020204" pitchFamily="34" charset="0"/>
               <a:buChar char="•"/>
             </a:pPr>
-            <a:endParaRPr lang="en-US" sz="2000" dirty="0" smtClean="0">
+            <a:endParaRPr lang="en-US" dirty="0" smtClean="0">
               <a:solidFill>
                 <a:schemeClr val="tx1">
                   <a:lumMod val="85000"/>
@@ -9037,7 +9306,7 @@
               <a:buChar char="•"/>
             </a:pPr>
             <a:r>
-              <a:rPr lang="en-US" sz="2000" dirty="0" err="1" smtClean="0">
+              <a:rPr lang="en-US" dirty="0" err="1" smtClean="0">
                 <a:solidFill>
                   <a:schemeClr val="tx1">
                     <a:lumMod val="85000"/>
@@ -9045,107 +9314,6 @@
                 </a:solidFill>
               </a:rPr>
               <a:t>Github</a:t>
-            </a:r>
-            <a:endParaRPr lang="en-US" sz="2000" dirty="0" smtClean="0">
-              <a:solidFill>
-                <a:schemeClr val="tx1">
-                  <a:lumMod val="85000"/>
-                </a:schemeClr>
-              </a:solidFill>
-            </a:endParaRPr>
-          </a:p>
-          <a:p>
-            <a:pPr marL="285750" indent="-285750">
-              <a:buFont typeface="Arial" panose="020B0604020202020204" pitchFamily="34" charset="0"/>
-              <a:buChar char="•"/>
-            </a:pPr>
-            <a:endParaRPr lang="en-US" sz="2000" dirty="0">
-              <a:solidFill>
-                <a:schemeClr val="tx1">
-                  <a:lumMod val="85000"/>
-                </a:schemeClr>
-              </a:solidFill>
-            </a:endParaRPr>
-          </a:p>
-          <a:p>
-            <a:pPr marL="285750" indent="-285750">
-              <a:buFont typeface="Arial" panose="020B0604020202020204" pitchFamily="34" charset="0"/>
-              <a:buChar char="•"/>
-            </a:pPr>
-            <a:r>
-              <a:rPr lang="en-US" sz="2000" dirty="0" err="1" smtClean="0">
-                <a:solidFill>
-                  <a:schemeClr val="tx1">
-                    <a:lumMod val="85000"/>
-                  </a:schemeClr>
-                </a:solidFill>
-              </a:rPr>
-              <a:t>Linpack</a:t>
-            </a:r>
-            <a:endParaRPr lang="en-US" sz="2000" dirty="0" smtClean="0">
-              <a:solidFill>
-                <a:schemeClr val="tx1">
-                  <a:lumMod val="85000"/>
-                </a:schemeClr>
-              </a:solidFill>
-            </a:endParaRPr>
-          </a:p>
-          <a:p>
-            <a:pPr marL="285750" indent="-285750">
-              <a:buFont typeface="Arial" panose="020B0604020202020204" pitchFamily="34" charset="0"/>
-              <a:buChar char="•"/>
-            </a:pPr>
-            <a:endParaRPr lang="en-US" sz="2000" dirty="0" smtClean="0">
-              <a:solidFill>
-                <a:schemeClr val="tx1">
-                  <a:lumMod val="85000"/>
-                </a:schemeClr>
-              </a:solidFill>
-            </a:endParaRPr>
-          </a:p>
-          <a:p>
-            <a:pPr marL="285750" indent="-285750">
-              <a:buFont typeface="Arial" panose="020B0604020202020204" pitchFamily="34" charset="0"/>
-              <a:buChar char="•"/>
-            </a:pPr>
-            <a:r>
-              <a:rPr lang="en-US" sz="2000" dirty="0" smtClean="0">
-                <a:solidFill>
-                  <a:schemeClr val="tx1">
-                    <a:lumMod val="85000"/>
-                  </a:schemeClr>
-                </a:solidFill>
-              </a:rPr>
-              <a:t>Screwdriver</a:t>
-            </a:r>
-          </a:p>
-          <a:p>
-            <a:pPr marL="285750" indent="-285750">
-              <a:buFont typeface="Arial" panose="020B0604020202020204" pitchFamily="34" charset="0"/>
-              <a:buChar char="•"/>
-            </a:pPr>
-            <a:endParaRPr lang="en-US" sz="2000" dirty="0">
-              <a:solidFill>
-                <a:schemeClr val="tx1">
-                  <a:lumMod val="85000"/>
-                </a:schemeClr>
-              </a:solidFill>
-            </a:endParaRPr>
-          </a:p>
-          <a:p>
-            <a:pPr marL="285750" indent="-285750">
-              <a:buFont typeface="Arial" panose="020B0604020202020204" pitchFamily="34" charset="0"/>
-              <a:buChar char="•"/>
-            </a:pPr>
-            <a:r>
-              <a:rPr lang="en-US" sz="2000" dirty="0" smtClean="0">
-                <a:solidFill>
-                  <a:schemeClr val="tx1">
-                    <a:lumMod val="85000"/>
-                  </a:schemeClr>
-                </a:solidFill>
-              </a:rPr>
-              <a:t>MPI</a:t>
             </a:r>
             <a:endParaRPr lang="en-US" dirty="0" smtClean="0">
               <a:solidFill>
@@ -9173,6 +9341,16 @@
               <a:buFont typeface="Arial" panose="020B0604020202020204" pitchFamily="34" charset="0"/>
               <a:buChar char="•"/>
             </a:pPr>
+            <a:r>
+              <a:rPr lang="en-US" dirty="0" err="1" smtClean="0">
+                <a:solidFill>
+                  <a:schemeClr val="tx1">
+                    <a:lumMod val="85000"/>
+                  </a:schemeClr>
+                </a:solidFill>
+              </a:rPr>
+              <a:t>Linpack</a:t>
+            </a:r>
             <a:endParaRPr lang="en-US" dirty="0" smtClean="0">
               <a:solidFill>
                 <a:schemeClr val="tx1">
@@ -9180,6 +9358,35 @@
                 </a:schemeClr>
               </a:solidFill>
             </a:endParaRPr>
+          </a:p>
+          <a:p>
+            <a:pPr marL="285750" indent="-285750">
+              <a:buFont typeface="Arial" panose="020B0604020202020204" pitchFamily="34" charset="0"/>
+              <a:buChar char="•"/>
+            </a:pPr>
+            <a:endParaRPr lang="en-US" dirty="0" smtClean="0">
+              <a:solidFill>
+                <a:schemeClr val="tx1">
+                  <a:lumMod val="85000"/>
+                </a:schemeClr>
+              </a:solidFill>
+            </a:endParaRPr>
+          </a:p>
+          <a:p>
+            <a:pPr marL="285750" indent="-285750">
+              <a:buFont typeface="Arial" panose="020B0604020202020204" pitchFamily="34" charset="0"/>
+              <a:buChar char="•"/>
+            </a:pPr>
+            <a:r>
+              <a:rPr lang="en-US" dirty="0" smtClean="0">
+                <a:solidFill>
+                  <a:schemeClr val="tx1">
+                    <a:lumMod val="85000"/>
+                  </a:schemeClr>
+                </a:solidFill>
+              </a:rPr>
+              <a:t>Screwdriver</a:t>
+            </a:r>
           </a:p>
           <a:p>
             <a:pPr marL="285750" indent="-285750">
@@ -9199,7 +9406,23 @@
               <a:buFont typeface="Arial" panose="020B0604020202020204" pitchFamily="34" charset="0"/>
               <a:buChar char="•"/>
             </a:pPr>
-            <a:endParaRPr lang="en-US" sz="2000" dirty="0">
+            <a:r>
+              <a:rPr lang="en-US" dirty="0" smtClean="0">
+                <a:solidFill>
+                  <a:schemeClr val="tx1">
+                    <a:lumMod val="85000"/>
+                  </a:schemeClr>
+                </a:solidFill>
+              </a:rPr>
+              <a:t>MPI</a:t>
+            </a:r>
+          </a:p>
+          <a:p>
+            <a:pPr marL="285750" indent="-285750">
+              <a:buFont typeface="Arial" panose="020B0604020202020204" pitchFamily="34" charset="0"/>
+              <a:buChar char="•"/>
+            </a:pPr>
+            <a:endParaRPr lang="en-US" dirty="0" smtClean="0">
               <a:solidFill>
                 <a:schemeClr val="tx1">
                   <a:lumMod val="85000"/>
@@ -9212,23 +9435,7 @@
               <a:buFont typeface="Arial" panose="020B0604020202020204" pitchFamily="34" charset="0"/>
               <a:buChar char="•"/>
             </a:pPr>
-            <a:r>
-              <a:rPr lang="en-US" sz="2000" dirty="0" smtClean="0">
-                <a:solidFill>
-                  <a:schemeClr val="tx1">
-                    <a:lumMod val="85000"/>
-                  </a:schemeClr>
-                </a:solidFill>
-              </a:rPr>
-              <a:t>Python</a:t>
-            </a:r>
-          </a:p>
-          <a:p>
-            <a:pPr marL="285750" indent="-285750">
-              <a:buFont typeface="Arial" panose="020B0604020202020204" pitchFamily="34" charset="0"/>
-              <a:buChar char="•"/>
-            </a:pPr>
-            <a:endParaRPr lang="en-US" sz="2000" dirty="0">
+            <a:endParaRPr lang="en-US" dirty="0">
               <a:solidFill>
                 <a:schemeClr val="tx1">
                   <a:lumMod val="85000"/>
@@ -9241,23 +9448,7 @@
               <a:buFont typeface="Arial" panose="020B0604020202020204" pitchFamily="34" charset="0"/>
               <a:buChar char="•"/>
             </a:pPr>
-            <a:r>
-              <a:rPr lang="en-US" sz="2000" dirty="0" smtClean="0">
-                <a:solidFill>
-                  <a:schemeClr val="tx1">
-                    <a:lumMod val="85000"/>
-                  </a:schemeClr>
-                </a:solidFill>
-              </a:rPr>
-              <a:t>C++</a:t>
-            </a:r>
-          </a:p>
-          <a:p>
-            <a:pPr marL="285750" indent="-285750">
-              <a:buFont typeface="Arial" panose="020B0604020202020204" pitchFamily="34" charset="0"/>
-              <a:buChar char="•"/>
-            </a:pPr>
-            <a:endParaRPr lang="en-US" sz="2000" dirty="0">
+            <a:endParaRPr lang="en-US" dirty="0" smtClean="0">
               <a:solidFill>
                 <a:schemeClr val="tx1">
                   <a:lumMod val="85000"/>
@@ -9270,23 +9461,7 @@
               <a:buFont typeface="Arial" panose="020B0604020202020204" pitchFamily="34" charset="0"/>
               <a:buChar char="•"/>
             </a:pPr>
-            <a:r>
-              <a:rPr lang="en-US" sz="2000" dirty="0" smtClean="0">
-                <a:solidFill>
-                  <a:schemeClr val="tx1">
-                    <a:lumMod val="85000"/>
-                  </a:schemeClr>
-                </a:solidFill>
-              </a:rPr>
-              <a:t>Bash</a:t>
-            </a:r>
-          </a:p>
-          <a:p>
-            <a:pPr marL="285750" indent="-285750">
-              <a:buFont typeface="Arial" panose="020B0604020202020204" pitchFamily="34" charset="0"/>
-              <a:buChar char="•"/>
-            </a:pPr>
-            <a:endParaRPr lang="en-US" sz="2000" dirty="0">
+            <a:endParaRPr lang="en-US" dirty="0">
               <a:solidFill>
                 <a:schemeClr val="tx1">
                   <a:lumMod val="85000"/>
@@ -9299,8 +9474,134 @@
               <a:buFont typeface="Arial" panose="020B0604020202020204" pitchFamily="34" charset="0"/>
               <a:buChar char="•"/>
             </a:pPr>
-            <a:r>
-              <a:rPr lang="en-US" sz="2000" dirty="0" smtClean="0">
+            <a:endParaRPr lang="en-US" dirty="0" smtClean="0">
+              <a:solidFill>
+                <a:schemeClr val="tx1">
+                  <a:lumMod val="85000"/>
+                </a:schemeClr>
+              </a:solidFill>
+            </a:endParaRPr>
+          </a:p>
+          <a:p>
+            <a:pPr marL="285750" indent="-285750">
+              <a:buFont typeface="Arial" panose="020B0604020202020204" pitchFamily="34" charset="0"/>
+              <a:buChar char="•"/>
+            </a:pPr>
+            <a:endParaRPr lang="en-US" dirty="0">
+              <a:solidFill>
+                <a:schemeClr val="tx1">
+                  <a:lumMod val="85000"/>
+                </a:schemeClr>
+              </a:solidFill>
+            </a:endParaRPr>
+          </a:p>
+          <a:p>
+            <a:pPr marL="285750" indent="-285750">
+              <a:buFont typeface="Arial" panose="020B0604020202020204" pitchFamily="34" charset="0"/>
+              <a:buChar char="•"/>
+            </a:pPr>
+            <a:endParaRPr lang="en-US" dirty="0">
+              <a:solidFill>
+                <a:schemeClr val="tx1">
+                  <a:lumMod val="85000"/>
+                </a:schemeClr>
+              </a:solidFill>
+            </a:endParaRPr>
+          </a:p>
+          <a:p>
+            <a:pPr marL="285750" indent="-285750">
+              <a:buFont typeface="Arial" panose="020B0604020202020204" pitchFamily="34" charset="0"/>
+              <a:buChar char="•"/>
+            </a:pPr>
+            <a:r>
+              <a:rPr lang="en-US" dirty="0" smtClean="0">
+                <a:solidFill>
+                  <a:schemeClr val="tx1">
+                    <a:lumMod val="85000"/>
+                  </a:schemeClr>
+                </a:solidFill>
+              </a:rPr>
+              <a:t>Python</a:t>
+            </a:r>
+          </a:p>
+          <a:p>
+            <a:pPr marL="285750" indent="-285750">
+              <a:buFont typeface="Arial" panose="020B0604020202020204" pitchFamily="34" charset="0"/>
+              <a:buChar char="•"/>
+            </a:pPr>
+            <a:endParaRPr lang="en-US" dirty="0">
+              <a:solidFill>
+                <a:schemeClr val="tx1">
+                  <a:lumMod val="85000"/>
+                </a:schemeClr>
+              </a:solidFill>
+            </a:endParaRPr>
+          </a:p>
+          <a:p>
+            <a:pPr marL="285750" indent="-285750">
+              <a:buFont typeface="Arial" panose="020B0604020202020204" pitchFamily="34" charset="0"/>
+              <a:buChar char="•"/>
+            </a:pPr>
+            <a:r>
+              <a:rPr lang="en-US" dirty="0" smtClean="0">
+                <a:solidFill>
+                  <a:schemeClr val="tx1">
+                    <a:lumMod val="85000"/>
+                  </a:schemeClr>
+                </a:solidFill>
+              </a:rPr>
+              <a:t>C++</a:t>
+            </a:r>
+          </a:p>
+          <a:p>
+            <a:pPr marL="285750" indent="-285750">
+              <a:buFont typeface="Arial" panose="020B0604020202020204" pitchFamily="34" charset="0"/>
+              <a:buChar char="•"/>
+            </a:pPr>
+            <a:endParaRPr lang="en-US" dirty="0">
+              <a:solidFill>
+                <a:schemeClr val="tx1">
+                  <a:lumMod val="85000"/>
+                </a:schemeClr>
+              </a:solidFill>
+            </a:endParaRPr>
+          </a:p>
+          <a:p>
+            <a:pPr marL="285750" indent="-285750">
+              <a:buFont typeface="Arial" panose="020B0604020202020204" pitchFamily="34" charset="0"/>
+              <a:buChar char="•"/>
+            </a:pPr>
+            <a:r>
+              <a:rPr lang="en-US" dirty="0" smtClean="0">
+                <a:solidFill>
+                  <a:schemeClr val="tx1">
+                    <a:lumMod val="85000"/>
+                  </a:schemeClr>
+                </a:solidFill>
+              </a:rPr>
+              <a:t>Bash</a:t>
+            </a:r>
+          </a:p>
+          <a:p>
+            <a:pPr marL="285750" indent="-285750">
+              <a:buFont typeface="Arial" panose="020B0604020202020204" pitchFamily="34" charset="0"/>
+              <a:buChar char="•"/>
+            </a:pPr>
+            <a:endParaRPr lang="en-US" dirty="0">
+              <a:solidFill>
+                <a:schemeClr val="tx1">
+                  <a:lumMod val="85000"/>
+                </a:schemeClr>
+              </a:solidFill>
+            </a:endParaRPr>
+          </a:p>
+          <a:p>
+            <a:pPr marL="285750" indent="-285750">
+              <a:buFont typeface="Arial" panose="020B0604020202020204" pitchFamily="34" charset="0"/>
+              <a:buChar char="•"/>
+            </a:pPr>
+            <a:r>
+              <a:rPr lang="en-US" dirty="0" smtClean="0">
                 <a:solidFill>
                   <a:schemeClr val="tx1">
                     <a:lumMod val="85000"/>
@@ -9399,7 +9700,7 @@
         <p:spPr>
           <a:xfrm>
             <a:off x="586935" y="2040634"/>
-            <a:ext cx="1906883" cy="3416320"/>
+            <a:ext cx="1906883" cy="3139321"/>
           </a:xfrm>
           <a:prstGeom prst="rect">
             <a:avLst/>
@@ -9417,7 +9718,7 @@
               <a:buChar char="•"/>
             </a:pPr>
             <a:r>
-              <a:rPr lang="en-US" sz="2000" dirty="0" smtClean="0">
+              <a:rPr lang="en-US" dirty="0" smtClean="0">
                 <a:solidFill>
                   <a:schemeClr val="tx1">
                     <a:lumMod val="85000"/>
@@ -9425,126 +9726,6 @@
                 </a:solidFill>
               </a:rPr>
               <a:t>Ping Pong</a:t>
-            </a:r>
-          </a:p>
-          <a:p>
-            <a:pPr marL="285750" indent="-285750">
-              <a:buFont typeface="Arial" panose="020B0604020202020204" pitchFamily="34" charset="0"/>
-              <a:buChar char="•"/>
-            </a:pPr>
-            <a:endParaRPr lang="en-US" sz="2000" dirty="0">
-              <a:solidFill>
-                <a:schemeClr val="tx1">
-                  <a:lumMod val="85000"/>
-                </a:schemeClr>
-              </a:solidFill>
-            </a:endParaRPr>
-          </a:p>
-          <a:p>
-            <a:pPr marL="285750" indent="-285750">
-              <a:buFont typeface="Arial" panose="020B0604020202020204" pitchFamily="34" charset="0"/>
-              <a:buChar char="•"/>
-            </a:pPr>
-            <a:endParaRPr lang="en-US" sz="2000" dirty="0" smtClean="0">
-              <a:solidFill>
-                <a:schemeClr val="tx1">
-                  <a:lumMod val="85000"/>
-                </a:schemeClr>
-              </a:solidFill>
-            </a:endParaRPr>
-          </a:p>
-          <a:p>
-            <a:pPr marL="285750" indent="-285750">
-              <a:buFont typeface="Arial" panose="020B0604020202020204" pitchFamily="34" charset="0"/>
-              <a:buChar char="•"/>
-            </a:pPr>
-            <a:r>
-              <a:rPr lang="en-US" sz="2000" dirty="0" smtClean="0">
-                <a:solidFill>
-                  <a:schemeClr val="tx1">
-                    <a:lumMod val="85000"/>
-                  </a:schemeClr>
-                </a:solidFill>
-              </a:rPr>
-              <a:t>LINPACK</a:t>
-            </a:r>
-            <a:endParaRPr lang="en-US" sz="2000" dirty="0" smtClean="0">
-              <a:solidFill>
-                <a:schemeClr val="tx1">
-                  <a:lumMod val="85000"/>
-                </a:schemeClr>
-              </a:solidFill>
-            </a:endParaRPr>
-          </a:p>
-          <a:p>
-            <a:pPr marL="285750" indent="-285750">
-              <a:buFont typeface="Arial" panose="020B0604020202020204" pitchFamily="34" charset="0"/>
-              <a:buChar char="•"/>
-            </a:pPr>
-            <a:endParaRPr lang="en-US" sz="2000" dirty="0">
-              <a:solidFill>
-                <a:schemeClr val="tx1">
-                  <a:lumMod val="85000"/>
-                </a:schemeClr>
-              </a:solidFill>
-            </a:endParaRPr>
-          </a:p>
-          <a:p>
-            <a:pPr marL="285750" indent="-285750">
-              <a:buFont typeface="Arial" panose="020B0604020202020204" pitchFamily="34" charset="0"/>
-              <a:buChar char="•"/>
-            </a:pPr>
-            <a:endParaRPr lang="en-US" sz="2000" dirty="0" smtClean="0">
-              <a:solidFill>
-                <a:schemeClr val="tx1">
-                  <a:lumMod val="85000"/>
-                </a:schemeClr>
-              </a:solidFill>
-            </a:endParaRPr>
-          </a:p>
-          <a:p>
-            <a:pPr marL="285750" indent="-285750">
-              <a:buFont typeface="Arial" panose="020B0604020202020204" pitchFamily="34" charset="0"/>
-              <a:buChar char="•"/>
-            </a:pPr>
-            <a:r>
-              <a:rPr lang="en-US" sz="2000" dirty="0" smtClean="0">
-                <a:solidFill>
-                  <a:schemeClr val="tx1">
-                    <a:lumMod val="85000"/>
-                  </a:schemeClr>
-                </a:solidFill>
-              </a:rPr>
-              <a:t>Hello</a:t>
-            </a:r>
-          </a:p>
-          <a:p>
-            <a:pPr marL="285750" indent="-285750">
-              <a:buFont typeface="Arial" panose="020B0604020202020204" pitchFamily="34" charset="0"/>
-              <a:buChar char="•"/>
-            </a:pPr>
-            <a:endParaRPr lang="en-US" sz="2000" dirty="0">
-              <a:solidFill>
-                <a:schemeClr val="tx1">
-                  <a:lumMod val="85000"/>
-                </a:schemeClr>
-              </a:solidFill>
-            </a:endParaRPr>
-          </a:p>
-          <a:p>
-            <a:pPr marL="285750" indent="-285750">
-              <a:buFont typeface="Arial" panose="020B0604020202020204" pitchFamily="34" charset="0"/>
-              <a:buChar char="•"/>
-            </a:pPr>
-            <a:r>
-              <a:rPr lang="en-US" sz="2000" dirty="0" smtClean="0">
-                <a:solidFill>
-                  <a:schemeClr val="tx1">
-                    <a:lumMod val="85000"/>
-                  </a:schemeClr>
-                </a:solidFill>
-              </a:rPr>
-              <a:t>Switch test</a:t>
             </a:r>
           </a:p>
           <a:p>
@@ -9565,6 +9746,126 @@
               <a:buFont typeface="Arial" panose="020B0604020202020204" pitchFamily="34" charset="0"/>
               <a:buChar char="•"/>
             </a:pPr>
+            <a:endParaRPr lang="en-US" dirty="0" smtClean="0">
+              <a:solidFill>
+                <a:schemeClr val="tx1">
+                  <a:lumMod val="85000"/>
+                </a:schemeClr>
+              </a:solidFill>
+            </a:endParaRPr>
+          </a:p>
+          <a:p>
+            <a:pPr marL="285750" indent="-285750">
+              <a:buFont typeface="Arial" panose="020B0604020202020204" pitchFamily="34" charset="0"/>
+              <a:buChar char="•"/>
+            </a:pPr>
+            <a:r>
+              <a:rPr lang="en-US" dirty="0" err="1" smtClean="0">
+                <a:solidFill>
+                  <a:schemeClr val="tx1">
+                    <a:lumMod val="85000"/>
+                  </a:schemeClr>
+                </a:solidFill>
+              </a:rPr>
+              <a:t>Linpack</a:t>
+            </a:r>
+            <a:endParaRPr lang="en-US" dirty="0" smtClean="0">
+              <a:solidFill>
+                <a:schemeClr val="tx1">
+                  <a:lumMod val="85000"/>
+                </a:schemeClr>
+              </a:solidFill>
+            </a:endParaRPr>
+          </a:p>
+          <a:p>
+            <a:pPr marL="285750" indent="-285750">
+              <a:buFont typeface="Arial" panose="020B0604020202020204" pitchFamily="34" charset="0"/>
+              <a:buChar char="•"/>
+            </a:pPr>
+            <a:endParaRPr lang="en-US" dirty="0">
+              <a:solidFill>
+                <a:schemeClr val="tx1">
+                  <a:lumMod val="85000"/>
+                </a:schemeClr>
+              </a:solidFill>
+            </a:endParaRPr>
+          </a:p>
+          <a:p>
+            <a:pPr marL="285750" indent="-285750">
+              <a:buFont typeface="Arial" panose="020B0604020202020204" pitchFamily="34" charset="0"/>
+              <a:buChar char="•"/>
+            </a:pPr>
+            <a:endParaRPr lang="en-US" dirty="0" smtClean="0">
+              <a:solidFill>
+                <a:schemeClr val="tx1">
+                  <a:lumMod val="85000"/>
+                </a:schemeClr>
+              </a:solidFill>
+            </a:endParaRPr>
+          </a:p>
+          <a:p>
+            <a:pPr marL="285750" indent="-285750">
+              <a:buFont typeface="Arial" panose="020B0604020202020204" pitchFamily="34" charset="0"/>
+              <a:buChar char="•"/>
+            </a:pPr>
+            <a:r>
+              <a:rPr lang="en-US" dirty="0" smtClean="0">
+                <a:solidFill>
+                  <a:schemeClr val="tx1">
+                    <a:lumMod val="85000"/>
+                  </a:schemeClr>
+                </a:solidFill>
+              </a:rPr>
+              <a:t>Hello</a:t>
+            </a:r>
+          </a:p>
+          <a:p>
+            <a:pPr marL="285750" indent="-285750">
+              <a:buFont typeface="Arial" panose="020B0604020202020204" pitchFamily="34" charset="0"/>
+              <a:buChar char="•"/>
+            </a:pPr>
+            <a:endParaRPr lang="en-US" dirty="0">
+              <a:solidFill>
+                <a:schemeClr val="tx1">
+                  <a:lumMod val="85000"/>
+                </a:schemeClr>
+              </a:solidFill>
+            </a:endParaRPr>
+          </a:p>
+          <a:p>
+            <a:pPr marL="285750" indent="-285750">
+              <a:buFont typeface="Arial" panose="020B0604020202020204" pitchFamily="34" charset="0"/>
+              <a:buChar char="•"/>
+            </a:pPr>
+            <a:r>
+              <a:rPr lang="en-US" dirty="0" smtClean="0">
+                <a:solidFill>
+                  <a:schemeClr val="tx1">
+                    <a:lumMod val="85000"/>
+                  </a:schemeClr>
+                </a:solidFill>
+              </a:rPr>
+              <a:t>Switch test</a:t>
+            </a:r>
+          </a:p>
+          <a:p>
+            <a:pPr marL="285750" indent="-285750">
+              <a:buFont typeface="Arial" panose="020B0604020202020204" pitchFamily="34" charset="0"/>
+              <a:buChar char="•"/>
+            </a:pPr>
+            <a:endParaRPr lang="en-US" dirty="0">
+              <a:solidFill>
+                <a:schemeClr val="tx1">
+                  <a:lumMod val="85000"/>
+                </a:schemeClr>
+              </a:solidFill>
+            </a:endParaRPr>
+          </a:p>
+          <a:p>
+            <a:pPr marL="285750" indent="-285750">
+              <a:buFont typeface="Arial" panose="020B0604020202020204" pitchFamily="34" charset="0"/>
+              <a:buChar char="•"/>
+            </a:pPr>
             <a:endParaRPr lang="en-US" dirty="0">
               <a:solidFill>
                 <a:schemeClr val="tx1">
@@ -9900,8 +10201,8 @@
         </p:nvSpPr>
         <p:spPr>
           <a:xfrm>
-            <a:off x="2871107" y="2040634"/>
-            <a:ext cx="6550155" cy="3139321"/>
+            <a:off x="2840030" y="2040634"/>
+            <a:ext cx="5961070" cy="2862322"/>
           </a:xfrm>
           <a:prstGeom prst="rect">
             <a:avLst/>
@@ -9919,7 +10220,7 @@
               <a:buChar char="•"/>
             </a:pPr>
             <a:r>
-              <a:rPr lang="en-US" sz="2000" dirty="0" smtClean="0">
+              <a:rPr lang="en-US" dirty="0" smtClean="0">
                 <a:solidFill>
                   <a:schemeClr val="tx1">
                     <a:lumMod val="85000"/>
@@ -9934,7 +10235,7 @@
               <a:buFont typeface="Arial" panose="020B0604020202020204" pitchFamily="34" charset="0"/>
               <a:buChar char="•"/>
             </a:pPr>
-            <a:endParaRPr lang="en-US" sz="2000" dirty="0">
+            <a:endParaRPr lang="en-US" dirty="0">
               <a:solidFill>
                 <a:schemeClr val="tx1">
                   <a:lumMod val="85000"/>
@@ -9948,7 +10249,7 @@
               <a:buChar char="•"/>
             </a:pPr>
             <a:r>
-              <a:rPr lang="en-US" sz="2000" dirty="0" smtClean="0">
+              <a:rPr lang="en-US" dirty="0" smtClean="0">
                 <a:solidFill>
                   <a:schemeClr val="tx1">
                     <a:lumMod val="85000"/>
@@ -9963,7 +10264,7 @@
               <a:buFont typeface="Arial" panose="020B0604020202020204" pitchFamily="34" charset="0"/>
               <a:buChar char="•"/>
             </a:pPr>
-            <a:endParaRPr lang="en-US" sz="2000" dirty="0" smtClean="0">
+            <a:endParaRPr lang="en-US" dirty="0" smtClean="0">
               <a:solidFill>
                 <a:schemeClr val="tx1">
                   <a:lumMod val="85000"/>
@@ -9977,7 +10278,7 @@
               <a:buChar char="•"/>
             </a:pPr>
             <a:r>
-              <a:rPr lang="en-US" sz="2000" dirty="0" smtClean="0">
+              <a:rPr lang="en-US" dirty="0" smtClean="0">
                 <a:solidFill>
                   <a:schemeClr val="tx1">
                     <a:lumMod val="85000"/>
@@ -9992,7 +10293,7 @@
               <a:buFont typeface="Arial" panose="020B0604020202020204" pitchFamily="34" charset="0"/>
               <a:buChar char="•"/>
             </a:pPr>
-            <a:endParaRPr lang="en-US" sz="2000" dirty="0">
+            <a:endParaRPr lang="en-US" dirty="0">
               <a:solidFill>
                 <a:schemeClr val="tx1">
                   <a:lumMod val="85000"/>
@@ -10006,7 +10307,7 @@
               <a:buChar char="•"/>
             </a:pPr>
             <a:r>
-              <a:rPr lang="en-US" sz="2000" dirty="0" smtClean="0">
+              <a:rPr lang="en-US" dirty="0" smtClean="0">
                 <a:solidFill>
                   <a:schemeClr val="tx1">
                     <a:lumMod val="85000"/>
@@ -10015,7 +10316,7 @@
               </a:rPr>
               <a:t>Tests the network</a:t>
             </a:r>
-            <a:endParaRPr lang="en-US" sz="2000" dirty="0">
+            <a:endParaRPr lang="en-US" dirty="0">
               <a:solidFill>
                 <a:schemeClr val="tx1">
                   <a:lumMod val="85000"/>
@@ -10112,7 +10413,7 @@
         <p:spPr>
           <a:xfrm>
             <a:off x="586935" y="2021489"/>
-            <a:ext cx="8001247" cy="2831544"/>
+            <a:ext cx="8001247" cy="2585323"/>
           </a:xfrm>
           <a:prstGeom prst="rect">
             <a:avLst/>
@@ -10130,7 +10431,7 @@
               <a:buChar char="•"/>
             </a:pPr>
             <a:r>
-              <a:rPr lang="en-US" sz="2000" dirty="0" err="1" smtClean="0">
+              <a:rPr lang="en-US" dirty="0" err="1" smtClean="0">
                 <a:solidFill>
                   <a:schemeClr val="tx1">
                     <a:lumMod val="85000"/>
@@ -10139,126 +10440,13 @@
               </a:rPr>
               <a:t>Fstab</a:t>
             </a:r>
-            <a:endParaRPr lang="en-US" sz="2000" dirty="0" smtClean="0">
+            <a:endParaRPr lang="en-US" dirty="0" smtClean="0">
               <a:solidFill>
                 <a:schemeClr val="tx1">
                   <a:lumMod val="85000"/>
                 </a:schemeClr>
               </a:solidFill>
             </a:endParaRPr>
-          </a:p>
-          <a:p>
-            <a:pPr marL="285750" indent="-285750">
-              <a:buFont typeface="Arial" panose="020B0604020202020204" pitchFamily="34" charset="0"/>
-              <a:buChar char="•"/>
-            </a:pPr>
-            <a:endParaRPr lang="en-US" sz="2000" dirty="0">
-              <a:solidFill>
-                <a:schemeClr val="tx1">
-                  <a:lumMod val="85000"/>
-                </a:schemeClr>
-              </a:solidFill>
-            </a:endParaRPr>
-          </a:p>
-          <a:p>
-            <a:pPr marL="285750" indent="-285750">
-              <a:buFont typeface="Arial" panose="020B0604020202020204" pitchFamily="34" charset="0"/>
-              <a:buChar char="•"/>
-            </a:pPr>
-            <a:r>
-              <a:rPr lang="en-US" sz="2000" dirty="0" smtClean="0">
-                <a:solidFill>
-                  <a:schemeClr val="tx1">
-                    <a:lumMod val="85000"/>
-                  </a:schemeClr>
-                </a:solidFill>
-              </a:rPr>
-              <a:t>LINPACK</a:t>
-            </a:r>
-            <a:endParaRPr lang="en-US" sz="2000" dirty="0" smtClean="0">
-              <a:solidFill>
-                <a:schemeClr val="tx1">
-                  <a:lumMod val="85000"/>
-                </a:schemeClr>
-              </a:solidFill>
-            </a:endParaRPr>
-          </a:p>
-          <a:p>
-            <a:pPr marL="742950" lvl="1" indent="-285750">
-              <a:buFont typeface="Arial" panose="020B0604020202020204" pitchFamily="34" charset="0"/>
-              <a:buChar char="•"/>
-            </a:pPr>
-            <a:r>
-              <a:rPr lang="en-US" sz="2000" dirty="0" smtClean="0">
-                <a:solidFill>
-                  <a:schemeClr val="tx1">
-                    <a:lumMod val="85000"/>
-                  </a:schemeClr>
-                </a:solidFill>
-              </a:rPr>
-              <a:t>Building</a:t>
-            </a:r>
-          </a:p>
-          <a:p>
-            <a:pPr marL="742950" lvl="1" indent="-285750">
-              <a:buFont typeface="Arial" panose="020B0604020202020204" pitchFamily="34" charset="0"/>
-              <a:buChar char="•"/>
-            </a:pPr>
-            <a:r>
-              <a:rPr lang="en-US" sz="2000" dirty="0" smtClean="0">
-                <a:solidFill>
-                  <a:schemeClr val="tx1">
-                    <a:lumMod val="85000"/>
-                  </a:schemeClr>
-                </a:solidFill>
-              </a:rPr>
-              <a:t>Figuring it out</a:t>
-            </a:r>
-          </a:p>
-          <a:p>
-            <a:pPr marL="285750" indent="-285750">
-              <a:buFont typeface="Arial" panose="020B0604020202020204" pitchFamily="34" charset="0"/>
-              <a:buChar char="•"/>
-            </a:pPr>
-            <a:endParaRPr lang="en-US" sz="2000" dirty="0">
-              <a:solidFill>
-                <a:schemeClr val="tx1">
-                  <a:lumMod val="85000"/>
-                </a:schemeClr>
-              </a:solidFill>
-            </a:endParaRPr>
-          </a:p>
-          <a:p>
-            <a:pPr marL="285750" indent="-285750">
-              <a:buFont typeface="Arial" panose="020B0604020202020204" pitchFamily="34" charset="0"/>
-              <a:buChar char="•"/>
-            </a:pPr>
-            <a:r>
-              <a:rPr lang="en-US" sz="2000" dirty="0" smtClean="0">
-                <a:solidFill>
-                  <a:schemeClr val="tx1">
-                    <a:lumMod val="85000"/>
-                  </a:schemeClr>
-                </a:solidFill>
-              </a:rPr>
-              <a:t>Static Frying</a:t>
-            </a:r>
-          </a:p>
-          <a:p>
-            <a:pPr marL="742950" lvl="1" indent="-285750">
-              <a:buFont typeface="Arial" panose="020B0604020202020204" pitchFamily="34" charset="0"/>
-              <a:buChar char="•"/>
-            </a:pPr>
-            <a:r>
-              <a:rPr lang="en-US" sz="2000" dirty="0" smtClean="0">
-                <a:solidFill>
-                  <a:schemeClr val="tx1">
-                    <a:lumMod val="85000"/>
-                  </a:schemeClr>
-                </a:solidFill>
-              </a:rPr>
-              <a:t>Two broken</a:t>
-            </a:r>
           </a:p>
           <a:p>
             <a:pPr marL="285750" indent="-285750">
@@ -10273,11 +10461,124 @@
               </a:solidFill>
             </a:endParaRPr>
           </a:p>
+          <a:p>
+            <a:pPr marL="285750" indent="-285750">
+              <a:buFont typeface="Arial" panose="020B0604020202020204" pitchFamily="34" charset="0"/>
+              <a:buChar char="•"/>
+            </a:pPr>
+            <a:r>
+              <a:rPr lang="en-US" dirty="0" err="1" smtClean="0">
+                <a:solidFill>
+                  <a:schemeClr val="tx1">
+                    <a:lumMod val="85000"/>
+                  </a:schemeClr>
+                </a:solidFill>
+              </a:rPr>
+              <a:t>Linpack</a:t>
+            </a:r>
+            <a:endParaRPr lang="en-US" dirty="0" smtClean="0">
+              <a:solidFill>
+                <a:schemeClr val="tx1">
+                  <a:lumMod val="85000"/>
+                </a:schemeClr>
+              </a:solidFill>
+            </a:endParaRPr>
+          </a:p>
+          <a:p>
+            <a:pPr marL="742950" lvl="1" indent="-285750">
+              <a:buFont typeface="Arial" panose="020B0604020202020204" pitchFamily="34" charset="0"/>
+              <a:buChar char="•"/>
+            </a:pPr>
+            <a:r>
+              <a:rPr lang="en-US" dirty="0" smtClean="0">
+                <a:solidFill>
+                  <a:schemeClr val="tx1">
+                    <a:lumMod val="85000"/>
+                  </a:schemeClr>
+                </a:solidFill>
+              </a:rPr>
+              <a:t>Building</a:t>
+            </a:r>
+          </a:p>
+          <a:p>
+            <a:pPr marL="742950" lvl="1" indent="-285750">
+              <a:buFont typeface="Arial" panose="020B0604020202020204" pitchFamily="34" charset="0"/>
+              <a:buChar char="•"/>
+            </a:pPr>
+            <a:r>
+              <a:rPr lang="en-US" dirty="0" smtClean="0">
+                <a:solidFill>
+                  <a:schemeClr val="tx1">
+                    <a:lumMod val="85000"/>
+                  </a:schemeClr>
+                </a:solidFill>
+              </a:rPr>
+              <a:t>Figuring it out</a:t>
+            </a:r>
+          </a:p>
+          <a:p>
+            <a:pPr marL="285750" indent="-285750">
+              <a:buFont typeface="Arial" panose="020B0604020202020204" pitchFamily="34" charset="0"/>
+              <a:buChar char="•"/>
+            </a:pPr>
+            <a:endParaRPr lang="en-US" dirty="0">
+              <a:solidFill>
+                <a:schemeClr val="tx1">
+                  <a:lumMod val="85000"/>
+                </a:schemeClr>
+              </a:solidFill>
+            </a:endParaRPr>
+          </a:p>
+          <a:p>
+            <a:pPr marL="285750" indent="-285750">
+              <a:buFont typeface="Arial" panose="020B0604020202020204" pitchFamily="34" charset="0"/>
+              <a:buChar char="•"/>
+            </a:pPr>
+            <a:r>
+              <a:rPr lang="en-US" dirty="0" smtClean="0">
+                <a:solidFill>
+                  <a:schemeClr val="tx1">
+                    <a:lumMod val="85000"/>
+                  </a:schemeClr>
+                </a:solidFill>
+              </a:rPr>
+              <a:t>Static Frying</a:t>
+            </a:r>
+          </a:p>
+          <a:p>
+            <a:pPr marL="742950" lvl="1" indent="-285750">
+              <a:buFont typeface="Arial" panose="020B0604020202020204" pitchFamily="34" charset="0"/>
+              <a:buChar char="•"/>
+            </a:pPr>
+            <a:r>
+              <a:rPr lang="en-US" dirty="0" smtClean="0">
+                <a:solidFill>
+                  <a:schemeClr val="tx1">
+                    <a:lumMod val="85000"/>
+                  </a:schemeClr>
+                </a:solidFill>
+              </a:rPr>
+              <a:t>Two broken</a:t>
+            </a:r>
+          </a:p>
+          <a:p>
+            <a:pPr marL="285750" indent="-285750">
+              <a:buFont typeface="Arial" panose="020B0604020202020204" pitchFamily="34" charset="0"/>
+              <a:buChar char="•"/>
+            </a:pPr>
+            <a:endParaRPr lang="en-US" dirty="0">
+              <a:solidFill>
+                <a:schemeClr val="tx1">
+                  <a:lumMod val="85000"/>
+                </a:schemeClr>
+              </a:solidFill>
+            </a:endParaRPr>
+          </a:p>
         </p:txBody>
       </p:sp>
       <p:pic>
         <p:nvPicPr>
-          <p:cNvPr id="5" name="Picture 4"/>
+          <p:cNvPr id="4" name="Picture 3"/>
           <p:cNvPicPr>
             <a:picLocks noChangeAspect="1"/>
           </p:cNvPicPr>
@@ -10291,52 +10592,22 @@
               </a:ext>
             </a:extLst>
           </a:blip>
-          <a:srcRect l="19118" t="389"/>
+          <a:srcRect t="22169" r="158" b="14859"/>
           <a:stretch/>
         </p:blipFill>
         <p:spPr>
           <a:xfrm>
-            <a:off x="4170753" y="2083951"/>
-            <a:ext cx="4417429" cy="3062689"/>
+            <a:off x="4076241" y="3829235"/>
+            <a:ext cx="2621384" cy="2936882"/>
           </a:xfrm>
           <a:prstGeom prst="rect">
             <a:avLst/>
           </a:prstGeom>
-          <a:solidFill>
-            <a:srgbClr val="FFFFFF">
-              <a:shade val="85000"/>
-            </a:srgbClr>
-          </a:solidFill>
-          <a:ln w="88900" cap="sq">
-            <a:solidFill>
-              <a:srgbClr val="FFFFFF"/>
-            </a:solidFill>
-            <a:miter lim="800000"/>
-          </a:ln>
-          <a:effectLst>
-            <a:outerShdw blurRad="55000" dist="18000" dir="5400000" algn="tl" rotWithShape="0">
-              <a:srgbClr val="000000">
-                <a:alpha val="40000"/>
-              </a:srgbClr>
-            </a:outerShdw>
-          </a:effectLst>
-          <a:scene3d>
-            <a:camera prst="orthographicFront"/>
-            <a:lightRig rig="twoPt" dir="t">
-              <a:rot lat="0" lon="0" rev="7200000"/>
-            </a:lightRig>
-          </a:scene3d>
-          <a:sp3d>
-            <a:bevelT w="25400" h="19050"/>
-            <a:contourClr>
-              <a:srgbClr val="FFFFFF"/>
-            </a:contourClr>
-          </a:sp3d>
         </p:spPr>
       </p:pic>
       <p:pic>
         <p:nvPicPr>
-          <p:cNvPr id="6" name="Picture 5"/>
+          <p:cNvPr id="5" name="Picture 4"/>
           <p:cNvPicPr>
             <a:picLocks noChangeAspect="1"/>
           </p:cNvPicPr>
@@ -10350,47 +10621,17 @@
               </a:ext>
             </a:extLst>
           </a:blip>
-          <a:srcRect t="12479" b="8205"/>
+          <a:srcRect l="19118" t="389"/>
           <a:stretch/>
         </p:blipFill>
         <p:spPr>
           <a:xfrm>
-            <a:off x="9121335" y="1727879"/>
-            <a:ext cx="2679262" cy="3774831"/>
+            <a:off x="6912620" y="251461"/>
+            <a:ext cx="4417429" cy="3062689"/>
           </a:xfrm>
           <a:prstGeom prst="rect">
             <a:avLst/>
           </a:prstGeom>
-          <a:solidFill>
-            <a:srgbClr val="FFFFFF">
-              <a:shade val="85000"/>
-            </a:srgbClr>
-          </a:solidFill>
-          <a:ln w="88900" cap="sq">
-            <a:solidFill>
-              <a:srgbClr val="FFFFFF"/>
-            </a:solidFill>
-            <a:miter lim="800000"/>
-          </a:ln>
-          <a:effectLst>
-            <a:outerShdw blurRad="55000" dist="18000" dir="5400000" algn="tl" rotWithShape="0">
-              <a:srgbClr val="000000">
-                <a:alpha val="40000"/>
-              </a:srgbClr>
-            </a:outerShdw>
-          </a:effectLst>
-          <a:scene3d>
-            <a:camera prst="orthographicFront"/>
-            <a:lightRig rig="twoPt" dir="t">
-              <a:rot lat="0" lon="0" rev="7200000"/>
-            </a:lightRig>
-          </a:scene3d>
-          <a:sp3d>
-            <a:bevelT w="25400" h="19050"/>
-            <a:contourClr>
-              <a:srgbClr val="FFFFFF"/>
-            </a:contourClr>
-          </a:sp3d>
         </p:spPr>
       </p:pic>
     </p:spTree>

--- a/Documents/ClientPresent2.pptx
+++ b/Documents/ClientPresent2.pptx
@@ -7692,7 +7692,7 @@
         <p:spPr>
           <a:xfrm>
             <a:off x="636915" y="2021489"/>
-            <a:ext cx="8001247" cy="2862322"/>
+            <a:ext cx="8001247" cy="3693319"/>
           </a:xfrm>
           <a:prstGeom prst="rect">
             <a:avLst/>
@@ -7825,6 +7825,58 @@
               </a:rPr>
               <a:t>Product</a:t>
             </a:r>
+          </a:p>
+          <a:p>
+            <a:pPr marL="742950" lvl="1" indent="-285750">
+              <a:buFont typeface="Arial" panose="020B0604020202020204" pitchFamily="34" charset="0"/>
+              <a:buChar char="•"/>
+            </a:pPr>
+            <a:r>
+              <a:rPr lang="en-US" dirty="0" smtClean="0">
+                <a:solidFill>
+                  <a:schemeClr val="tx1">
+                    <a:lumMod val="85000"/>
+                  </a:schemeClr>
+                </a:solidFill>
+              </a:rPr>
+              <a:t>Abstract</a:t>
+            </a:r>
+          </a:p>
+          <a:p>
+            <a:pPr marL="742950" lvl="1" indent="-285750">
+              <a:buFont typeface="Arial" panose="020B0604020202020204" pitchFamily="34" charset="0"/>
+              <a:buChar char="•"/>
+            </a:pPr>
+            <a:endParaRPr lang="en-US" dirty="0">
+              <a:solidFill>
+                <a:schemeClr val="tx1">
+                  <a:lumMod val="85000"/>
+                </a:schemeClr>
+              </a:solidFill>
+            </a:endParaRPr>
+          </a:p>
+          <a:p>
+            <a:pPr marL="285750" indent="-285750">
+              <a:buFont typeface="Arial" panose="020B0604020202020204" pitchFamily="34" charset="0"/>
+              <a:buChar char="•"/>
+            </a:pPr>
+            <a:r>
+              <a:rPr lang="en-US" dirty="0" smtClean="0">
+                <a:solidFill>
+                  <a:schemeClr val="tx1">
+                    <a:lumMod val="85000"/>
+                  </a:schemeClr>
+                </a:solidFill>
+              </a:rPr>
+              <a:t>Research Symposium: 4/7/2016</a:t>
+            </a:r>
+            <a:endParaRPr lang="en-US" dirty="0" smtClean="0">
+              <a:solidFill>
+                <a:schemeClr val="tx1">
+                  <a:lumMod val="85000"/>
+                </a:schemeClr>
+              </a:solidFill>
+            </a:endParaRPr>
           </a:p>
           <a:p>
             <a:pPr marL="742950" lvl="1" indent="-285750">
@@ -8151,17 +8203,7 @@
                   </a:schemeClr>
                 </a:solidFill>
               </a:rPr>
-              <a:t>Fastest and most </a:t>
-            </a:r>
-            <a:r>
-              <a:rPr lang="en-US" dirty="0" smtClean="0">
-                <a:solidFill>
-                  <a:schemeClr val="tx1">
-                    <a:lumMod val="85000"/>
-                  </a:schemeClr>
-                </a:solidFill>
-              </a:rPr>
-              <a:t>efficient</a:t>
+              <a:t>Fastest and most efficient</a:t>
             </a:r>
             <a:endParaRPr lang="en-US" dirty="0">
               <a:solidFill>
@@ -8431,25 +8473,8 @@
                   </a:schemeClr>
                 </a:solidFill>
               </a:rPr>
-              <a:t>Snow White and the seven </a:t>
-            </a:r>
-            <a:r>
-              <a:rPr lang="en-US" dirty="0" smtClean="0">
-                <a:solidFill>
-                  <a:schemeClr val="tx1">
-                    <a:lumMod val="85000"/>
-                  </a:schemeClr>
-                </a:solidFill>
-              </a:rPr>
-              <a:t>dwarfs</a:t>
-            </a:r>
-            <a:endParaRPr lang="en-US" dirty="0" smtClean="0">
-              <a:solidFill>
-                <a:schemeClr val="tx1">
-                  <a:lumMod val="85000"/>
-                </a:schemeClr>
-              </a:solidFill>
-            </a:endParaRPr>
+              <a:t>Snow White and the seven dwarfs</a:t>
+            </a:r>
           </a:p>
           <a:p>
             <a:pPr marL="285750" indent="-285750">
@@ -8523,6 +8548,36 @@
           <a:prstGeom prst="rect">
             <a:avLst/>
           </a:prstGeom>
+          <a:solidFill>
+            <a:srgbClr val="FFFFFF">
+              <a:shade val="85000"/>
+            </a:srgbClr>
+          </a:solidFill>
+          <a:ln w="88900" cap="sq">
+            <a:solidFill>
+              <a:srgbClr val="FFFFFF"/>
+            </a:solidFill>
+            <a:miter lim="800000"/>
+          </a:ln>
+          <a:effectLst>
+            <a:outerShdw blurRad="55000" dist="18000" dir="5400000" algn="tl" rotWithShape="0">
+              <a:srgbClr val="000000">
+                <a:alpha val="40000"/>
+              </a:srgbClr>
+            </a:outerShdw>
+          </a:effectLst>
+          <a:scene3d>
+            <a:camera prst="orthographicFront"/>
+            <a:lightRig rig="twoPt" dir="t">
+              <a:rot lat="0" lon="0" rev="7200000"/>
+            </a:lightRig>
+          </a:scene3d>
+          <a:sp3d>
+            <a:bevelT w="25400" h="19050"/>
+            <a:contourClr>
+              <a:srgbClr val="FFFFFF"/>
+            </a:contourClr>
+          </a:sp3d>
         </p:spPr>
       </p:pic>
       <p:pic>
@@ -8552,6 +8607,36 @@
           <a:prstGeom prst="rect">
             <a:avLst/>
           </a:prstGeom>
+          <a:solidFill>
+            <a:srgbClr val="FFFFFF">
+              <a:shade val="85000"/>
+            </a:srgbClr>
+          </a:solidFill>
+          <a:ln w="88900" cap="sq">
+            <a:solidFill>
+              <a:srgbClr val="FFFFFF"/>
+            </a:solidFill>
+            <a:miter lim="800000"/>
+          </a:ln>
+          <a:effectLst>
+            <a:outerShdw blurRad="55000" dist="18000" dir="5400000" algn="tl" rotWithShape="0">
+              <a:srgbClr val="000000">
+                <a:alpha val="40000"/>
+              </a:srgbClr>
+            </a:outerShdw>
+          </a:effectLst>
+          <a:scene3d>
+            <a:camera prst="orthographicFront"/>
+            <a:lightRig rig="twoPt" dir="t">
+              <a:rot lat="0" lon="0" rev="7200000"/>
+            </a:lightRig>
+          </a:scene3d>
+          <a:sp3d>
+            <a:bevelT w="25400" h="19050"/>
+            <a:contourClr>
+              <a:srgbClr val="FFFFFF"/>
+            </a:contourClr>
+          </a:sp3d>
         </p:spPr>
       </p:pic>
       <p:sp>
@@ -8562,7 +8647,7 @@
         </p:nvSpPr>
         <p:spPr>
           <a:xfrm>
-            <a:off x="5947760" y="5280877"/>
+            <a:off x="5925326" y="5233776"/>
             <a:ext cx="1486304" cy="369332"/>
           </a:xfrm>
           <a:prstGeom prst="rect">
@@ -8604,7 +8689,7 @@
         </p:nvSpPr>
         <p:spPr>
           <a:xfrm>
-            <a:off x="5575893" y="3982436"/>
+            <a:off x="5674857" y="3947528"/>
             <a:ext cx="938077" cy="369332"/>
           </a:xfrm>
           <a:prstGeom prst="rect">
@@ -9342,14 +9427,14 @@
               <a:buChar char="•"/>
             </a:pPr>
             <a:r>
-              <a:rPr lang="en-US" dirty="0" err="1" smtClean="0">
+              <a:rPr lang="en-US" dirty="0" smtClean="0">
                 <a:solidFill>
                   <a:schemeClr val="tx1">
                     <a:lumMod val="85000"/>
                   </a:schemeClr>
                 </a:solidFill>
               </a:rPr>
-              <a:t>Linpack</a:t>
+              <a:t>LINPACK</a:t>
             </a:r>
             <a:endParaRPr lang="en-US" dirty="0" smtClean="0">
               <a:solidFill>
@@ -9760,14 +9845,14 @@
               <a:buChar char="•"/>
             </a:pPr>
             <a:r>
-              <a:rPr lang="en-US" dirty="0" err="1" smtClean="0">
+              <a:rPr lang="en-US" dirty="0" smtClean="0">
                 <a:solidFill>
                   <a:schemeClr val="tx1">
                     <a:lumMod val="85000"/>
                   </a:schemeClr>
                 </a:solidFill>
               </a:rPr>
-              <a:t>Linpack</a:t>
+              <a:t>LINPACK</a:t>
             </a:r>
             <a:endParaRPr lang="en-US" dirty="0" smtClean="0">
               <a:solidFill>
@@ -10413,7 +10498,7 @@
         <p:spPr>
           <a:xfrm>
             <a:off x="586935" y="2021489"/>
-            <a:ext cx="8001247" cy="2585323"/>
+            <a:ext cx="8001247" cy="3139321"/>
           </a:xfrm>
           <a:prstGeom prst="rect">
             <a:avLst/>
@@ -10467,14 +10552,14 @@
               <a:buChar char="•"/>
             </a:pPr>
             <a:r>
-              <a:rPr lang="en-US" dirty="0" err="1" smtClean="0">
+              <a:rPr lang="en-US" dirty="0" smtClean="0">
                 <a:solidFill>
                   <a:schemeClr val="tx1">
                     <a:lumMod val="85000"/>
                   </a:schemeClr>
                 </a:solidFill>
               </a:rPr>
-              <a:t>Linpack</a:t>
+              <a:t>LINPACK</a:t>
             </a:r>
             <a:endParaRPr lang="en-US" dirty="0" smtClean="0">
               <a:solidFill>
@@ -10558,8 +10643,54 @@
                   </a:schemeClr>
                 </a:solidFill>
               </a:rPr>
-              <a:t>Two broken</a:t>
-            </a:r>
+              <a:t>Two </a:t>
+            </a:r>
+            <a:r>
+              <a:rPr lang="en-US" dirty="0" smtClean="0">
+                <a:solidFill>
+                  <a:schemeClr val="tx1">
+                    <a:lumMod val="85000"/>
+                  </a:schemeClr>
+                </a:solidFill>
+              </a:rPr>
+              <a:t>broken</a:t>
+            </a:r>
+          </a:p>
+          <a:p>
+            <a:pPr marL="742950" lvl="1" indent="-285750">
+              <a:buFont typeface="Arial" panose="020B0604020202020204" pitchFamily="34" charset="0"/>
+              <a:buChar char="•"/>
+            </a:pPr>
+            <a:endParaRPr lang="en-US" dirty="0">
+              <a:solidFill>
+                <a:schemeClr val="tx1">
+                  <a:lumMod val="85000"/>
+                </a:schemeClr>
+              </a:solidFill>
+            </a:endParaRPr>
+          </a:p>
+          <a:p>
+            <a:pPr marL="285750" indent="-285750">
+              <a:buFont typeface="Arial" panose="020B0604020202020204" pitchFamily="34" charset="0"/>
+              <a:buChar char="•"/>
+            </a:pPr>
+            <a:r>
+              <a:rPr lang="en-US" dirty="0" smtClean="0">
+                <a:solidFill>
+                  <a:schemeClr val="tx1">
+                    <a:lumMod val="85000"/>
+                  </a:schemeClr>
+                </a:solidFill>
+              </a:rPr>
+              <a:t>Backorder</a:t>
+            </a:r>
+            <a:endParaRPr lang="en-US" dirty="0" smtClean="0">
+              <a:solidFill>
+                <a:schemeClr val="tx1">
+                  <a:lumMod val="85000"/>
+                </a:schemeClr>
+              </a:solidFill>
+            </a:endParaRPr>
           </a:p>
           <a:p>
             <a:pPr marL="285750" indent="-285750">
@@ -10597,12 +10728,42 @@
         </p:blipFill>
         <p:spPr>
           <a:xfrm>
-            <a:off x="4076241" y="3829235"/>
+            <a:off x="4170753" y="2122707"/>
             <a:ext cx="2621384" cy="2936882"/>
           </a:xfrm>
           <a:prstGeom prst="rect">
             <a:avLst/>
           </a:prstGeom>
+          <a:solidFill>
+            <a:srgbClr val="FFFFFF">
+              <a:shade val="85000"/>
+            </a:srgbClr>
+          </a:solidFill>
+          <a:ln w="88900" cap="sq">
+            <a:solidFill>
+              <a:srgbClr val="FFFFFF"/>
+            </a:solidFill>
+            <a:miter lim="800000"/>
+          </a:ln>
+          <a:effectLst>
+            <a:outerShdw blurRad="55000" dist="18000" dir="5400000" algn="tl" rotWithShape="0">
+              <a:srgbClr val="000000">
+                <a:alpha val="40000"/>
+              </a:srgbClr>
+            </a:outerShdw>
+          </a:effectLst>
+          <a:scene3d>
+            <a:camera prst="orthographicFront"/>
+            <a:lightRig rig="twoPt" dir="t">
+              <a:rot lat="0" lon="0" rev="7200000"/>
+            </a:lightRig>
+          </a:scene3d>
+          <a:sp3d>
+            <a:bevelT w="25400" h="19050"/>
+            <a:contourClr>
+              <a:srgbClr val="FFFFFF"/>
+            </a:contourClr>
+          </a:sp3d>
         </p:spPr>
       </p:pic>
       <p:pic>
@@ -10626,12 +10787,42 @@
         </p:blipFill>
         <p:spPr>
           <a:xfrm>
-            <a:off x="6912620" y="251461"/>
+            <a:off x="7324746" y="2059804"/>
             <a:ext cx="4417429" cy="3062689"/>
           </a:xfrm>
           <a:prstGeom prst="rect">
             <a:avLst/>
           </a:prstGeom>
+          <a:solidFill>
+            <a:srgbClr val="FFFFFF">
+              <a:shade val="85000"/>
+            </a:srgbClr>
+          </a:solidFill>
+          <a:ln w="88900" cap="sq">
+            <a:solidFill>
+              <a:srgbClr val="FFFFFF"/>
+            </a:solidFill>
+            <a:miter lim="800000"/>
+          </a:ln>
+          <a:effectLst>
+            <a:outerShdw blurRad="55000" dist="18000" dir="5400000" algn="tl" rotWithShape="0">
+              <a:srgbClr val="000000">
+                <a:alpha val="40000"/>
+              </a:srgbClr>
+            </a:outerShdw>
+          </a:effectLst>
+          <a:scene3d>
+            <a:camera prst="orthographicFront"/>
+            <a:lightRig rig="twoPt" dir="t">
+              <a:rot lat="0" lon="0" rev="7200000"/>
+            </a:lightRig>
+          </a:scene3d>
+          <a:sp3d>
+            <a:bevelT w="25400" h="19050"/>
+            <a:contourClr>
+              <a:srgbClr val="FFFFFF"/>
+            </a:contourClr>
+          </a:sp3d>
         </p:spPr>
       </p:pic>
     </p:spTree>

--- a/Documents/ClientPresent2.pptx
+++ b/Documents/ClientPresent2.pptx
@@ -787,7 +787,15 @@
           <a:p>
             <a:r>
               <a:rPr lang="en-US" dirty="0" smtClean="0"/>
-              <a:t>Christine</a:t>
+              <a:t>Christine // need to</a:t>
+            </a:r>
+            <a:r>
+              <a:rPr lang="en-US" baseline="0" dirty="0" smtClean="0"/>
+              <a:t> figure this out </a:t>
+            </a:r>
+            <a:r>
+              <a:rPr lang="en-US" baseline="0" smtClean="0"/>
+              <a:t>precisly</a:t>
             </a:r>
             <a:endParaRPr lang="en-US" dirty="0"/>
           </a:p>
@@ -7552,7 +7560,7 @@
         <p:spPr>
           <a:xfrm>
             <a:off x="636915" y="2021489"/>
-            <a:ext cx="8001247" cy="923330"/>
+            <a:ext cx="8001247" cy="2031325"/>
           </a:xfrm>
           <a:prstGeom prst="rect">
             <a:avLst/>
@@ -7606,7 +7614,75 @@
                   </a:schemeClr>
                 </a:solidFill>
               </a:rPr>
-              <a:t>Develop and benchmark a new communication</a:t>
+              <a:t>Develop and benchmark a new </a:t>
+            </a:r>
+            <a:r>
+              <a:rPr lang="en-US" dirty="0" smtClean="0">
+                <a:solidFill>
+                  <a:schemeClr val="tx1">
+                    <a:lumMod val="85000"/>
+                  </a:schemeClr>
+                </a:solidFill>
+              </a:rPr>
+              <a:t>communication</a:t>
+            </a:r>
+          </a:p>
+          <a:p>
+            <a:pPr marL="285750" indent="-285750">
+              <a:buFont typeface="Arial" panose="020B0604020202020204" pitchFamily="34" charset="0"/>
+              <a:buChar char="•"/>
+            </a:pPr>
+            <a:endParaRPr lang="en-US" dirty="0">
+              <a:solidFill>
+                <a:schemeClr val="tx1">
+                  <a:lumMod val="85000"/>
+                </a:schemeClr>
+              </a:solidFill>
+            </a:endParaRPr>
+          </a:p>
+          <a:p>
+            <a:pPr marL="285750" indent="-285750">
+              <a:buFont typeface="Arial" panose="020B0604020202020204" pitchFamily="34" charset="0"/>
+              <a:buChar char="•"/>
+            </a:pPr>
+            <a:r>
+              <a:rPr lang="en-US" dirty="0" smtClean="0">
+                <a:solidFill>
+                  <a:schemeClr val="tx1">
+                    <a:lumMod val="85000"/>
+                  </a:schemeClr>
+                </a:solidFill>
+              </a:rPr>
+              <a:t>Research Symposium</a:t>
+            </a:r>
+          </a:p>
+          <a:p>
+            <a:pPr marL="285750" indent="-285750">
+              <a:buFont typeface="Arial" panose="020B0604020202020204" pitchFamily="34" charset="0"/>
+              <a:buChar char="•"/>
+            </a:pPr>
+            <a:endParaRPr lang="en-US" dirty="0">
+              <a:solidFill>
+                <a:schemeClr val="tx1">
+                  <a:lumMod val="85000"/>
+                </a:schemeClr>
+              </a:solidFill>
+            </a:endParaRPr>
+          </a:p>
+          <a:p>
+            <a:pPr marL="285750" indent="-285750">
+              <a:buFont typeface="Arial" panose="020B0604020202020204" pitchFamily="34" charset="0"/>
+              <a:buChar char="•"/>
+            </a:pPr>
+            <a:r>
+              <a:rPr lang="en-US" dirty="0" smtClean="0">
+                <a:solidFill>
+                  <a:schemeClr val="tx1">
+                    <a:lumMod val="85000"/>
+                  </a:schemeClr>
+                </a:solidFill>
+              </a:rPr>
+              <a:t>Design Fair</a:t>
             </a:r>
             <a:endParaRPr lang="en-US" dirty="0">
               <a:solidFill>
@@ -7692,7 +7768,7 @@
         <p:spPr>
           <a:xfrm>
             <a:off x="636915" y="2021489"/>
-            <a:ext cx="8001247" cy="3693319"/>
+            <a:ext cx="8001247" cy="3970318"/>
           </a:xfrm>
           <a:prstGeom prst="rect">
             <a:avLst/>
@@ -7733,8 +7809,31 @@
                   </a:schemeClr>
                 </a:solidFill>
               </a:rPr>
+              <a:t>Research</a:t>
+            </a:r>
+          </a:p>
+          <a:p>
+            <a:pPr marL="742950" lvl="1" indent="-285750">
+              <a:buFont typeface="Arial" panose="020B0604020202020204" pitchFamily="34" charset="0"/>
+              <a:buChar char="•"/>
+            </a:pPr>
+            <a:r>
+              <a:rPr lang="en-US" dirty="0" smtClean="0">
+                <a:solidFill>
+                  <a:schemeClr val="tx1">
+                    <a:lumMod val="85000"/>
+                  </a:schemeClr>
+                </a:solidFill>
+              </a:rPr>
               <a:t>Prototype</a:t>
             </a:r>
+            <a:endParaRPr lang="en-US" dirty="0" smtClean="0">
+              <a:solidFill>
+                <a:schemeClr val="tx1">
+                  <a:lumMod val="85000"/>
+                </a:schemeClr>
+              </a:solidFill>
+            </a:endParaRPr>
           </a:p>
           <a:p>
             <a:pPr marL="285750" indent="-285750">
@@ -7762,8 +7861,35 @@
                   </a:schemeClr>
                 </a:solidFill>
               </a:rPr>
-              <a:t>Sprint 5: 2/15/16-3/4/16</a:t>
-            </a:r>
+              <a:t>Sprint 5</a:t>
+            </a:r>
+            <a:r>
+              <a:rPr lang="en-US" smtClean="0">
+                <a:solidFill>
+                  <a:schemeClr val="tx1">
+                    <a:lumMod val="85000"/>
+                  </a:schemeClr>
+                </a:solidFill>
+              </a:rPr>
+              <a:t>: </a:t>
+            </a:r>
+            <a:r>
+              <a:rPr lang="en-US" smtClean="0">
+                <a:solidFill>
+                  <a:schemeClr val="tx1">
+                    <a:lumMod val="85000"/>
+                  </a:schemeClr>
+                </a:solidFill>
+              </a:rPr>
+              <a:t>2/15/16-3/4/16</a:t>
+            </a:r>
+            <a:endParaRPr lang="en-US" dirty="0" smtClean="0">
+              <a:solidFill>
+                <a:schemeClr val="tx1">
+                  <a:lumMod val="85000"/>
+                </a:schemeClr>
+              </a:solidFill>
+            </a:endParaRPr>
           </a:p>
           <a:p>
             <a:pPr marL="742950" lvl="1" indent="-285750">
@@ -7778,8 +7904,15 @@
                   </a:schemeClr>
                 </a:solidFill>
               </a:rPr>
-              <a:t>Presentation</a:t>
-            </a:r>
+              <a:t>Benchmark</a:t>
+            </a:r>
+            <a:endParaRPr lang="en-US" dirty="0" smtClean="0">
+              <a:solidFill>
+                <a:schemeClr val="tx1">
+                  <a:lumMod val="85000"/>
+                </a:schemeClr>
+              </a:solidFill>
+            </a:endParaRPr>
           </a:p>
           <a:p>
             <a:pPr marL="742950" lvl="1" indent="-285750">
@@ -7870,13 +8003,6 @@
               </a:rPr>
               <a:t>Research Symposium: 4/7/2016</a:t>
             </a:r>
-            <a:endParaRPr lang="en-US" dirty="0" smtClean="0">
-              <a:solidFill>
-                <a:schemeClr val="tx1">
-                  <a:lumMod val="85000"/>
-                </a:schemeClr>
-              </a:solidFill>
-            </a:endParaRPr>
           </a:p>
           <a:p>
             <a:pPr marL="742950" lvl="1" indent="-285750">
@@ -9436,13 +9562,6 @@
               </a:rPr>
               <a:t>LINPACK</a:t>
             </a:r>
-            <a:endParaRPr lang="en-US" dirty="0" smtClean="0">
-              <a:solidFill>
-                <a:schemeClr val="tx1">
-                  <a:lumMod val="85000"/>
-                </a:schemeClr>
-              </a:solidFill>
-            </a:endParaRPr>
           </a:p>
           <a:p>
             <a:pPr marL="285750" indent="-285750">
@@ -9854,13 +9973,6 @@
               </a:rPr>
               <a:t>LINPACK</a:t>
             </a:r>
-            <a:endParaRPr lang="en-US" dirty="0" smtClean="0">
-              <a:solidFill>
-                <a:schemeClr val="tx1">
-                  <a:lumMod val="85000"/>
-                </a:schemeClr>
-              </a:solidFill>
-            </a:endParaRPr>
           </a:p>
           <a:p>
             <a:pPr marL="285750" indent="-285750">
@@ -10561,13 +10673,6 @@
               </a:rPr>
               <a:t>LINPACK</a:t>
             </a:r>
-            <a:endParaRPr lang="en-US" dirty="0" smtClean="0">
-              <a:solidFill>
-                <a:schemeClr val="tx1">
-                  <a:lumMod val="85000"/>
-                </a:schemeClr>
-              </a:solidFill>
-            </a:endParaRPr>
           </a:p>
           <a:p>
             <a:pPr marL="742950" lvl="1" indent="-285750">
@@ -10643,17 +10748,7 @@
                   </a:schemeClr>
                 </a:solidFill>
               </a:rPr>
-              <a:t>Two </a:t>
-            </a:r>
-            <a:r>
-              <a:rPr lang="en-US" dirty="0" smtClean="0">
-                <a:solidFill>
-                  <a:schemeClr val="tx1">
-                    <a:lumMod val="85000"/>
-                  </a:schemeClr>
-                </a:solidFill>
-              </a:rPr>
-              <a:t>broken</a:t>
+              <a:t>Two broken</a:t>
             </a:r>
           </a:p>
           <a:p>
@@ -10684,13 +10779,6 @@
               </a:rPr>
               <a:t>Backorder</a:t>
             </a:r>
-            <a:endParaRPr lang="en-US" dirty="0" smtClean="0">
-              <a:solidFill>
-                <a:schemeClr val="tx1">
-                  <a:lumMod val="85000"/>
-                </a:schemeClr>
-              </a:solidFill>
-            </a:endParaRPr>
           </a:p>
           <a:p>
             <a:pPr marL="285750" indent="-285750">

--- a/Documents/ClientPresent2.pptx
+++ b/Documents/ClientPresent2.pptx
@@ -612,6 +612,16 @@
             <a:r>
               <a:rPr lang="en-US" dirty="0" smtClean="0"/>
               <a:t>Sam</a:t>
+            </a:r>
+          </a:p>
+          <a:p>
+            <a:r>
+              <a:rPr lang="en-US" smtClean="0"/>
+              <a:t>4.99</a:t>
+            </a:r>
+            <a:r>
+              <a:rPr lang="en-US" baseline="0" smtClean="0"/>
+              <a:t> 3’</a:t>
             </a:r>
             <a:endParaRPr lang="en-US" dirty="0"/>
           </a:p>
@@ -7223,7 +7233,7 @@
         <p:spPr>
           <a:xfrm>
             <a:off x="528569" y="1830961"/>
-            <a:ext cx="8001247" cy="4247317"/>
+            <a:ext cx="8001247" cy="3970318"/>
           </a:xfrm>
           <a:prstGeom prst="rect">
             <a:avLst/>
@@ -7309,24 +7319,25 @@
                   </a:schemeClr>
                 </a:solidFill>
               </a:rPr>
-              <a:t>(8) 1’  $2.99 each </a:t>
-            </a:r>
-          </a:p>
-          <a:p>
-            <a:pPr marL="742950" lvl="1" indent="-285750">
-              <a:buFont typeface="Arial" panose="020B0604020202020204" pitchFamily="34" charset="0"/>
-              <a:buChar char="•"/>
-            </a:pPr>
-            <a:r>
-              <a:rPr lang="en-US" dirty="0" smtClean="0">
+              <a:t>(8) 1’  $2.99 </a:t>
+            </a:r>
+            <a:r>
+              <a:rPr lang="en-US" smtClean="0">
                 <a:solidFill>
                   <a:schemeClr val="tx1">
                     <a:lumMod val="85000"/>
                   </a:schemeClr>
                 </a:solidFill>
               </a:rPr>
-              <a:t>3’  $4.99 each</a:t>
-            </a:r>
+              <a:t>each </a:t>
+            </a:r>
+            <a:endParaRPr lang="en-US" dirty="0" smtClean="0">
+              <a:solidFill>
+                <a:schemeClr val="tx1">
+                  <a:lumMod val="85000"/>
+                </a:schemeClr>
+              </a:solidFill>
+            </a:endParaRPr>
           </a:p>
           <a:p>
             <a:pPr marL="742950" lvl="1" indent="-285750">
@@ -7441,17 +7452,17 @@
                   </a:schemeClr>
                 </a:solidFill>
               </a:rPr>
-              <a:t>ODROID Ux</a:t>
-            </a:r>
-            <a:r>
-              <a:rPr lang="en-US" dirty="0">
+              <a:t>ODROID </a:t>
+            </a:r>
+            <a:r>
+              <a:rPr lang="en-US" dirty="0" smtClean="0">
                 <a:solidFill>
                   <a:schemeClr val="tx1">
                     <a:lumMod val="85000"/>
                   </a:schemeClr>
                 </a:solidFill>
               </a:rPr>
-              <a:t>4</a:t>
+              <a:t>Ux4</a:t>
             </a:r>
             <a:endParaRPr lang="en-US" dirty="0" smtClean="0">
               <a:solidFill>
@@ -7614,17 +7625,7 @@
                   </a:schemeClr>
                 </a:solidFill>
               </a:rPr>
-              <a:t>Develop and benchmark a new </a:t>
-            </a:r>
-            <a:r>
-              <a:rPr lang="en-US" dirty="0" smtClean="0">
-                <a:solidFill>
-                  <a:schemeClr val="tx1">
-                    <a:lumMod val="85000"/>
-                  </a:schemeClr>
-                </a:solidFill>
-              </a:rPr>
-              <a:t>communication</a:t>
+              <a:t>Develop and benchmark a new communication</a:t>
             </a:r>
           </a:p>
           <a:p>
@@ -7827,6 +7828,112 @@
               </a:rPr>
               <a:t>Prototype</a:t>
             </a:r>
+          </a:p>
+          <a:p>
+            <a:pPr marL="285750" indent="-285750">
+              <a:buFont typeface="Arial" panose="020B0604020202020204" pitchFamily="34" charset="0"/>
+              <a:buChar char="•"/>
+            </a:pPr>
+            <a:endParaRPr lang="en-US" dirty="0">
+              <a:solidFill>
+                <a:schemeClr val="tx1">
+                  <a:lumMod val="85000"/>
+                </a:schemeClr>
+              </a:solidFill>
+            </a:endParaRPr>
+          </a:p>
+          <a:p>
+            <a:pPr marL="285750" indent="-285750">
+              <a:buFont typeface="Arial" panose="020B0604020202020204" pitchFamily="34" charset="0"/>
+              <a:buChar char="•"/>
+            </a:pPr>
+            <a:r>
+              <a:rPr lang="en-US" dirty="0" smtClean="0">
+                <a:solidFill>
+                  <a:schemeClr val="tx1">
+                    <a:lumMod val="85000"/>
+                  </a:schemeClr>
+                </a:solidFill>
+              </a:rPr>
+              <a:t>Sprint 5: 2/15/16-3/4/16</a:t>
+            </a:r>
+          </a:p>
+          <a:p>
+            <a:pPr marL="742950" lvl="1" indent="-285750">
+              <a:buFont typeface="Arial" panose="020B0604020202020204" pitchFamily="34" charset="0"/>
+              <a:buChar char="•"/>
+            </a:pPr>
+            <a:r>
+              <a:rPr lang="en-US" dirty="0" smtClean="0">
+                <a:solidFill>
+                  <a:schemeClr val="tx1">
+                    <a:lumMod val="85000"/>
+                  </a:schemeClr>
+                </a:solidFill>
+              </a:rPr>
+              <a:t>Benchmark</a:t>
+            </a:r>
+          </a:p>
+          <a:p>
+            <a:pPr marL="742950" lvl="1" indent="-285750">
+              <a:buFont typeface="Arial" panose="020B0604020202020204" pitchFamily="34" charset="0"/>
+              <a:buChar char="•"/>
+            </a:pPr>
+            <a:r>
+              <a:rPr lang="en-US" dirty="0" smtClean="0">
+                <a:solidFill>
+                  <a:schemeClr val="tx1">
+                    <a:lumMod val="85000"/>
+                  </a:schemeClr>
+                </a:solidFill>
+              </a:rPr>
+              <a:t>Abstract </a:t>
+            </a:r>
+          </a:p>
+          <a:p>
+            <a:pPr marL="742950" lvl="1" indent="-285750">
+              <a:buFont typeface="Arial" panose="020B0604020202020204" pitchFamily="34" charset="0"/>
+              <a:buChar char="•"/>
+            </a:pPr>
+            <a:endParaRPr lang="en-US" dirty="0">
+              <a:solidFill>
+                <a:schemeClr val="tx1">
+                  <a:lumMod val="85000"/>
+                </a:schemeClr>
+              </a:solidFill>
+            </a:endParaRPr>
+          </a:p>
+          <a:p>
+            <a:pPr marL="285750" indent="-285750">
+              <a:buFont typeface="Arial" panose="020B0604020202020204" pitchFamily="34" charset="0"/>
+              <a:buChar char="•"/>
+            </a:pPr>
+            <a:r>
+              <a:rPr lang="en-US" dirty="0" smtClean="0">
+                <a:solidFill>
+                  <a:schemeClr val="tx1">
+                    <a:lumMod val="85000"/>
+                  </a:schemeClr>
+                </a:solidFill>
+              </a:rPr>
+              <a:t>Sprint 6: 3/21/16-4/15/16</a:t>
+            </a:r>
+          </a:p>
+          <a:p>
+            <a:pPr marL="742950" lvl="1" indent="-285750">
+              <a:buFont typeface="Arial" panose="020B0604020202020204" pitchFamily="34" charset="0"/>
+              <a:buChar char="•"/>
+            </a:pPr>
+            <a:r>
+              <a:rPr lang="en-US" dirty="0" smtClean="0">
+                <a:solidFill>
+                  <a:schemeClr val="tx1">
+                    <a:lumMod val="85000"/>
+                  </a:schemeClr>
+                </a:solidFill>
+              </a:rPr>
+              <a:t>Product</a:t>
+            </a:r>
             <a:endParaRPr lang="en-US" dirty="0" smtClean="0">
               <a:solidFill>
                 <a:schemeClr val="tx1">
@@ -7834,146 +7941,6 @@
                 </a:schemeClr>
               </a:solidFill>
             </a:endParaRPr>
-          </a:p>
-          <a:p>
-            <a:pPr marL="285750" indent="-285750">
-              <a:buFont typeface="Arial" panose="020B0604020202020204" pitchFamily="34" charset="0"/>
-              <a:buChar char="•"/>
-            </a:pPr>
-            <a:endParaRPr lang="en-US" dirty="0">
-              <a:solidFill>
-                <a:schemeClr val="tx1">
-                  <a:lumMod val="85000"/>
-                </a:schemeClr>
-              </a:solidFill>
-            </a:endParaRPr>
-          </a:p>
-          <a:p>
-            <a:pPr marL="285750" indent="-285750">
-              <a:buFont typeface="Arial" panose="020B0604020202020204" pitchFamily="34" charset="0"/>
-              <a:buChar char="•"/>
-            </a:pPr>
-            <a:r>
-              <a:rPr lang="en-US" dirty="0" smtClean="0">
-                <a:solidFill>
-                  <a:schemeClr val="tx1">
-                    <a:lumMod val="85000"/>
-                  </a:schemeClr>
-                </a:solidFill>
-              </a:rPr>
-              <a:t>Sprint 5</a:t>
-            </a:r>
-            <a:r>
-              <a:rPr lang="en-US" smtClean="0">
-                <a:solidFill>
-                  <a:schemeClr val="tx1">
-                    <a:lumMod val="85000"/>
-                  </a:schemeClr>
-                </a:solidFill>
-              </a:rPr>
-              <a:t>: </a:t>
-            </a:r>
-            <a:r>
-              <a:rPr lang="en-US" smtClean="0">
-                <a:solidFill>
-                  <a:schemeClr val="tx1">
-                    <a:lumMod val="85000"/>
-                  </a:schemeClr>
-                </a:solidFill>
-              </a:rPr>
-              <a:t>2/15/16-3/4/16</a:t>
-            </a:r>
-            <a:endParaRPr lang="en-US" dirty="0" smtClean="0">
-              <a:solidFill>
-                <a:schemeClr val="tx1">
-                  <a:lumMod val="85000"/>
-                </a:schemeClr>
-              </a:solidFill>
-            </a:endParaRPr>
-          </a:p>
-          <a:p>
-            <a:pPr marL="742950" lvl="1" indent="-285750">
-              <a:buFont typeface="Arial" panose="020B0604020202020204" pitchFamily="34" charset="0"/>
-              <a:buChar char="•"/>
-            </a:pPr>
-            <a:r>
-              <a:rPr lang="en-US" dirty="0" smtClean="0">
-                <a:solidFill>
-                  <a:schemeClr val="tx1">
-                    <a:lumMod val="85000"/>
-                  </a:schemeClr>
-                </a:solidFill>
-              </a:rPr>
-              <a:t>Benchmark</a:t>
-            </a:r>
-            <a:endParaRPr lang="en-US" dirty="0" smtClean="0">
-              <a:solidFill>
-                <a:schemeClr val="tx1">
-                  <a:lumMod val="85000"/>
-                </a:schemeClr>
-              </a:solidFill>
-            </a:endParaRPr>
-          </a:p>
-          <a:p>
-            <a:pPr marL="742950" lvl="1" indent="-285750">
-              <a:buFont typeface="Arial" panose="020B0604020202020204" pitchFamily="34" charset="0"/>
-              <a:buChar char="•"/>
-            </a:pPr>
-            <a:endParaRPr lang="en-US" dirty="0">
-              <a:solidFill>
-                <a:schemeClr val="tx1">
-                  <a:lumMod val="85000"/>
-                </a:schemeClr>
-              </a:solidFill>
-            </a:endParaRPr>
-          </a:p>
-          <a:p>
-            <a:pPr marL="285750" indent="-285750">
-              <a:buFont typeface="Arial" panose="020B0604020202020204" pitchFamily="34" charset="0"/>
-              <a:buChar char="•"/>
-            </a:pPr>
-            <a:r>
-              <a:rPr lang="en-US" dirty="0" smtClean="0">
-                <a:solidFill>
-                  <a:schemeClr val="tx1">
-                    <a:lumMod val="85000"/>
-                  </a:schemeClr>
-                </a:solidFill>
-              </a:rPr>
-              <a:t>Sprint 6: 3/21/16-4/15/16</a:t>
-            </a:r>
-          </a:p>
-          <a:p>
-            <a:pPr marL="742950" lvl="1" indent="-285750">
-              <a:buFont typeface="Arial" panose="020B0604020202020204" pitchFamily="34" charset="0"/>
-              <a:buChar char="•"/>
-            </a:pPr>
-            <a:r>
-              <a:rPr lang="en-US" dirty="0" smtClean="0">
-                <a:solidFill>
-                  <a:schemeClr val="tx1">
-                    <a:lumMod val="85000"/>
-                  </a:schemeClr>
-                </a:solidFill>
-              </a:rPr>
-              <a:t>Product</a:t>
-            </a:r>
-          </a:p>
-          <a:p>
-            <a:pPr marL="742950" lvl="1" indent="-285750">
-              <a:buFont typeface="Arial" panose="020B0604020202020204" pitchFamily="34" charset="0"/>
-              <a:buChar char="•"/>
-            </a:pPr>
-            <a:r>
-              <a:rPr lang="en-US" dirty="0" smtClean="0">
-                <a:solidFill>
-                  <a:schemeClr val="tx1">
-                    <a:lumMod val="85000"/>
-                  </a:schemeClr>
-                </a:solidFill>
-              </a:rPr>
-              <a:t>Abstract</a:t>
-            </a:r>
           </a:p>
           <a:p>
             <a:pPr marL="742950" lvl="1" indent="-285750">

--- a/Documents/ClientPresent2.pptx
+++ b/Documents/ClientPresent2.pptx
@@ -981,7 +981,11 @@
           <a:p>
             <a:r>
               <a:rPr lang="en-US" dirty="0" smtClean="0"/>
-              <a:t>Sam</a:t>
+              <a:t>Sam //include star</a:t>
+            </a:r>
+            <a:r>
+              <a:rPr lang="en-US" baseline="0" dirty="0" smtClean="0"/>
+              <a:t> model</a:t>
             </a:r>
             <a:endParaRPr lang="en-US" dirty="0"/>
           </a:p>
@@ -1333,7 +1337,7 @@
           <a:p>
             <a:r>
               <a:rPr lang="en-US" dirty="0" smtClean="0"/>
-              <a:t>Andrew</a:t>
+              <a:t>Andrew //Christine other protocols</a:t>
             </a:r>
             <a:endParaRPr lang="en-US" dirty="0"/>
           </a:p>
@@ -7232,8 +7236,8 @@
         </p:nvSpPr>
         <p:spPr>
           <a:xfrm>
-            <a:off x="528569" y="1830961"/>
-            <a:ext cx="8001247" cy="3970318"/>
+            <a:off x="446507" y="1502715"/>
+            <a:ext cx="8001247" cy="4801314"/>
           </a:xfrm>
           <a:prstGeom prst="rect">
             <a:avLst/>
@@ -7241,7 +7245,7 @@
           <a:noFill/>
         </p:spPr>
         <p:txBody>
-          <a:bodyPr wrap="square" rtlCol="0">
+          <a:bodyPr wrap="square" numCol="2" rtlCol="0">
             <a:spAutoFit/>
           </a:bodyPr>
           <a:lstStyle/>
@@ -7274,8 +7278,25 @@
                   </a:schemeClr>
                 </a:solidFill>
               </a:rPr>
-              <a:t>(1) $</a:t>
-            </a:r>
+              <a:t>(1) </a:t>
+            </a:r>
+            <a:r>
+              <a:rPr lang="en-US" dirty="0" smtClean="0">
+                <a:solidFill>
+                  <a:schemeClr val="tx1">
+                    <a:lumMod val="85000"/>
+                  </a:schemeClr>
+                </a:solidFill>
+              </a:rPr>
+              <a:t>$39.99</a:t>
+            </a:r>
+            <a:endParaRPr lang="en-US" dirty="0" smtClean="0">
+              <a:solidFill>
+                <a:schemeClr val="tx1">
+                  <a:lumMod val="85000"/>
+                </a:schemeClr>
+              </a:solidFill>
+            </a:endParaRPr>
           </a:p>
           <a:p>
             <a:pPr marL="285750" indent="-285750">
@@ -7319,17 +7340,62 @@
                   </a:schemeClr>
                 </a:solidFill>
               </a:rPr>
-              <a:t>(8) 1’  $2.99 </a:t>
-            </a:r>
-            <a:r>
-              <a:rPr lang="en-US" smtClean="0">
+              <a:t>(8) 1’  $2.99 each </a:t>
+            </a:r>
+          </a:p>
+          <a:p>
+            <a:pPr marL="742950" lvl="1" indent="-285750">
+              <a:buFont typeface="Arial" panose="020B0604020202020204" pitchFamily="34" charset="0"/>
+              <a:buChar char="•"/>
+            </a:pPr>
+            <a:endParaRPr lang="en-US" dirty="0">
+              <a:solidFill>
+                <a:schemeClr val="tx1">
+                  <a:lumMod val="85000"/>
+                </a:schemeClr>
+              </a:solidFill>
+            </a:endParaRPr>
+          </a:p>
+          <a:p>
+            <a:pPr marL="285750" indent="-285750">
+              <a:buFont typeface="Arial" panose="020B0604020202020204" pitchFamily="34" charset="0"/>
+              <a:buChar char="•"/>
+            </a:pPr>
+            <a:r>
+              <a:rPr lang="en-US" dirty="0" smtClean="0">
                 <a:solidFill>
                   <a:schemeClr val="tx1">
                     <a:lumMod val="85000"/>
                   </a:schemeClr>
                 </a:solidFill>
               </a:rPr>
-              <a:t>each </a:t>
+              <a:t>Power Unit</a:t>
+            </a:r>
+          </a:p>
+          <a:p>
+            <a:pPr marL="742950" lvl="1" indent="-285750">
+              <a:buFont typeface="Arial" panose="020B0604020202020204" pitchFamily="34" charset="0"/>
+              <a:buChar char="•"/>
+            </a:pPr>
+            <a:r>
+              <a:rPr lang="en-US" dirty="0" smtClean="0">
+                <a:solidFill>
+                  <a:schemeClr val="tx1">
+                    <a:lumMod val="85000"/>
+                  </a:schemeClr>
+                </a:solidFill>
+              </a:rPr>
+              <a:t>(1) </a:t>
+            </a:r>
+            <a:r>
+              <a:rPr lang="en-US" dirty="0" smtClean="0">
+                <a:solidFill>
+                  <a:schemeClr val="tx1">
+                    <a:lumMod val="85000"/>
+                  </a:schemeClr>
+                </a:solidFill>
+              </a:rPr>
+              <a:t>$49.99</a:t>
             </a:r>
             <a:endParaRPr lang="en-US" dirty="0" smtClean="0">
               <a:solidFill>
@@ -7338,51 +7404,6 @@
                 </a:schemeClr>
               </a:solidFill>
             </a:endParaRPr>
-          </a:p>
-          <a:p>
-            <a:pPr marL="742950" lvl="1" indent="-285750">
-              <a:buFont typeface="Arial" panose="020B0604020202020204" pitchFamily="34" charset="0"/>
-              <a:buChar char="•"/>
-            </a:pPr>
-            <a:endParaRPr lang="en-US" dirty="0">
-              <a:solidFill>
-                <a:schemeClr val="tx1">
-                  <a:lumMod val="85000"/>
-                </a:schemeClr>
-              </a:solidFill>
-            </a:endParaRPr>
-          </a:p>
-          <a:p>
-            <a:pPr marL="285750" indent="-285750">
-              <a:buFont typeface="Arial" panose="020B0604020202020204" pitchFamily="34" charset="0"/>
-              <a:buChar char="•"/>
-            </a:pPr>
-            <a:r>
-              <a:rPr lang="en-US" dirty="0" smtClean="0">
-                <a:solidFill>
-                  <a:schemeClr val="tx1">
-                    <a:lumMod val="85000"/>
-                  </a:schemeClr>
-                </a:solidFill>
-              </a:rPr>
-              <a:t>Power Unit</a:t>
-            </a:r>
-          </a:p>
-          <a:p>
-            <a:pPr marL="742950" lvl="1" indent="-285750">
-              <a:buFont typeface="Arial" panose="020B0604020202020204" pitchFamily="34" charset="0"/>
-              <a:buChar char="•"/>
-            </a:pPr>
-            <a:r>
-              <a:rPr lang="en-US" dirty="0" smtClean="0">
-                <a:solidFill>
-                  <a:schemeClr val="tx1">
-                    <a:lumMod val="85000"/>
-                  </a:schemeClr>
-                </a:solidFill>
-              </a:rPr>
-              <a:t>(1) $</a:t>
-            </a:r>
           </a:p>
           <a:p>
             <a:pPr lvl="1"/>
@@ -7444,26 +7465,6 @@
               <a:buFont typeface="Arial" panose="020B0604020202020204" pitchFamily="34" charset="0"/>
               <a:buChar char="•"/>
             </a:pPr>
-            <a:r>
-              <a:rPr lang="en-US" dirty="0" smtClean="0">
-                <a:solidFill>
-                  <a:schemeClr val="tx1">
-                    <a:lumMod val="85000"/>
-                  </a:schemeClr>
-                </a:solidFill>
-              </a:rPr>
-              <a:t>ODROID </a:t>
-            </a:r>
-            <a:r>
-              <a:rPr lang="en-US" dirty="0" smtClean="0">
-                <a:solidFill>
-                  <a:schemeClr val="tx1">
-                    <a:lumMod val="85000"/>
-                  </a:schemeClr>
-                </a:solidFill>
-              </a:rPr>
-              <a:t>Ux4</a:t>
-            </a:r>
             <a:endParaRPr lang="en-US" dirty="0" smtClean="0">
               <a:solidFill>
                 <a:schemeClr val="tx1">
@@ -7473,6 +7474,84 @@
             </a:endParaRPr>
           </a:p>
           <a:p>
+            <a:pPr marL="285750" indent="-285750">
+              <a:buFont typeface="Arial" panose="020B0604020202020204" pitchFamily="34" charset="0"/>
+              <a:buChar char="•"/>
+            </a:pPr>
+            <a:endParaRPr lang="en-US" dirty="0">
+              <a:solidFill>
+                <a:schemeClr val="tx1">
+                  <a:lumMod val="85000"/>
+                </a:schemeClr>
+              </a:solidFill>
+            </a:endParaRPr>
+          </a:p>
+          <a:p>
+            <a:pPr marL="285750" indent="-285750">
+              <a:buFont typeface="Arial" panose="020B0604020202020204" pitchFamily="34" charset="0"/>
+              <a:buChar char="•"/>
+            </a:pPr>
+            <a:endParaRPr lang="en-US" dirty="0" smtClean="0">
+              <a:solidFill>
+                <a:schemeClr val="tx1">
+                  <a:lumMod val="85000"/>
+                </a:schemeClr>
+              </a:solidFill>
+            </a:endParaRPr>
+          </a:p>
+          <a:p>
+            <a:pPr marL="285750" indent="-285750">
+              <a:buFont typeface="Arial" panose="020B0604020202020204" pitchFamily="34" charset="0"/>
+              <a:buChar char="•"/>
+            </a:pPr>
+            <a:endParaRPr lang="en-US" dirty="0">
+              <a:solidFill>
+                <a:schemeClr val="tx1">
+                  <a:lumMod val="85000"/>
+                </a:schemeClr>
+              </a:solidFill>
+            </a:endParaRPr>
+          </a:p>
+          <a:p>
+            <a:pPr marL="285750" indent="-285750">
+              <a:buFont typeface="Arial" panose="020B0604020202020204" pitchFamily="34" charset="0"/>
+              <a:buChar char="•"/>
+            </a:pPr>
+            <a:endParaRPr lang="en-US" dirty="0" smtClean="0">
+              <a:solidFill>
+                <a:schemeClr val="tx1">
+                  <a:lumMod val="85000"/>
+                </a:schemeClr>
+              </a:solidFill>
+            </a:endParaRPr>
+          </a:p>
+          <a:p>
+            <a:pPr marL="285750" indent="-285750">
+              <a:buFont typeface="Arial" panose="020B0604020202020204" pitchFamily="34" charset="0"/>
+              <a:buChar char="•"/>
+            </a:pPr>
+            <a:r>
+              <a:rPr lang="en-US" dirty="0" smtClean="0">
+                <a:solidFill>
+                  <a:schemeClr val="tx1">
+                    <a:lumMod val="85000"/>
+                  </a:schemeClr>
+                </a:solidFill>
+              </a:rPr>
+              <a:t>ODROID </a:t>
+            </a:r>
+            <a:r>
+              <a:rPr lang="en-US" dirty="0" smtClean="0">
+                <a:solidFill>
+                  <a:schemeClr val="tx1">
+                    <a:lumMod val="85000"/>
+                  </a:schemeClr>
+                </a:solidFill>
+              </a:rPr>
+              <a:t>Ux4</a:t>
+            </a:r>
+          </a:p>
+          <a:p>
             <a:pPr marL="742950" lvl="1" indent="-285750">
               <a:buFont typeface="Arial" panose="020B0604020202020204" pitchFamily="34" charset="0"/>
               <a:buChar char="•"/>
@@ -7485,7 +7564,162 @@
                   </a:schemeClr>
                 </a:solidFill>
               </a:rPr>
-              <a:t>(8) $76.00 each</a:t>
+              <a:t>(8) $76.00 </a:t>
+            </a:r>
+            <a:r>
+              <a:rPr lang="en-US" dirty="0" smtClean="0">
+                <a:solidFill>
+                  <a:schemeClr val="tx1">
+                    <a:lumMod val="85000"/>
+                  </a:schemeClr>
+                </a:solidFill>
+              </a:rPr>
+              <a:t>each</a:t>
+            </a:r>
+          </a:p>
+          <a:p>
+            <a:pPr marL="742950" lvl="1" indent="-285750">
+              <a:buFont typeface="Arial" panose="020B0604020202020204" pitchFamily="34" charset="0"/>
+              <a:buChar char="•"/>
+            </a:pPr>
+            <a:endParaRPr lang="en-US" dirty="0">
+              <a:solidFill>
+                <a:schemeClr val="tx1">
+                  <a:lumMod val="85000"/>
+                </a:schemeClr>
+              </a:solidFill>
+            </a:endParaRPr>
+          </a:p>
+          <a:p>
+            <a:pPr marL="285750" indent="-285750">
+              <a:buFont typeface="Arial" panose="020B0604020202020204" pitchFamily="34" charset="0"/>
+              <a:buChar char="•"/>
+            </a:pPr>
+            <a:r>
+              <a:rPr lang="en-US" dirty="0" smtClean="0">
+                <a:solidFill>
+                  <a:schemeClr val="tx1">
+                    <a:lumMod val="85000"/>
+                  </a:schemeClr>
+                </a:solidFill>
+              </a:rPr>
+              <a:t>Replacement ODROID Ux4</a:t>
+            </a:r>
+          </a:p>
+          <a:p>
+            <a:pPr marL="742950" lvl="1" indent="-285750">
+              <a:buFont typeface="Arial" panose="020B0604020202020204" pitchFamily="34" charset="0"/>
+              <a:buChar char="•"/>
+            </a:pPr>
+            <a:r>
+              <a:rPr lang="en-US" dirty="0" smtClean="0">
+                <a:solidFill>
+                  <a:schemeClr val="tx1">
+                    <a:lumMod val="85000"/>
+                  </a:schemeClr>
+                </a:solidFill>
+              </a:rPr>
+              <a:t>(2) $76.00 each</a:t>
+            </a:r>
+          </a:p>
+          <a:p>
+            <a:pPr marL="742950" lvl="1" indent="-285750">
+              <a:buFont typeface="Arial" panose="020B0604020202020204" pitchFamily="34" charset="0"/>
+              <a:buChar char="•"/>
+            </a:pPr>
+            <a:endParaRPr lang="en-US" dirty="0">
+              <a:solidFill>
+                <a:schemeClr val="tx1">
+                  <a:lumMod val="85000"/>
+                </a:schemeClr>
+              </a:solidFill>
+            </a:endParaRPr>
+          </a:p>
+          <a:p>
+            <a:pPr marL="285750" indent="-285750">
+              <a:buFont typeface="Arial" panose="020B0604020202020204" pitchFamily="34" charset="0"/>
+              <a:buChar char="•"/>
+            </a:pPr>
+            <a:r>
+              <a:rPr lang="en-US" dirty="0" smtClean="0">
+                <a:solidFill>
+                  <a:schemeClr val="tx1">
+                    <a:lumMod val="85000"/>
+                  </a:schemeClr>
+                </a:solidFill>
+              </a:rPr>
+              <a:t>Acrylic board</a:t>
+            </a:r>
+          </a:p>
+          <a:p>
+            <a:pPr marL="742950" lvl="1" indent="-285750">
+              <a:buFont typeface="Arial" panose="020B0604020202020204" pitchFamily="34" charset="0"/>
+              <a:buChar char="•"/>
+            </a:pPr>
+            <a:r>
+              <a:rPr lang="en-US" dirty="0" smtClean="0">
+                <a:solidFill>
+                  <a:schemeClr val="tx1">
+                    <a:lumMod val="85000"/>
+                  </a:schemeClr>
+                </a:solidFill>
+              </a:rPr>
+              <a:t>(1) $25.00</a:t>
+            </a:r>
+          </a:p>
+          <a:p>
+            <a:pPr marL="742950" lvl="1" indent="-285750">
+              <a:buFont typeface="Arial" panose="020B0604020202020204" pitchFamily="34" charset="0"/>
+              <a:buChar char="•"/>
+            </a:pPr>
+            <a:endParaRPr lang="en-US" dirty="0">
+              <a:solidFill>
+                <a:schemeClr val="tx1">
+                  <a:lumMod val="85000"/>
+                </a:schemeClr>
+              </a:solidFill>
+            </a:endParaRPr>
+          </a:p>
+          <a:p>
+            <a:pPr marL="285750" indent="-285750">
+              <a:buFont typeface="Arial" panose="020B0604020202020204" pitchFamily="34" charset="0"/>
+              <a:buChar char="•"/>
+            </a:pPr>
+            <a:r>
+              <a:rPr lang="en-US" dirty="0" err="1" smtClean="0">
+                <a:solidFill>
+                  <a:schemeClr val="tx1">
+                    <a:lumMod val="85000"/>
+                  </a:schemeClr>
+                </a:solidFill>
+              </a:rPr>
+              <a:t>Miscellanous</a:t>
+            </a:r>
+            <a:r>
+              <a:rPr lang="en-US" dirty="0" smtClean="0">
+                <a:solidFill>
+                  <a:schemeClr val="tx1">
+                    <a:lumMod val="85000"/>
+                  </a:schemeClr>
+                </a:solidFill>
+              </a:rPr>
+              <a:t> </a:t>
+            </a:r>
+          </a:p>
+          <a:p>
+            <a:pPr marL="742950" lvl="1" indent="-285750">
+              <a:buFont typeface="Arial" panose="020B0604020202020204" pitchFamily="34" charset="0"/>
+              <a:buChar char="•"/>
+            </a:pPr>
+            <a:r>
+              <a:rPr lang="en-US" dirty="0" smtClean="0">
+                <a:solidFill>
+                  <a:schemeClr val="tx1">
+                    <a:lumMod val="85000"/>
+                  </a:schemeClr>
+                </a:solidFill>
+              </a:rPr>
+              <a:t>$25.00</a:t>
             </a:r>
             <a:endParaRPr lang="en-US" dirty="0">
               <a:solidFill>
@@ -7934,13 +8168,6 @@
               </a:rPr>
               <a:t>Product</a:t>
             </a:r>
-            <a:endParaRPr lang="en-US" dirty="0" smtClean="0">
-              <a:solidFill>
-                <a:schemeClr val="tx1">
-                  <a:lumMod val="85000"/>
-                </a:schemeClr>
-              </a:solidFill>
-            </a:endParaRPr>
           </a:p>
           <a:p>
             <a:pPr marL="742950" lvl="1" indent="-285750">
@@ -9531,6 +9758,69 @@
             </a:r>
           </a:p>
           <a:p>
+            <a:endParaRPr lang="en-US" dirty="0">
+              <a:solidFill>
+                <a:schemeClr val="tx1">
+                  <a:lumMod val="85000"/>
+                </a:schemeClr>
+              </a:solidFill>
+            </a:endParaRPr>
+          </a:p>
+          <a:p>
+            <a:pPr marL="285750" indent="-285750">
+              <a:buFont typeface="Arial" panose="020B0604020202020204" pitchFamily="34" charset="0"/>
+              <a:buChar char="•"/>
+            </a:pPr>
+            <a:r>
+              <a:rPr lang="en-US" dirty="0" smtClean="0">
+                <a:solidFill>
+                  <a:schemeClr val="tx1">
+                    <a:lumMod val="85000"/>
+                  </a:schemeClr>
+                </a:solidFill>
+              </a:rPr>
+              <a:t>MPI</a:t>
+            </a:r>
+          </a:p>
+          <a:p>
+            <a:endParaRPr lang="en-US" dirty="0">
+              <a:solidFill>
+                <a:schemeClr val="tx1">
+                  <a:lumMod val="85000"/>
+                </a:schemeClr>
+              </a:solidFill>
+            </a:endParaRPr>
+          </a:p>
+          <a:p>
+            <a:pPr marL="285750" indent="-285750">
+              <a:buFont typeface="Arial" panose="020B0604020202020204" pitchFamily="34" charset="0"/>
+              <a:buChar char="•"/>
+            </a:pPr>
+            <a:r>
+              <a:rPr lang="en-US" dirty="0" smtClean="0">
+                <a:solidFill>
+                  <a:schemeClr val="tx1">
+                    <a:lumMod val="85000"/>
+                  </a:schemeClr>
+                </a:solidFill>
+              </a:rPr>
+              <a:t>Python</a:t>
+            </a:r>
+          </a:p>
+          <a:p>
+            <a:pPr marL="285750" indent="-285750">
+              <a:buFont typeface="Arial" panose="020B0604020202020204" pitchFamily="34" charset="0"/>
+              <a:buChar char="•"/>
+            </a:pPr>
+            <a:endParaRPr lang="en-US" dirty="0">
+              <a:solidFill>
+                <a:schemeClr val="tx1">
+                  <a:lumMod val="85000"/>
+                </a:schemeClr>
+              </a:solidFill>
+            </a:endParaRPr>
+          </a:p>
+          <a:p>
             <a:pPr marL="285750" indent="-285750">
               <a:buFont typeface="Arial" panose="020B0604020202020204" pitchFamily="34" charset="0"/>
               <a:buChar char="•"/>
@@ -9548,22 +9838,6 @@
               <a:buFont typeface="Arial" panose="020B0604020202020204" pitchFamily="34" charset="0"/>
               <a:buChar char="•"/>
             </a:pPr>
-            <a:r>
-              <a:rPr lang="en-US" dirty="0" smtClean="0">
-                <a:solidFill>
-                  <a:schemeClr val="tx1">
-                    <a:lumMod val="85000"/>
-                  </a:schemeClr>
-                </a:solidFill>
-              </a:rPr>
-              <a:t>Screwdriver</a:t>
-            </a:r>
-          </a:p>
-          <a:p>
-            <a:pPr marL="285750" indent="-285750">
-              <a:buFont typeface="Arial" panose="020B0604020202020204" pitchFamily="34" charset="0"/>
-              <a:buChar char="•"/>
-            </a:pPr>
             <a:endParaRPr lang="en-US" dirty="0">
               <a:solidFill>
                 <a:schemeClr val="tx1">
@@ -9577,22 +9851,6 @@
               <a:buFont typeface="Arial" panose="020B0604020202020204" pitchFamily="34" charset="0"/>
               <a:buChar char="•"/>
             </a:pPr>
-            <a:r>
-              <a:rPr lang="en-US" dirty="0" smtClean="0">
-                <a:solidFill>
-                  <a:schemeClr val="tx1">
-                    <a:lumMod val="85000"/>
-                  </a:schemeClr>
-                </a:solidFill>
-              </a:rPr>
-              <a:t>MPI</a:t>
-            </a:r>
-          </a:p>
-          <a:p>
-            <a:pPr marL="285750" indent="-285750">
-              <a:buFont typeface="Arial" panose="020B0604020202020204" pitchFamily="34" charset="0"/>
-              <a:buChar char="•"/>
-            </a:pPr>
             <a:endParaRPr lang="en-US" dirty="0" smtClean="0">
               <a:solidFill>
                 <a:schemeClr val="tx1">
@@ -9645,6 +9903,113 @@
               <a:buFont typeface="Arial" panose="020B0604020202020204" pitchFamily="34" charset="0"/>
               <a:buChar char="•"/>
             </a:pPr>
+            <a:r>
+              <a:rPr lang="en-US" dirty="0" smtClean="0">
+                <a:solidFill>
+                  <a:schemeClr val="tx1">
+                    <a:lumMod val="85000"/>
+                  </a:schemeClr>
+                </a:solidFill>
+              </a:rPr>
+              <a:t>C</a:t>
+            </a:r>
+            <a:r>
+              <a:rPr lang="en-US" dirty="0" smtClean="0">
+                <a:solidFill>
+                  <a:schemeClr val="tx1">
+                    <a:lumMod val="85000"/>
+                  </a:schemeClr>
+                </a:solidFill>
+              </a:rPr>
+              <a:t>++</a:t>
+            </a:r>
+          </a:p>
+          <a:p>
+            <a:pPr marL="285750" indent="-285750">
+              <a:buFont typeface="Arial" panose="020B0604020202020204" pitchFamily="34" charset="0"/>
+              <a:buChar char="•"/>
+            </a:pPr>
+            <a:endParaRPr lang="en-US" dirty="0">
+              <a:solidFill>
+                <a:schemeClr val="tx1">
+                  <a:lumMod val="85000"/>
+                </a:schemeClr>
+              </a:solidFill>
+            </a:endParaRPr>
+          </a:p>
+          <a:p>
+            <a:pPr marL="285750" indent="-285750">
+              <a:buFont typeface="Arial" panose="020B0604020202020204" pitchFamily="34" charset="0"/>
+              <a:buChar char="•"/>
+            </a:pPr>
+            <a:r>
+              <a:rPr lang="en-US" dirty="0" smtClean="0">
+                <a:solidFill>
+                  <a:schemeClr val="tx1">
+                    <a:lumMod val="85000"/>
+                  </a:schemeClr>
+                </a:solidFill>
+              </a:rPr>
+              <a:t>Bash</a:t>
+            </a:r>
+          </a:p>
+          <a:p>
+            <a:pPr marL="285750" indent="-285750">
+              <a:buFont typeface="Arial" panose="020B0604020202020204" pitchFamily="34" charset="0"/>
+              <a:buChar char="•"/>
+            </a:pPr>
+            <a:endParaRPr lang="en-US" dirty="0">
+              <a:solidFill>
+                <a:schemeClr val="tx1">
+                  <a:lumMod val="85000"/>
+                </a:schemeClr>
+              </a:solidFill>
+            </a:endParaRPr>
+          </a:p>
+          <a:p>
+            <a:pPr marL="285750" indent="-285750">
+              <a:buFont typeface="Arial" panose="020B0604020202020204" pitchFamily="34" charset="0"/>
+              <a:buChar char="•"/>
+            </a:pPr>
+            <a:r>
+              <a:rPr lang="en-US" dirty="0" smtClean="0">
+                <a:solidFill>
+                  <a:schemeClr val="tx1">
+                    <a:lumMod val="85000"/>
+                  </a:schemeClr>
+                </a:solidFill>
+              </a:rPr>
+              <a:t>Linux</a:t>
+            </a:r>
+          </a:p>
+          <a:p>
+            <a:pPr marL="285750" indent="-285750">
+              <a:buFont typeface="Arial" panose="020B0604020202020204" pitchFamily="34" charset="0"/>
+              <a:buChar char="•"/>
+            </a:pPr>
+            <a:endParaRPr lang="en-US" dirty="0">
+              <a:solidFill>
+                <a:schemeClr val="tx1">
+                  <a:lumMod val="85000"/>
+                </a:schemeClr>
+              </a:solidFill>
+            </a:endParaRPr>
+          </a:p>
+          <a:p>
+            <a:pPr marL="285750" indent="-285750">
+              <a:buFont typeface="Arial" panose="020B0604020202020204" pitchFamily="34" charset="0"/>
+              <a:buChar char="•"/>
+            </a:pPr>
+            <a:r>
+              <a:rPr lang="en-US" dirty="0" smtClean="0">
+                <a:solidFill>
+                  <a:schemeClr val="tx1">
+                    <a:lumMod val="85000"/>
+                  </a:schemeClr>
+                </a:solidFill>
+              </a:rPr>
+              <a:t>Screwdriver</a:t>
+            </a:r>
             <a:endParaRPr lang="en-US" dirty="0" smtClean="0">
               <a:solidFill>
                 <a:schemeClr val="tx1">
@@ -9652,135 +10017,6 @@
                 </a:schemeClr>
               </a:solidFill>
             </a:endParaRPr>
-          </a:p>
-          <a:p>
-            <a:pPr marL="285750" indent="-285750">
-              <a:buFont typeface="Arial" panose="020B0604020202020204" pitchFamily="34" charset="0"/>
-              <a:buChar char="•"/>
-            </a:pPr>
-            <a:endParaRPr lang="en-US" dirty="0">
-              <a:solidFill>
-                <a:schemeClr val="tx1">
-                  <a:lumMod val="85000"/>
-                </a:schemeClr>
-              </a:solidFill>
-            </a:endParaRPr>
-          </a:p>
-          <a:p>
-            <a:pPr marL="285750" indent="-285750">
-              <a:buFont typeface="Arial" panose="020B0604020202020204" pitchFamily="34" charset="0"/>
-              <a:buChar char="•"/>
-            </a:pPr>
-            <a:endParaRPr lang="en-US" dirty="0">
-              <a:solidFill>
-                <a:schemeClr val="tx1">
-                  <a:lumMod val="85000"/>
-                </a:schemeClr>
-              </a:solidFill>
-            </a:endParaRPr>
-          </a:p>
-          <a:p>
-            <a:pPr marL="285750" indent="-285750">
-              <a:buFont typeface="Arial" panose="020B0604020202020204" pitchFamily="34" charset="0"/>
-              <a:buChar char="•"/>
-            </a:pPr>
-            <a:r>
-              <a:rPr lang="en-US" dirty="0" smtClean="0">
-                <a:solidFill>
-                  <a:schemeClr val="tx1">
-                    <a:lumMod val="85000"/>
-                  </a:schemeClr>
-                </a:solidFill>
-              </a:rPr>
-              <a:t>Python</a:t>
-            </a:r>
-          </a:p>
-          <a:p>
-            <a:pPr marL="285750" indent="-285750">
-              <a:buFont typeface="Arial" panose="020B0604020202020204" pitchFamily="34" charset="0"/>
-              <a:buChar char="•"/>
-            </a:pPr>
-            <a:endParaRPr lang="en-US" dirty="0">
-              <a:solidFill>
-                <a:schemeClr val="tx1">
-                  <a:lumMod val="85000"/>
-                </a:schemeClr>
-              </a:solidFill>
-            </a:endParaRPr>
-          </a:p>
-          <a:p>
-            <a:pPr marL="285750" indent="-285750">
-              <a:buFont typeface="Arial" panose="020B0604020202020204" pitchFamily="34" charset="0"/>
-              <a:buChar char="•"/>
-            </a:pPr>
-            <a:r>
-              <a:rPr lang="en-US" dirty="0" smtClean="0">
-                <a:solidFill>
-                  <a:schemeClr val="tx1">
-                    <a:lumMod val="85000"/>
-                  </a:schemeClr>
-                </a:solidFill>
-              </a:rPr>
-              <a:t>C++</a:t>
-            </a:r>
-          </a:p>
-          <a:p>
-            <a:pPr marL="285750" indent="-285750">
-              <a:buFont typeface="Arial" panose="020B0604020202020204" pitchFamily="34" charset="0"/>
-              <a:buChar char="•"/>
-            </a:pPr>
-            <a:endParaRPr lang="en-US" dirty="0">
-              <a:solidFill>
-                <a:schemeClr val="tx1">
-                  <a:lumMod val="85000"/>
-                </a:schemeClr>
-              </a:solidFill>
-            </a:endParaRPr>
-          </a:p>
-          <a:p>
-            <a:pPr marL="285750" indent="-285750">
-              <a:buFont typeface="Arial" panose="020B0604020202020204" pitchFamily="34" charset="0"/>
-              <a:buChar char="•"/>
-            </a:pPr>
-            <a:r>
-              <a:rPr lang="en-US" dirty="0" smtClean="0">
-                <a:solidFill>
-                  <a:schemeClr val="tx1">
-                    <a:lumMod val="85000"/>
-                  </a:schemeClr>
-                </a:solidFill>
-              </a:rPr>
-              <a:t>Bash</a:t>
-            </a:r>
-          </a:p>
-          <a:p>
-            <a:pPr marL="285750" indent="-285750">
-              <a:buFont typeface="Arial" panose="020B0604020202020204" pitchFamily="34" charset="0"/>
-              <a:buChar char="•"/>
-            </a:pPr>
-            <a:endParaRPr lang="en-US" dirty="0">
-              <a:solidFill>
-                <a:schemeClr val="tx1">
-                  <a:lumMod val="85000"/>
-                </a:schemeClr>
-              </a:solidFill>
-            </a:endParaRPr>
-          </a:p>
-          <a:p>
-            <a:pPr marL="285750" indent="-285750">
-              <a:buFont typeface="Arial" panose="020B0604020202020204" pitchFamily="34" charset="0"/>
-              <a:buChar char="•"/>
-            </a:pPr>
-            <a:r>
-              <a:rPr lang="en-US" dirty="0" smtClean="0">
-                <a:solidFill>
-                  <a:schemeClr val="tx1">
-                    <a:lumMod val="85000"/>
-                  </a:schemeClr>
-                </a:solidFill>
-              </a:rPr>
-              <a:t>Linux</a:t>
-            </a:r>
           </a:p>
           <a:p>
             <a:pPr marL="285750" indent="-285750">
@@ -9871,7 +10107,7 @@
         <p:spPr>
           <a:xfrm>
             <a:off x="586935" y="2040634"/>
-            <a:ext cx="1906883" cy="3139321"/>
+            <a:ext cx="1906883" cy="2308324"/>
           </a:xfrm>
           <a:prstGeom prst="rect">
             <a:avLst/>
@@ -9896,14 +10132,18 @@
                   </a:schemeClr>
                 </a:solidFill>
               </a:rPr>
-              <a:t>Ping Pong</a:t>
-            </a:r>
-          </a:p>
-          <a:p>
-            <a:pPr marL="285750" indent="-285750">
-              <a:buFont typeface="Arial" panose="020B0604020202020204" pitchFamily="34" charset="0"/>
-              <a:buChar char="•"/>
-            </a:pPr>
+              <a:t>Ping </a:t>
+            </a:r>
+            <a:r>
+              <a:rPr lang="en-US" dirty="0" smtClean="0">
+                <a:solidFill>
+                  <a:schemeClr val="tx1">
+                    <a:lumMod val="85000"/>
+                  </a:schemeClr>
+                </a:solidFill>
+              </a:rPr>
+              <a:t>Pong</a:t>
+            </a:r>
             <a:endParaRPr lang="en-US" dirty="0">
               <a:solidFill>
                 <a:schemeClr val="tx1">
@@ -9930,6 +10170,19 @@
               <a:buFont typeface="Arial" panose="020B0604020202020204" pitchFamily="34" charset="0"/>
               <a:buChar char="•"/>
             </a:pPr>
+            <a:endParaRPr lang="en-US" dirty="0" smtClean="0">
+              <a:solidFill>
+                <a:schemeClr val="tx1">
+                  <a:lumMod val="85000"/>
+                </a:schemeClr>
+              </a:solidFill>
+            </a:endParaRPr>
+          </a:p>
+          <a:p>
+            <a:pPr marL="285750" indent="-285750">
+              <a:buFont typeface="Arial" panose="020B0604020202020204" pitchFamily="34" charset="0"/>
+              <a:buChar char="•"/>
+            </a:pPr>
             <a:r>
               <a:rPr lang="en-US" dirty="0" smtClean="0">
                 <a:solidFill>
@@ -9938,14 +10191,10 @@
                   </a:schemeClr>
                 </a:solidFill>
               </a:rPr>
-              <a:t>LINPACK</a:t>
-            </a:r>
-          </a:p>
-          <a:p>
-            <a:pPr marL="285750" indent="-285750">
-              <a:buFont typeface="Arial" panose="020B0604020202020204" pitchFamily="34" charset="0"/>
-              <a:buChar char="•"/>
-            </a:pPr>
+              <a:t>Hello</a:t>
+            </a:r>
+          </a:p>
+          <a:p>
             <a:endParaRPr lang="en-US" dirty="0">
               <a:solidFill>
                 <a:schemeClr val="tx1">
@@ -9959,19 +10208,6 @@
               <a:buFont typeface="Arial" panose="020B0604020202020204" pitchFamily="34" charset="0"/>
               <a:buChar char="•"/>
             </a:pPr>
-            <a:endParaRPr lang="en-US" dirty="0" smtClean="0">
-              <a:solidFill>
-                <a:schemeClr val="tx1">
-                  <a:lumMod val="85000"/>
-                </a:schemeClr>
-              </a:solidFill>
-            </a:endParaRPr>
-          </a:p>
-          <a:p>
-            <a:pPr marL="285750" indent="-285750">
-              <a:buFont typeface="Arial" panose="020B0604020202020204" pitchFamily="34" charset="0"/>
-              <a:buChar char="•"/>
-            </a:pPr>
             <a:r>
               <a:rPr lang="en-US" dirty="0" smtClean="0">
                 <a:solidFill>
@@ -9980,7 +10216,7 @@
                   </a:schemeClr>
                 </a:solidFill>
               </a:rPr>
-              <a:t>Hello</a:t>
+              <a:t>Switch test</a:t>
             </a:r>
           </a:p>
           <a:p>
@@ -10009,28 +10245,9 @@
                   </a:schemeClr>
                 </a:solidFill>
               </a:rPr>
-              <a:t>Switch test</a:t>
-            </a:r>
-          </a:p>
-          <a:p>
-            <a:pPr marL="285750" indent="-285750">
-              <a:buFont typeface="Arial" panose="020B0604020202020204" pitchFamily="34" charset="0"/>
-              <a:buChar char="•"/>
-            </a:pPr>
-            <a:endParaRPr lang="en-US" dirty="0">
-              <a:solidFill>
-                <a:schemeClr val="tx1">
-                  <a:lumMod val="85000"/>
-                </a:schemeClr>
-              </a:solidFill>
-            </a:endParaRPr>
-          </a:p>
-          <a:p>
-            <a:pPr marL="285750" indent="-285750">
-              <a:buFont typeface="Arial" panose="020B0604020202020204" pitchFamily="34" charset="0"/>
-              <a:buChar char="•"/>
-            </a:pPr>
-            <a:endParaRPr lang="en-US" dirty="0">
+              <a:t>LINPACK</a:t>
+            </a:r>
+            <a:endParaRPr lang="en-US" dirty="0" smtClean="0">
               <a:solidFill>
                 <a:schemeClr val="tx1">
                   <a:lumMod val="85000"/>
@@ -10366,7 +10583,7 @@
         <p:spPr>
           <a:xfrm>
             <a:off x="2840030" y="2040634"/>
-            <a:ext cx="5961070" cy="2862322"/>
+            <a:ext cx="5961070" cy="3139321"/>
           </a:xfrm>
           <a:prstGeom prst="rect">
             <a:avLst/>
@@ -10392,6 +10609,31 @@
                 </a:solidFill>
               </a:rPr>
               <a:t>Pinging tests if the devices can communicate with each other</a:t>
+            </a:r>
+          </a:p>
+          <a:p>
+            <a:endParaRPr lang="en-US" dirty="0" smtClean="0">
+              <a:solidFill>
+                <a:schemeClr val="tx1">
+                  <a:lumMod val="85000"/>
+                </a:schemeClr>
+              </a:solidFill>
+            </a:endParaRPr>
+          </a:p>
+          <a:p>
+            <a:pPr marL="285750" indent="-285750">
+              <a:buFont typeface="Arial" panose="020B0604020202020204" pitchFamily="34" charset="0"/>
+              <a:buChar char="•"/>
+            </a:pPr>
+            <a:r>
+              <a:rPr lang="en-US" dirty="0" smtClean="0">
+                <a:solidFill>
+                  <a:schemeClr val="tx1">
+                    <a:lumMod val="85000"/>
+                  </a:schemeClr>
+                </a:solidFill>
+              </a:rPr>
+              <a:t>Tests all the ODRIODs’ communication</a:t>
             </a:r>
           </a:p>
           <a:p>
@@ -10420,27 +10662,8 @@
                   </a:schemeClr>
                 </a:solidFill>
               </a:rPr>
-              <a:t>Benchmarks the cluster, testing by solving a system of linear equations</a:t>
-            </a:r>
-          </a:p>
-          <a:p>
-            <a:pPr marL="285750" indent="-285750">
-              <a:buFont typeface="Arial" panose="020B0604020202020204" pitchFamily="34" charset="0"/>
-              <a:buChar char="•"/>
-            </a:pPr>
-            <a:endParaRPr lang="en-US" dirty="0" smtClean="0">
-              <a:solidFill>
-                <a:schemeClr val="tx1">
-                  <a:lumMod val="85000"/>
-                </a:schemeClr>
-              </a:solidFill>
-            </a:endParaRPr>
-          </a:p>
-          <a:p>
-            <a:pPr marL="285750" indent="-285750">
-              <a:buFont typeface="Arial" panose="020B0604020202020204" pitchFamily="34" charset="0"/>
-              <a:buChar char="•"/>
-            </a:pPr>
+              <a:t>Tests the </a:t>
+            </a:r>
             <a:r>
               <a:rPr lang="en-US" dirty="0" smtClean="0">
                 <a:solidFill>
@@ -10449,7 +10672,7 @@
                   </a:schemeClr>
                 </a:solidFill>
               </a:rPr>
-              <a:t>Tests all the ODRIODs’ communication</a:t>
+              <a:t>network</a:t>
             </a:r>
           </a:p>
           <a:p>
@@ -10471,15 +10694,21 @@
               <a:buChar char="•"/>
             </a:pPr>
             <a:r>
-              <a:rPr lang="en-US" dirty="0" smtClean="0">
+              <a:rPr lang="en-US" dirty="0">
                 <a:solidFill>
                   <a:schemeClr val="tx1">
                     <a:lumMod val="85000"/>
                   </a:schemeClr>
                 </a:solidFill>
               </a:rPr>
-              <a:t>Tests the network</a:t>
-            </a:r>
+              <a:t>Benchmarks the cluster, testing by solving a system of linear equations</a:t>
+            </a:r>
+          </a:p>
+          <a:p>
+            <a:pPr marL="285750" indent="-285750">
+              <a:buFont typeface="Arial" panose="020B0604020202020204" pitchFamily="34" charset="0"/>
+              <a:buChar char="•"/>
+            </a:pPr>
             <a:endParaRPr lang="en-US" dirty="0">
               <a:solidFill>
                 <a:schemeClr val="tx1">
@@ -10576,8 +10805,8 @@
         </p:nvSpPr>
         <p:spPr>
           <a:xfrm>
-            <a:off x="586935" y="2021489"/>
-            <a:ext cx="8001247" cy="3139321"/>
+            <a:off x="586936" y="2021489"/>
+            <a:ext cx="3583818" cy="3416320"/>
           </a:xfrm>
           <a:prstGeom prst="rect">
             <a:avLst/>
@@ -10748,10 +10977,20 @@
             </a:r>
           </a:p>
           <a:p>
-            <a:pPr marL="285750" indent="-285750">
-              <a:buFont typeface="Arial" panose="020B0604020202020204" pitchFamily="34" charset="0"/>
-              <a:buChar char="•"/>
-            </a:pPr>
+            <a:pPr marL="742950" lvl="1" indent="-285750">
+              <a:buFont typeface="Arial" panose="020B0604020202020204" pitchFamily="34" charset="0"/>
+              <a:buChar char="•"/>
+            </a:pPr>
+            <a:r>
+              <a:rPr lang="en-US" dirty="0" smtClean="0">
+                <a:solidFill>
+                  <a:schemeClr val="tx1">
+                    <a:lumMod val="85000"/>
+                  </a:schemeClr>
+                </a:solidFill>
+              </a:rPr>
+              <a:t>Other message passing protocols</a:t>
+            </a:r>
             <a:endParaRPr lang="en-US" dirty="0">
               <a:solidFill>
                 <a:schemeClr val="tx1">
@@ -10939,7 +11178,7 @@
           <a:p>
             <a:r>
               <a:rPr lang="en-US" dirty="0" smtClean="0"/>
-              <a:t>Demonstration</a:t>
+              <a:t>Prototype</a:t>
             </a:r>
             <a:endParaRPr lang="en-US" dirty="0"/>
           </a:p>

--- a/Documents/ClientPresent2.pptx
+++ b/Documents/ClientPresent2.pptx
@@ -5,7 +5,7 @@
     <p:sldMasterId id="2147483660" r:id="rId1"/>
   </p:sldMasterIdLst>
   <p:notesMasterIdLst>
-    <p:notesMasterId r:id="rId15"/>
+    <p:notesMasterId r:id="rId16"/>
   </p:notesMasterIdLst>
   <p:sldIdLst>
     <p:sldId id="256" r:id="rId2"/>
@@ -21,6 +21,7 @@
     <p:sldId id="266" r:id="rId12"/>
     <p:sldId id="262" r:id="rId13"/>
     <p:sldId id="263" r:id="rId14"/>
+    <p:sldId id="269" r:id="rId15"/>
   </p:sldIdLst>
   <p:sldSz cx="12192000" cy="6858000"/>
   <p:notesSz cx="6858000" cy="9144000"/>
@@ -6846,64 +6847,54 @@
         </p:nvSpPr>
         <p:spPr/>
         <p:txBody>
-          <a:bodyPr/>
-          <a:lstStyle/>
-          <a:p>
-            <a:r>
-              <a:rPr lang="en-US" dirty="0" smtClean="0">
-                <a:solidFill>
-                  <a:schemeClr val="tx1">
-                    <a:lumMod val="75000"/>
-                  </a:schemeClr>
+          <a:bodyPr>
+            <a:normAutofit/>
+          </a:bodyPr>
+          <a:lstStyle/>
+          <a:p>
+            <a:r>
+              <a:rPr lang="en-US" sz="2400" dirty="0" smtClean="0">
+                <a:solidFill>
+                  <a:schemeClr val="tx1"/>
                 </a:solidFill>
               </a:rPr>
               <a:t>By Andrew Hoover, Samantha </a:t>
             </a:r>
             <a:r>
-              <a:rPr lang="en-US" dirty="0" err="1" smtClean="0">
-                <a:solidFill>
-                  <a:schemeClr val="tx1">
-                    <a:lumMod val="75000"/>
-                  </a:schemeClr>
+              <a:rPr lang="en-US" sz="2400" dirty="0" err="1" smtClean="0">
+                <a:solidFill>
+                  <a:schemeClr val="tx1"/>
                 </a:solidFill>
               </a:rPr>
               <a:t>Kranstz</a:t>
             </a:r>
             <a:r>
-              <a:rPr lang="en-US" dirty="0" smtClean="0">
-                <a:solidFill>
-                  <a:schemeClr val="tx1">
-                    <a:lumMod val="75000"/>
-                  </a:schemeClr>
+              <a:rPr lang="en-US" sz="2400" dirty="0" smtClean="0">
+                <a:solidFill>
+                  <a:schemeClr val="tx1"/>
                 </a:solidFill>
               </a:rPr>
               <a:t>, and   	</a:t>
             </a:r>
             <a:r>
-              <a:rPr lang="en-US" dirty="0">
-                <a:solidFill>
-                  <a:schemeClr val="tx1">
-                    <a:lumMod val="75000"/>
-                  </a:schemeClr>
+              <a:rPr lang="en-US" sz="2400" dirty="0">
+                <a:solidFill>
+                  <a:schemeClr val="tx1"/>
                 </a:solidFill>
               </a:rPr>
               <a:t>C</a:t>
             </a:r>
             <a:r>
-              <a:rPr lang="en-US" dirty="0" smtClean="0">
-                <a:solidFill>
-                  <a:schemeClr val="tx1">
-                    <a:lumMod val="75000"/>
-                  </a:schemeClr>
+              <a:rPr lang="en-US" sz="2400" dirty="0" smtClean="0">
+                <a:solidFill>
+                  <a:schemeClr val="tx1"/>
                 </a:solidFill>
               </a:rPr>
               <a:t>hristine Sorensen</a:t>
             </a:r>
-            <a:endParaRPr lang="en-US" dirty="0">
+            <a:endParaRPr lang="en-US" sz="2400" dirty="0">
               <a:solidFill>
-                <a:schemeClr val="tx1">
-                  <a:lumMod val="75000"/>
-                </a:schemeClr>
+                <a:schemeClr val="tx1"/>
               </a:solidFill>
             </a:endParaRPr>
           </a:p>
@@ -6983,7 +6974,7 @@
         <p:spPr>
           <a:xfrm>
             <a:off x="586935" y="1704661"/>
-            <a:ext cx="8001247" cy="2585323"/>
+            <a:ext cx="8001247" cy="3416320"/>
           </a:xfrm>
           <a:prstGeom prst="rect">
             <a:avLst/>
@@ -7001,13 +6992,7 @@
               <a:buChar char="•"/>
             </a:pPr>
             <a:r>
-              <a:rPr lang="en-US" dirty="0" smtClean="0">
-                <a:solidFill>
-                  <a:schemeClr val="tx1">
-                    <a:lumMod val="85000"/>
-                  </a:schemeClr>
-                </a:solidFill>
-              </a:rPr>
+              <a:rPr lang="en-US" sz="2400" dirty="0" smtClean="0"/>
               <a:t>Cluster built and running </a:t>
             </a:r>
           </a:p>
@@ -7016,13 +7001,7 @@
               <a:buFont typeface="Arial" panose="020B0604020202020204" pitchFamily="34" charset="0"/>
               <a:buChar char="•"/>
             </a:pPr>
-            <a:endParaRPr lang="en-US" dirty="0">
-              <a:solidFill>
-                <a:schemeClr val="tx1">
-                  <a:lumMod val="85000"/>
-                </a:schemeClr>
-              </a:solidFill>
-            </a:endParaRPr>
+            <a:endParaRPr lang="en-US" sz="2400" dirty="0"/>
           </a:p>
           <a:p>
             <a:pPr marL="285750" indent="-285750">
@@ -7030,13 +7009,7 @@
               <a:buChar char="•"/>
             </a:pPr>
             <a:r>
-              <a:rPr lang="en-US" dirty="0" smtClean="0">
-                <a:solidFill>
-                  <a:schemeClr val="tx1">
-                    <a:lumMod val="85000"/>
-                  </a:schemeClr>
-                </a:solidFill>
-              </a:rPr>
+              <a:rPr lang="en-US" sz="2400" dirty="0" smtClean="0"/>
               <a:t>Running LINPACK using 8 cores on all 8 devices</a:t>
             </a:r>
           </a:p>
@@ -7046,45 +7019,21 @@
               <a:buChar char="•"/>
             </a:pPr>
             <a:r>
-              <a:rPr lang="en-US" dirty="0" smtClean="0">
-                <a:solidFill>
-                  <a:schemeClr val="tx1">
-                    <a:lumMod val="85000"/>
-                  </a:schemeClr>
-                </a:solidFill>
-              </a:rPr>
-              <a:t> 8.5 </a:t>
-            </a:r>
-            <a:r>
-              <a:rPr lang="en-US" dirty="0" err="1" smtClean="0">
-                <a:solidFill>
-                  <a:schemeClr val="tx1">
-                    <a:lumMod val="85000"/>
-                  </a:schemeClr>
-                </a:solidFill>
-              </a:rPr>
+              <a:rPr lang="en-US" sz="2400" dirty="0" smtClean="0"/>
+              <a:t> 10.48 </a:t>
+            </a:r>
+            <a:r>
+              <a:rPr lang="en-US" sz="2400" dirty="0" err="1" smtClean="0"/>
               <a:t>GigaFlops</a:t>
             </a:r>
-            <a:endParaRPr lang="en-US" dirty="0">
-              <a:solidFill>
-                <a:schemeClr val="tx1">
-                  <a:lumMod val="85000"/>
-                </a:schemeClr>
-              </a:solidFill>
-            </a:endParaRPr>
+            <a:endParaRPr lang="en-US" sz="2400" dirty="0"/>
           </a:p>
           <a:p>
             <a:pPr marL="742950" lvl="1" indent="-285750">
               <a:buFont typeface="Arial" panose="020B0604020202020204" pitchFamily="34" charset="0"/>
               <a:buChar char="•"/>
             </a:pPr>
-            <a:endParaRPr lang="en-US" dirty="0" smtClean="0">
-              <a:solidFill>
-                <a:schemeClr val="tx1">
-                  <a:lumMod val="85000"/>
-                </a:schemeClr>
-              </a:solidFill>
-            </a:endParaRPr>
+            <a:endParaRPr lang="en-US" sz="2400" dirty="0" smtClean="0"/>
           </a:p>
           <a:p>
             <a:pPr marL="285750" indent="-285750">
@@ -7092,13 +7041,7 @@
               <a:buChar char="•"/>
             </a:pPr>
             <a:r>
-              <a:rPr lang="en-US" dirty="0" smtClean="0">
-                <a:solidFill>
-                  <a:schemeClr val="tx1">
-                    <a:lumMod val="85000"/>
-                  </a:schemeClr>
-                </a:solidFill>
-              </a:rPr>
+              <a:rPr lang="en-US" sz="2400" dirty="0" smtClean="0"/>
               <a:t>Running LINPACK using 8 cores on Snow White </a:t>
             </a:r>
           </a:p>
@@ -7108,58 +7051,28 @@
               <a:buChar char="•"/>
             </a:pPr>
             <a:r>
-              <a:rPr lang="en-US" dirty="0" smtClean="0">
-                <a:solidFill>
-                  <a:schemeClr val="tx1">
-                    <a:lumMod val="85000"/>
-                  </a:schemeClr>
-                </a:solidFill>
-              </a:rPr>
-              <a:t>6.3 </a:t>
-            </a:r>
-            <a:r>
-              <a:rPr lang="en-US" dirty="0" err="1" smtClean="0">
-                <a:solidFill>
-                  <a:schemeClr val="tx1">
-                    <a:lumMod val="85000"/>
-                  </a:schemeClr>
-                </a:solidFill>
-              </a:rPr>
+              <a:rPr lang="en-US" sz="2400" dirty="0" smtClean="0"/>
+              <a:t>3.17 </a:t>
+            </a:r>
+            <a:r>
+              <a:rPr lang="en-US" sz="2400" dirty="0" err="1" smtClean="0"/>
               <a:t>GigaFlops</a:t>
             </a:r>
-            <a:endParaRPr lang="en-US" dirty="0" smtClean="0">
-              <a:solidFill>
-                <a:schemeClr val="tx1">
-                  <a:lumMod val="85000"/>
-                </a:schemeClr>
-              </a:solidFill>
-            </a:endParaRPr>
+            <a:endParaRPr lang="en-US" sz="2400" dirty="0" smtClean="0"/>
           </a:p>
           <a:p>
             <a:pPr marL="742950" lvl="1" indent="-285750">
               <a:buFont typeface="Arial" panose="020B0604020202020204" pitchFamily="34" charset="0"/>
               <a:buChar char="•"/>
             </a:pPr>
-            <a:endParaRPr lang="en-US" dirty="0">
-              <a:solidFill>
-                <a:schemeClr val="tx1">
-                  <a:lumMod val="85000"/>
-                </a:schemeClr>
-              </a:solidFill>
-            </a:endParaRPr>
+            <a:endParaRPr lang="en-US" sz="2400" dirty="0"/>
           </a:p>
           <a:p>
             <a:pPr marL="285750" indent="-285750">
               <a:buFont typeface="Arial" panose="020B0604020202020204" pitchFamily="34" charset="0"/>
               <a:buChar char="•"/>
             </a:pPr>
-            <a:endParaRPr lang="en-US" dirty="0" smtClean="0">
-              <a:solidFill>
-                <a:schemeClr val="tx1">
-                  <a:lumMod val="85000"/>
-                </a:schemeClr>
-              </a:solidFill>
-            </a:endParaRPr>
+            <a:endParaRPr lang="en-US" sz="2400" dirty="0" smtClean="0"/>
           </a:p>
         </p:txBody>
       </p:sp>
@@ -7237,7 +7150,7 @@
         <p:spPr>
           <a:xfrm>
             <a:off x="446507" y="1502715"/>
-            <a:ext cx="8001247" cy="4801314"/>
+            <a:ext cx="9641873" cy="5632311"/>
           </a:xfrm>
           <a:prstGeom prst="rect">
             <a:avLst/>
@@ -7255,13 +7168,7 @@
               <a:buChar char="•"/>
             </a:pPr>
             <a:r>
-              <a:rPr lang="en-US" dirty="0" smtClean="0">
-                <a:solidFill>
-                  <a:schemeClr val="tx1">
-                    <a:lumMod val="85000"/>
-                  </a:schemeClr>
-                </a:solidFill>
-              </a:rPr>
+              <a:rPr lang="en-US" sz="2400" dirty="0" smtClean="0"/>
               <a:t>Switch</a:t>
             </a:r>
           </a:p>
@@ -7271,45 +7178,16 @@
               <a:buChar char="•"/>
             </a:pPr>
             <a:r>
-              <a:rPr lang="en-US" dirty="0" smtClean="0">
-                <a:solidFill>
-                  <a:schemeClr val="tx1">
-                    <a:lumMod val="85000"/>
-                  </a:schemeClr>
-                </a:solidFill>
-              </a:rPr>
-              <a:t>(1) </a:t>
-            </a:r>
-            <a:r>
-              <a:rPr lang="en-US" dirty="0" smtClean="0">
-                <a:solidFill>
-                  <a:schemeClr val="tx1">
-                    <a:lumMod val="85000"/>
-                  </a:schemeClr>
-                </a:solidFill>
-              </a:rPr>
-              <a:t>$39.99</a:t>
-            </a:r>
-            <a:endParaRPr lang="en-US" dirty="0" smtClean="0">
-              <a:solidFill>
-                <a:schemeClr val="tx1">
-                  <a:lumMod val="85000"/>
-                </a:schemeClr>
-              </a:solidFill>
-            </a:endParaRPr>
+              <a:rPr lang="en-US" sz="2400" dirty="0" smtClean="0"/>
+              <a:t>(1) $39.99</a:t>
+            </a:r>
           </a:p>
           <a:p>
             <a:pPr marL="285750" indent="-285750">
               <a:buFont typeface="Arial" panose="020B0604020202020204" pitchFamily="34" charset="0"/>
               <a:buChar char="•"/>
             </a:pPr>
-            <a:endParaRPr lang="en-US" dirty="0">
-              <a:solidFill>
-                <a:schemeClr val="tx1">
-                  <a:lumMod val="85000"/>
-                </a:schemeClr>
-              </a:solidFill>
-            </a:endParaRPr>
+            <a:endParaRPr lang="en-US" sz="2400" dirty="0"/>
           </a:p>
           <a:p>
             <a:pPr marL="285750" indent="-285750">
@@ -7317,13 +7195,7 @@
               <a:buChar char="•"/>
             </a:pPr>
             <a:r>
-              <a:rPr lang="en-US" dirty="0" smtClean="0">
-                <a:solidFill>
-                  <a:schemeClr val="tx1">
-                    <a:lumMod val="85000"/>
-                  </a:schemeClr>
-                </a:solidFill>
-              </a:rPr>
+              <a:rPr lang="en-US" sz="2400" dirty="0" smtClean="0"/>
               <a:t>Ethernet cables  </a:t>
             </a:r>
           </a:p>
@@ -7333,13 +7205,7 @@
               <a:buChar char="•"/>
             </a:pPr>
             <a:r>
-              <a:rPr lang="en-US" dirty="0" smtClean="0">
-                <a:solidFill>
-                  <a:schemeClr val="tx1">
-                    <a:lumMod val="85000"/>
-                  </a:schemeClr>
-                </a:solidFill>
-              </a:rPr>
+              <a:rPr lang="en-US" sz="2400" dirty="0" smtClean="0"/>
               <a:t>(8) 1’  $2.99 each </a:t>
             </a:r>
           </a:p>
@@ -7348,13 +7214,7 @@
               <a:buFont typeface="Arial" panose="020B0604020202020204" pitchFamily="34" charset="0"/>
               <a:buChar char="•"/>
             </a:pPr>
-            <a:endParaRPr lang="en-US" dirty="0">
-              <a:solidFill>
-                <a:schemeClr val="tx1">
-                  <a:lumMod val="85000"/>
-                </a:schemeClr>
-              </a:solidFill>
-            </a:endParaRPr>
+            <a:endParaRPr lang="en-US" sz="2400" dirty="0"/>
           </a:p>
           <a:p>
             <a:pPr marL="285750" indent="-285750">
@@ -7362,13 +7222,7 @@
               <a:buChar char="•"/>
             </a:pPr>
             <a:r>
-              <a:rPr lang="en-US" dirty="0" smtClean="0">
-                <a:solidFill>
-                  <a:schemeClr val="tx1">
-                    <a:lumMod val="85000"/>
-                  </a:schemeClr>
-                </a:solidFill>
-              </a:rPr>
+              <a:rPr lang="en-US" sz="2400" dirty="0" smtClean="0"/>
               <a:t>Power Unit</a:t>
             </a:r>
           </a:p>
@@ -7378,42 +7232,13 @@
               <a:buChar char="•"/>
             </a:pPr>
             <a:r>
-              <a:rPr lang="en-US" dirty="0" smtClean="0">
-                <a:solidFill>
-                  <a:schemeClr val="tx1">
-                    <a:lumMod val="85000"/>
-                  </a:schemeClr>
-                </a:solidFill>
-              </a:rPr>
-              <a:t>(1) </a:t>
-            </a:r>
-            <a:r>
-              <a:rPr lang="en-US" dirty="0" smtClean="0">
-                <a:solidFill>
-                  <a:schemeClr val="tx1">
-                    <a:lumMod val="85000"/>
-                  </a:schemeClr>
-                </a:solidFill>
-              </a:rPr>
-              <a:t>$49.99</a:t>
-            </a:r>
-            <a:endParaRPr lang="en-US" dirty="0" smtClean="0">
-              <a:solidFill>
-                <a:schemeClr val="tx1">
-                  <a:lumMod val="85000"/>
-                </a:schemeClr>
-              </a:solidFill>
-            </a:endParaRPr>
+              <a:rPr lang="en-US" sz="2400" dirty="0" smtClean="0"/>
+              <a:t>(1) $49.99</a:t>
+            </a:r>
           </a:p>
           <a:p>
             <a:pPr lvl="1"/>
-            <a:endParaRPr lang="en-US" dirty="0">
-              <a:solidFill>
-                <a:schemeClr val="tx1">
-                  <a:lumMod val="85000"/>
-                </a:schemeClr>
-              </a:solidFill>
-            </a:endParaRPr>
+            <a:endParaRPr lang="en-US" sz="2400" dirty="0"/>
           </a:p>
           <a:p>
             <a:pPr marL="285750" indent="-285750">
@@ -7421,13 +7246,7 @@
               <a:buChar char="•"/>
             </a:pPr>
             <a:r>
-              <a:rPr lang="en-US" dirty="0" smtClean="0">
-                <a:solidFill>
-                  <a:schemeClr val="tx1">
-                    <a:lumMod val="85000"/>
-                  </a:schemeClr>
-                </a:solidFill>
-              </a:rPr>
+              <a:rPr lang="en-US" sz="2400" dirty="0" smtClean="0"/>
               <a:t>Memory</a:t>
             </a:r>
           </a:p>
@@ -7437,13 +7256,7 @@
               <a:buChar char="•"/>
             </a:pPr>
             <a:r>
-              <a:rPr lang="en-US" dirty="0" smtClean="0">
-                <a:solidFill>
-                  <a:schemeClr val="tx1">
-                    <a:lumMod val="85000"/>
-                  </a:schemeClr>
-                </a:solidFill>
-              </a:rPr>
+              <a:rPr lang="en-US" sz="2400" dirty="0" smtClean="0"/>
               <a:t>(8) 16 GB  $38.00 each </a:t>
             </a:r>
           </a:p>
@@ -7452,78 +7265,105 @@
               <a:buFont typeface="Arial" panose="020B0604020202020204" pitchFamily="34" charset="0"/>
               <a:buChar char="•"/>
             </a:pPr>
-            <a:endParaRPr lang="en-US" dirty="0">
-              <a:solidFill>
-                <a:schemeClr val="tx1">
-                  <a:lumMod val="85000"/>
-                </a:schemeClr>
-              </a:solidFill>
-            </a:endParaRPr>
+            <a:endParaRPr lang="en-US" sz="2400" dirty="0"/>
           </a:p>
           <a:p>
             <a:pPr marL="285750" indent="-285750">
               <a:buFont typeface="Arial" panose="020B0604020202020204" pitchFamily="34" charset="0"/>
               <a:buChar char="•"/>
             </a:pPr>
-            <a:endParaRPr lang="en-US" dirty="0" smtClean="0">
-              <a:solidFill>
-                <a:schemeClr val="tx1">
-                  <a:lumMod val="85000"/>
-                </a:schemeClr>
-              </a:solidFill>
-            </a:endParaRPr>
+            <a:endParaRPr lang="en-US" sz="2400" dirty="0" smtClean="0"/>
           </a:p>
           <a:p>
             <a:pPr marL="285750" indent="-285750">
               <a:buFont typeface="Arial" panose="020B0604020202020204" pitchFamily="34" charset="0"/>
               <a:buChar char="•"/>
             </a:pPr>
-            <a:endParaRPr lang="en-US" dirty="0">
-              <a:solidFill>
-                <a:schemeClr val="tx1">
-                  <a:lumMod val="85000"/>
-                </a:schemeClr>
-              </a:solidFill>
-            </a:endParaRPr>
+            <a:endParaRPr lang="en-US" sz="2400" dirty="0" smtClean="0"/>
+          </a:p>
+          <a:p>
+            <a:endParaRPr lang="en-US" sz="2400" dirty="0" smtClean="0"/>
           </a:p>
           <a:p>
             <a:pPr marL="285750" indent="-285750">
               <a:buFont typeface="Arial" panose="020B0604020202020204" pitchFamily="34" charset="0"/>
               <a:buChar char="•"/>
             </a:pPr>
-            <a:endParaRPr lang="en-US" dirty="0" smtClean="0">
-              <a:solidFill>
-                <a:schemeClr val="tx1">
-                  <a:lumMod val="85000"/>
-                </a:schemeClr>
-              </a:solidFill>
-            </a:endParaRPr>
+            <a:r>
+              <a:rPr lang="en-US" sz="2400" dirty="0" smtClean="0"/>
+              <a:t>ODROID Ux4</a:t>
+            </a:r>
+          </a:p>
+          <a:p>
+            <a:pPr marL="742950" lvl="1" indent="-285750">
+              <a:buFont typeface="Arial" panose="020B0604020202020204" pitchFamily="34" charset="0"/>
+              <a:buChar char="•"/>
+            </a:pPr>
+            <a:r>
+              <a:rPr lang="en-US" sz="2400" dirty="0" smtClean="0"/>
+              <a:t>(8) $76.00 each</a:t>
+            </a:r>
+          </a:p>
+          <a:p>
+            <a:pPr marL="742950" lvl="1" indent="-285750">
+              <a:buFont typeface="Arial" panose="020B0604020202020204" pitchFamily="34" charset="0"/>
+              <a:buChar char="•"/>
+            </a:pPr>
+            <a:endParaRPr lang="en-US" sz="2400" dirty="0"/>
           </a:p>
           <a:p>
             <a:pPr marL="285750" indent="-285750">
               <a:buFont typeface="Arial" panose="020B0604020202020204" pitchFamily="34" charset="0"/>
               <a:buChar char="•"/>
             </a:pPr>
-            <a:endParaRPr lang="en-US" dirty="0">
-              <a:solidFill>
-                <a:schemeClr val="tx1">
-                  <a:lumMod val="85000"/>
-                </a:schemeClr>
-              </a:solidFill>
-            </a:endParaRPr>
+            <a:r>
+              <a:rPr lang="en-US" sz="2400" dirty="0" smtClean="0"/>
+              <a:t>Replacement ODROID Ux4</a:t>
+            </a:r>
+          </a:p>
+          <a:p>
+            <a:pPr marL="742950" lvl="1" indent="-285750">
+              <a:buFont typeface="Arial" panose="020B0604020202020204" pitchFamily="34" charset="0"/>
+              <a:buChar char="•"/>
+            </a:pPr>
+            <a:r>
+              <a:rPr lang="en-US" sz="2400" dirty="0" smtClean="0"/>
+              <a:t>(2) $76.00 each</a:t>
+            </a:r>
+          </a:p>
+          <a:p>
+            <a:pPr marL="742950" lvl="1" indent="-285750">
+              <a:buFont typeface="Arial" panose="020B0604020202020204" pitchFamily="34" charset="0"/>
+              <a:buChar char="•"/>
+            </a:pPr>
+            <a:endParaRPr lang="en-US" sz="2400" dirty="0"/>
           </a:p>
           <a:p>
             <a:pPr marL="285750" indent="-285750">
               <a:buFont typeface="Arial" panose="020B0604020202020204" pitchFamily="34" charset="0"/>
               <a:buChar char="•"/>
             </a:pPr>
-            <a:endParaRPr lang="en-US" dirty="0" smtClean="0">
-              <a:solidFill>
-                <a:schemeClr val="tx1">
-                  <a:lumMod val="85000"/>
-                </a:schemeClr>
-              </a:solidFill>
-            </a:endParaRPr>
+            <a:r>
+              <a:rPr lang="en-US" sz="2400" dirty="0" smtClean="0"/>
+              <a:t>Acrylic board</a:t>
+            </a:r>
+          </a:p>
+          <a:p>
+            <a:pPr marL="742950" lvl="1" indent="-285750">
+              <a:buFont typeface="Arial" panose="020B0604020202020204" pitchFamily="34" charset="0"/>
+              <a:buChar char="•"/>
+            </a:pPr>
+            <a:r>
+              <a:rPr lang="en-US" sz="2400" dirty="0" smtClean="0"/>
+              <a:t>(1) $25.00</a:t>
+            </a:r>
+          </a:p>
+          <a:p>
+            <a:pPr marL="742950" lvl="1" indent="-285750">
+              <a:buFont typeface="Arial" panose="020B0604020202020204" pitchFamily="34" charset="0"/>
+              <a:buChar char="•"/>
+            </a:pPr>
+            <a:endParaRPr lang="en-US" sz="2400" dirty="0"/>
           </a:p>
           <a:p>
             <a:pPr marL="285750" indent="-285750">
@@ -7531,24 +7371,12 @@
               <a:buChar char="•"/>
             </a:pPr>
             <a:r>
-              <a:rPr lang="en-US" dirty="0" smtClean="0">
-                <a:solidFill>
-                  <a:schemeClr val="tx1">
-                    <a:lumMod val="85000"/>
-                  </a:schemeClr>
-                </a:solidFill>
-              </a:rPr>
-              <a:t>ODROID </a:t>
-            </a:r>
-            <a:r>
-              <a:rPr lang="en-US" dirty="0" smtClean="0">
-                <a:solidFill>
-                  <a:schemeClr val="tx1">
-                    <a:lumMod val="85000"/>
-                  </a:schemeClr>
-                </a:solidFill>
-              </a:rPr>
-              <a:t>Ux4</a:t>
+              <a:rPr lang="en-US" sz="2400" dirty="0" err="1" smtClean="0"/>
+              <a:t>Miscellanous</a:t>
+            </a:r>
+            <a:r>
+              <a:rPr lang="en-US" sz="2400" dirty="0" smtClean="0"/>
+              <a:t> </a:t>
             </a:r>
           </a:p>
           <a:p>
@@ -7557,177 +7385,10 @@
               <a:buChar char="•"/>
             </a:pPr>
             <a:r>
-              <a:rPr lang="en-US" dirty="0" smtClean="0">
-                <a:solidFill>
-                  <a:schemeClr val="tx1">
-                    <a:lumMod val="85000"/>
-                  </a:schemeClr>
-                </a:solidFill>
-              </a:rPr>
-              <a:t>(8) $76.00 </a:t>
-            </a:r>
-            <a:r>
-              <a:rPr lang="en-US" dirty="0" smtClean="0">
-                <a:solidFill>
-                  <a:schemeClr val="tx1">
-                    <a:lumMod val="85000"/>
-                  </a:schemeClr>
-                </a:solidFill>
-              </a:rPr>
-              <a:t>each</a:t>
-            </a:r>
-          </a:p>
-          <a:p>
-            <a:pPr marL="742950" lvl="1" indent="-285750">
-              <a:buFont typeface="Arial" panose="020B0604020202020204" pitchFamily="34" charset="0"/>
-              <a:buChar char="•"/>
-            </a:pPr>
-            <a:endParaRPr lang="en-US" dirty="0">
-              <a:solidFill>
-                <a:schemeClr val="tx1">
-                  <a:lumMod val="85000"/>
-                </a:schemeClr>
-              </a:solidFill>
-            </a:endParaRPr>
-          </a:p>
-          <a:p>
-            <a:pPr marL="285750" indent="-285750">
-              <a:buFont typeface="Arial" panose="020B0604020202020204" pitchFamily="34" charset="0"/>
-              <a:buChar char="•"/>
-            </a:pPr>
-            <a:r>
-              <a:rPr lang="en-US" dirty="0" smtClean="0">
-                <a:solidFill>
-                  <a:schemeClr val="tx1">
-                    <a:lumMod val="85000"/>
-                  </a:schemeClr>
-                </a:solidFill>
-              </a:rPr>
-              <a:t>Replacement ODROID Ux4</a:t>
-            </a:r>
-          </a:p>
-          <a:p>
-            <a:pPr marL="742950" lvl="1" indent="-285750">
-              <a:buFont typeface="Arial" panose="020B0604020202020204" pitchFamily="34" charset="0"/>
-              <a:buChar char="•"/>
-            </a:pPr>
-            <a:r>
-              <a:rPr lang="en-US" dirty="0" smtClean="0">
-                <a:solidFill>
-                  <a:schemeClr val="tx1">
-                    <a:lumMod val="85000"/>
-                  </a:schemeClr>
-                </a:solidFill>
-              </a:rPr>
-              <a:t>(2) $76.00 each</a:t>
-            </a:r>
-          </a:p>
-          <a:p>
-            <a:pPr marL="742950" lvl="1" indent="-285750">
-              <a:buFont typeface="Arial" panose="020B0604020202020204" pitchFamily="34" charset="0"/>
-              <a:buChar char="•"/>
-            </a:pPr>
-            <a:endParaRPr lang="en-US" dirty="0">
-              <a:solidFill>
-                <a:schemeClr val="tx1">
-                  <a:lumMod val="85000"/>
-                </a:schemeClr>
-              </a:solidFill>
-            </a:endParaRPr>
-          </a:p>
-          <a:p>
-            <a:pPr marL="285750" indent="-285750">
-              <a:buFont typeface="Arial" panose="020B0604020202020204" pitchFamily="34" charset="0"/>
-              <a:buChar char="•"/>
-            </a:pPr>
-            <a:r>
-              <a:rPr lang="en-US" dirty="0" smtClean="0">
-                <a:solidFill>
-                  <a:schemeClr val="tx1">
-                    <a:lumMod val="85000"/>
-                  </a:schemeClr>
-                </a:solidFill>
-              </a:rPr>
-              <a:t>Acrylic board</a:t>
-            </a:r>
-          </a:p>
-          <a:p>
-            <a:pPr marL="742950" lvl="1" indent="-285750">
-              <a:buFont typeface="Arial" panose="020B0604020202020204" pitchFamily="34" charset="0"/>
-              <a:buChar char="•"/>
-            </a:pPr>
-            <a:r>
-              <a:rPr lang="en-US" dirty="0" smtClean="0">
-                <a:solidFill>
-                  <a:schemeClr val="tx1">
-                    <a:lumMod val="85000"/>
-                  </a:schemeClr>
-                </a:solidFill>
-              </a:rPr>
-              <a:t>(1) $25.00</a:t>
-            </a:r>
-          </a:p>
-          <a:p>
-            <a:pPr marL="742950" lvl="1" indent="-285750">
-              <a:buFont typeface="Arial" panose="020B0604020202020204" pitchFamily="34" charset="0"/>
-              <a:buChar char="•"/>
-            </a:pPr>
-            <a:endParaRPr lang="en-US" dirty="0">
-              <a:solidFill>
-                <a:schemeClr val="tx1">
-                  <a:lumMod val="85000"/>
-                </a:schemeClr>
-              </a:solidFill>
-            </a:endParaRPr>
-          </a:p>
-          <a:p>
-            <a:pPr marL="285750" indent="-285750">
-              <a:buFont typeface="Arial" panose="020B0604020202020204" pitchFamily="34" charset="0"/>
-              <a:buChar char="•"/>
-            </a:pPr>
-            <a:r>
-              <a:rPr lang="en-US" dirty="0" err="1" smtClean="0">
-                <a:solidFill>
-                  <a:schemeClr val="tx1">
-                    <a:lumMod val="85000"/>
-                  </a:schemeClr>
-                </a:solidFill>
-              </a:rPr>
-              <a:t>Miscellanous</a:t>
-            </a:r>
-            <a:r>
-              <a:rPr lang="en-US" dirty="0" smtClean="0">
-                <a:solidFill>
-                  <a:schemeClr val="tx1">
-                    <a:lumMod val="85000"/>
-                  </a:schemeClr>
-                </a:solidFill>
-              </a:rPr>
-              <a:t> </a:t>
-            </a:r>
-          </a:p>
-          <a:p>
-            <a:pPr marL="742950" lvl="1" indent="-285750">
-              <a:buFont typeface="Arial" panose="020B0604020202020204" pitchFamily="34" charset="0"/>
-              <a:buChar char="•"/>
-            </a:pPr>
-            <a:r>
-              <a:rPr lang="en-US" dirty="0" smtClean="0">
-                <a:solidFill>
-                  <a:schemeClr val="tx1">
-                    <a:lumMod val="85000"/>
-                  </a:schemeClr>
-                </a:solidFill>
-              </a:rPr>
+              <a:rPr lang="en-US" sz="2400" dirty="0" smtClean="0"/>
               <a:t>$25.00</a:t>
             </a:r>
-            <a:endParaRPr lang="en-US" dirty="0">
-              <a:solidFill>
-                <a:schemeClr val="tx1">
-                  <a:lumMod val="85000"/>
-                </a:schemeClr>
-              </a:solidFill>
-            </a:endParaRPr>
+            <a:endParaRPr lang="en-US" sz="2400" dirty="0"/>
           </a:p>
         </p:txBody>
       </p:sp>
@@ -7805,7 +7466,7 @@
         <p:spPr>
           <a:xfrm>
             <a:off x="636915" y="2021489"/>
-            <a:ext cx="8001247" cy="2031325"/>
+            <a:ext cx="8001247" cy="2677656"/>
           </a:xfrm>
           <a:prstGeom prst="rect">
             <a:avLst/>
@@ -7823,13 +7484,7 @@
               <a:buChar char="•"/>
             </a:pPr>
             <a:r>
-              <a:rPr lang="en-US" dirty="0" smtClean="0">
-                <a:solidFill>
-                  <a:schemeClr val="tx1">
-                    <a:lumMod val="85000"/>
-                  </a:schemeClr>
-                </a:solidFill>
-              </a:rPr>
+              <a:rPr lang="en-US" sz="2400" dirty="0" smtClean="0"/>
               <a:t>Explore other communication methods</a:t>
             </a:r>
           </a:p>
@@ -7838,13 +7493,7 @@
               <a:buFont typeface="Arial" panose="020B0604020202020204" pitchFamily="34" charset="0"/>
               <a:buChar char="•"/>
             </a:pPr>
-            <a:endParaRPr lang="en-US" dirty="0">
-              <a:solidFill>
-                <a:schemeClr val="tx1">
-                  <a:lumMod val="85000"/>
-                </a:schemeClr>
-              </a:solidFill>
-            </a:endParaRPr>
+            <a:endParaRPr lang="en-US" sz="2400" dirty="0"/>
           </a:p>
           <a:p>
             <a:pPr marL="285750" indent="-285750">
@@ -7852,13 +7501,7 @@
               <a:buChar char="•"/>
             </a:pPr>
             <a:r>
-              <a:rPr lang="en-US" dirty="0" smtClean="0">
-                <a:solidFill>
-                  <a:schemeClr val="tx1">
-                    <a:lumMod val="85000"/>
-                  </a:schemeClr>
-                </a:solidFill>
-              </a:rPr>
+              <a:rPr lang="en-US" sz="2400" dirty="0" smtClean="0"/>
               <a:t>Develop and benchmark a new communication</a:t>
             </a:r>
           </a:p>
@@ -7867,13 +7510,7 @@
               <a:buFont typeface="Arial" panose="020B0604020202020204" pitchFamily="34" charset="0"/>
               <a:buChar char="•"/>
             </a:pPr>
-            <a:endParaRPr lang="en-US" dirty="0">
-              <a:solidFill>
-                <a:schemeClr val="tx1">
-                  <a:lumMod val="85000"/>
-                </a:schemeClr>
-              </a:solidFill>
-            </a:endParaRPr>
+            <a:endParaRPr lang="en-US" sz="2400" dirty="0"/>
           </a:p>
           <a:p>
             <a:pPr marL="285750" indent="-285750">
@@ -7881,13 +7518,7 @@
               <a:buChar char="•"/>
             </a:pPr>
             <a:r>
-              <a:rPr lang="en-US" dirty="0" smtClean="0">
-                <a:solidFill>
-                  <a:schemeClr val="tx1">
-                    <a:lumMod val="85000"/>
-                  </a:schemeClr>
-                </a:solidFill>
-              </a:rPr>
+              <a:rPr lang="en-US" sz="2400" dirty="0" smtClean="0"/>
               <a:t>Research Symposium</a:t>
             </a:r>
           </a:p>
@@ -7896,13 +7527,7 @@
               <a:buFont typeface="Arial" panose="020B0604020202020204" pitchFamily="34" charset="0"/>
               <a:buChar char="•"/>
             </a:pPr>
-            <a:endParaRPr lang="en-US" dirty="0">
-              <a:solidFill>
-                <a:schemeClr val="tx1">
-                  <a:lumMod val="85000"/>
-                </a:schemeClr>
-              </a:solidFill>
-            </a:endParaRPr>
+            <a:endParaRPr lang="en-US" sz="2400" dirty="0"/>
           </a:p>
           <a:p>
             <a:pPr marL="285750" indent="-285750">
@@ -7910,22 +7535,10 @@
               <a:buChar char="•"/>
             </a:pPr>
             <a:r>
-              <a:rPr lang="en-US" dirty="0" smtClean="0">
-                <a:solidFill>
-                  <a:schemeClr val="tx1">
-                    <a:lumMod val="85000"/>
-                  </a:schemeClr>
-                </a:solidFill>
-              </a:rPr>
+              <a:rPr lang="en-US" sz="2400" dirty="0" smtClean="0"/>
               <a:t>Design Fair</a:t>
             </a:r>
-            <a:endParaRPr lang="en-US" dirty="0">
-              <a:solidFill>
-                <a:schemeClr val="tx1">
-                  <a:lumMod val="85000"/>
-                </a:schemeClr>
-              </a:solidFill>
-            </a:endParaRPr>
+            <a:endParaRPr lang="en-US" sz="2400" dirty="0"/>
           </a:p>
         </p:txBody>
       </p:sp>
@@ -8002,8 +7615,8 @@
         </p:nvSpPr>
         <p:spPr>
           <a:xfrm>
-            <a:off x="636915" y="2021489"/>
-            <a:ext cx="8001247" cy="3970318"/>
+            <a:off x="586935" y="2014746"/>
+            <a:ext cx="10445826" cy="5262979"/>
           </a:xfrm>
           <a:prstGeom prst="rect">
             <a:avLst/>
@@ -8011,7 +7624,7 @@
           <a:noFill/>
         </p:spPr>
         <p:txBody>
-          <a:bodyPr wrap="square" rtlCol="0">
+          <a:bodyPr wrap="square" numCol="2" rtlCol="0">
             <a:spAutoFit/>
           </a:bodyPr>
           <a:lstStyle/>
@@ -8021,13 +7634,7 @@
               <a:buChar char="•"/>
             </a:pPr>
             <a:r>
-              <a:rPr lang="en-US" dirty="0" smtClean="0">
-                <a:solidFill>
-                  <a:schemeClr val="tx1">
-                    <a:lumMod val="85000"/>
-                  </a:schemeClr>
-                </a:solidFill>
-              </a:rPr>
+              <a:rPr lang="en-US" sz="2400" dirty="0" smtClean="0"/>
               <a:t>Sprint 4: 1/18/15-2/5/15</a:t>
             </a:r>
           </a:p>
@@ -8037,13 +7644,7 @@
               <a:buChar char="•"/>
             </a:pPr>
             <a:r>
-              <a:rPr lang="en-US" dirty="0" smtClean="0">
-                <a:solidFill>
-                  <a:schemeClr val="tx1">
-                    <a:lumMod val="85000"/>
-                  </a:schemeClr>
-                </a:solidFill>
-              </a:rPr>
+              <a:rPr lang="en-US" sz="2400" dirty="0" smtClean="0"/>
               <a:t>Research</a:t>
             </a:r>
           </a:p>
@@ -8053,13 +7654,7 @@
               <a:buChar char="•"/>
             </a:pPr>
             <a:r>
-              <a:rPr lang="en-US" dirty="0" smtClean="0">
-                <a:solidFill>
-                  <a:schemeClr val="tx1">
-                    <a:lumMod val="85000"/>
-                  </a:schemeClr>
-                </a:solidFill>
-              </a:rPr>
+              <a:rPr lang="en-US" sz="2400" dirty="0" smtClean="0"/>
               <a:t>Prototype</a:t>
             </a:r>
           </a:p>
@@ -8068,13 +7663,7 @@
               <a:buFont typeface="Arial" panose="020B0604020202020204" pitchFamily="34" charset="0"/>
               <a:buChar char="•"/>
             </a:pPr>
-            <a:endParaRPr lang="en-US" dirty="0">
-              <a:solidFill>
-                <a:schemeClr val="tx1">
-                  <a:lumMod val="85000"/>
-                </a:schemeClr>
-              </a:solidFill>
-            </a:endParaRPr>
+            <a:endParaRPr lang="en-US" sz="2400" dirty="0"/>
           </a:p>
           <a:p>
             <a:pPr marL="285750" indent="-285750">
@@ -8082,13 +7671,7 @@
               <a:buChar char="•"/>
             </a:pPr>
             <a:r>
-              <a:rPr lang="en-US" dirty="0" smtClean="0">
-                <a:solidFill>
-                  <a:schemeClr val="tx1">
-                    <a:lumMod val="85000"/>
-                  </a:schemeClr>
-                </a:solidFill>
-              </a:rPr>
+              <a:rPr lang="en-US" sz="2400" dirty="0" smtClean="0"/>
               <a:t>Sprint 5: 2/15/16-3/4/16</a:t>
             </a:r>
           </a:p>
@@ -8098,13 +7681,7 @@
               <a:buChar char="•"/>
             </a:pPr>
             <a:r>
-              <a:rPr lang="en-US" dirty="0" smtClean="0">
-                <a:solidFill>
-                  <a:schemeClr val="tx1">
-                    <a:lumMod val="85000"/>
-                  </a:schemeClr>
-                </a:solidFill>
-              </a:rPr>
+              <a:rPr lang="en-US" sz="2400" dirty="0" smtClean="0"/>
               <a:t>Benchmark</a:t>
             </a:r>
           </a:p>
@@ -8114,13 +7691,7 @@
               <a:buChar char="•"/>
             </a:pPr>
             <a:r>
-              <a:rPr lang="en-US" dirty="0" smtClean="0">
-                <a:solidFill>
-                  <a:schemeClr val="tx1">
-                    <a:lumMod val="85000"/>
-                  </a:schemeClr>
-                </a:solidFill>
-              </a:rPr>
+              <a:rPr lang="en-US" sz="2400" dirty="0" smtClean="0"/>
               <a:t>Abstract </a:t>
             </a:r>
           </a:p>
@@ -8129,13 +7700,7 @@
               <a:buFont typeface="Arial" panose="020B0604020202020204" pitchFamily="34" charset="0"/>
               <a:buChar char="•"/>
             </a:pPr>
-            <a:endParaRPr lang="en-US" dirty="0">
-              <a:solidFill>
-                <a:schemeClr val="tx1">
-                  <a:lumMod val="85000"/>
-                </a:schemeClr>
-              </a:solidFill>
-            </a:endParaRPr>
+            <a:endParaRPr lang="en-US" sz="2400" dirty="0"/>
           </a:p>
           <a:p>
             <a:pPr marL="285750" indent="-285750">
@@ -8143,13 +7708,7 @@
               <a:buChar char="•"/>
             </a:pPr>
             <a:r>
-              <a:rPr lang="en-US" dirty="0" smtClean="0">
-                <a:solidFill>
-                  <a:schemeClr val="tx1">
-                    <a:lumMod val="85000"/>
-                  </a:schemeClr>
-                </a:solidFill>
-              </a:rPr>
+              <a:rPr lang="en-US" sz="2400" dirty="0" smtClean="0"/>
               <a:t>Sprint 6: 3/21/16-4/15/16</a:t>
             </a:r>
           </a:p>
@@ -8159,13 +7718,7 @@
               <a:buChar char="•"/>
             </a:pPr>
             <a:r>
-              <a:rPr lang="en-US" dirty="0" smtClean="0">
-                <a:solidFill>
-                  <a:schemeClr val="tx1">
-                    <a:lumMod val="85000"/>
-                  </a:schemeClr>
-                </a:solidFill>
-              </a:rPr>
+              <a:rPr lang="en-US" sz="2400" dirty="0" smtClean="0"/>
               <a:t>Product</a:t>
             </a:r>
           </a:p>
@@ -8174,28 +7727,41 @@
               <a:buFont typeface="Arial" panose="020B0604020202020204" pitchFamily="34" charset="0"/>
               <a:buChar char="•"/>
             </a:pPr>
-            <a:endParaRPr lang="en-US" dirty="0">
-              <a:solidFill>
-                <a:schemeClr val="tx1">
-                  <a:lumMod val="85000"/>
-                </a:schemeClr>
-              </a:solidFill>
-            </a:endParaRPr>
+            <a:endParaRPr lang="en-US" sz="2400" dirty="0"/>
           </a:p>
           <a:p>
             <a:pPr marL="285750" indent="-285750">
               <a:buFont typeface="Arial" panose="020B0604020202020204" pitchFamily="34" charset="0"/>
               <a:buChar char="•"/>
             </a:pPr>
-            <a:r>
-              <a:rPr lang="en-US" dirty="0" smtClean="0">
-                <a:solidFill>
-                  <a:schemeClr val="tx1">
-                    <a:lumMod val="85000"/>
-                  </a:schemeClr>
-                </a:solidFill>
-              </a:rPr>
-              <a:t>Research Symposium: 4/7/2016</a:t>
+            <a:endParaRPr lang="en-US" sz="2400" dirty="0" smtClean="0"/>
+          </a:p>
+          <a:p>
+            <a:pPr marL="285750" indent="-285750">
+              <a:buFont typeface="Arial" panose="020B0604020202020204" pitchFamily="34" charset="0"/>
+              <a:buChar char="•"/>
+            </a:pPr>
+            <a:endParaRPr lang="en-US" sz="2400" dirty="0"/>
+          </a:p>
+          <a:p>
+            <a:pPr marL="285750" indent="-285750">
+              <a:buFont typeface="Arial" panose="020B0604020202020204" pitchFamily="34" charset="0"/>
+              <a:buChar char="•"/>
+            </a:pPr>
+            <a:endParaRPr lang="en-US" sz="2400" dirty="0" smtClean="0"/>
+          </a:p>
+          <a:p>
+            <a:pPr marL="285750" indent="-285750">
+              <a:buFont typeface="Arial" panose="020B0604020202020204" pitchFamily="34" charset="0"/>
+              <a:buChar char="•"/>
+            </a:pPr>
+            <a:r>
+              <a:rPr lang="en-US" sz="2400" dirty="0" smtClean="0"/>
+              <a:t>Research </a:t>
+            </a:r>
+            <a:r>
+              <a:rPr lang="en-US" sz="2400" dirty="0" smtClean="0"/>
+              <a:t>Symposium: 4/7/2016</a:t>
             </a:r>
           </a:p>
           <a:p>
@@ -8203,13 +7769,7 @@
               <a:buFont typeface="Arial" panose="020B0604020202020204" pitchFamily="34" charset="0"/>
               <a:buChar char="•"/>
             </a:pPr>
-            <a:endParaRPr lang="en-US" dirty="0">
-              <a:solidFill>
-                <a:schemeClr val="tx1">
-                  <a:lumMod val="85000"/>
-                </a:schemeClr>
-              </a:solidFill>
-            </a:endParaRPr>
+            <a:endParaRPr lang="en-US" sz="2400" dirty="0"/>
           </a:p>
           <a:p>
             <a:pPr marL="285750" indent="-285750">
@@ -8217,13 +7777,7 @@
               <a:buChar char="•"/>
             </a:pPr>
             <a:r>
-              <a:rPr lang="en-US" dirty="0" smtClean="0">
-                <a:solidFill>
-                  <a:schemeClr val="tx1">
-                    <a:lumMod val="85000"/>
-                  </a:schemeClr>
-                </a:solidFill>
-              </a:rPr>
+              <a:rPr lang="en-US" sz="2400" dirty="0" smtClean="0"/>
               <a:t>Design Fair: 4/19/16</a:t>
             </a:r>
           </a:p>
@@ -8233,6 +7787,66 @@
     <p:extLst>
       <p:ext uri="{BB962C8B-B14F-4D97-AF65-F5344CB8AC3E}">
         <p14:creationId xmlns:p14="http://schemas.microsoft.com/office/powerpoint/2010/main" val="3639873031"/>
+      </p:ext>
+    </p:extLst>
+  </p:cSld>
+  <p:clrMapOvr>
+    <a:masterClrMapping/>
+  </p:clrMapOvr>
+  <p:timing>
+    <p:tnLst>
+      <p:par>
+        <p:cTn id="1" dur="indefinite" restart="never" nodeType="tmRoot"/>
+      </p:par>
+    </p:tnLst>
+  </p:timing>
+</p:sld>
+</file>
+
+<file path=ppt/slides/slide14.xml><?xml version="1.0" encoding="utf-8"?>
+<p:sld xmlns:a="http://schemas.openxmlformats.org/drawingml/2006/main" xmlns:r="http://schemas.openxmlformats.org/officeDocument/2006/relationships" xmlns:p="http://schemas.openxmlformats.org/presentationml/2006/main">
+  <p:cSld>
+    <p:spTree>
+      <p:nvGrpSpPr>
+        <p:cNvPr id="1" name=""/>
+        <p:cNvGrpSpPr/>
+        <p:nvPr/>
+      </p:nvGrpSpPr>
+      <p:grpSpPr>
+        <a:xfrm>
+          <a:off x="0" y="0"/>
+          <a:ext cx="0" cy="0"/>
+          <a:chOff x="0" y="0"/>
+          <a:chExt cx="0" cy="0"/>
+        </a:xfrm>
+      </p:grpSpPr>
+      <p:sp>
+        <p:nvSpPr>
+          <p:cNvPr id="2" name="Title 1"/>
+          <p:cNvSpPr>
+            <a:spLocks noGrp="1"/>
+          </p:cNvSpPr>
+          <p:nvPr>
+            <p:ph type="title"/>
+          </p:nvPr>
+        </p:nvSpPr>
+        <p:spPr/>
+        <p:txBody>
+          <a:bodyPr/>
+          <a:lstStyle/>
+          <a:p>
+            <a:r>
+              <a:rPr lang="en-US" dirty="0" smtClean="0"/>
+              <a:t>Questions?</a:t>
+            </a:r>
+            <a:endParaRPr lang="en-US" dirty="0"/>
+          </a:p>
+        </p:txBody>
+      </p:sp>
+    </p:spTree>
+    <p:extLst>
+      <p:ext uri="{BB962C8B-B14F-4D97-AF65-F5344CB8AC3E}">
+        <p14:creationId xmlns:p14="http://schemas.microsoft.com/office/powerpoint/2010/main" val="3576959289"/>
       </p:ext>
     </p:extLst>
   </p:cSld>
@@ -8302,8 +7916,8 @@
         </p:nvSpPr>
         <p:spPr>
           <a:xfrm>
-            <a:off x="636915" y="2021489"/>
-            <a:ext cx="8001247" cy="369332"/>
+            <a:off x="636914" y="1737262"/>
+            <a:ext cx="8001247" cy="461665"/>
           </a:xfrm>
           <a:prstGeom prst="rect">
             <a:avLst/>
@@ -8321,32 +7935,14 @@
               <a:buChar char="•"/>
             </a:pPr>
             <a:r>
-              <a:rPr lang="en-US" dirty="0" smtClean="0">
-                <a:solidFill>
-                  <a:schemeClr val="tx1">
-                    <a:lumMod val="85000"/>
-                  </a:schemeClr>
-                </a:solidFill>
-              </a:rPr>
+              <a:rPr lang="en-US" sz="2400" dirty="0" smtClean="0"/>
               <a:t>Dr. Christer </a:t>
             </a:r>
             <a:r>
-              <a:rPr lang="en-US" dirty="0" err="1" smtClean="0">
-                <a:solidFill>
-                  <a:schemeClr val="tx1">
-                    <a:lumMod val="85000"/>
-                  </a:schemeClr>
-                </a:solidFill>
-              </a:rPr>
+              <a:rPr lang="en-US" sz="2400" dirty="0" err="1" smtClean="0"/>
               <a:t>Karlsson</a:t>
             </a:r>
-            <a:endParaRPr lang="en-US" dirty="0">
-              <a:solidFill>
-                <a:schemeClr val="tx1">
-                  <a:lumMod val="85000"/>
-                </a:schemeClr>
-              </a:solidFill>
-            </a:endParaRPr>
+            <a:endParaRPr lang="en-US" sz="2400" dirty="0"/>
           </a:p>
         </p:txBody>
       </p:sp>
@@ -8466,7 +8062,7 @@
         <p:spPr>
           <a:xfrm>
             <a:off x="636914" y="3944583"/>
-            <a:ext cx="8001247" cy="923330"/>
+            <a:ext cx="8001247" cy="1200329"/>
           </a:xfrm>
           <a:prstGeom prst="rect">
             <a:avLst/>
@@ -8484,13 +8080,7 @@
               <a:buChar char="•"/>
             </a:pPr>
             <a:r>
-              <a:rPr lang="en-US" dirty="0" smtClean="0">
-                <a:solidFill>
-                  <a:schemeClr val="tx1">
-                    <a:lumMod val="85000"/>
-                  </a:schemeClr>
-                </a:solidFill>
-              </a:rPr>
+              <a:rPr lang="en-US" sz="2400" dirty="0" smtClean="0"/>
               <a:t>A cluster of 6-12 single-board computers</a:t>
             </a:r>
           </a:p>
@@ -8500,13 +8090,7 @@
               <a:buChar char="•"/>
             </a:pPr>
             <a:r>
-              <a:rPr lang="en-US" dirty="0" smtClean="0">
-                <a:solidFill>
-                  <a:schemeClr val="tx1">
-                    <a:lumMod val="85000"/>
-                  </a:schemeClr>
-                </a:solidFill>
-              </a:rPr>
+              <a:rPr lang="en-US" sz="2400" dirty="0" smtClean="0"/>
               <a:t>Benchmarked</a:t>
             </a:r>
           </a:p>
@@ -8516,22 +8100,10 @@
               <a:buChar char="•"/>
             </a:pPr>
             <a:r>
-              <a:rPr lang="en-US" dirty="0" smtClean="0">
-                <a:solidFill>
-                  <a:schemeClr val="tx1">
-                    <a:lumMod val="85000"/>
-                  </a:schemeClr>
-                </a:solidFill>
-              </a:rPr>
+              <a:rPr lang="en-US" sz="2400" dirty="0" smtClean="0"/>
               <a:t>Fastest and most efficient</a:t>
             </a:r>
-            <a:endParaRPr lang="en-US" dirty="0">
-              <a:solidFill>
-                <a:schemeClr val="tx1">
-                  <a:lumMod val="85000"/>
-                </a:schemeClr>
-              </a:solidFill>
-            </a:endParaRPr>
+            <a:endParaRPr lang="en-US" sz="2400" dirty="0"/>
           </a:p>
         </p:txBody>
       </p:sp>
@@ -8608,8 +8180,8 @@
         </p:nvSpPr>
         <p:spPr>
           <a:xfrm>
-            <a:off x="528569" y="1830961"/>
-            <a:ext cx="8001247" cy="1477328"/>
+            <a:off x="528569" y="1561138"/>
+            <a:ext cx="8001247" cy="1938992"/>
           </a:xfrm>
           <a:prstGeom prst="rect">
             <a:avLst/>
@@ -8626,13 +8198,7 @@
               <a:buFont typeface="Arial" panose="020B0604020202020204" pitchFamily="34" charset="0"/>
               <a:buChar char="•"/>
             </a:pPr>
-            <a:endParaRPr lang="en-US" dirty="0" smtClean="0">
-              <a:solidFill>
-                <a:schemeClr val="tx1">
-                  <a:lumMod val="85000"/>
-                </a:schemeClr>
-              </a:solidFill>
-            </a:endParaRPr>
+            <a:endParaRPr lang="en-US" sz="2400" dirty="0" smtClean="0"/>
           </a:p>
           <a:p>
             <a:pPr marL="285750" indent="-285750">
@@ -8640,13 +8206,7 @@
               <a:buChar char="•"/>
             </a:pPr>
             <a:r>
-              <a:rPr lang="en-US" dirty="0" smtClean="0">
-                <a:solidFill>
-                  <a:schemeClr val="tx1">
-                    <a:lumMod val="85000"/>
-                  </a:schemeClr>
-                </a:solidFill>
-              </a:rPr>
+              <a:rPr lang="en-US" sz="2400" dirty="0" smtClean="0"/>
               <a:t>Research</a:t>
             </a:r>
           </a:p>
@@ -8655,13 +8215,7 @@
               <a:buFont typeface="Arial" panose="020B0604020202020204" pitchFamily="34" charset="0"/>
               <a:buChar char="•"/>
             </a:pPr>
-            <a:endParaRPr lang="en-US" dirty="0">
-              <a:solidFill>
-                <a:schemeClr val="tx1">
-                  <a:lumMod val="85000"/>
-                </a:schemeClr>
-              </a:solidFill>
-            </a:endParaRPr>
+            <a:endParaRPr lang="en-US" sz="2400" dirty="0"/>
           </a:p>
           <a:p>
             <a:pPr marL="285750" indent="-285750">
@@ -8669,13 +8223,7 @@
               <a:buChar char="•"/>
             </a:pPr>
             <a:r>
-              <a:rPr lang="en-US" dirty="0" smtClean="0">
-                <a:solidFill>
-                  <a:schemeClr val="tx1">
-                    <a:lumMod val="85000"/>
-                  </a:schemeClr>
-                </a:solidFill>
-              </a:rPr>
+              <a:rPr lang="en-US" sz="2400" dirty="0" smtClean="0"/>
               <a:t>Establish proof of Concept</a:t>
             </a:r>
           </a:p>
@@ -8684,13 +8232,7 @@
               <a:buFont typeface="Arial" panose="020B0604020202020204" pitchFamily="34" charset="0"/>
               <a:buChar char="•"/>
             </a:pPr>
-            <a:endParaRPr lang="en-US" dirty="0">
-              <a:solidFill>
-                <a:schemeClr val="tx1">
-                  <a:lumMod val="85000"/>
-                </a:schemeClr>
-              </a:solidFill>
-            </a:endParaRPr>
+            <a:endParaRPr lang="en-US" sz="2400" dirty="0"/>
           </a:p>
         </p:txBody>
       </p:sp>
@@ -8767,8 +8309,8 @@
         </p:nvSpPr>
         <p:spPr>
           <a:xfrm>
-            <a:off x="636915" y="2021489"/>
-            <a:ext cx="8001247" cy="646331"/>
+            <a:off x="170401" y="1869911"/>
+            <a:ext cx="8001247" cy="1200329"/>
           </a:xfrm>
           <a:prstGeom prst="rect">
             <a:avLst/>
@@ -8786,14 +8328,12 @@
               <a:buChar char="•"/>
             </a:pPr>
             <a:r>
-              <a:rPr lang="en-US" dirty="0" smtClean="0">
-                <a:solidFill>
-                  <a:schemeClr val="tx1">
-                    <a:lumMod val="85000"/>
-                  </a:schemeClr>
-                </a:solidFill>
-              </a:rPr>
-              <a:t>Snow White and the seven dwarfs</a:t>
+              <a:rPr lang="en-US" sz="2400" dirty="0" smtClean="0"/>
+              <a:t>Snow White and the seven </a:t>
+            </a:r>
+            <a:r>
+              <a:rPr lang="en-US" sz="2400" dirty="0" smtClean="0"/>
+              <a:t>dwarfs</a:t>
             </a:r>
           </a:p>
           <a:p>
@@ -8801,43 +8341,18 @@
               <a:buFont typeface="Arial" panose="020B0604020202020204" pitchFamily="34" charset="0"/>
               <a:buChar char="•"/>
             </a:pPr>
-            <a:r>
-              <a:rPr lang="en-US" dirty="0" smtClean="0">
-                <a:solidFill>
-                  <a:schemeClr val="tx1">
-                    <a:lumMod val="85000"/>
-                  </a:schemeClr>
-                </a:solidFill>
-              </a:rPr>
-              <a:t>ODROID Ux</a:t>
-            </a:r>
-            <a:r>
-              <a:rPr lang="en-US" dirty="0">
-                <a:solidFill>
-                  <a:schemeClr val="tx1">
-                    <a:lumMod val="85000"/>
-                  </a:schemeClr>
-                </a:solidFill>
-              </a:rPr>
-              <a:t>4</a:t>
-            </a:r>
-            <a:r>
-              <a:rPr lang="en-US" dirty="0" smtClean="0">
-                <a:solidFill>
-                  <a:schemeClr val="tx1">
-                    <a:lumMod val="85000"/>
-                  </a:schemeClr>
-                </a:solidFill>
-              </a:rPr>
-              <a:t> </a:t>
-            </a:r>
-            <a:endParaRPr lang="en-US" dirty="0">
-              <a:solidFill>
-                <a:schemeClr val="tx1">
-                  <a:lumMod val="85000"/>
-                </a:schemeClr>
-              </a:solidFill>
-            </a:endParaRPr>
+            <a:endParaRPr lang="en-US" sz="2400" dirty="0" smtClean="0"/>
+          </a:p>
+          <a:p>
+            <a:pPr marL="285750" indent="-285750">
+              <a:buFont typeface="Arial" panose="020B0604020202020204" pitchFamily="34" charset="0"/>
+              <a:buChar char="•"/>
+            </a:pPr>
+            <a:r>
+              <a:rPr lang="en-US" sz="2400" dirty="0" smtClean="0"/>
+              <a:t>ODROID XU4 </a:t>
+            </a:r>
+            <a:endParaRPr lang="en-US" sz="2400" dirty="0"/>
           </a:p>
         </p:txBody>
       </p:sp>
@@ -9365,8 +8880,8 @@
         </p:nvSpPr>
         <p:spPr>
           <a:xfrm>
-            <a:off x="586935" y="1539132"/>
-            <a:ext cx="8001247" cy="3693319"/>
+            <a:off x="586935" y="1135793"/>
+            <a:ext cx="8001247" cy="4616648"/>
           </a:xfrm>
           <a:prstGeom prst="rect">
             <a:avLst/>
@@ -9396,13 +8911,7 @@
               <a:buFont typeface="Arial" panose="020B0604020202020204" pitchFamily="34" charset="0"/>
               <a:buChar char="•"/>
             </a:pPr>
-            <a:endParaRPr lang="en-US" dirty="0" smtClean="0">
-              <a:solidFill>
-                <a:schemeClr val="tx1">
-                  <a:lumMod val="85000"/>
-                </a:schemeClr>
-              </a:solidFill>
-            </a:endParaRPr>
+            <a:endParaRPr lang="en-US" sz="2400" dirty="0" smtClean="0"/>
           </a:p>
           <a:p>
             <a:pPr marL="285750" indent="-285750">
@@ -9410,13 +8919,7 @@
               <a:buChar char="•"/>
             </a:pPr>
             <a:r>
-              <a:rPr lang="en-US" dirty="0" smtClean="0">
-                <a:solidFill>
-                  <a:schemeClr val="tx1">
-                    <a:lumMod val="85000"/>
-                  </a:schemeClr>
-                </a:solidFill>
-              </a:rPr>
+              <a:rPr lang="en-US" sz="2400" dirty="0" smtClean="0"/>
               <a:t>Configure network</a:t>
             </a:r>
           </a:p>
@@ -9425,13 +8928,7 @@
               <a:buFont typeface="Arial" panose="020B0604020202020204" pitchFamily="34" charset="0"/>
               <a:buChar char="•"/>
             </a:pPr>
-            <a:endParaRPr lang="en-US" dirty="0" smtClean="0">
-              <a:solidFill>
-                <a:schemeClr val="tx1">
-                  <a:lumMod val="85000"/>
-                </a:schemeClr>
-              </a:solidFill>
-            </a:endParaRPr>
+            <a:endParaRPr lang="en-US" sz="2400" dirty="0" smtClean="0"/>
           </a:p>
           <a:p>
             <a:pPr marL="285750" indent="-285750">
@@ -9439,13 +8936,7 @@
               <a:buChar char="•"/>
             </a:pPr>
             <a:r>
-              <a:rPr lang="en-US" dirty="0" smtClean="0">
-                <a:solidFill>
-                  <a:schemeClr val="tx1">
-                    <a:lumMod val="85000"/>
-                  </a:schemeClr>
-                </a:solidFill>
-              </a:rPr>
+              <a:rPr lang="en-US" sz="2400" dirty="0" smtClean="0"/>
               <a:t>NFS share</a:t>
             </a:r>
           </a:p>
@@ -9454,13 +8945,7 @@
               <a:buFont typeface="Arial" panose="020B0604020202020204" pitchFamily="34" charset="0"/>
               <a:buChar char="•"/>
             </a:pPr>
-            <a:endParaRPr lang="en-US" dirty="0">
-              <a:solidFill>
-                <a:schemeClr val="tx1">
-                  <a:lumMod val="85000"/>
-                </a:schemeClr>
-              </a:solidFill>
-            </a:endParaRPr>
+            <a:endParaRPr lang="en-US" sz="2400" dirty="0"/>
           </a:p>
           <a:p>
             <a:pPr marL="285750" indent="-285750">
@@ -9468,44 +8953,20 @@
               <a:buChar char="•"/>
             </a:pPr>
             <a:r>
-              <a:rPr lang="en-US" dirty="0" smtClean="0">
-                <a:solidFill>
-                  <a:schemeClr val="tx1">
-                    <a:lumMod val="85000"/>
-                  </a:schemeClr>
-                </a:solidFill>
-              </a:rPr>
+              <a:rPr lang="en-US" sz="2400" dirty="0" smtClean="0"/>
               <a:t>Configure </a:t>
             </a:r>
             <a:r>
-              <a:rPr lang="en-US" dirty="0" err="1" smtClean="0">
-                <a:solidFill>
-                  <a:schemeClr val="tx1">
-                    <a:lumMod val="85000"/>
-                  </a:schemeClr>
-                </a:solidFill>
-              </a:rPr>
+              <a:rPr lang="en-US" sz="2400" dirty="0" err="1" smtClean="0"/>
               <a:t>sudo</a:t>
             </a:r>
             <a:r>
-              <a:rPr lang="en-US" dirty="0" smtClean="0">
-                <a:solidFill>
-                  <a:schemeClr val="tx1">
-                    <a:lumMod val="85000"/>
-                  </a:schemeClr>
-                </a:solidFill>
-              </a:rPr>
+              <a:rPr lang="en-US" sz="2400" dirty="0" smtClean="0"/>
               <a:t> </a:t>
             </a:r>
           </a:p>
           <a:p>
-            <a:endParaRPr lang="en-US" dirty="0">
-              <a:solidFill>
-                <a:schemeClr val="tx1">
-                  <a:lumMod val="85000"/>
-                </a:schemeClr>
-              </a:solidFill>
-            </a:endParaRPr>
+            <a:endParaRPr lang="en-US" sz="2400" dirty="0"/>
           </a:p>
           <a:p>
             <a:pPr marL="285750" indent="-285750">
@@ -9513,13 +8974,7 @@
               <a:buChar char="•"/>
             </a:pPr>
             <a:r>
-              <a:rPr lang="en-US" dirty="0" smtClean="0">
-                <a:solidFill>
-                  <a:schemeClr val="tx1">
-                    <a:lumMod val="85000"/>
-                  </a:schemeClr>
-                </a:solidFill>
-              </a:rPr>
+              <a:rPr lang="en-US" sz="2400" dirty="0" smtClean="0"/>
               <a:t>Host name</a:t>
             </a:r>
           </a:p>
@@ -9528,13 +8983,7 @@
               <a:buFont typeface="Arial" panose="020B0604020202020204" pitchFamily="34" charset="0"/>
               <a:buChar char="•"/>
             </a:pPr>
-            <a:endParaRPr lang="en-US" dirty="0" smtClean="0">
-              <a:solidFill>
-                <a:schemeClr val="tx1">
-                  <a:lumMod val="85000"/>
-                </a:schemeClr>
-              </a:solidFill>
-            </a:endParaRPr>
+            <a:endParaRPr lang="en-US" sz="2400" dirty="0" smtClean="0"/>
           </a:p>
           <a:p>
             <a:pPr marL="285750" indent="-285750">
@@ -9542,23 +8991,11 @@
               <a:buChar char="•"/>
             </a:pPr>
             <a:r>
-              <a:rPr lang="en-US" dirty="0" err="1" smtClean="0">
-                <a:solidFill>
-                  <a:schemeClr val="tx1">
-                    <a:lumMod val="85000"/>
-                  </a:schemeClr>
-                </a:solidFill>
-              </a:rPr>
+              <a:rPr lang="en-US" sz="2400" dirty="0" err="1" smtClean="0"/>
               <a:t>ssh</a:t>
             </a:r>
             <a:r>
-              <a:rPr lang="en-US" dirty="0" smtClean="0">
-                <a:solidFill>
-                  <a:schemeClr val="tx1">
-                    <a:lumMod val="85000"/>
-                  </a:schemeClr>
-                </a:solidFill>
-              </a:rPr>
+              <a:rPr lang="en-US" sz="2400" dirty="0" smtClean="0"/>
               <a:t> configure</a:t>
             </a:r>
           </a:p>
@@ -9682,13 +9119,7 @@
               <a:buChar char="•"/>
             </a:pPr>
             <a:r>
-              <a:rPr lang="en-US" dirty="0" smtClean="0">
-                <a:solidFill>
-                  <a:schemeClr val="tx1">
-                    <a:lumMod val="85000"/>
-                  </a:schemeClr>
-                </a:solidFill>
-              </a:rPr>
+              <a:rPr lang="en-US" sz="2400" dirty="0" smtClean="0"/>
               <a:t>Trello</a:t>
             </a:r>
           </a:p>
@@ -9697,13 +9128,7 @@
               <a:buFont typeface="Arial" panose="020B0604020202020204" pitchFamily="34" charset="0"/>
               <a:buChar char="•"/>
             </a:pPr>
-            <a:endParaRPr lang="en-US" dirty="0" smtClean="0">
-              <a:solidFill>
-                <a:schemeClr val="tx1">
-                  <a:lumMod val="85000"/>
-                </a:schemeClr>
-              </a:solidFill>
-            </a:endParaRPr>
+            <a:endParaRPr lang="en-US" sz="2400" dirty="0" smtClean="0"/>
           </a:p>
           <a:p>
             <a:pPr marL="285750" indent="-285750">
@@ -9711,35 +9136,17 @@
               <a:buChar char="•"/>
             </a:pPr>
             <a:r>
-              <a:rPr lang="en-US" dirty="0" err="1" smtClean="0">
-                <a:solidFill>
-                  <a:schemeClr val="tx1">
-                    <a:lumMod val="85000"/>
-                  </a:schemeClr>
-                </a:solidFill>
-              </a:rPr>
+              <a:rPr lang="en-US" sz="2400" dirty="0" err="1" smtClean="0"/>
               <a:t>Github</a:t>
             </a:r>
-            <a:endParaRPr lang="en-US" dirty="0" smtClean="0">
-              <a:solidFill>
-                <a:schemeClr val="tx1">
-                  <a:lumMod val="85000"/>
-                </a:schemeClr>
-              </a:solidFill>
-            </a:endParaRPr>
+            <a:endParaRPr lang="en-US" sz="2400" dirty="0" smtClean="0"/>
           </a:p>
           <a:p>
             <a:pPr marL="285750" indent="-285750">
               <a:buFont typeface="Arial" panose="020B0604020202020204" pitchFamily="34" charset="0"/>
               <a:buChar char="•"/>
             </a:pPr>
-            <a:endParaRPr lang="en-US" dirty="0">
-              <a:solidFill>
-                <a:schemeClr val="tx1">
-                  <a:lumMod val="85000"/>
-                </a:schemeClr>
-              </a:solidFill>
-            </a:endParaRPr>
+            <a:endParaRPr lang="en-US" sz="2400" dirty="0"/>
           </a:p>
           <a:p>
             <a:pPr marL="285750" indent="-285750">
@@ -9747,24 +9154,12 @@
               <a:buChar char="•"/>
             </a:pPr>
             <a:r>
-              <a:rPr lang="en-US" dirty="0" smtClean="0">
-                <a:solidFill>
-                  <a:schemeClr val="tx1">
-                    <a:lumMod val="85000"/>
-                  </a:schemeClr>
-                </a:solidFill>
-              </a:rPr>
+              <a:rPr lang="en-US" sz="2400" dirty="0" smtClean="0"/>
               <a:t>LINPACK</a:t>
             </a:r>
           </a:p>
           <a:p>
-            <a:endParaRPr lang="en-US" dirty="0">
-              <a:solidFill>
-                <a:schemeClr val="tx1">
-                  <a:lumMod val="85000"/>
-                </a:schemeClr>
-              </a:solidFill>
-            </a:endParaRPr>
+            <a:endParaRPr lang="en-US" sz="2400" dirty="0"/>
           </a:p>
           <a:p>
             <a:pPr marL="285750" indent="-285750">
@@ -9772,24 +9167,12 @@
               <a:buChar char="•"/>
             </a:pPr>
             <a:r>
-              <a:rPr lang="en-US" dirty="0" smtClean="0">
-                <a:solidFill>
-                  <a:schemeClr val="tx1">
-                    <a:lumMod val="85000"/>
-                  </a:schemeClr>
-                </a:solidFill>
-              </a:rPr>
+              <a:rPr lang="en-US" sz="2400" dirty="0" smtClean="0"/>
               <a:t>MPI</a:t>
             </a:r>
           </a:p>
           <a:p>
-            <a:endParaRPr lang="en-US" dirty="0">
-              <a:solidFill>
-                <a:schemeClr val="tx1">
-                  <a:lumMod val="85000"/>
-                </a:schemeClr>
-              </a:solidFill>
-            </a:endParaRPr>
+            <a:endParaRPr lang="en-US" sz="2400" dirty="0"/>
           </a:p>
           <a:p>
             <a:pPr marL="285750" indent="-285750">
@@ -9797,106 +9180,74 @@
               <a:buChar char="•"/>
             </a:pPr>
             <a:r>
-              <a:rPr lang="en-US" dirty="0" smtClean="0">
-                <a:solidFill>
-                  <a:schemeClr val="tx1">
-                    <a:lumMod val="85000"/>
-                  </a:schemeClr>
-                </a:solidFill>
-              </a:rPr>
+              <a:rPr lang="en-US" sz="2400" dirty="0" smtClean="0"/>
               <a:t>Python</a:t>
             </a:r>
+            <a:endParaRPr lang="en-US" sz="2400" dirty="0" smtClean="0"/>
+          </a:p>
+          <a:p>
+            <a:endParaRPr lang="en-US" sz="2400" dirty="0" smtClean="0"/>
+          </a:p>
+          <a:p>
+            <a:endParaRPr lang="en-US" sz="2400" dirty="0" smtClean="0"/>
           </a:p>
           <a:p>
             <a:pPr marL="285750" indent="-285750">
               <a:buFont typeface="Arial" panose="020B0604020202020204" pitchFamily="34" charset="0"/>
               <a:buChar char="•"/>
             </a:pPr>
-            <a:endParaRPr lang="en-US" dirty="0">
-              <a:solidFill>
-                <a:schemeClr val="tx1">
-                  <a:lumMod val="85000"/>
-                </a:schemeClr>
-              </a:solidFill>
-            </a:endParaRPr>
+            <a:endParaRPr lang="en-US" sz="2400" dirty="0"/>
           </a:p>
           <a:p>
             <a:pPr marL="285750" indent="-285750">
               <a:buFont typeface="Arial" panose="020B0604020202020204" pitchFamily="34" charset="0"/>
               <a:buChar char="•"/>
             </a:pPr>
-            <a:endParaRPr lang="en-US" dirty="0" smtClean="0">
-              <a:solidFill>
-                <a:schemeClr val="tx1">
-                  <a:lumMod val="85000"/>
-                </a:schemeClr>
-              </a:solidFill>
-            </a:endParaRPr>
+            <a:r>
+              <a:rPr lang="en-US" sz="2400" dirty="0" smtClean="0"/>
+              <a:t>C++</a:t>
+            </a:r>
           </a:p>
           <a:p>
             <a:pPr marL="285750" indent="-285750">
               <a:buFont typeface="Arial" panose="020B0604020202020204" pitchFamily="34" charset="0"/>
               <a:buChar char="•"/>
             </a:pPr>
-            <a:endParaRPr lang="en-US" dirty="0">
-              <a:solidFill>
-                <a:schemeClr val="tx1">
-                  <a:lumMod val="85000"/>
-                </a:schemeClr>
-              </a:solidFill>
-            </a:endParaRPr>
+            <a:endParaRPr lang="en-US" sz="2400" dirty="0"/>
           </a:p>
           <a:p>
             <a:pPr marL="285750" indent="-285750">
               <a:buFont typeface="Arial" panose="020B0604020202020204" pitchFamily="34" charset="0"/>
               <a:buChar char="•"/>
             </a:pPr>
-            <a:endParaRPr lang="en-US" dirty="0" smtClean="0">
-              <a:solidFill>
-                <a:schemeClr val="tx1">
-                  <a:lumMod val="85000"/>
-                </a:schemeClr>
-              </a:solidFill>
-            </a:endParaRPr>
+            <a:r>
+              <a:rPr lang="en-US" sz="2400" dirty="0" smtClean="0"/>
+              <a:t>Bash</a:t>
+            </a:r>
           </a:p>
           <a:p>
             <a:pPr marL="285750" indent="-285750">
               <a:buFont typeface="Arial" panose="020B0604020202020204" pitchFamily="34" charset="0"/>
               <a:buChar char="•"/>
             </a:pPr>
-            <a:endParaRPr lang="en-US" dirty="0">
-              <a:solidFill>
-                <a:schemeClr val="tx1">
-                  <a:lumMod val="85000"/>
-                </a:schemeClr>
-              </a:solidFill>
-            </a:endParaRPr>
+            <a:endParaRPr lang="en-US" sz="2400" dirty="0"/>
           </a:p>
           <a:p>
             <a:pPr marL="285750" indent="-285750">
               <a:buFont typeface="Arial" panose="020B0604020202020204" pitchFamily="34" charset="0"/>
               <a:buChar char="•"/>
             </a:pPr>
-            <a:endParaRPr lang="en-US" dirty="0" smtClean="0">
-              <a:solidFill>
-                <a:schemeClr val="tx1">
-                  <a:lumMod val="85000"/>
-                </a:schemeClr>
-              </a:solidFill>
-            </a:endParaRPr>
+            <a:r>
+              <a:rPr lang="en-US" sz="2400" dirty="0" smtClean="0"/>
+              <a:t>Linux</a:t>
+            </a:r>
           </a:p>
           <a:p>
             <a:pPr marL="285750" indent="-285750">
               <a:buFont typeface="Arial" panose="020B0604020202020204" pitchFamily="34" charset="0"/>
               <a:buChar char="•"/>
             </a:pPr>
-            <a:endParaRPr lang="en-US" dirty="0">
-              <a:solidFill>
-                <a:schemeClr val="tx1">
-                  <a:lumMod val="85000"/>
-                </a:schemeClr>
-              </a:solidFill>
-            </a:endParaRPr>
+            <a:endParaRPr lang="en-US" sz="2400" dirty="0"/>
           </a:p>
           <a:p>
             <a:pPr marL="285750" indent="-285750">
@@ -9904,24 +9255,8 @@
               <a:buChar char="•"/>
             </a:pPr>
             <a:r>
-              <a:rPr lang="en-US" dirty="0" smtClean="0">
-                <a:solidFill>
-                  <a:schemeClr val="tx1">
-                    <a:lumMod val="85000"/>
-                  </a:schemeClr>
-                </a:solidFill>
-              </a:rPr>
-              <a:t>C</a:t>
-            </a:r>
-            <a:r>
-              <a:rPr lang="en-US" dirty="0" smtClean="0">
-                <a:solidFill>
-                  <a:schemeClr val="tx1">
-                    <a:lumMod val="85000"/>
-                  </a:schemeClr>
-                </a:solidFill>
-              </a:rPr>
-              <a:t>++</a:t>
+              <a:rPr lang="en-US" sz="2400" dirty="0" smtClean="0"/>
+              <a:t>Screwdriver</a:t>
             </a:r>
           </a:p>
           <a:p>
@@ -9929,107 +9264,7 @@
               <a:buFont typeface="Arial" panose="020B0604020202020204" pitchFamily="34" charset="0"/>
               <a:buChar char="•"/>
             </a:pPr>
-            <a:endParaRPr lang="en-US" dirty="0">
-              <a:solidFill>
-                <a:schemeClr val="tx1">
-                  <a:lumMod val="85000"/>
-                </a:schemeClr>
-              </a:solidFill>
-            </a:endParaRPr>
-          </a:p>
-          <a:p>
-            <a:pPr marL="285750" indent="-285750">
-              <a:buFont typeface="Arial" panose="020B0604020202020204" pitchFamily="34" charset="0"/>
-              <a:buChar char="•"/>
-            </a:pPr>
-            <a:r>
-              <a:rPr lang="en-US" dirty="0" smtClean="0">
-                <a:solidFill>
-                  <a:schemeClr val="tx1">
-                    <a:lumMod val="85000"/>
-                  </a:schemeClr>
-                </a:solidFill>
-              </a:rPr>
-              <a:t>Bash</a:t>
-            </a:r>
-          </a:p>
-          <a:p>
-            <a:pPr marL="285750" indent="-285750">
-              <a:buFont typeface="Arial" panose="020B0604020202020204" pitchFamily="34" charset="0"/>
-              <a:buChar char="•"/>
-            </a:pPr>
-            <a:endParaRPr lang="en-US" dirty="0">
-              <a:solidFill>
-                <a:schemeClr val="tx1">
-                  <a:lumMod val="85000"/>
-                </a:schemeClr>
-              </a:solidFill>
-            </a:endParaRPr>
-          </a:p>
-          <a:p>
-            <a:pPr marL="285750" indent="-285750">
-              <a:buFont typeface="Arial" panose="020B0604020202020204" pitchFamily="34" charset="0"/>
-              <a:buChar char="•"/>
-            </a:pPr>
-            <a:r>
-              <a:rPr lang="en-US" dirty="0" smtClean="0">
-                <a:solidFill>
-                  <a:schemeClr val="tx1">
-                    <a:lumMod val="85000"/>
-                  </a:schemeClr>
-                </a:solidFill>
-              </a:rPr>
-              <a:t>Linux</a:t>
-            </a:r>
-          </a:p>
-          <a:p>
-            <a:pPr marL="285750" indent="-285750">
-              <a:buFont typeface="Arial" panose="020B0604020202020204" pitchFamily="34" charset="0"/>
-              <a:buChar char="•"/>
-            </a:pPr>
-            <a:endParaRPr lang="en-US" dirty="0">
-              <a:solidFill>
-                <a:schemeClr val="tx1">
-                  <a:lumMod val="85000"/>
-                </a:schemeClr>
-              </a:solidFill>
-            </a:endParaRPr>
-          </a:p>
-          <a:p>
-            <a:pPr marL="285750" indent="-285750">
-              <a:buFont typeface="Arial" panose="020B0604020202020204" pitchFamily="34" charset="0"/>
-              <a:buChar char="•"/>
-            </a:pPr>
-            <a:r>
-              <a:rPr lang="en-US" dirty="0" smtClean="0">
-                <a:solidFill>
-                  <a:schemeClr val="tx1">
-                    <a:lumMod val="85000"/>
-                  </a:schemeClr>
-                </a:solidFill>
-              </a:rPr>
-              <a:t>Screwdriver</a:t>
-            </a:r>
-            <a:endParaRPr lang="en-US" dirty="0" smtClean="0">
-              <a:solidFill>
-                <a:schemeClr val="tx1">
-                  <a:lumMod val="85000"/>
-                </a:schemeClr>
-              </a:solidFill>
-            </a:endParaRPr>
-          </a:p>
-          <a:p>
-            <a:pPr marL="285750" indent="-285750">
-              <a:buFont typeface="Arial" panose="020B0604020202020204" pitchFamily="34" charset="0"/>
-              <a:buChar char="•"/>
-            </a:pPr>
-            <a:endParaRPr lang="en-US" dirty="0">
-              <a:solidFill>
-                <a:schemeClr val="tx1">
-                  <a:lumMod val="85000"/>
-                </a:schemeClr>
-              </a:solidFill>
-            </a:endParaRPr>
+            <a:endParaRPr lang="en-US" sz="2400" dirty="0"/>
           </a:p>
         </p:txBody>
       </p:sp>
@@ -10107,7 +9342,7 @@
         <p:spPr>
           <a:xfrm>
             <a:off x="586935" y="2040634"/>
-            <a:ext cx="1906883" cy="2308324"/>
+            <a:ext cx="2284172" cy="3046988"/>
           </a:xfrm>
           <a:prstGeom prst="rect">
             <a:avLst/>
@@ -10125,58 +9360,34 @@
               <a:buChar char="•"/>
             </a:pPr>
             <a:r>
-              <a:rPr lang="en-US" dirty="0" smtClean="0">
-                <a:solidFill>
-                  <a:schemeClr val="tx1">
-                    <a:lumMod val="85000"/>
-                  </a:schemeClr>
-                </a:solidFill>
-              </a:rPr>
-              <a:t>Ping </a:t>
-            </a:r>
-            <a:r>
-              <a:rPr lang="en-US" dirty="0" smtClean="0">
-                <a:solidFill>
-                  <a:schemeClr val="tx1">
-                    <a:lumMod val="85000"/>
-                  </a:schemeClr>
-                </a:solidFill>
-              </a:rPr>
-              <a:t>Pong</a:t>
-            </a:r>
-            <a:endParaRPr lang="en-US" dirty="0">
-              <a:solidFill>
-                <a:schemeClr val="tx1">
-                  <a:lumMod val="85000"/>
-                </a:schemeClr>
-              </a:solidFill>
-            </a:endParaRPr>
+              <a:rPr lang="en-US" sz="2400" dirty="0" smtClean="0"/>
+              <a:t>Ping Pong</a:t>
+            </a:r>
+            <a:endParaRPr lang="en-US" sz="2400" dirty="0"/>
+          </a:p>
+          <a:p>
+            <a:endParaRPr lang="en-US" sz="2400" dirty="0" smtClean="0"/>
           </a:p>
           <a:p>
             <a:pPr marL="285750" indent="-285750">
               <a:buFont typeface="Arial" panose="020B0604020202020204" pitchFamily="34" charset="0"/>
               <a:buChar char="•"/>
             </a:pPr>
-            <a:endParaRPr lang="en-US" dirty="0" smtClean="0">
-              <a:solidFill>
-                <a:schemeClr val="tx1">
-                  <a:lumMod val="85000"/>
-                </a:schemeClr>
-              </a:solidFill>
-            </a:endParaRPr>
+            <a:endParaRPr lang="en-US" sz="2400" dirty="0" smtClean="0"/>
           </a:p>
           <a:p>
             <a:pPr marL="285750" indent="-285750">
               <a:buFont typeface="Arial" panose="020B0604020202020204" pitchFamily="34" charset="0"/>
               <a:buChar char="•"/>
             </a:pPr>
-            <a:endParaRPr lang="en-US" dirty="0" smtClean="0">
-              <a:solidFill>
-                <a:schemeClr val="tx1">
-                  <a:lumMod val="85000"/>
-                </a:schemeClr>
-              </a:solidFill>
-            </a:endParaRPr>
+            <a:r>
+              <a:rPr lang="en-US" sz="2400" dirty="0" smtClean="0"/>
+              <a:t>Hello</a:t>
+            </a:r>
+            <a:endParaRPr lang="en-US" sz="2400" dirty="0" smtClean="0"/>
+          </a:p>
+          <a:p>
+            <a:endParaRPr lang="en-US" sz="2400" dirty="0"/>
           </a:p>
           <a:p>
             <a:pPr marL="285750" indent="-285750">
@@ -10184,76 +9395,26 @@
               <a:buChar char="•"/>
             </a:pPr>
             <a:r>
-              <a:rPr lang="en-US" dirty="0" smtClean="0">
-                <a:solidFill>
-                  <a:schemeClr val="tx1">
-                    <a:lumMod val="85000"/>
-                  </a:schemeClr>
-                </a:solidFill>
-              </a:rPr>
-              <a:t>Hello</a:t>
-            </a:r>
-          </a:p>
-          <a:p>
-            <a:endParaRPr lang="en-US" dirty="0">
-              <a:solidFill>
-                <a:schemeClr val="tx1">
-                  <a:lumMod val="85000"/>
-                </a:schemeClr>
-              </a:solidFill>
-            </a:endParaRPr>
+              <a:rPr lang="en-US" sz="2400" dirty="0" smtClean="0"/>
+              <a:t>Switch test</a:t>
+            </a:r>
           </a:p>
           <a:p>
             <a:pPr marL="285750" indent="-285750">
               <a:buFont typeface="Arial" panose="020B0604020202020204" pitchFamily="34" charset="0"/>
               <a:buChar char="•"/>
             </a:pPr>
-            <a:r>
-              <a:rPr lang="en-US" dirty="0" smtClean="0">
-                <a:solidFill>
-                  <a:schemeClr val="tx1">
-                    <a:lumMod val="85000"/>
-                  </a:schemeClr>
-                </a:solidFill>
-              </a:rPr>
-              <a:t>Switch test</a:t>
-            </a:r>
+            <a:endParaRPr lang="en-US" sz="2400" dirty="0"/>
           </a:p>
           <a:p>
             <a:pPr marL="285750" indent="-285750">
               <a:buFont typeface="Arial" panose="020B0604020202020204" pitchFamily="34" charset="0"/>
               <a:buChar char="•"/>
             </a:pPr>
-            <a:endParaRPr lang="en-US" dirty="0">
-              <a:solidFill>
-                <a:schemeClr val="tx1">
-                  <a:lumMod val="85000"/>
-                </a:schemeClr>
-              </a:solidFill>
-            </a:endParaRPr>
-          </a:p>
-          <a:p>
-            <a:pPr marL="285750" indent="-285750">
-              <a:buFont typeface="Arial" panose="020B0604020202020204" pitchFamily="34" charset="0"/>
-              <a:buChar char="•"/>
-            </a:pPr>
-            <a:r>
-              <a:rPr lang="en-US" dirty="0" smtClean="0">
-                <a:solidFill>
-                  <a:schemeClr val="tx1">
-                    <a:lumMod val="85000"/>
-                  </a:schemeClr>
-                </a:solidFill>
-              </a:rPr>
+            <a:r>
+              <a:rPr lang="en-US" sz="2400" dirty="0" smtClean="0"/>
               <a:t>LINPACK</a:t>
             </a:r>
-            <a:endParaRPr lang="en-US" dirty="0" smtClean="0">
-              <a:solidFill>
-                <a:schemeClr val="tx1">
-                  <a:lumMod val="85000"/>
-                </a:schemeClr>
-              </a:solidFill>
-            </a:endParaRPr>
           </a:p>
         </p:txBody>
       </p:sp>
@@ -10357,7 +9518,7 @@
           </a:lstStyle>
           <a:p>
             <a:r>
-              <a:rPr lang="en-US" sz="2400" dirty="0" smtClean="0"/>
+              <a:rPr lang="en-US" sz="2800" dirty="0" smtClean="0"/>
               <a:t>tests</a:t>
             </a:r>
             <a:endParaRPr lang="en-US" sz="2400" dirty="0"/>
@@ -10477,7 +9638,7 @@
         </p:nvSpPr>
         <p:spPr>
           <a:xfrm>
-            <a:off x="2871107" y="1221754"/>
+            <a:off x="3088253" y="1188314"/>
             <a:ext cx="3155619" cy="1335146"/>
           </a:xfrm>
           <a:prstGeom prst="rect">
@@ -10567,10 +9728,10 @@
           </a:lstStyle>
           <a:p>
             <a:r>
-              <a:rPr lang="en-US" sz="2400" dirty="0" smtClean="0"/>
+              <a:rPr lang="en-US" sz="2800" dirty="0" smtClean="0"/>
               <a:t>Purpose of test</a:t>
             </a:r>
-            <a:endParaRPr lang="en-US" sz="2400" dirty="0"/>
+            <a:endParaRPr lang="en-US" sz="2800" dirty="0"/>
           </a:p>
         </p:txBody>
       </p:sp>
@@ -10582,8 +9743,8 @@
         </p:nvSpPr>
         <p:spPr>
           <a:xfrm>
-            <a:off x="2840030" y="2040634"/>
-            <a:ext cx="5961070" cy="3139321"/>
+            <a:off x="3088253" y="2042606"/>
+            <a:ext cx="7045098" cy="4154984"/>
           </a:xfrm>
           <a:prstGeom prst="rect">
             <a:avLst/>
@@ -10601,24 +9762,12 @@
               <a:buChar char="•"/>
             </a:pPr>
             <a:r>
-              <a:rPr lang="en-US" dirty="0" smtClean="0">
-                <a:solidFill>
-                  <a:schemeClr val="tx1">
-                    <a:lumMod val="85000"/>
-                  </a:schemeClr>
-                </a:solidFill>
-              </a:rPr>
+              <a:rPr lang="en-US" sz="2400" dirty="0" smtClean="0"/>
               <a:t>Pinging tests if the devices can communicate with each other</a:t>
             </a:r>
           </a:p>
           <a:p>
-            <a:endParaRPr lang="en-US" dirty="0" smtClean="0">
-              <a:solidFill>
-                <a:schemeClr val="tx1">
-                  <a:lumMod val="85000"/>
-                </a:schemeClr>
-              </a:solidFill>
-            </a:endParaRPr>
+            <a:endParaRPr lang="en-US" sz="2400" dirty="0" smtClean="0"/>
           </a:p>
           <a:p>
             <a:pPr marL="285750" indent="-285750">
@@ -10626,13 +9775,7 @@
               <a:buChar char="•"/>
             </a:pPr>
             <a:r>
-              <a:rPr lang="en-US" dirty="0" smtClean="0">
-                <a:solidFill>
-                  <a:schemeClr val="tx1">
-                    <a:lumMod val="85000"/>
-                  </a:schemeClr>
-                </a:solidFill>
-              </a:rPr>
+              <a:rPr lang="en-US" sz="2400" dirty="0" smtClean="0"/>
               <a:t>Tests all the ODRIODs’ communication</a:t>
             </a:r>
           </a:p>
@@ -10641,13 +9784,7 @@
               <a:buFont typeface="Arial" panose="020B0604020202020204" pitchFamily="34" charset="0"/>
               <a:buChar char="•"/>
             </a:pPr>
-            <a:endParaRPr lang="en-US" dirty="0">
-              <a:solidFill>
-                <a:schemeClr val="tx1">
-                  <a:lumMod val="85000"/>
-                </a:schemeClr>
-              </a:solidFill>
-            </a:endParaRPr>
+            <a:endParaRPr lang="en-US" sz="2400" dirty="0"/>
           </a:p>
           <a:p>
             <a:pPr marL="285750" indent="-285750">
@@ -10655,24 +9792,8 @@
               <a:buChar char="•"/>
             </a:pPr>
             <a:r>
-              <a:rPr lang="en-US" dirty="0" smtClean="0">
-                <a:solidFill>
-                  <a:schemeClr val="tx1">
-                    <a:lumMod val="85000"/>
-                  </a:schemeClr>
-                </a:solidFill>
-              </a:rPr>
-              <a:t>Tests the </a:t>
-            </a:r>
-            <a:r>
-              <a:rPr lang="en-US" dirty="0" smtClean="0">
-                <a:solidFill>
-                  <a:schemeClr val="tx1">
-                    <a:lumMod val="85000"/>
-                  </a:schemeClr>
-                </a:solidFill>
-              </a:rPr>
-              <a:t>network</a:t>
+              <a:rPr lang="en-US" sz="2400" dirty="0" smtClean="0"/>
+              <a:t>Tests the network</a:t>
             </a:r>
           </a:p>
           <a:p>
@@ -10680,13 +9801,7 @@
               <a:buFont typeface="Arial" panose="020B0604020202020204" pitchFamily="34" charset="0"/>
               <a:buChar char="•"/>
             </a:pPr>
-            <a:endParaRPr lang="en-US" dirty="0">
-              <a:solidFill>
-                <a:schemeClr val="tx1">
-                  <a:lumMod val="85000"/>
-                </a:schemeClr>
-              </a:solidFill>
-            </a:endParaRPr>
+            <a:endParaRPr lang="en-US" sz="2400" dirty="0"/>
           </a:p>
           <a:p>
             <a:pPr marL="285750" indent="-285750">
@@ -10694,13 +9809,7 @@
               <a:buChar char="•"/>
             </a:pPr>
             <a:r>
-              <a:rPr lang="en-US" dirty="0">
-                <a:solidFill>
-                  <a:schemeClr val="tx1">
-                    <a:lumMod val="85000"/>
-                  </a:schemeClr>
-                </a:solidFill>
-              </a:rPr>
+              <a:rPr lang="en-US" sz="2400" dirty="0"/>
               <a:t>Benchmarks the cluster, testing by solving a system of linear equations</a:t>
             </a:r>
           </a:p>
@@ -10709,26 +9818,14 @@
               <a:buFont typeface="Arial" panose="020B0604020202020204" pitchFamily="34" charset="0"/>
               <a:buChar char="•"/>
             </a:pPr>
-            <a:endParaRPr lang="en-US" dirty="0">
-              <a:solidFill>
-                <a:schemeClr val="tx1">
-                  <a:lumMod val="85000"/>
-                </a:schemeClr>
-              </a:solidFill>
-            </a:endParaRPr>
+            <a:endParaRPr lang="en-US" sz="2400" dirty="0"/>
           </a:p>
           <a:p>
             <a:pPr marL="285750" indent="-285750">
               <a:buFont typeface="Arial" panose="020B0604020202020204" pitchFamily="34" charset="0"/>
               <a:buChar char="•"/>
             </a:pPr>
-            <a:endParaRPr lang="en-US" dirty="0">
-              <a:solidFill>
-                <a:schemeClr val="tx1">
-                  <a:lumMod val="85000"/>
-                </a:schemeClr>
-              </a:solidFill>
-            </a:endParaRPr>
+            <a:endParaRPr lang="en-US" sz="2400" dirty="0"/>
           </a:p>
         </p:txBody>
       </p:sp>
@@ -10781,7 +9878,7 @@
         </p:nvSpPr>
         <p:spPr>
           <a:xfrm>
-            <a:off x="586935" y="382260"/>
+            <a:off x="437034" y="455028"/>
             <a:ext cx="8534400" cy="1507067"/>
           </a:xfrm>
         </p:spPr>
@@ -10805,8 +9902,8 @@
         </p:nvSpPr>
         <p:spPr>
           <a:xfrm>
-            <a:off x="586936" y="2021489"/>
-            <a:ext cx="3583818" cy="3416320"/>
+            <a:off x="437034" y="1721686"/>
+            <a:ext cx="4116972" cy="4524315"/>
           </a:xfrm>
           <a:prstGeom prst="rect">
             <a:avLst/>
@@ -10824,35 +9921,17 @@
               <a:buChar char="•"/>
             </a:pPr>
             <a:r>
-              <a:rPr lang="en-US" dirty="0" err="1" smtClean="0">
-                <a:solidFill>
-                  <a:schemeClr val="tx1">
-                    <a:lumMod val="85000"/>
-                  </a:schemeClr>
-                </a:solidFill>
-              </a:rPr>
+              <a:rPr lang="en-US" sz="2400" dirty="0" err="1" smtClean="0"/>
               <a:t>Fstab</a:t>
             </a:r>
-            <a:endParaRPr lang="en-US" dirty="0" smtClean="0">
-              <a:solidFill>
-                <a:schemeClr val="tx1">
-                  <a:lumMod val="85000"/>
-                </a:schemeClr>
-              </a:solidFill>
-            </a:endParaRPr>
+            <a:endParaRPr lang="en-US" sz="2400" dirty="0" smtClean="0"/>
           </a:p>
           <a:p>
             <a:pPr marL="285750" indent="-285750">
               <a:buFont typeface="Arial" panose="020B0604020202020204" pitchFamily="34" charset="0"/>
               <a:buChar char="•"/>
             </a:pPr>
-            <a:endParaRPr lang="en-US" dirty="0">
-              <a:solidFill>
-                <a:schemeClr val="tx1">
-                  <a:lumMod val="85000"/>
-                </a:schemeClr>
-              </a:solidFill>
-            </a:endParaRPr>
+            <a:endParaRPr lang="en-US" sz="2400" dirty="0"/>
           </a:p>
           <a:p>
             <a:pPr marL="285750" indent="-285750">
@@ -10860,13 +9939,7 @@
               <a:buChar char="•"/>
             </a:pPr>
             <a:r>
-              <a:rPr lang="en-US" dirty="0" smtClean="0">
-                <a:solidFill>
-                  <a:schemeClr val="tx1">
-                    <a:lumMod val="85000"/>
-                  </a:schemeClr>
-                </a:solidFill>
-              </a:rPr>
+              <a:rPr lang="en-US" sz="2400" dirty="0" smtClean="0"/>
               <a:t>LINPACK</a:t>
             </a:r>
           </a:p>
@@ -10876,13 +9949,7 @@
               <a:buChar char="•"/>
             </a:pPr>
             <a:r>
-              <a:rPr lang="en-US" dirty="0" smtClean="0">
-                <a:solidFill>
-                  <a:schemeClr val="tx1">
-                    <a:lumMod val="85000"/>
-                  </a:schemeClr>
-                </a:solidFill>
-              </a:rPr>
+              <a:rPr lang="en-US" sz="2400" dirty="0" smtClean="0"/>
               <a:t>Building</a:t>
             </a:r>
           </a:p>
@@ -10892,13 +9959,7 @@
               <a:buChar char="•"/>
             </a:pPr>
             <a:r>
-              <a:rPr lang="en-US" dirty="0" smtClean="0">
-                <a:solidFill>
-                  <a:schemeClr val="tx1">
-                    <a:lumMod val="85000"/>
-                  </a:schemeClr>
-                </a:solidFill>
-              </a:rPr>
+              <a:rPr lang="en-US" sz="2400" dirty="0" smtClean="0"/>
               <a:t>Figuring it out</a:t>
             </a:r>
           </a:p>
@@ -10907,13 +9968,7 @@
               <a:buFont typeface="Arial" panose="020B0604020202020204" pitchFamily="34" charset="0"/>
               <a:buChar char="•"/>
             </a:pPr>
-            <a:endParaRPr lang="en-US" dirty="0">
-              <a:solidFill>
-                <a:schemeClr val="tx1">
-                  <a:lumMod val="85000"/>
-                </a:schemeClr>
-              </a:solidFill>
-            </a:endParaRPr>
+            <a:endParaRPr lang="en-US" sz="2400" dirty="0"/>
           </a:p>
           <a:p>
             <a:pPr marL="285750" indent="-285750">
@@ -10921,13 +9976,7 @@
               <a:buChar char="•"/>
             </a:pPr>
             <a:r>
-              <a:rPr lang="en-US" dirty="0" smtClean="0">
-                <a:solidFill>
-                  <a:schemeClr val="tx1">
-                    <a:lumMod val="85000"/>
-                  </a:schemeClr>
-                </a:solidFill>
-              </a:rPr>
+              <a:rPr lang="en-US" sz="2400" dirty="0" smtClean="0"/>
               <a:t>Static Frying</a:t>
             </a:r>
           </a:p>
@@ -10937,13 +9986,7 @@
               <a:buChar char="•"/>
             </a:pPr>
             <a:r>
-              <a:rPr lang="en-US" dirty="0" smtClean="0">
-                <a:solidFill>
-                  <a:schemeClr val="tx1">
-                    <a:lumMod val="85000"/>
-                  </a:schemeClr>
-                </a:solidFill>
-              </a:rPr>
+              <a:rPr lang="en-US" sz="2400" dirty="0" smtClean="0"/>
               <a:t>Two broken</a:t>
             </a:r>
           </a:p>
@@ -10952,13 +9995,7 @@
               <a:buFont typeface="Arial" panose="020B0604020202020204" pitchFamily="34" charset="0"/>
               <a:buChar char="•"/>
             </a:pPr>
-            <a:endParaRPr lang="en-US" dirty="0">
-              <a:solidFill>
-                <a:schemeClr val="tx1">
-                  <a:lumMod val="85000"/>
-                </a:schemeClr>
-              </a:solidFill>
-            </a:endParaRPr>
+            <a:endParaRPr lang="en-US" sz="2400" dirty="0"/>
           </a:p>
           <a:p>
             <a:pPr marL="285750" indent="-285750">
@@ -10966,13 +10003,7 @@
               <a:buChar char="•"/>
             </a:pPr>
             <a:r>
-              <a:rPr lang="en-US" dirty="0" smtClean="0">
-                <a:solidFill>
-                  <a:schemeClr val="tx1">
-                    <a:lumMod val="85000"/>
-                  </a:schemeClr>
-                </a:solidFill>
-              </a:rPr>
+              <a:rPr lang="en-US" sz="2400" dirty="0" smtClean="0"/>
               <a:t>Backorder</a:t>
             </a:r>
           </a:p>
@@ -10982,22 +10013,10 @@
               <a:buChar char="•"/>
             </a:pPr>
             <a:r>
-              <a:rPr lang="en-US" dirty="0" smtClean="0">
-                <a:solidFill>
-                  <a:schemeClr val="tx1">
-                    <a:lumMod val="85000"/>
-                  </a:schemeClr>
-                </a:solidFill>
-              </a:rPr>
+              <a:rPr lang="en-US" sz="2400" dirty="0" smtClean="0"/>
               <a:t>Other message passing protocols</a:t>
             </a:r>
-            <a:endParaRPr lang="en-US" dirty="0">
-              <a:solidFill>
-                <a:schemeClr val="tx1">
-                  <a:lumMod val="85000"/>
-                </a:schemeClr>
-              </a:solidFill>
-            </a:endParaRPr>
+            <a:endParaRPr lang="en-US" sz="2400" dirty="0"/>
           </a:p>
         </p:txBody>
       </p:sp>
@@ -11022,7 +10041,7 @@
         </p:blipFill>
         <p:spPr>
           <a:xfrm>
-            <a:off x="4170753" y="2122707"/>
+            <a:off x="3781008" y="2302588"/>
             <a:ext cx="2621384" cy="2936882"/>
           </a:xfrm>
           <a:prstGeom prst="rect">
@@ -11081,7 +10100,7 @@
         </p:blipFill>
         <p:spPr>
           <a:xfrm>
-            <a:off x="7324746" y="2059804"/>
+            <a:off x="6905022" y="430750"/>
             <a:ext cx="4417429" cy="3062689"/>
           </a:xfrm>
           <a:prstGeom prst="rect">
@@ -11168,7 +10187,7 @@
         </p:nvSpPr>
         <p:spPr>
           <a:xfrm>
-            <a:off x="3153489" y="2159105"/>
+            <a:off x="3924670" y="2192156"/>
             <a:ext cx="8534400" cy="1507067"/>
           </a:xfrm>
         </p:spPr>

--- a/Documents/ClientPresent2.pptx
+++ b/Documents/ClientPresent2.pptx
@@ -7371,13 +7371,10 @@
               <a:buChar char="•"/>
             </a:pPr>
             <a:r>
-              <a:rPr lang="en-US" sz="2400" dirty="0" err="1" smtClean="0"/>
-              <a:t>Miscellanous</a:t>
-            </a:r>
-            <a:r>
               <a:rPr lang="en-US" sz="2400" dirty="0" smtClean="0"/>
-              <a:t> </a:t>
-            </a:r>
+              <a:t>Miscellaneous </a:t>
+            </a:r>
+            <a:endParaRPr lang="en-US" sz="2400" dirty="0" smtClean="0"/>
           </a:p>
           <a:p>
             <a:pPr marL="742950" lvl="1" indent="-285750">
@@ -7757,11 +7754,7 @@
             </a:pPr>
             <a:r>
               <a:rPr lang="en-US" sz="2400" dirty="0" smtClean="0"/>
-              <a:t>Research </a:t>
-            </a:r>
-            <a:r>
-              <a:rPr lang="en-US" sz="2400" dirty="0" smtClean="0"/>
-              <a:t>Symposium: 4/7/2016</a:t>
+              <a:t>Research Symposium: 4/7/2016</a:t>
             </a:r>
           </a:p>
           <a:p>
@@ -8329,11 +8322,7 @@
             </a:pPr>
             <a:r>
               <a:rPr lang="en-US" sz="2400" dirty="0" smtClean="0"/>
-              <a:t>Snow White and the seven </a:t>
-            </a:r>
-            <a:r>
-              <a:rPr lang="en-US" sz="2400" dirty="0" smtClean="0"/>
-              <a:t>dwarfs</a:t>
+              <a:t>Snow White and the seven dwarfs</a:t>
             </a:r>
           </a:p>
           <a:p>
@@ -9183,7 +9172,6 @@
               <a:rPr lang="en-US" sz="2400" dirty="0" smtClean="0"/>
               <a:t>Python</a:t>
             </a:r>
-            <a:endParaRPr lang="en-US" sz="2400" dirty="0" smtClean="0"/>
           </a:p>
           <a:p>
             <a:endParaRPr lang="en-US" sz="2400" dirty="0" smtClean="0"/>
@@ -9384,7 +9372,6 @@
               <a:rPr lang="en-US" sz="2400" dirty="0" smtClean="0"/>
               <a:t>Hello</a:t>
             </a:r>
-            <a:endParaRPr lang="en-US" sz="2400" dirty="0" smtClean="0"/>
           </a:p>
           <a:p>
             <a:endParaRPr lang="en-US" sz="2400" dirty="0"/>
